--- a/UWICS_Git.pptx
+++ b/UWICS_Git.pptx
@@ -5,7 +5,7 @@
     <p:sldMasterId id="2147483648" r:id="rId1"/>
   </p:sldMasterIdLst>
   <p:notesMasterIdLst>
-    <p:notesMasterId r:id="rId18"/>
+    <p:notesMasterId r:id="rId20"/>
   </p:notesMasterIdLst>
   <p:sldIdLst>
     <p:sldId id="256" r:id="rId2"/>
@@ -23,7 +23,9 @@
     <p:sldId id="263" r:id="rId14"/>
     <p:sldId id="264" r:id="rId15"/>
     <p:sldId id="267" r:id="rId16"/>
-    <p:sldId id="276" r:id="rId17"/>
+    <p:sldId id="278" r:id="rId17"/>
+    <p:sldId id="276" r:id="rId18"/>
+    <p:sldId id="277" r:id="rId19"/>
   </p:sldIdLst>
   <p:sldSz cx="12192000" cy="6858000"/>
   <p:notesSz cx="6858000" cy="9144000"/>
@@ -880,15 +882,15 @@
 </file>
 
 <file path=ppt/diagrams/colors2.xml><?xml version="1.0" encoding="utf-8"?>
-<dgm:colorsDef xmlns:dgm="http://schemas.openxmlformats.org/drawingml/2006/diagram" xmlns:a="http://schemas.openxmlformats.org/drawingml/2006/main" uniqueId="urn:microsoft.com/office/officeart/2005/8/colors/colorful5">
+<dgm:colorsDef xmlns:dgm="http://schemas.openxmlformats.org/drawingml/2006/diagram" xmlns:a="http://schemas.openxmlformats.org/drawingml/2006/main" uniqueId="urn:microsoft.com/office/officeart/2005/8/colors/colorful2">
   <dgm:title val=""/>
   <dgm:desc val=""/>
   <dgm:catLst>
-    <dgm:cat type="colorful" pri="10500"/>
+    <dgm:cat type="colorful" pri="10200"/>
   </dgm:catLst>
   <dgm:styleLbl name="node0">
     <dgm:fillClrLst meth="repeat">
-      <a:schemeClr val="accent4"/>
+      <a:schemeClr val="accent1"/>
     </dgm:fillClrLst>
     <dgm:linClrLst meth="repeat">
       <a:schemeClr val="lt1"/>
@@ -900,8 +902,8 @@
   </dgm:styleLbl>
   <dgm:styleLbl name="node1">
     <dgm:fillClrLst>
-      <a:schemeClr val="accent5"/>
-      <a:schemeClr val="accent6"/>
+      <a:schemeClr val="accent2"/>
+      <a:schemeClr val="accent3"/>
     </dgm:fillClrLst>
     <dgm:linClrLst meth="repeat">
       <a:schemeClr val="lt1"/>
@@ -913,12 +915,12 @@
   </dgm:styleLbl>
   <dgm:styleLbl name="alignNode1">
     <dgm:fillClrLst>
-      <a:schemeClr val="accent5"/>
-      <a:schemeClr val="accent6"/>
+      <a:schemeClr val="accent2"/>
+      <a:schemeClr val="accent3"/>
     </dgm:fillClrLst>
     <dgm:linClrLst>
-      <a:schemeClr val="accent5"/>
-      <a:schemeClr val="accent6"/>
+      <a:schemeClr val="accent2"/>
+      <a:schemeClr val="accent3"/>
     </dgm:linClrLst>
     <dgm:effectClrLst/>
     <dgm:txLinClrLst/>
@@ -927,8 +929,8 @@
   </dgm:styleLbl>
   <dgm:styleLbl name="lnNode1">
     <dgm:fillClrLst>
-      <a:schemeClr val="accent5"/>
-      <a:schemeClr val="accent6"/>
+      <a:schemeClr val="accent2"/>
+      <a:schemeClr val="accent3"/>
     </dgm:fillClrLst>
     <dgm:linClrLst meth="repeat">
       <a:schemeClr val="lt1"/>
@@ -940,10 +942,10 @@
   </dgm:styleLbl>
   <dgm:styleLbl name="vennNode1">
     <dgm:fillClrLst>
-      <a:schemeClr val="accent5">
+      <a:schemeClr val="accent2">
         <a:alpha val="50000"/>
       </a:schemeClr>
-      <a:schemeClr val="accent6">
+      <a:schemeClr val="accent3">
         <a:alpha val="50000"/>
       </a:schemeClr>
     </dgm:fillClrLst>
@@ -957,7 +959,7 @@
   </dgm:styleLbl>
   <dgm:styleLbl name="node2">
     <dgm:fillClrLst>
-      <a:schemeClr val="accent6"/>
+      <a:schemeClr val="accent3"/>
     </dgm:fillClrLst>
     <dgm:linClrLst meth="repeat">
       <a:schemeClr val="lt1"/>
@@ -969,7 +971,7 @@
   </dgm:styleLbl>
   <dgm:styleLbl name="node3">
     <dgm:fillClrLst>
-      <a:schemeClr val="accent1"/>
+      <a:schemeClr val="accent4"/>
     </dgm:fillClrLst>
     <dgm:linClrLst meth="repeat">
       <a:schemeClr val="lt1"/>
@@ -981,7 +983,7 @@
   </dgm:styleLbl>
   <dgm:styleLbl name="node4">
     <dgm:fillClrLst>
-      <a:schemeClr val="accent2"/>
+      <a:schemeClr val="accent5"/>
     </dgm:fillClrLst>
     <dgm:linClrLst meth="repeat">
       <a:schemeClr val="lt1"/>
@@ -993,10 +995,10 @@
   </dgm:styleLbl>
   <dgm:styleLbl name="fgImgPlace1">
     <dgm:fillClrLst>
-      <a:schemeClr val="accent5">
+      <a:schemeClr val="accent2">
         <a:tint val="50000"/>
       </a:schemeClr>
-      <a:schemeClr val="accent6">
+      <a:schemeClr val="accent3">
         <a:tint val="50000"/>
       </a:schemeClr>
     </dgm:fillClrLst>
@@ -1012,10 +1014,10 @@
   </dgm:styleLbl>
   <dgm:styleLbl name="alignImgPlace1">
     <dgm:fillClrLst>
-      <a:schemeClr val="accent5">
+      <a:schemeClr val="accent2">
         <a:tint val="50000"/>
       </a:schemeClr>
-      <a:schemeClr val="accent6">
+      <a:schemeClr val="accent3">
         <a:tint val="20000"/>
       </a:schemeClr>
     </dgm:fillClrLst>
@@ -1031,10 +1033,10 @@
   </dgm:styleLbl>
   <dgm:styleLbl name="bgImgPlace1">
     <dgm:fillClrLst>
-      <a:schemeClr val="accent5">
+      <a:schemeClr val="accent2">
         <a:tint val="50000"/>
       </a:schemeClr>
-      <a:schemeClr val="accent6">
+      <a:schemeClr val="accent3">
         <a:tint val="20000"/>
       </a:schemeClr>
     </dgm:fillClrLst>
@@ -1050,8 +1052,8 @@
   </dgm:styleLbl>
   <dgm:styleLbl name="sibTrans2D1">
     <dgm:fillClrLst>
-      <a:schemeClr val="accent5"/>
-      <a:schemeClr val="accent6"/>
+      <a:schemeClr val="accent2"/>
+      <a:schemeClr val="accent3"/>
     </dgm:fillClrLst>
     <dgm:linClrLst meth="repeat">
       <a:schemeClr val="lt1"/>
@@ -1063,8 +1065,8 @@
   </dgm:styleLbl>
   <dgm:styleLbl name="fgSibTrans2D1">
     <dgm:fillClrLst>
-      <a:schemeClr val="accent5"/>
-      <a:schemeClr val="accent6"/>
+      <a:schemeClr val="accent2"/>
+      <a:schemeClr val="accent3"/>
     </dgm:fillClrLst>
     <dgm:linClrLst meth="repeat">
       <a:schemeClr val="lt1"/>
@@ -1078,8 +1080,8 @@
   </dgm:styleLbl>
   <dgm:styleLbl name="bgSibTrans2D1">
     <dgm:fillClrLst>
-      <a:schemeClr val="accent5"/>
-      <a:schemeClr val="accent6"/>
+      <a:schemeClr val="accent2"/>
+      <a:schemeClr val="accent3"/>
     </dgm:fillClrLst>
     <dgm:linClrLst meth="repeat">
       <a:schemeClr val="lt1"/>
@@ -1094,8 +1096,8 @@
   <dgm:styleLbl name="sibTrans1D1">
     <dgm:fillClrLst/>
     <dgm:linClrLst>
-      <a:schemeClr val="accent5"/>
-      <a:schemeClr val="accent6"/>
+      <a:schemeClr val="accent2"/>
+      <a:schemeClr val="accent3"/>
     </dgm:linClrLst>
     <dgm:effectClrLst/>
     <dgm:txLinClrLst/>
@@ -1106,10 +1108,10 @@
   </dgm:styleLbl>
   <dgm:styleLbl name="callout">
     <dgm:fillClrLst meth="repeat">
-      <a:schemeClr val="accent5"/>
+      <a:schemeClr val="accent2"/>
     </dgm:fillClrLst>
     <dgm:linClrLst meth="repeat">
-      <a:schemeClr val="accent5">
+      <a:schemeClr val="accent2">
         <a:tint val="50000"/>
       </a:schemeClr>
     </dgm:linClrLst>
@@ -1122,7 +1124,7 @@
   </dgm:styleLbl>
   <dgm:styleLbl name="asst0">
     <dgm:fillClrLst meth="repeat">
-      <a:schemeClr val="accent5"/>
+      <a:schemeClr val="accent2"/>
     </dgm:fillClrLst>
     <dgm:linClrLst meth="repeat">
       <a:schemeClr val="lt1">
@@ -1136,7 +1138,7 @@
   </dgm:styleLbl>
   <dgm:styleLbl name="asst1">
     <dgm:fillClrLst meth="repeat">
-      <a:schemeClr val="accent6"/>
+      <a:schemeClr val="accent3"/>
     </dgm:fillClrLst>
     <dgm:linClrLst meth="repeat">
       <a:schemeClr val="lt1">
@@ -1150,7 +1152,7 @@
   </dgm:styleLbl>
   <dgm:styleLbl name="asst2">
     <dgm:fillClrLst>
-      <a:schemeClr val="accent1"/>
+      <a:schemeClr val="accent4"/>
     </dgm:fillClrLst>
     <dgm:linClrLst meth="repeat">
       <a:schemeClr val="lt1"/>
@@ -1162,7 +1164,7 @@
   </dgm:styleLbl>
   <dgm:styleLbl name="asst3">
     <dgm:fillClrLst>
-      <a:schemeClr val="accent2"/>
+      <a:schemeClr val="accent5"/>
     </dgm:fillClrLst>
     <dgm:linClrLst meth="repeat">
       <a:schemeClr val="lt1"/>
@@ -1174,6 +1176,32 @@
   </dgm:styleLbl>
   <dgm:styleLbl name="asst4">
     <dgm:fillClrLst>
+      <a:schemeClr val="accent6"/>
+    </dgm:fillClrLst>
+    <dgm:linClrLst meth="repeat">
+      <a:schemeClr val="lt1"/>
+    </dgm:linClrLst>
+    <dgm:effectClrLst/>
+    <dgm:txLinClrLst/>
+    <dgm:txFillClrLst/>
+    <dgm:txEffectClrLst/>
+  </dgm:styleLbl>
+  <dgm:styleLbl name="parChTrans2D1">
+    <dgm:fillClrLst meth="repeat">
+      <a:schemeClr val="accent2"/>
+    </dgm:fillClrLst>
+    <dgm:linClrLst meth="repeat">
+      <a:schemeClr val="lt1"/>
+    </dgm:linClrLst>
+    <dgm:effectClrLst/>
+    <dgm:txLinClrLst/>
+    <dgm:txFillClrLst meth="repeat">
+      <a:schemeClr val="lt1"/>
+    </dgm:txFillClrLst>
+    <dgm:txEffectClrLst/>
+  </dgm:styleLbl>
+  <dgm:styleLbl name="parChTrans2D2">
+    <dgm:fillClrLst meth="repeat">
       <a:schemeClr val="accent3"/>
     </dgm:fillClrLst>
     <dgm:linClrLst meth="repeat">
@@ -1184,7 +1212,19 @@
     <dgm:txFillClrLst/>
     <dgm:txEffectClrLst/>
   </dgm:styleLbl>
-  <dgm:styleLbl name="parChTrans2D1">
+  <dgm:styleLbl name="parChTrans2D3">
+    <dgm:fillClrLst meth="repeat">
+      <a:schemeClr val="accent4"/>
+    </dgm:fillClrLst>
+    <dgm:linClrLst meth="repeat">
+      <a:schemeClr val="lt1"/>
+    </dgm:linClrLst>
+    <dgm:effectClrLst/>
+    <dgm:txLinClrLst/>
+    <dgm:txFillClrLst/>
+    <dgm:txEffectClrLst/>
+  </dgm:styleLbl>
+  <dgm:styleLbl name="parChTrans2D4">
     <dgm:fillClrLst meth="repeat">
       <a:schemeClr val="accent5"/>
     </dgm:fillClrLst>
@@ -1198,50 +1238,12 @@
     </dgm:txFillClrLst>
     <dgm:txEffectClrLst/>
   </dgm:styleLbl>
-  <dgm:styleLbl name="parChTrans2D2">
+  <dgm:styleLbl name="parChTrans1D1">
     <dgm:fillClrLst meth="repeat">
-      <a:schemeClr val="accent6"/>
+      <a:schemeClr val="accent2"/>
     </dgm:fillClrLst>
     <dgm:linClrLst meth="repeat">
-      <a:schemeClr val="lt1"/>
-    </dgm:linClrLst>
-    <dgm:effectClrLst/>
-    <dgm:txLinClrLst/>
-    <dgm:txFillClrLst/>
-    <dgm:txEffectClrLst/>
-  </dgm:styleLbl>
-  <dgm:styleLbl name="parChTrans2D3">
-    <dgm:fillClrLst meth="repeat">
-      <a:schemeClr val="accent6"/>
-    </dgm:fillClrLst>
-    <dgm:linClrLst meth="repeat">
-      <a:schemeClr val="lt1"/>
-    </dgm:linClrLst>
-    <dgm:effectClrLst/>
-    <dgm:txLinClrLst/>
-    <dgm:txFillClrLst/>
-    <dgm:txEffectClrLst/>
-  </dgm:styleLbl>
-  <dgm:styleLbl name="parChTrans2D4">
-    <dgm:fillClrLst meth="repeat">
-      <a:schemeClr val="accent1"/>
-    </dgm:fillClrLst>
-    <dgm:linClrLst meth="repeat">
-      <a:schemeClr val="lt1"/>
-    </dgm:linClrLst>
-    <dgm:effectClrLst/>
-    <dgm:txLinClrLst/>
-    <dgm:txFillClrLst meth="repeat">
-      <a:schemeClr val="lt1"/>
-    </dgm:txFillClrLst>
-    <dgm:txEffectClrLst/>
-  </dgm:styleLbl>
-  <dgm:styleLbl name="parChTrans1D1">
-    <dgm:fillClrLst meth="repeat">
-      <a:schemeClr val="accent5"/>
-    </dgm:fillClrLst>
-    <dgm:linClrLst meth="repeat">
-      <a:schemeClr val="accent5"/>
+      <a:schemeClr val="accent2"/>
     </dgm:linClrLst>
     <dgm:effectClrLst/>
     <dgm:txLinClrLst/>
@@ -1252,12 +1254,12 @@
   </dgm:styleLbl>
   <dgm:styleLbl name="parChTrans1D2">
     <dgm:fillClrLst meth="repeat">
-      <a:schemeClr val="accent6">
+      <a:schemeClr val="accent2">
         <a:tint val="90000"/>
       </a:schemeClr>
     </dgm:fillClrLst>
     <dgm:linClrLst meth="repeat">
-      <a:schemeClr val="accent6"/>
+      <a:schemeClr val="accent3"/>
     </dgm:linClrLst>
     <dgm:effectClrLst/>
     <dgm:txLinClrLst/>
@@ -1268,12 +1270,12 @@
   </dgm:styleLbl>
   <dgm:styleLbl name="parChTrans1D3">
     <dgm:fillClrLst meth="repeat">
-      <a:schemeClr val="accent6">
+      <a:schemeClr val="accent2">
         <a:tint val="70000"/>
       </a:schemeClr>
     </dgm:fillClrLst>
     <dgm:linClrLst meth="repeat">
-      <a:schemeClr val="accent1"/>
+      <a:schemeClr val="accent4"/>
     </dgm:linClrLst>
     <dgm:effectClrLst/>
     <dgm:txLinClrLst/>
@@ -1284,12 +1286,12 @@
   </dgm:styleLbl>
   <dgm:styleLbl name="parChTrans1D4">
     <dgm:fillClrLst meth="repeat">
-      <a:schemeClr val="accent6">
+      <a:schemeClr val="accent2">
         <a:tint val="50000"/>
       </a:schemeClr>
     </dgm:fillClrLst>
     <dgm:linClrLst meth="repeat">
-      <a:schemeClr val="accent2"/>
+      <a:schemeClr val="accent5"/>
     </dgm:linClrLst>
     <dgm:effectClrLst/>
     <dgm:txLinClrLst/>
@@ -1305,8 +1307,8 @@
       </a:schemeClr>
     </dgm:fillClrLst>
     <dgm:linClrLst>
-      <a:schemeClr val="accent5"/>
-      <a:schemeClr val="accent6"/>
+      <a:schemeClr val="accent2"/>
+      <a:schemeClr val="accent3"/>
     </dgm:linClrLst>
     <dgm:effectClrLst/>
     <dgm:txLinClrLst/>
@@ -1322,8 +1324,8 @@
       </a:schemeClr>
     </dgm:fillClrLst>
     <dgm:linClrLst>
-      <a:schemeClr val="accent5"/>
-      <a:schemeClr val="accent6"/>
+      <a:schemeClr val="accent2"/>
+      <a:schemeClr val="accent3"/>
     </dgm:linClrLst>
     <dgm:effectClrLst/>
     <dgm:txLinClrLst/>
@@ -1339,8 +1341,8 @@
       </a:schemeClr>
     </dgm:fillClrLst>
     <dgm:linClrLst>
-      <a:schemeClr val="accent5"/>
-      <a:schemeClr val="accent6"/>
+      <a:schemeClr val="accent2"/>
+      <a:schemeClr val="accent3"/>
     </dgm:linClrLst>
     <dgm:effectClrLst/>
     <dgm:txLinClrLst/>
@@ -1356,7 +1358,7 @@
       </a:schemeClr>
     </dgm:fillClrLst>
     <dgm:linClrLst meth="repeat">
-      <a:schemeClr val="accent5"/>
+      <a:schemeClr val="accent2"/>
     </dgm:linClrLst>
     <dgm:effectClrLst/>
     <dgm:txLinClrLst/>
@@ -1372,8 +1374,8 @@
       </a:schemeClr>
     </dgm:fillClrLst>
     <dgm:linClrLst>
-      <a:schemeClr val="accent5"/>
-      <a:schemeClr val="accent6"/>
+      <a:schemeClr val="accent2"/>
+      <a:schemeClr val="accent3"/>
     </dgm:linClrLst>
     <dgm:effectClrLst/>
     <dgm:txLinClrLst/>
@@ -1387,8 +1389,8 @@
       <a:schemeClr val="lt1"/>
     </dgm:fillClrLst>
     <dgm:linClrLst>
-      <a:schemeClr val="accent5"/>
-      <a:schemeClr val="accent6"/>
+      <a:schemeClr val="accent2"/>
+      <a:schemeClr val="accent3"/>
     </dgm:linClrLst>
     <dgm:effectClrLst/>
     <dgm:txLinClrLst/>
@@ -1402,8 +1404,8 @@
       <a:schemeClr val="lt1"/>
     </dgm:fillClrLst>
     <dgm:linClrLst>
-      <a:schemeClr val="accent5"/>
-      <a:schemeClr val="accent6"/>
+      <a:schemeClr val="accent2"/>
+      <a:schemeClr val="accent3"/>
     </dgm:linClrLst>
     <dgm:effectClrLst/>
     <dgm:txLinClrLst/>
@@ -1417,8 +1419,8 @@
       <a:schemeClr val="lt1"/>
     </dgm:fillClrLst>
     <dgm:linClrLst>
-      <a:schemeClr val="accent5"/>
-      <a:schemeClr val="accent6"/>
+      <a:schemeClr val="accent2"/>
+      <a:schemeClr val="accent3"/>
     </dgm:linClrLst>
     <dgm:effectClrLst/>
     <dgm:txLinClrLst/>
@@ -1429,21 +1431,21 @@
   </dgm:styleLbl>
   <dgm:styleLbl name="fgAccFollowNode1">
     <dgm:fillClrLst>
-      <a:schemeClr val="accent5">
+      <a:schemeClr val="accent2">
         <a:tint val="40000"/>
         <a:alpha val="90000"/>
       </a:schemeClr>
-      <a:schemeClr val="accent6">
+      <a:schemeClr val="accent3">
         <a:tint val="40000"/>
         <a:alpha val="90000"/>
       </a:schemeClr>
     </dgm:fillClrLst>
     <dgm:linClrLst>
-      <a:schemeClr val="accent5">
+      <a:schemeClr val="accent2">
         <a:tint val="40000"/>
         <a:alpha val="90000"/>
       </a:schemeClr>
-      <a:schemeClr val="accent5">
+      <a:schemeClr val="accent3">
         <a:tint val="40000"/>
         <a:alpha val="90000"/>
       </a:schemeClr>
@@ -1457,21 +1459,21 @@
   </dgm:styleLbl>
   <dgm:styleLbl name="alignAccFollowNode1">
     <dgm:fillClrLst>
-      <a:schemeClr val="accent5">
+      <a:schemeClr val="accent2">
         <a:tint val="40000"/>
         <a:alpha val="90000"/>
       </a:schemeClr>
-      <a:schemeClr val="accent6">
+      <a:schemeClr val="accent3">
         <a:tint val="40000"/>
         <a:alpha val="90000"/>
       </a:schemeClr>
     </dgm:fillClrLst>
     <dgm:linClrLst>
-      <a:schemeClr val="accent5">
+      <a:schemeClr val="accent2">
         <a:tint val="40000"/>
         <a:alpha val="90000"/>
       </a:schemeClr>
-      <a:schemeClr val="accent6">
+      <a:schemeClr val="accent3">
         <a:tint val="40000"/>
         <a:alpha val="90000"/>
       </a:schemeClr>
@@ -1485,21 +1487,21 @@
   </dgm:styleLbl>
   <dgm:styleLbl name="bgAccFollowNode1">
     <dgm:fillClrLst>
-      <a:schemeClr val="accent5">
+      <a:schemeClr val="accent2">
         <a:tint val="40000"/>
         <a:alpha val="90000"/>
       </a:schemeClr>
-      <a:schemeClr val="accent6">
+      <a:schemeClr val="accent3">
         <a:tint val="40000"/>
         <a:alpha val="90000"/>
       </a:schemeClr>
     </dgm:fillClrLst>
     <dgm:linClrLst>
-      <a:schemeClr val="accent5">
+      <a:schemeClr val="accent2">
         <a:tint val="40000"/>
         <a:alpha val="90000"/>
       </a:schemeClr>
-      <a:schemeClr val="accent6">
+      <a:schemeClr val="accent3">
         <a:tint val="40000"/>
         <a:alpha val="90000"/>
       </a:schemeClr>
@@ -1518,7 +1520,7 @@
       </a:schemeClr>
     </dgm:fillClrLst>
     <dgm:linClrLst>
-      <a:schemeClr val="accent4"/>
+      <a:schemeClr val="accent1"/>
     </dgm:linClrLst>
     <dgm:effectClrLst/>
     <dgm:txLinClrLst/>
@@ -1534,7 +1536,7 @@
       </a:schemeClr>
     </dgm:fillClrLst>
     <dgm:linClrLst>
-      <a:schemeClr val="accent6"/>
+      <a:schemeClr val="accent3"/>
     </dgm:linClrLst>
     <dgm:effectClrLst/>
     <dgm:txLinClrLst/>
@@ -1550,7 +1552,7 @@
       </a:schemeClr>
     </dgm:fillClrLst>
     <dgm:linClrLst>
-      <a:schemeClr val="accent1"/>
+      <a:schemeClr val="accent4"/>
     </dgm:linClrLst>
     <dgm:effectClrLst/>
     <dgm:txLinClrLst/>
@@ -1566,7 +1568,7 @@
       </a:schemeClr>
     </dgm:fillClrLst>
     <dgm:linClrLst>
-      <a:schemeClr val="accent2"/>
+      <a:schemeClr val="accent5"/>
     </dgm:linClrLst>
     <dgm:effectClrLst/>
     <dgm:txLinClrLst/>
@@ -1577,7 +1579,7 @@
   </dgm:styleLbl>
   <dgm:styleLbl name="bgShp">
     <dgm:fillClrLst meth="repeat">
-      <a:schemeClr val="accent5">
+      <a:schemeClr val="accent2">
         <a:tint val="40000"/>
       </a:schemeClr>
     </dgm:fillClrLst>
@@ -1593,7 +1595,7 @@
   </dgm:styleLbl>
   <dgm:styleLbl name="dkBgShp">
     <dgm:fillClrLst meth="repeat">
-      <a:schemeClr val="accent5">
+      <a:schemeClr val="accent2">
         <a:shade val="90000"/>
       </a:schemeClr>
     </dgm:fillClrLst>
@@ -1609,13 +1611,13 @@
   </dgm:styleLbl>
   <dgm:styleLbl name="trBgShp">
     <dgm:fillClrLst meth="repeat">
-      <a:schemeClr val="accent5">
+      <a:schemeClr val="accent2">
         <a:tint val="50000"/>
         <a:alpha val="40000"/>
       </a:schemeClr>
     </dgm:fillClrLst>
     <dgm:linClrLst meth="repeat">
-      <a:schemeClr val="accent5"/>
+      <a:schemeClr val="accent2"/>
     </dgm:linClrLst>
     <dgm:effectClrLst/>
     <dgm:txLinClrLst/>
@@ -1626,7 +1628,7 @@
   </dgm:styleLbl>
   <dgm:styleLbl name="fgShp">
     <dgm:fillClrLst meth="repeat">
-      <a:schemeClr val="accent5">
+      <a:schemeClr val="accent2">
         <a:tint val="40000"/>
       </a:schemeClr>
     </dgm:fillClrLst>
@@ -1883,7 +1885,7 @@
   <dgm:whole/>
   <dgm:extLst>
     <a:ext uri="http://schemas.microsoft.com/office/drawing/2008/diagram">
-      <dsp:dataModelExt xmlns:dsp="http://schemas.microsoft.com/office/drawing/2008/diagram" relId="rId8" minVer="http://schemas.openxmlformats.org/drawingml/2006/diagram"/>
+      <dsp:dataModelExt xmlns:dsp="http://schemas.microsoft.com/office/drawing/2008/diagram" relId="rId7" minVer="http://schemas.openxmlformats.org/drawingml/2006/diagram"/>
     </a:ext>
   </dgm:extLst>
 </dgm:dataModel>
@@ -1893,7 +1895,7 @@
 <dgm:dataModel xmlns:dgm="http://schemas.openxmlformats.org/drawingml/2006/diagram" xmlns:a="http://schemas.openxmlformats.org/drawingml/2006/main">
   <dgm:ptLst>
     <dgm:pt modelId="{E7FD588B-F68E-41BB-A04E-509B45C84B6E}" type="doc">
-      <dgm:prSet loTypeId="urn:microsoft.com/office/officeart/2005/8/layout/cycle6" loCatId="cycle" qsTypeId="urn:microsoft.com/office/officeart/2005/8/quickstyle/simple2" qsCatId="simple" csTypeId="urn:microsoft.com/office/officeart/2005/8/colors/colorful5" csCatId="colorful" phldr="1"/>
+      <dgm:prSet loTypeId="urn:microsoft.com/office/officeart/2005/8/layout/cycle6" loCatId="cycle" qsTypeId="urn:microsoft.com/office/officeart/2005/8/quickstyle/simple2" qsCatId="simple" csTypeId="urn:microsoft.com/office/officeart/2005/8/colors/colorful2" csCatId="colorful" phldr="1"/>
       <dgm:spPr/>
       <dgm:t>
         <a:bodyPr/>
@@ -1910,24 +1912,11 @@
         <a:bodyPr/>
         <a:lstStyle/>
         <a:p>
-          <a:pPr>
-            <a:lnSpc>
-              <a:spcPct val="100000"/>
-            </a:lnSpc>
-          </a:pPr>
           <a:r>
-            <a:rPr lang="en-TT" dirty="0">
-              <a:solidFill>
-                <a:schemeClr val="bg1"/>
-              </a:solidFill>
-            </a:rPr>
+            <a:rPr lang="en-TT"/>
             <a:t>git branch verse2</a:t>
           </a:r>
-          <a:endParaRPr lang="en-US" dirty="0">
-            <a:solidFill>
-              <a:schemeClr val="bg1"/>
-            </a:solidFill>
-          </a:endParaRPr>
+          <a:endParaRPr lang="en-US"/>
         </a:p>
       </dgm:t>
     </dgm:pt>
@@ -1949,11 +1938,6 @@
         <a:bodyPr/>
         <a:lstStyle/>
         <a:p>
-          <a:pPr>
-            <a:lnSpc>
-              <a:spcPct val="100000"/>
-            </a:lnSpc>
-          </a:pPr>
           <a:endParaRPr lang="en-US"/>
         </a:p>
       </dgm:t>
@@ -1965,24 +1949,11 @@
         <a:bodyPr/>
         <a:lstStyle/>
         <a:p>
-          <a:pPr>
-            <a:lnSpc>
-              <a:spcPct val="100000"/>
-            </a:lnSpc>
-          </a:pPr>
           <a:r>
-            <a:rPr lang="en-TT" dirty="0">
-              <a:solidFill>
-                <a:schemeClr val="bg1"/>
-              </a:solidFill>
-            </a:rPr>
+            <a:rPr lang="en-TT"/>
             <a:t>git checkout verse2</a:t>
           </a:r>
-          <a:endParaRPr lang="en-US" dirty="0">
-            <a:solidFill>
-              <a:schemeClr val="bg1"/>
-            </a:solidFill>
-          </a:endParaRPr>
+          <a:endParaRPr lang="en-US"/>
         </a:p>
       </dgm:t>
     </dgm:pt>
@@ -2004,11 +1975,6 @@
         <a:bodyPr/>
         <a:lstStyle/>
         <a:p>
-          <a:pPr>
-            <a:lnSpc>
-              <a:spcPct val="100000"/>
-            </a:lnSpc>
-          </a:pPr>
           <a:endParaRPr lang="en-US"/>
         </a:p>
       </dgm:t>
@@ -2020,24 +1986,11 @@
         <a:bodyPr/>
         <a:lstStyle/>
         <a:p>
-          <a:pPr>
-            <a:lnSpc>
-              <a:spcPct val="100000"/>
-            </a:lnSpc>
-          </a:pPr>
           <a:r>
-            <a:rPr lang="en-TT" dirty="0">
-              <a:solidFill>
-                <a:schemeClr val="bg1"/>
-              </a:solidFill>
-            </a:rPr>
+            <a:rPr lang="en-TT"/>
             <a:t>Edit files</a:t>
           </a:r>
-          <a:endParaRPr lang="en-US" dirty="0">
-            <a:solidFill>
-              <a:schemeClr val="bg1"/>
-            </a:solidFill>
-          </a:endParaRPr>
+          <a:endParaRPr lang="en-US"/>
         </a:p>
       </dgm:t>
     </dgm:pt>
@@ -2070,24 +2023,11 @@
         <a:bodyPr/>
         <a:lstStyle/>
         <a:p>
-          <a:pPr>
-            <a:lnSpc>
-              <a:spcPct val="100000"/>
-            </a:lnSpc>
-          </a:pPr>
           <a:r>
-            <a:rPr lang="en-TT" dirty="0">
-              <a:solidFill>
-                <a:schemeClr val="bg1"/>
-              </a:solidFill>
-            </a:rPr>
+            <a:rPr lang="en-TT"/>
             <a:t>git checkout master</a:t>
           </a:r>
-          <a:endParaRPr lang="en-US" dirty="0">
-            <a:solidFill>
-              <a:schemeClr val="bg1"/>
-            </a:solidFill>
-          </a:endParaRPr>
+          <a:endParaRPr lang="en-US"/>
         </a:p>
       </dgm:t>
     </dgm:pt>
@@ -2120,24 +2060,11 @@
         <a:bodyPr/>
         <a:lstStyle/>
         <a:p>
-          <a:pPr>
-            <a:lnSpc>
-              <a:spcPct val="100000"/>
-            </a:lnSpc>
-          </a:pPr>
           <a:r>
-            <a:rPr lang="en-TT" dirty="0">
-              <a:solidFill>
-                <a:schemeClr val="bg1"/>
-              </a:solidFill>
-            </a:rPr>
+            <a:rPr lang="en-TT"/>
             <a:t>git merge [branch]</a:t>
           </a:r>
-          <a:endParaRPr lang="en-US" dirty="0">
-            <a:solidFill>
-              <a:schemeClr val="bg1"/>
-            </a:solidFill>
-          </a:endParaRPr>
+          <a:endParaRPr lang="en-US"/>
         </a:p>
       </dgm:t>
     </dgm:pt>
@@ -2163,7 +2090,7 @@
         </a:p>
       </dgm:t>
     </dgm:pt>
-    <dgm:pt modelId="{BBF34605-1976-43B3-8EDC-B6A67021B7FE}" type="pres">
+    <dgm:pt modelId="{ED305A1A-5E84-4988-A1E3-46278F3B591D}" type="pres">
       <dgm:prSet presAssocID="{E7FD588B-F68E-41BB-A04E-509B45C84B6E}" presName="cycle" presStyleCnt="0">
         <dgm:presLayoutVars>
           <dgm:dir/>
@@ -2172,7 +2099,7 @@
       </dgm:prSet>
       <dgm:spPr/>
     </dgm:pt>
-    <dgm:pt modelId="{71FF218E-1827-4B89-994A-D0953E600C7B}" type="pres">
+    <dgm:pt modelId="{3A10CA02-76FE-44E6-BCE0-EE5B5E1C4351}" type="pres">
       <dgm:prSet presAssocID="{F88C42DD-4CA9-46BF-9C13-B09846F83BB2}" presName="node" presStyleLbl="node1" presStyleIdx="0" presStyleCnt="5">
         <dgm:presLayoutVars>
           <dgm:bulletEnabled val="1"/>
@@ -2180,15 +2107,15 @@
       </dgm:prSet>
       <dgm:spPr/>
     </dgm:pt>
-    <dgm:pt modelId="{3950FCC7-8A6A-41DC-A5AF-DC4D12B4A8AC}" type="pres">
+    <dgm:pt modelId="{EB97FA4A-6154-4583-B44C-4E6EDF28C89F}" type="pres">
       <dgm:prSet presAssocID="{F88C42DD-4CA9-46BF-9C13-B09846F83BB2}" presName="spNode" presStyleCnt="0"/>
       <dgm:spPr/>
     </dgm:pt>
-    <dgm:pt modelId="{A95DD121-1AC5-424B-9651-51BEC88A077D}" type="pres">
+    <dgm:pt modelId="{1CFC377A-7E55-4208-AD60-80F3FDB5E277}" type="pres">
       <dgm:prSet presAssocID="{C967B9B4-CE72-4ED4-B710-49D697031F26}" presName="sibTrans" presStyleLbl="sibTrans1D1" presStyleIdx="0" presStyleCnt="5"/>
       <dgm:spPr/>
     </dgm:pt>
-    <dgm:pt modelId="{3297D200-C35C-4351-AD93-CE9E569BD2DE}" type="pres">
+    <dgm:pt modelId="{630D677E-1EA4-460D-AA1E-2D772B09107E}" type="pres">
       <dgm:prSet presAssocID="{AA61AF5C-7C3B-4688-B8CE-59A77E82ECB3}" presName="node" presStyleLbl="node1" presStyleIdx="1" presStyleCnt="5">
         <dgm:presLayoutVars>
           <dgm:bulletEnabled val="1"/>
@@ -2196,15 +2123,15 @@
       </dgm:prSet>
       <dgm:spPr/>
     </dgm:pt>
-    <dgm:pt modelId="{2DF8A333-1BBB-4576-8841-238921A92297}" type="pres">
+    <dgm:pt modelId="{561EAFFA-3CD3-48AD-BC03-F97F3A6F1C93}" type="pres">
       <dgm:prSet presAssocID="{AA61AF5C-7C3B-4688-B8CE-59A77E82ECB3}" presName="spNode" presStyleCnt="0"/>
       <dgm:spPr/>
     </dgm:pt>
-    <dgm:pt modelId="{A80A4256-2549-4405-A127-70314B7C71C1}" type="pres">
+    <dgm:pt modelId="{B0391872-FBB6-456B-BD62-789B4899A59A}" type="pres">
       <dgm:prSet presAssocID="{C59636CE-D264-46E2-8B28-6F7D803DA676}" presName="sibTrans" presStyleLbl="sibTrans1D1" presStyleIdx="1" presStyleCnt="5"/>
       <dgm:spPr/>
     </dgm:pt>
-    <dgm:pt modelId="{A77C7112-6C52-4285-AC99-ECEC3132B9BE}" type="pres">
+    <dgm:pt modelId="{03528D75-149E-45A8-B063-0E937DCEB85F}" type="pres">
       <dgm:prSet presAssocID="{A73F07EE-F4AD-4C66-9A4E-5C3AB891C805}" presName="node" presStyleLbl="node1" presStyleIdx="2" presStyleCnt="5">
         <dgm:presLayoutVars>
           <dgm:bulletEnabled val="1"/>
@@ -2212,15 +2139,15 @@
       </dgm:prSet>
       <dgm:spPr/>
     </dgm:pt>
-    <dgm:pt modelId="{ED8EA01D-CB5A-4EE9-AAF2-F96396B97017}" type="pres">
+    <dgm:pt modelId="{B79EEF5E-E5AB-4C8B-8F38-EA9CEFCD4FE3}" type="pres">
       <dgm:prSet presAssocID="{A73F07EE-F4AD-4C66-9A4E-5C3AB891C805}" presName="spNode" presStyleCnt="0"/>
       <dgm:spPr/>
     </dgm:pt>
-    <dgm:pt modelId="{D15196A2-775C-4A27-A451-F02B0DFB0D1F}" type="pres">
+    <dgm:pt modelId="{4E5049B3-8222-4F68-A58C-B4B10628C10F}" type="pres">
       <dgm:prSet presAssocID="{BD9D058F-C382-4059-9C02-15638A156D5C}" presName="sibTrans" presStyleLbl="sibTrans1D1" presStyleIdx="2" presStyleCnt="5"/>
       <dgm:spPr/>
     </dgm:pt>
-    <dgm:pt modelId="{3ED07B5A-AA01-4DC4-8E08-3D1EED1D8845}" type="pres">
+    <dgm:pt modelId="{416093AE-AF6C-4EB5-B619-D503FC1E2EA9}" type="pres">
       <dgm:prSet presAssocID="{3B7AD30B-5512-4658-94BC-4CD5DF489937}" presName="node" presStyleLbl="node1" presStyleIdx="3" presStyleCnt="5">
         <dgm:presLayoutVars>
           <dgm:bulletEnabled val="1"/>
@@ -2228,15 +2155,15 @@
       </dgm:prSet>
       <dgm:spPr/>
     </dgm:pt>
-    <dgm:pt modelId="{DB8881A0-5011-4921-A4D0-18B566172F3D}" type="pres">
+    <dgm:pt modelId="{65BB6DE8-DF5A-421F-822C-894B5E0E8750}" type="pres">
       <dgm:prSet presAssocID="{3B7AD30B-5512-4658-94BC-4CD5DF489937}" presName="spNode" presStyleCnt="0"/>
       <dgm:spPr/>
     </dgm:pt>
-    <dgm:pt modelId="{18DBF367-4058-4640-9E5B-296DDBDDFA05}" type="pres">
+    <dgm:pt modelId="{491C428B-E933-450C-B73D-361D73037E4F}" type="pres">
       <dgm:prSet presAssocID="{4A117599-77EB-4904-BE7F-E77E10A45C10}" presName="sibTrans" presStyleLbl="sibTrans1D1" presStyleIdx="3" presStyleCnt="5"/>
       <dgm:spPr/>
     </dgm:pt>
-    <dgm:pt modelId="{895DF4F0-3337-47C2-9366-63114D725F81}" type="pres">
+    <dgm:pt modelId="{12EE60E7-7299-4020-83C9-2B64D57D7BFA}" type="pres">
       <dgm:prSet presAssocID="{1D209A51-8029-4909-A47B-B2CB5B03C571}" presName="node" presStyleLbl="node1" presStyleIdx="4" presStyleCnt="5">
         <dgm:presLayoutVars>
           <dgm:bulletEnabled val="1"/>
@@ -2244,47 +2171,47 @@
       </dgm:prSet>
       <dgm:spPr/>
     </dgm:pt>
-    <dgm:pt modelId="{3BD245B5-82B3-4599-BA65-911B07FDFD03}" type="pres">
+    <dgm:pt modelId="{143979B7-935E-4EFA-8676-9A02D24E71BA}" type="pres">
       <dgm:prSet presAssocID="{1D209A51-8029-4909-A47B-B2CB5B03C571}" presName="spNode" presStyleCnt="0"/>
       <dgm:spPr/>
     </dgm:pt>
-    <dgm:pt modelId="{6C5421F1-D874-4F9E-A934-E5C142C43DB4}" type="pres">
+    <dgm:pt modelId="{34A575B6-A833-4493-9720-5843EAB85092}" type="pres">
       <dgm:prSet presAssocID="{7CE80A24-B613-450D-B0F1-C690A1DA16A0}" presName="sibTrans" presStyleLbl="sibTrans1D1" presStyleIdx="4" presStyleCnt="5"/>
       <dgm:spPr/>
     </dgm:pt>
   </dgm:ptLst>
   <dgm:cxnLst>
-    <dgm:cxn modelId="{B57E2C08-1272-47E6-B458-F7198DCE77CE}" type="presOf" srcId="{1D209A51-8029-4909-A47B-B2CB5B03C571}" destId="{895DF4F0-3337-47C2-9366-63114D725F81}" srcOrd="0" destOrd="0" presId="urn:microsoft.com/office/officeart/2005/8/layout/cycle6"/>
     <dgm:cxn modelId="{EB764708-5B17-4AEB-8487-B52D2A2AF677}" srcId="{E7FD588B-F68E-41BB-A04E-509B45C84B6E}" destId="{1D209A51-8029-4909-A47B-B2CB5B03C571}" srcOrd="4" destOrd="0" parTransId="{2BABF236-B1F5-4B4B-B24C-72D179338C36}" sibTransId="{7CE80A24-B613-450D-B0F1-C690A1DA16A0}"/>
+    <dgm:cxn modelId="{958C2816-FD16-4854-8EFA-CE122757804A}" type="presOf" srcId="{3B7AD30B-5512-4658-94BC-4CD5DF489937}" destId="{416093AE-AF6C-4EB5-B619-D503FC1E2EA9}" srcOrd="0" destOrd="0" presId="urn:microsoft.com/office/officeart/2005/8/layout/cycle6"/>
     <dgm:cxn modelId="{FA23C918-6DC5-44BF-B18E-881FF6C1FE0C}" srcId="{E7FD588B-F68E-41BB-A04E-509B45C84B6E}" destId="{AA61AF5C-7C3B-4688-B8CE-59A77E82ECB3}" srcOrd="1" destOrd="0" parTransId="{18C80D53-D4D6-4121-B86F-4593FC9F6BCE}" sibTransId="{C59636CE-D264-46E2-8B28-6F7D803DA676}"/>
-    <dgm:cxn modelId="{F62CA125-369E-47C3-AE50-E097C27F6E87}" type="presOf" srcId="{7CE80A24-B613-450D-B0F1-C690A1DA16A0}" destId="{6C5421F1-D874-4F9E-A934-E5C142C43DB4}" srcOrd="0" destOrd="0" presId="urn:microsoft.com/office/officeart/2005/8/layout/cycle6"/>
-    <dgm:cxn modelId="{39C30D29-B857-4078-A324-4C24C9052AAB}" type="presOf" srcId="{E7FD588B-F68E-41BB-A04E-509B45C84B6E}" destId="{BBF34605-1976-43B3-8EDC-B6A67021B7FE}" srcOrd="0" destOrd="0" presId="urn:microsoft.com/office/officeart/2005/8/layout/cycle6"/>
+    <dgm:cxn modelId="{3F891137-3D6E-4820-A973-6522557724C7}" type="presOf" srcId="{C967B9B4-CE72-4ED4-B710-49D697031F26}" destId="{1CFC377A-7E55-4208-AD60-80F3FDB5E277}" srcOrd="0" destOrd="0" presId="urn:microsoft.com/office/officeart/2005/8/layout/cycle6"/>
     <dgm:cxn modelId="{98D8DA38-1AEB-4149-8D37-5BB9543EC84D}" srcId="{E7FD588B-F68E-41BB-A04E-509B45C84B6E}" destId="{3B7AD30B-5512-4658-94BC-4CD5DF489937}" srcOrd="3" destOrd="0" parTransId="{4775AC2F-D045-4608-A333-F42BA209649D}" sibTransId="{4A117599-77EB-4904-BE7F-E77E10A45C10}"/>
+    <dgm:cxn modelId="{6EB0A03C-6F26-4CB0-BC9D-494519CC246E}" type="presOf" srcId="{BD9D058F-C382-4059-9C02-15638A156D5C}" destId="{4E5049B3-8222-4F68-A58C-B4B10628C10F}" srcOrd="0" destOrd="0" presId="urn:microsoft.com/office/officeart/2005/8/layout/cycle6"/>
     <dgm:cxn modelId="{29A0B33D-D83B-43B1-BABC-DC4B1F49137E}" srcId="{E7FD588B-F68E-41BB-A04E-509B45C84B6E}" destId="{F88C42DD-4CA9-46BF-9C13-B09846F83BB2}" srcOrd="0" destOrd="0" parTransId="{DEDE3CCC-3596-41C7-BA3F-819061DD65AF}" sibTransId="{C967B9B4-CE72-4ED4-B710-49D697031F26}"/>
     <dgm:cxn modelId="{E523F05B-0FBB-4506-A3FE-7EB54C31B4C4}" srcId="{E7FD588B-F68E-41BB-A04E-509B45C84B6E}" destId="{A73F07EE-F4AD-4C66-9A4E-5C3AB891C805}" srcOrd="2" destOrd="0" parTransId="{137F9AEF-4DF5-4889-B2CD-64ECCE41CA75}" sibTransId="{BD9D058F-C382-4059-9C02-15638A156D5C}"/>
-    <dgm:cxn modelId="{052A7366-D824-4A4F-8591-FC2D689C6868}" type="presOf" srcId="{F88C42DD-4CA9-46BF-9C13-B09846F83BB2}" destId="{71FF218E-1827-4B89-994A-D0953E600C7B}" srcOrd="0" destOrd="0" presId="urn:microsoft.com/office/officeart/2005/8/layout/cycle6"/>
-    <dgm:cxn modelId="{FD7CA675-1238-4ADB-833A-C5A0CB390AB7}" type="presOf" srcId="{3B7AD30B-5512-4658-94BC-4CD5DF489937}" destId="{3ED07B5A-AA01-4DC4-8E08-3D1EED1D8845}" srcOrd="0" destOrd="0" presId="urn:microsoft.com/office/officeart/2005/8/layout/cycle6"/>
-    <dgm:cxn modelId="{EE10D678-65AC-4BDE-8488-A1506A33EC3B}" type="presOf" srcId="{A73F07EE-F4AD-4C66-9A4E-5C3AB891C805}" destId="{A77C7112-6C52-4285-AC99-ECEC3132B9BE}" srcOrd="0" destOrd="0" presId="urn:microsoft.com/office/officeart/2005/8/layout/cycle6"/>
-    <dgm:cxn modelId="{F8C84CBB-1B87-4F07-9EC3-9DC1771C48B7}" type="presOf" srcId="{BD9D058F-C382-4059-9C02-15638A156D5C}" destId="{D15196A2-775C-4A27-A451-F02B0DFB0D1F}" srcOrd="0" destOrd="0" presId="urn:microsoft.com/office/officeart/2005/8/layout/cycle6"/>
-    <dgm:cxn modelId="{4907E0BC-827A-471E-83EE-7411816FC691}" type="presOf" srcId="{AA61AF5C-7C3B-4688-B8CE-59A77E82ECB3}" destId="{3297D200-C35C-4351-AD93-CE9E569BD2DE}" srcOrd="0" destOrd="0" presId="urn:microsoft.com/office/officeart/2005/8/layout/cycle6"/>
-    <dgm:cxn modelId="{DDE25EC8-C1FB-486F-BEC8-FF6088FC579E}" type="presOf" srcId="{4A117599-77EB-4904-BE7F-E77E10A45C10}" destId="{18DBF367-4058-4640-9E5B-296DDBDDFA05}" srcOrd="0" destOrd="0" presId="urn:microsoft.com/office/officeart/2005/8/layout/cycle6"/>
-    <dgm:cxn modelId="{6417C0D2-D92A-40EC-BCCD-638E2E8E5BAB}" type="presOf" srcId="{C967B9B4-CE72-4ED4-B710-49D697031F26}" destId="{A95DD121-1AC5-424B-9651-51BEC88A077D}" srcOrd="0" destOrd="0" presId="urn:microsoft.com/office/officeart/2005/8/layout/cycle6"/>
-    <dgm:cxn modelId="{9CA921D8-BDB8-4121-8FC1-05E460C417A6}" type="presOf" srcId="{C59636CE-D264-46E2-8B28-6F7D803DA676}" destId="{A80A4256-2549-4405-A127-70314B7C71C1}" srcOrd="0" destOrd="0" presId="urn:microsoft.com/office/officeart/2005/8/layout/cycle6"/>
-    <dgm:cxn modelId="{ADC579AB-19D6-43CD-92E8-8E671AA7B49E}" type="presParOf" srcId="{BBF34605-1976-43B3-8EDC-B6A67021B7FE}" destId="{71FF218E-1827-4B89-994A-D0953E600C7B}" srcOrd="0" destOrd="0" presId="urn:microsoft.com/office/officeart/2005/8/layout/cycle6"/>
-    <dgm:cxn modelId="{C9DBC158-36E4-43D9-936E-7E799F69B78F}" type="presParOf" srcId="{BBF34605-1976-43B3-8EDC-B6A67021B7FE}" destId="{3950FCC7-8A6A-41DC-A5AF-DC4D12B4A8AC}" srcOrd="1" destOrd="0" presId="urn:microsoft.com/office/officeart/2005/8/layout/cycle6"/>
-    <dgm:cxn modelId="{B8CB4262-E83E-4423-A64C-8BCB4658D978}" type="presParOf" srcId="{BBF34605-1976-43B3-8EDC-B6A67021B7FE}" destId="{A95DD121-1AC5-424B-9651-51BEC88A077D}" srcOrd="2" destOrd="0" presId="urn:microsoft.com/office/officeart/2005/8/layout/cycle6"/>
-    <dgm:cxn modelId="{7CEEC549-9171-440D-A1C4-9848C58D3D54}" type="presParOf" srcId="{BBF34605-1976-43B3-8EDC-B6A67021B7FE}" destId="{3297D200-C35C-4351-AD93-CE9E569BD2DE}" srcOrd="3" destOrd="0" presId="urn:microsoft.com/office/officeart/2005/8/layout/cycle6"/>
-    <dgm:cxn modelId="{8A3E2277-5FDC-47D7-BFF0-1CFB28E246FC}" type="presParOf" srcId="{BBF34605-1976-43B3-8EDC-B6A67021B7FE}" destId="{2DF8A333-1BBB-4576-8841-238921A92297}" srcOrd="4" destOrd="0" presId="urn:microsoft.com/office/officeart/2005/8/layout/cycle6"/>
-    <dgm:cxn modelId="{896602F3-7AED-4F2A-BBF9-3EDACDEFAB67}" type="presParOf" srcId="{BBF34605-1976-43B3-8EDC-B6A67021B7FE}" destId="{A80A4256-2549-4405-A127-70314B7C71C1}" srcOrd="5" destOrd="0" presId="urn:microsoft.com/office/officeart/2005/8/layout/cycle6"/>
-    <dgm:cxn modelId="{41BE39BD-15AA-48A1-ABA3-432C75018C95}" type="presParOf" srcId="{BBF34605-1976-43B3-8EDC-B6A67021B7FE}" destId="{A77C7112-6C52-4285-AC99-ECEC3132B9BE}" srcOrd="6" destOrd="0" presId="urn:microsoft.com/office/officeart/2005/8/layout/cycle6"/>
-    <dgm:cxn modelId="{B6A8F827-9733-412A-9C8E-DF727C7241BF}" type="presParOf" srcId="{BBF34605-1976-43B3-8EDC-B6A67021B7FE}" destId="{ED8EA01D-CB5A-4EE9-AAF2-F96396B97017}" srcOrd="7" destOrd="0" presId="urn:microsoft.com/office/officeart/2005/8/layout/cycle6"/>
-    <dgm:cxn modelId="{1966D890-FFD3-44D4-951C-C8EAA231FBC6}" type="presParOf" srcId="{BBF34605-1976-43B3-8EDC-B6A67021B7FE}" destId="{D15196A2-775C-4A27-A451-F02B0DFB0D1F}" srcOrd="8" destOrd="0" presId="urn:microsoft.com/office/officeart/2005/8/layout/cycle6"/>
-    <dgm:cxn modelId="{2EED6CF8-D25A-47B3-8B06-D50EC3B19FC7}" type="presParOf" srcId="{BBF34605-1976-43B3-8EDC-B6A67021B7FE}" destId="{3ED07B5A-AA01-4DC4-8E08-3D1EED1D8845}" srcOrd="9" destOrd="0" presId="urn:microsoft.com/office/officeart/2005/8/layout/cycle6"/>
-    <dgm:cxn modelId="{1AF9BF01-879A-414C-947F-5EB94F341150}" type="presParOf" srcId="{BBF34605-1976-43B3-8EDC-B6A67021B7FE}" destId="{DB8881A0-5011-4921-A4D0-18B566172F3D}" srcOrd="10" destOrd="0" presId="urn:microsoft.com/office/officeart/2005/8/layout/cycle6"/>
-    <dgm:cxn modelId="{F331EFDD-4B4C-4E96-8078-EF3202FC8419}" type="presParOf" srcId="{BBF34605-1976-43B3-8EDC-B6A67021B7FE}" destId="{18DBF367-4058-4640-9E5B-296DDBDDFA05}" srcOrd="11" destOrd="0" presId="urn:microsoft.com/office/officeart/2005/8/layout/cycle6"/>
-    <dgm:cxn modelId="{86CED8B4-FE09-42F1-A4D0-AD5A5BD7A8AD}" type="presParOf" srcId="{BBF34605-1976-43B3-8EDC-B6A67021B7FE}" destId="{895DF4F0-3337-47C2-9366-63114D725F81}" srcOrd="12" destOrd="0" presId="urn:microsoft.com/office/officeart/2005/8/layout/cycle6"/>
-    <dgm:cxn modelId="{9E2BF7C8-CC26-4CC5-813A-6A06498D3E51}" type="presParOf" srcId="{BBF34605-1976-43B3-8EDC-B6A67021B7FE}" destId="{3BD245B5-82B3-4599-BA65-911B07FDFD03}" srcOrd="13" destOrd="0" presId="urn:microsoft.com/office/officeart/2005/8/layout/cycle6"/>
-    <dgm:cxn modelId="{E5A26E61-AFC4-4433-9F6C-D51B96F6B910}" type="presParOf" srcId="{BBF34605-1976-43B3-8EDC-B6A67021B7FE}" destId="{6C5421F1-D874-4F9E-A934-E5C142C43DB4}" srcOrd="14" destOrd="0" presId="urn:microsoft.com/office/officeart/2005/8/layout/cycle6"/>
+    <dgm:cxn modelId="{2AB1C67B-386A-4C14-92CD-5DD68295DCB3}" type="presOf" srcId="{C59636CE-D264-46E2-8B28-6F7D803DA676}" destId="{B0391872-FBB6-456B-BD62-789B4899A59A}" srcOrd="0" destOrd="0" presId="urn:microsoft.com/office/officeart/2005/8/layout/cycle6"/>
+    <dgm:cxn modelId="{03B16D88-EE6F-4E7B-87DF-3BD2B637BABD}" type="presOf" srcId="{E7FD588B-F68E-41BB-A04E-509B45C84B6E}" destId="{ED305A1A-5E84-4988-A1E3-46278F3B591D}" srcOrd="0" destOrd="0" presId="urn:microsoft.com/office/officeart/2005/8/layout/cycle6"/>
+    <dgm:cxn modelId="{39380E96-51E2-48EE-B938-554B358E6213}" type="presOf" srcId="{7CE80A24-B613-450D-B0F1-C690A1DA16A0}" destId="{34A575B6-A833-4493-9720-5843EAB85092}" srcOrd="0" destOrd="0" presId="urn:microsoft.com/office/officeart/2005/8/layout/cycle6"/>
+    <dgm:cxn modelId="{B9AB31B0-7756-47B7-A0A1-F3039BB4934E}" type="presOf" srcId="{4A117599-77EB-4904-BE7F-E77E10A45C10}" destId="{491C428B-E933-450C-B73D-361D73037E4F}" srcOrd="0" destOrd="0" presId="urn:microsoft.com/office/officeart/2005/8/layout/cycle6"/>
+    <dgm:cxn modelId="{E9E063B1-81AD-46D6-940C-81D8D76E8C3F}" type="presOf" srcId="{AA61AF5C-7C3B-4688-B8CE-59A77E82ECB3}" destId="{630D677E-1EA4-460D-AA1E-2D772B09107E}" srcOrd="0" destOrd="0" presId="urn:microsoft.com/office/officeart/2005/8/layout/cycle6"/>
+    <dgm:cxn modelId="{2B1738DA-80FE-4AE5-8D17-DA0F352CFB50}" type="presOf" srcId="{F88C42DD-4CA9-46BF-9C13-B09846F83BB2}" destId="{3A10CA02-76FE-44E6-BCE0-EE5B5E1C4351}" srcOrd="0" destOrd="0" presId="urn:microsoft.com/office/officeart/2005/8/layout/cycle6"/>
+    <dgm:cxn modelId="{CE7386DD-6309-4F32-A395-AD5CEDAADB86}" type="presOf" srcId="{1D209A51-8029-4909-A47B-B2CB5B03C571}" destId="{12EE60E7-7299-4020-83C9-2B64D57D7BFA}" srcOrd="0" destOrd="0" presId="urn:microsoft.com/office/officeart/2005/8/layout/cycle6"/>
+    <dgm:cxn modelId="{0C8361E8-76DD-4537-AC7A-B58095F7FEBB}" type="presOf" srcId="{A73F07EE-F4AD-4C66-9A4E-5C3AB891C805}" destId="{03528D75-149E-45A8-B063-0E937DCEB85F}" srcOrd="0" destOrd="0" presId="urn:microsoft.com/office/officeart/2005/8/layout/cycle6"/>
+    <dgm:cxn modelId="{EDF0B557-FFBB-411F-9F63-8282B09D974D}" type="presParOf" srcId="{ED305A1A-5E84-4988-A1E3-46278F3B591D}" destId="{3A10CA02-76FE-44E6-BCE0-EE5B5E1C4351}" srcOrd="0" destOrd="0" presId="urn:microsoft.com/office/officeart/2005/8/layout/cycle6"/>
+    <dgm:cxn modelId="{E4C58045-3BAC-4ACC-9D01-FFF72560892C}" type="presParOf" srcId="{ED305A1A-5E84-4988-A1E3-46278F3B591D}" destId="{EB97FA4A-6154-4583-B44C-4E6EDF28C89F}" srcOrd="1" destOrd="0" presId="urn:microsoft.com/office/officeart/2005/8/layout/cycle6"/>
+    <dgm:cxn modelId="{E71E4C73-C09E-42CD-97DA-BD5F36397FC6}" type="presParOf" srcId="{ED305A1A-5E84-4988-A1E3-46278F3B591D}" destId="{1CFC377A-7E55-4208-AD60-80F3FDB5E277}" srcOrd="2" destOrd="0" presId="urn:microsoft.com/office/officeart/2005/8/layout/cycle6"/>
+    <dgm:cxn modelId="{24B69BA2-0EE4-43F4-868F-BB041A600813}" type="presParOf" srcId="{ED305A1A-5E84-4988-A1E3-46278F3B591D}" destId="{630D677E-1EA4-460D-AA1E-2D772B09107E}" srcOrd="3" destOrd="0" presId="urn:microsoft.com/office/officeart/2005/8/layout/cycle6"/>
+    <dgm:cxn modelId="{316BBD3C-B3B9-480C-87DB-2D5319C681E6}" type="presParOf" srcId="{ED305A1A-5E84-4988-A1E3-46278F3B591D}" destId="{561EAFFA-3CD3-48AD-BC03-F97F3A6F1C93}" srcOrd="4" destOrd="0" presId="urn:microsoft.com/office/officeart/2005/8/layout/cycle6"/>
+    <dgm:cxn modelId="{B9F18F24-95F7-4EA5-8AD5-71DC88ABEAE3}" type="presParOf" srcId="{ED305A1A-5E84-4988-A1E3-46278F3B591D}" destId="{B0391872-FBB6-456B-BD62-789B4899A59A}" srcOrd="5" destOrd="0" presId="urn:microsoft.com/office/officeart/2005/8/layout/cycle6"/>
+    <dgm:cxn modelId="{81AC26BC-CC9B-426B-B9A9-62FAB347FF6E}" type="presParOf" srcId="{ED305A1A-5E84-4988-A1E3-46278F3B591D}" destId="{03528D75-149E-45A8-B063-0E937DCEB85F}" srcOrd="6" destOrd="0" presId="urn:microsoft.com/office/officeart/2005/8/layout/cycle6"/>
+    <dgm:cxn modelId="{052FA349-C33B-4527-A8D5-3A7DF6C3EDD0}" type="presParOf" srcId="{ED305A1A-5E84-4988-A1E3-46278F3B591D}" destId="{B79EEF5E-E5AB-4C8B-8F38-EA9CEFCD4FE3}" srcOrd="7" destOrd="0" presId="urn:microsoft.com/office/officeart/2005/8/layout/cycle6"/>
+    <dgm:cxn modelId="{B5B45098-66B5-4921-AD46-3EADA74B6ECA}" type="presParOf" srcId="{ED305A1A-5E84-4988-A1E3-46278F3B591D}" destId="{4E5049B3-8222-4F68-A58C-B4B10628C10F}" srcOrd="8" destOrd="0" presId="urn:microsoft.com/office/officeart/2005/8/layout/cycle6"/>
+    <dgm:cxn modelId="{4BBB7938-644B-4B17-B290-4198EFBF34B1}" type="presParOf" srcId="{ED305A1A-5E84-4988-A1E3-46278F3B591D}" destId="{416093AE-AF6C-4EB5-B619-D503FC1E2EA9}" srcOrd="9" destOrd="0" presId="urn:microsoft.com/office/officeart/2005/8/layout/cycle6"/>
+    <dgm:cxn modelId="{FDFC16FF-176F-4233-9112-CB30C6F0B888}" type="presParOf" srcId="{ED305A1A-5E84-4988-A1E3-46278F3B591D}" destId="{65BB6DE8-DF5A-421F-822C-894B5E0E8750}" srcOrd="10" destOrd="0" presId="urn:microsoft.com/office/officeart/2005/8/layout/cycle6"/>
+    <dgm:cxn modelId="{9EFC6BEE-E8E2-403D-AFB9-4DB6C6A8ED7A}" type="presParOf" srcId="{ED305A1A-5E84-4988-A1E3-46278F3B591D}" destId="{491C428B-E933-450C-B73D-361D73037E4F}" srcOrd="11" destOrd="0" presId="urn:microsoft.com/office/officeart/2005/8/layout/cycle6"/>
+    <dgm:cxn modelId="{67351F3C-C246-41AE-8B0B-F4A4D3128DFA}" type="presParOf" srcId="{ED305A1A-5E84-4988-A1E3-46278F3B591D}" destId="{12EE60E7-7299-4020-83C9-2B64D57D7BFA}" srcOrd="12" destOrd="0" presId="urn:microsoft.com/office/officeart/2005/8/layout/cycle6"/>
+    <dgm:cxn modelId="{0F158863-78A3-4215-922C-31A16482CC46}" type="presParOf" srcId="{ED305A1A-5E84-4988-A1E3-46278F3B591D}" destId="{143979B7-935E-4EFA-8676-9A02D24E71BA}" srcOrd="13" destOrd="0" presId="urn:microsoft.com/office/officeart/2005/8/layout/cycle6"/>
+    <dgm:cxn modelId="{9D49F7C8-D5E6-433A-B842-E67F13338274}" type="presParOf" srcId="{ED305A1A-5E84-4988-A1E3-46278F3B591D}" destId="{34A575B6-A833-4493-9720-5843EAB85092}" srcOrd="14" destOrd="0" presId="urn:microsoft.com/office/officeart/2005/8/layout/cycle6"/>
   </dgm:cxnLst>
   <dgm:bg/>
   <dgm:whole/>
@@ -2534,21 +2461,21 @@
       <dsp:cNvGrpSpPr/>
     </dsp:nvGrpSpPr>
     <dsp:grpSpPr/>
-    <dsp:sp modelId="{71FF218E-1827-4B89-994A-D0953E600C7B}">
+    <dsp:sp modelId="{3A10CA02-76FE-44E6-BCE0-EE5B5E1C4351}">
       <dsp:nvSpPr>
         <dsp:cNvPr id="0" name=""/>
         <dsp:cNvSpPr/>
       </dsp:nvSpPr>
       <dsp:spPr>
         <a:xfrm>
-          <a:off x="2197555" y="2510"/>
-          <a:ext cx="1421488" cy="923967"/>
+          <a:off x="4680757" y="1912"/>
+          <a:ext cx="1193058" cy="775488"/>
         </a:xfrm>
         <a:prstGeom prst="roundRect">
           <a:avLst/>
         </a:prstGeom>
         <a:solidFill>
-          <a:schemeClr val="accent5">
+          <a:schemeClr val="accent2">
             <a:hueOff val="0"/>
             <a:satOff val="0"/>
             <a:lumOff val="0"/>
@@ -2583,14 +2510,14 @@
         </a:fontRef>
       </dsp:style>
       <dsp:txBody>
-        <a:bodyPr spcFirstLastPara="0" vert="horz" wrap="square" lIns="57150" tIns="57150" rIns="57150" bIns="57150" numCol="1" spcCol="1270" anchor="ctr" anchorCtr="0">
+        <a:bodyPr spcFirstLastPara="0" vert="horz" wrap="square" lIns="53340" tIns="53340" rIns="53340" bIns="53340" numCol="1" spcCol="1270" anchor="ctr" anchorCtr="0">
           <a:noAutofit/>
         </a:bodyPr>
         <a:lstStyle/>
         <a:p>
-          <a:pPr marL="0" lvl="0" indent="0" algn="ctr" defTabSz="666750">
+          <a:pPr marL="0" lvl="0" indent="0" algn="ctr" defTabSz="622300">
             <a:lnSpc>
-              <a:spcPct val="100000"/>
+              <a:spcPct val="90000"/>
             </a:lnSpc>
             <a:spcBef>
               <a:spcPct val="0"/>
@@ -2601,34 +2528,26 @@
             <a:buNone/>
           </a:pPr>
           <a:r>
-            <a:rPr lang="en-TT" sz="1500" kern="1200" dirty="0">
-              <a:solidFill>
-                <a:schemeClr val="bg1"/>
-              </a:solidFill>
-            </a:rPr>
+            <a:rPr lang="en-TT" sz="1400" kern="1200"/>
             <a:t>git branch verse2</a:t>
           </a:r>
-          <a:endParaRPr lang="en-US" sz="1500" kern="1200" dirty="0">
-            <a:solidFill>
-              <a:schemeClr val="bg1"/>
-            </a:solidFill>
-          </a:endParaRPr>
+          <a:endParaRPr lang="en-US" sz="1400" kern="1200"/>
         </a:p>
       </dsp:txBody>
       <dsp:txXfrm>
-        <a:off x="2242659" y="47614"/>
-        <a:ext cx="1331280" cy="833759"/>
+        <a:off x="4718613" y="39768"/>
+        <a:ext cx="1117346" cy="699776"/>
       </dsp:txXfrm>
     </dsp:sp>
-    <dsp:sp modelId="{A95DD121-1AC5-424B-9651-51BEC88A077D}">
+    <dsp:sp modelId="{1CFC377A-7E55-4208-AD60-80F3FDB5E277}">
       <dsp:nvSpPr>
         <dsp:cNvPr id="0" name=""/>
         <dsp:cNvSpPr/>
       </dsp:nvSpPr>
       <dsp:spPr>
         <a:xfrm>
-          <a:off x="1063328" y="464493"/>
-          <a:ext cx="3689942" cy="3689942"/>
+          <a:off x="3726399" y="389656"/>
+          <a:ext cx="3101774" cy="3101774"/>
         </a:xfrm>
         <a:custGeom>
           <a:avLst/>
@@ -2639,16 +2558,16 @@
           <a:pathLst>
             <a:path>
               <a:moveTo>
-                <a:pt x="2565467" y="146500"/>
+                <a:pt x="2155631" y="122764"/>
               </a:moveTo>
-              <a:arcTo wR="1844971" hR="1844971" stAng="17579208" swAng="1960141"/>
+              <a:arcTo wR="1550887" hR="1550887" stAng="17577026" swAng="1963892"/>
             </a:path>
           </a:pathLst>
         </a:custGeom>
         <a:noFill/>
         <a:ln w="9525" cap="rnd" cmpd="sng" algn="ctr">
           <a:solidFill>
-            <a:schemeClr val="accent5">
+            <a:schemeClr val="accent2">
               <a:hueOff val="0"/>
               <a:satOff val="0"/>
               <a:lumOff val="0"/>
@@ -2672,24 +2591,24 @@
         <a:fontRef idx="minor"/>
       </dsp:style>
     </dsp:sp>
-    <dsp:sp modelId="{3297D200-C35C-4351-AD93-CE9E569BD2DE}">
+    <dsp:sp modelId="{630D677E-1EA4-460D-AA1E-2D772B09107E}">
       <dsp:nvSpPr>
         <dsp:cNvPr id="0" name=""/>
         <dsp:cNvSpPr/>
       </dsp:nvSpPr>
       <dsp:spPr>
         <a:xfrm>
-          <a:off x="3952227" y="1277353"/>
-          <a:ext cx="1421488" cy="923967"/>
+          <a:off x="6155738" y="1073549"/>
+          <a:ext cx="1193058" cy="775488"/>
         </a:xfrm>
         <a:prstGeom prst="roundRect">
           <a:avLst/>
         </a:prstGeom>
         <a:solidFill>
-          <a:schemeClr val="accent5">
-            <a:hueOff val="5199046"/>
-            <a:satOff val="-142"/>
-            <a:lumOff val="-785"/>
+          <a:schemeClr val="accent2">
+            <a:hueOff val="-969594"/>
+            <a:satOff val="-2193"/>
+            <a:lumOff val="-1422"/>
             <a:alphaOff val="0"/>
           </a:schemeClr>
         </a:solidFill>
@@ -2721,14 +2640,14 @@
         </a:fontRef>
       </dsp:style>
       <dsp:txBody>
-        <a:bodyPr spcFirstLastPara="0" vert="horz" wrap="square" lIns="57150" tIns="57150" rIns="57150" bIns="57150" numCol="1" spcCol="1270" anchor="ctr" anchorCtr="0">
+        <a:bodyPr spcFirstLastPara="0" vert="horz" wrap="square" lIns="53340" tIns="53340" rIns="53340" bIns="53340" numCol="1" spcCol="1270" anchor="ctr" anchorCtr="0">
           <a:noAutofit/>
         </a:bodyPr>
         <a:lstStyle/>
         <a:p>
-          <a:pPr marL="0" lvl="0" indent="0" algn="ctr" defTabSz="666750">
+          <a:pPr marL="0" lvl="0" indent="0" algn="ctr" defTabSz="622300">
             <a:lnSpc>
-              <a:spcPct val="100000"/>
+              <a:spcPct val="90000"/>
             </a:lnSpc>
             <a:spcBef>
               <a:spcPct val="0"/>
@@ -2739,34 +2658,26 @@
             <a:buNone/>
           </a:pPr>
           <a:r>
-            <a:rPr lang="en-TT" sz="1500" kern="1200" dirty="0">
-              <a:solidFill>
-                <a:schemeClr val="bg1"/>
-              </a:solidFill>
-            </a:rPr>
+            <a:rPr lang="en-TT" sz="1400" kern="1200"/>
             <a:t>git checkout verse2</a:t>
           </a:r>
-          <a:endParaRPr lang="en-US" sz="1500" kern="1200" dirty="0">
-            <a:solidFill>
-              <a:schemeClr val="bg1"/>
-            </a:solidFill>
-          </a:endParaRPr>
+          <a:endParaRPr lang="en-US" sz="1400" kern="1200"/>
         </a:p>
       </dsp:txBody>
       <dsp:txXfrm>
-        <a:off x="3997331" y="1322457"/>
-        <a:ext cx="1331280" cy="833759"/>
+        <a:off x="6193594" y="1111405"/>
+        <a:ext cx="1117346" cy="699776"/>
       </dsp:txXfrm>
     </dsp:sp>
-    <dsp:sp modelId="{A80A4256-2549-4405-A127-70314B7C71C1}">
+    <dsp:sp modelId="{B0391872-FBB6-456B-BD62-789B4899A59A}">
       <dsp:nvSpPr>
         <dsp:cNvPr id="0" name=""/>
         <dsp:cNvSpPr/>
       </dsp:nvSpPr>
       <dsp:spPr>
         <a:xfrm>
-          <a:off x="1063328" y="464493"/>
-          <a:ext cx="3689942" cy="3689942"/>
+          <a:off x="3726399" y="389656"/>
+          <a:ext cx="3101774" cy="3101774"/>
         </a:xfrm>
         <a:custGeom>
           <a:avLst/>
@@ -2777,19 +2688,19 @@
           <a:pathLst>
             <a:path>
               <a:moveTo>
-                <a:pt x="3687424" y="1748615"/>
+                <a:pt x="3099626" y="1469301"/>
               </a:moveTo>
-              <a:arcTo wR="1844971" hR="1844971" stAng="21420378" swAng="2195229"/>
+              <a:arcTo wR="1550887" hR="1550887" stAng="21419072" swAng="2198112"/>
             </a:path>
           </a:pathLst>
         </a:custGeom>
         <a:noFill/>
         <a:ln w="9525" cap="rnd" cmpd="sng" algn="ctr">
           <a:solidFill>
-            <a:schemeClr val="accent5">
-              <a:hueOff val="5199046"/>
-              <a:satOff val="-142"/>
-              <a:lumOff val="-785"/>
+            <a:schemeClr val="accent2">
+              <a:hueOff val="-969594"/>
+              <a:satOff val="-2193"/>
+              <a:lumOff val="-1422"/>
               <a:alphaOff val="0"/>
             </a:schemeClr>
           </a:solidFill>
@@ -2810,24 +2721,24 @@
         <a:fontRef idx="minor"/>
       </dsp:style>
     </dsp:sp>
-    <dsp:sp modelId="{A77C7112-6C52-4285-AC99-ECEC3132B9BE}">
+    <dsp:sp modelId="{03528D75-149E-45A8-B063-0E937DCEB85F}">
       <dsp:nvSpPr>
         <dsp:cNvPr id="0" name=""/>
         <dsp:cNvSpPr/>
       </dsp:nvSpPr>
       <dsp:spPr>
         <a:xfrm>
-          <a:off x="3282002" y="3340094"/>
-          <a:ext cx="1421488" cy="923967"/>
+          <a:off x="5592346" y="2807493"/>
+          <a:ext cx="1193058" cy="775488"/>
         </a:xfrm>
         <a:prstGeom prst="roundRect">
           <a:avLst/>
         </a:prstGeom>
         <a:solidFill>
-          <a:schemeClr val="accent5">
-            <a:hueOff val="10398092"/>
-            <a:satOff val="-284"/>
-            <a:lumOff val="-1569"/>
+          <a:schemeClr val="accent2">
+            <a:hueOff val="-1939188"/>
+            <a:satOff val="-4386"/>
+            <a:lumOff val="-2843"/>
             <a:alphaOff val="0"/>
           </a:schemeClr>
         </a:solidFill>
@@ -2859,14 +2770,14 @@
         </a:fontRef>
       </dsp:style>
       <dsp:txBody>
-        <a:bodyPr spcFirstLastPara="0" vert="horz" wrap="square" lIns="57150" tIns="57150" rIns="57150" bIns="57150" numCol="1" spcCol="1270" anchor="ctr" anchorCtr="0">
+        <a:bodyPr spcFirstLastPara="0" vert="horz" wrap="square" lIns="53340" tIns="53340" rIns="53340" bIns="53340" numCol="1" spcCol="1270" anchor="ctr" anchorCtr="0">
           <a:noAutofit/>
         </a:bodyPr>
         <a:lstStyle/>
         <a:p>
-          <a:pPr marL="0" lvl="0" indent="0" algn="ctr" defTabSz="666750">
+          <a:pPr marL="0" lvl="0" indent="0" algn="ctr" defTabSz="622300">
             <a:lnSpc>
-              <a:spcPct val="100000"/>
+              <a:spcPct val="90000"/>
             </a:lnSpc>
             <a:spcBef>
               <a:spcPct val="0"/>
@@ -2877,34 +2788,26 @@
             <a:buNone/>
           </a:pPr>
           <a:r>
-            <a:rPr lang="en-TT" sz="1500" kern="1200" dirty="0">
-              <a:solidFill>
-                <a:schemeClr val="bg1"/>
-              </a:solidFill>
-            </a:rPr>
+            <a:rPr lang="en-TT" sz="1400" kern="1200"/>
             <a:t>Edit files</a:t>
           </a:r>
-          <a:endParaRPr lang="en-US" sz="1500" kern="1200" dirty="0">
-            <a:solidFill>
-              <a:schemeClr val="bg1"/>
-            </a:solidFill>
-          </a:endParaRPr>
+          <a:endParaRPr lang="en-US" sz="1400" kern="1200"/>
         </a:p>
       </dsp:txBody>
       <dsp:txXfrm>
-        <a:off x="3327106" y="3385198"/>
-        <a:ext cx="1331280" cy="833759"/>
+        <a:off x="5630202" y="2845349"/>
+        <a:ext cx="1117346" cy="699776"/>
       </dsp:txXfrm>
     </dsp:sp>
-    <dsp:sp modelId="{D15196A2-775C-4A27-A451-F02B0DFB0D1F}">
+    <dsp:sp modelId="{4E5049B3-8222-4F68-A58C-B4B10628C10F}">
       <dsp:nvSpPr>
         <dsp:cNvPr id="0" name=""/>
         <dsp:cNvSpPr/>
       </dsp:nvSpPr>
       <dsp:spPr>
         <a:xfrm>
-          <a:off x="1063328" y="464493"/>
-          <a:ext cx="3689942" cy="3689942"/>
+          <a:off x="3726399" y="389656"/>
+          <a:ext cx="3101774" cy="3101774"/>
         </a:xfrm>
         <a:custGeom>
           <a:avLst/>
@@ -2915,19 +2818,19 @@
           <a:pathLst>
             <a:path>
               <a:moveTo>
-                <a:pt x="2211351" y="3653198"/>
+                <a:pt x="1859773" y="3070702"/>
               </a:moveTo>
-              <a:arcTo wR="1844971" hR="1844971" stAng="4712752" swAng="1374495"/>
+              <a:arcTo wR="1550887" hR="1550887" stAng="4710702" swAng="1378596"/>
             </a:path>
           </a:pathLst>
         </a:custGeom>
         <a:noFill/>
         <a:ln w="9525" cap="rnd" cmpd="sng" algn="ctr">
           <a:solidFill>
-            <a:schemeClr val="accent5">
-              <a:hueOff val="10398092"/>
-              <a:satOff val="-284"/>
-              <a:lumOff val="-1569"/>
+            <a:schemeClr val="accent2">
+              <a:hueOff val="-1939188"/>
+              <a:satOff val="-4386"/>
+              <a:lumOff val="-2843"/>
               <a:alphaOff val="0"/>
             </a:schemeClr>
           </a:solidFill>
@@ -2948,24 +2851,24 @@
         <a:fontRef idx="minor"/>
       </dsp:style>
     </dsp:sp>
-    <dsp:sp modelId="{3ED07B5A-AA01-4DC4-8E08-3D1EED1D8845}">
+    <dsp:sp modelId="{416093AE-AF6C-4EB5-B619-D503FC1E2EA9}">
       <dsp:nvSpPr>
         <dsp:cNvPr id="0" name=""/>
         <dsp:cNvSpPr/>
       </dsp:nvSpPr>
       <dsp:spPr>
         <a:xfrm>
-          <a:off x="1113108" y="3340094"/>
-          <a:ext cx="1421488" cy="923967"/>
+          <a:off x="3769169" y="2807493"/>
+          <a:ext cx="1193058" cy="775488"/>
         </a:xfrm>
         <a:prstGeom prst="roundRect">
           <a:avLst/>
         </a:prstGeom>
         <a:solidFill>
-          <a:schemeClr val="accent5">
-            <a:hueOff val="15597138"/>
-            <a:satOff val="-426"/>
-            <a:lumOff val="-2354"/>
+          <a:schemeClr val="accent2">
+            <a:hueOff val="-2908781"/>
+            <a:satOff val="-6578"/>
+            <a:lumOff val="-4265"/>
             <a:alphaOff val="0"/>
           </a:schemeClr>
         </a:solidFill>
@@ -2997,14 +2900,14 @@
         </a:fontRef>
       </dsp:style>
       <dsp:txBody>
-        <a:bodyPr spcFirstLastPara="0" vert="horz" wrap="square" lIns="57150" tIns="57150" rIns="57150" bIns="57150" numCol="1" spcCol="1270" anchor="ctr" anchorCtr="0">
+        <a:bodyPr spcFirstLastPara="0" vert="horz" wrap="square" lIns="53340" tIns="53340" rIns="53340" bIns="53340" numCol="1" spcCol="1270" anchor="ctr" anchorCtr="0">
           <a:noAutofit/>
         </a:bodyPr>
         <a:lstStyle/>
         <a:p>
-          <a:pPr marL="0" lvl="0" indent="0" algn="ctr" defTabSz="666750">
+          <a:pPr marL="0" lvl="0" indent="0" algn="ctr" defTabSz="622300">
             <a:lnSpc>
-              <a:spcPct val="100000"/>
+              <a:spcPct val="90000"/>
             </a:lnSpc>
             <a:spcBef>
               <a:spcPct val="0"/>
@@ -3015,34 +2918,26 @@
             <a:buNone/>
           </a:pPr>
           <a:r>
-            <a:rPr lang="en-TT" sz="1500" kern="1200" dirty="0">
-              <a:solidFill>
-                <a:schemeClr val="bg1"/>
-              </a:solidFill>
-            </a:rPr>
+            <a:rPr lang="en-TT" sz="1400" kern="1200"/>
             <a:t>git checkout master</a:t>
           </a:r>
-          <a:endParaRPr lang="en-US" sz="1500" kern="1200" dirty="0">
-            <a:solidFill>
-              <a:schemeClr val="bg1"/>
-            </a:solidFill>
-          </a:endParaRPr>
+          <a:endParaRPr lang="en-US" sz="1400" kern="1200"/>
         </a:p>
       </dsp:txBody>
       <dsp:txXfrm>
-        <a:off x="1158212" y="3385198"/>
-        <a:ext cx="1331280" cy="833759"/>
+        <a:off x="3807025" y="2845349"/>
+        <a:ext cx="1117346" cy="699776"/>
       </dsp:txXfrm>
     </dsp:sp>
-    <dsp:sp modelId="{18DBF367-4058-4640-9E5B-296DDBDDFA05}">
+    <dsp:sp modelId="{491C428B-E933-450C-B73D-361D73037E4F}">
       <dsp:nvSpPr>
         <dsp:cNvPr id="0" name=""/>
         <dsp:cNvSpPr/>
       </dsp:nvSpPr>
       <dsp:spPr>
         <a:xfrm>
-          <a:off x="1063328" y="464493"/>
-          <a:ext cx="3689942" cy="3689942"/>
+          <a:off x="3726399" y="389656"/>
+          <a:ext cx="3101774" cy="3101774"/>
         </a:xfrm>
         <a:custGeom>
           <a:avLst/>
@@ -3053,19 +2948,19 @@
           <a:pathLst>
             <a:path>
               <a:moveTo>
-                <a:pt x="308138" y="2865787"/>
+                <a:pt x="259416" y="2409579"/>
               </a:moveTo>
-              <a:arcTo wR="1844971" hR="1844971" stAng="8784393" swAng="2195229"/>
+              <a:arcTo wR="1550887" hR="1550887" stAng="8782815" swAng="2198112"/>
             </a:path>
           </a:pathLst>
         </a:custGeom>
         <a:noFill/>
         <a:ln w="9525" cap="rnd" cmpd="sng" algn="ctr">
           <a:solidFill>
-            <a:schemeClr val="accent5">
-              <a:hueOff val="15597138"/>
-              <a:satOff val="-426"/>
-              <a:lumOff val="-2354"/>
+            <a:schemeClr val="accent2">
+              <a:hueOff val="-2908781"/>
+              <a:satOff val="-6578"/>
+              <a:lumOff val="-4265"/>
               <a:alphaOff val="0"/>
             </a:schemeClr>
           </a:solidFill>
@@ -3086,24 +2981,24 @@
         <a:fontRef idx="minor"/>
       </dsp:style>
     </dsp:sp>
-    <dsp:sp modelId="{895DF4F0-3337-47C2-9366-63114D725F81}">
+    <dsp:sp modelId="{12EE60E7-7299-4020-83C9-2B64D57D7BFA}">
       <dsp:nvSpPr>
         <dsp:cNvPr id="0" name=""/>
         <dsp:cNvSpPr/>
       </dsp:nvSpPr>
       <dsp:spPr>
         <a:xfrm>
-          <a:off x="442883" y="1277353"/>
-          <a:ext cx="1421488" cy="923967"/>
+          <a:off x="3205776" y="1073549"/>
+          <a:ext cx="1193058" cy="775488"/>
         </a:xfrm>
         <a:prstGeom prst="roundRect">
           <a:avLst/>
         </a:prstGeom>
         <a:solidFill>
-          <a:schemeClr val="accent5">
-            <a:hueOff val="20796183"/>
-            <a:satOff val="-568"/>
-            <a:lumOff val="-3138"/>
+          <a:schemeClr val="accent2">
+            <a:hueOff val="-3878375"/>
+            <a:satOff val="-8771"/>
+            <a:lumOff val="-5686"/>
             <a:alphaOff val="0"/>
           </a:schemeClr>
         </a:solidFill>
@@ -3135,14 +3030,14 @@
         </a:fontRef>
       </dsp:style>
       <dsp:txBody>
-        <a:bodyPr spcFirstLastPara="0" vert="horz" wrap="square" lIns="57150" tIns="57150" rIns="57150" bIns="57150" numCol="1" spcCol="1270" anchor="ctr" anchorCtr="0">
+        <a:bodyPr spcFirstLastPara="0" vert="horz" wrap="square" lIns="53340" tIns="53340" rIns="53340" bIns="53340" numCol="1" spcCol="1270" anchor="ctr" anchorCtr="0">
           <a:noAutofit/>
         </a:bodyPr>
         <a:lstStyle/>
         <a:p>
-          <a:pPr marL="0" lvl="0" indent="0" algn="ctr" defTabSz="666750">
+          <a:pPr marL="0" lvl="0" indent="0" algn="ctr" defTabSz="622300">
             <a:lnSpc>
-              <a:spcPct val="100000"/>
+              <a:spcPct val="90000"/>
             </a:lnSpc>
             <a:spcBef>
               <a:spcPct val="0"/>
@@ -3153,34 +3048,26 @@
             <a:buNone/>
           </a:pPr>
           <a:r>
-            <a:rPr lang="en-TT" sz="1500" kern="1200" dirty="0">
-              <a:solidFill>
-                <a:schemeClr val="bg1"/>
-              </a:solidFill>
-            </a:rPr>
+            <a:rPr lang="en-TT" sz="1400" kern="1200"/>
             <a:t>git merge [branch]</a:t>
           </a:r>
-          <a:endParaRPr lang="en-US" sz="1500" kern="1200" dirty="0">
-            <a:solidFill>
-              <a:schemeClr val="bg1"/>
-            </a:solidFill>
-          </a:endParaRPr>
+          <a:endParaRPr lang="en-US" sz="1400" kern="1200"/>
         </a:p>
       </dsp:txBody>
       <dsp:txXfrm>
-        <a:off x="487987" y="1322457"/>
-        <a:ext cx="1331280" cy="833759"/>
+        <a:off x="3243632" y="1111405"/>
+        <a:ext cx="1117346" cy="699776"/>
       </dsp:txXfrm>
     </dsp:sp>
-    <dsp:sp modelId="{6C5421F1-D874-4F9E-A934-E5C142C43DB4}">
+    <dsp:sp modelId="{34A575B6-A833-4493-9720-5843EAB85092}">
       <dsp:nvSpPr>
         <dsp:cNvPr id="0" name=""/>
         <dsp:cNvSpPr/>
       </dsp:nvSpPr>
       <dsp:spPr>
         <a:xfrm>
-          <a:off x="1063328" y="464493"/>
-          <a:ext cx="3689942" cy="3689942"/>
+          <a:off x="3726399" y="389656"/>
+          <a:ext cx="3101774" cy="3101774"/>
         </a:xfrm>
         <a:custGeom>
           <a:avLst/>
@@ -3191,19 +3078,19 @@
           <a:pathLst>
             <a:path>
               <a:moveTo>
-                <a:pt x="321645" y="804106"/>
+                <a:pt x="269976" y="676518"/>
               </a:moveTo>
-              <a:arcTo wR="1844971" hR="1844971" stAng="12860651" swAng="1960141"/>
+              <a:arcTo wR="1550887" hR="1550887" stAng="12859082" swAng="1963892"/>
             </a:path>
           </a:pathLst>
         </a:custGeom>
         <a:noFill/>
         <a:ln w="9525" cap="rnd" cmpd="sng" algn="ctr">
           <a:solidFill>
-            <a:schemeClr val="accent5">
-              <a:hueOff val="20796183"/>
-              <a:satOff val="-568"/>
-              <a:lumOff val="-3138"/>
+            <a:schemeClr val="accent2">
+              <a:hueOff val="-3878375"/>
+              <a:satOff val="-8771"/>
+              <a:lumOff val="-5686"/>
               <a:alphaOff val="0"/>
             </a:schemeClr>
           </a:solidFill>
@@ -6404,16 +6291,6 @@
           <a:bodyPr/>
           <a:lstStyle/>
           <a:p>
-            <a:r>
-              <a:rPr lang="en-TT" dirty="0"/>
-              <a:t>Mention </a:t>
-            </a:r>
-            <a:r>
-              <a:rPr lang="en-US" dirty="0">
-                <a:effectLst/>
-              </a:rPr>
-              <a:t>git remote add origin https://github.com/Akil313/UWICS_Git.git</a:t>
-            </a:r>
             <a:endParaRPr lang="en-US" dirty="0"/>
           </a:p>
         </p:txBody>
@@ -6813,7 +6690,7 @@
           <a:p>
             <a:fld id="{11F38A6E-73C6-4E39-BF9D-2FD8436990E6}" type="slidenum">
               <a:rPr lang="en-US" smtClean="0"/>
-              <a:t>16</a:t>
+              <a:t>17</a:t>
             </a:fld>
             <a:endParaRPr lang="en-US"/>
           </a:p>
@@ -8052,7 +7929,7 @@
           <a:effectLst/>
           <a:extLst>
             <a:ext uri="{91240B29-F687-4f45-9708-019B960494DF}">
-              <a14:hiddenLine xmlns="" xmlns:a14="http://schemas.microsoft.com/office/drawing/2010/main" w="9525">
+              <a14:hiddenLine xmlns:a14="http://schemas.microsoft.com/office/drawing/2010/main" xmlns="" w="9525">
                 <a:solidFill>
                   <a:srgbClr val="000000"/>
                 </a:solidFill>
@@ -8299,13 +8176,13 @@
   <p:clrMapOvr>
     <a:masterClrMapping/>
   </p:clrMapOvr>
-  <mc:AlternateContent xmlns:mc="http://schemas.openxmlformats.org/markup-compatibility/2006">
-    <mc:Choice xmlns:p15="http://schemas.microsoft.com/office/powerpoint/2012/main" Requires="p15">
+  <mc:AlternateContent xmlns:mc="http://schemas.openxmlformats.org/markup-compatibility/2006" xmlns:p15="http://schemas.microsoft.com/office/powerpoint/2012/main">
+    <mc:Choice Requires="p15">
       <p:transition xmlns:p14="http://schemas.microsoft.com/office/powerpoint/2010/main" spd="slow" p14:dur="1250">
         <p15:prstTrans prst="peelOff"/>
       </p:transition>
     </mc:Choice>
-    <mc:Fallback>
+    <mc:Fallback xmlns="">
       <p:transition spd="slow">
         <p:fade/>
       </p:transition>
@@ -8626,13 +8503,13 @@
   <p:clrMapOvr>
     <a:masterClrMapping/>
   </p:clrMapOvr>
-  <mc:AlternateContent xmlns:mc="http://schemas.openxmlformats.org/markup-compatibility/2006">
-    <mc:Choice xmlns:p15="http://schemas.microsoft.com/office/powerpoint/2012/main" Requires="p15">
+  <mc:AlternateContent xmlns:mc="http://schemas.openxmlformats.org/markup-compatibility/2006" xmlns:p15="http://schemas.microsoft.com/office/powerpoint/2012/main">
+    <mc:Choice Requires="p15">
       <p:transition xmlns:p14="http://schemas.microsoft.com/office/powerpoint/2010/main" spd="slow" p14:dur="1250">
         <p15:prstTrans prst="peelOff"/>
       </p:transition>
     </mc:Choice>
-    <mc:Fallback>
+    <mc:Fallback xmlns="">
       <p:transition spd="slow">
         <p:fade/>
       </p:transition>
@@ -9123,13 +9000,13 @@
   <p:clrMapOvr>
     <a:masterClrMapping/>
   </p:clrMapOvr>
-  <mc:AlternateContent xmlns:mc="http://schemas.openxmlformats.org/markup-compatibility/2006">
-    <mc:Choice xmlns:p15="http://schemas.microsoft.com/office/powerpoint/2012/main" Requires="p15">
+  <mc:AlternateContent xmlns:mc="http://schemas.openxmlformats.org/markup-compatibility/2006" xmlns:p15="http://schemas.microsoft.com/office/powerpoint/2012/main">
+    <mc:Choice Requires="p15">
       <p:transition xmlns:p14="http://schemas.microsoft.com/office/powerpoint/2010/main" spd="slow" p14:dur="1250">
         <p15:prstTrans prst="peelOff"/>
       </p:transition>
     </mc:Choice>
-    <mc:Fallback>
+    <mc:Fallback xmlns="">
       <p:transition spd="slow">
         <p:fade/>
       </p:transition>
@@ -9501,13 +9378,13 @@
   <p:clrMapOvr>
     <a:masterClrMapping/>
   </p:clrMapOvr>
-  <mc:AlternateContent xmlns:mc="http://schemas.openxmlformats.org/markup-compatibility/2006">
-    <mc:Choice xmlns:p15="http://schemas.microsoft.com/office/powerpoint/2012/main" Requires="p15">
+  <mc:AlternateContent xmlns:mc="http://schemas.openxmlformats.org/markup-compatibility/2006" xmlns:p15="http://schemas.microsoft.com/office/powerpoint/2012/main">
+    <mc:Choice Requires="p15">
       <p:transition xmlns:p14="http://schemas.microsoft.com/office/powerpoint/2010/main" spd="slow" p14:dur="1250">
         <p15:prstTrans prst="peelOff"/>
       </p:transition>
     </mc:Choice>
-    <mc:Fallback>
+    <mc:Fallback xmlns="">
       <p:transition spd="slow">
         <p:fade/>
       </p:transition>
@@ -9610,7 +9487,7 @@
           <a:ln/>
           <a:extLst>
             <a:ext uri="{91240B29-F687-4f45-9708-019B960494DF}">
-              <a14:hiddenLine xmlns="" xmlns:a14="http://schemas.microsoft.com/office/drawing/2010/main" w="9525">
+              <a14:hiddenLine xmlns:a14="http://schemas.microsoft.com/office/drawing/2010/main" xmlns="" w="9525">
                 <a:solidFill>
                   <a:srgbClr val="000000"/>
                 </a:solidFill>
@@ -9783,13 +9660,13 @@
   <p:clrMapOvr>
     <a:masterClrMapping/>
   </p:clrMapOvr>
-  <mc:AlternateContent xmlns:mc="http://schemas.openxmlformats.org/markup-compatibility/2006">
-    <mc:Choice xmlns:p15="http://schemas.microsoft.com/office/powerpoint/2012/main" Requires="p15">
+  <mc:AlternateContent xmlns:mc="http://schemas.openxmlformats.org/markup-compatibility/2006" xmlns:p15="http://schemas.microsoft.com/office/powerpoint/2012/main">
+    <mc:Choice Requires="p15">
       <p:transition xmlns:p14="http://schemas.microsoft.com/office/powerpoint/2010/main" spd="slow" p14:dur="1250">
         <p15:prstTrans prst="peelOff"/>
       </p:transition>
     </mc:Choice>
-    <mc:Fallback>
+    <mc:Fallback xmlns="">
       <p:transition spd="slow">
         <p:fade/>
       </p:transition>
@@ -9894,7 +9771,7 @@
           <a:ln/>
           <a:extLst>
             <a:ext uri="{91240B29-F687-4f45-9708-019B960494DF}">
-              <a14:hiddenLine xmlns="" xmlns:a14="http://schemas.microsoft.com/office/drawing/2010/main" w="9525">
+              <a14:hiddenLine xmlns:a14="http://schemas.microsoft.com/office/drawing/2010/main" xmlns="" w="9525">
                 <a:solidFill>
                   <a:srgbClr val="000000"/>
                 </a:solidFill>
@@ -10077,13 +9954,13 @@
   <p:clrMapOvr>
     <a:masterClrMapping/>
   </p:clrMapOvr>
-  <mc:AlternateContent xmlns:mc="http://schemas.openxmlformats.org/markup-compatibility/2006">
-    <mc:Choice xmlns:p15="http://schemas.microsoft.com/office/powerpoint/2012/main" Requires="p15">
+  <mc:AlternateContent xmlns:mc="http://schemas.openxmlformats.org/markup-compatibility/2006" xmlns:p15="http://schemas.microsoft.com/office/powerpoint/2012/main">
+    <mc:Choice Requires="p15">
       <p:transition xmlns:p14="http://schemas.microsoft.com/office/powerpoint/2010/main" spd="slow" p14:dur="1250">
         <p15:prstTrans prst="peelOff"/>
       </p:transition>
     </mc:Choice>
-    <mc:Fallback>
+    <mc:Fallback xmlns="">
       <p:transition spd="slow">
         <p:fade/>
       </p:transition>
@@ -10186,7 +10063,7 @@
           <a:ln/>
           <a:extLst>
             <a:ext uri="{91240B29-F687-4f45-9708-019B960494DF}">
-              <a14:hiddenLine xmlns="" xmlns:a14="http://schemas.microsoft.com/office/drawing/2010/main" w="9525">
+              <a14:hiddenLine xmlns:a14="http://schemas.microsoft.com/office/drawing/2010/main" xmlns="" w="9525">
                 <a:solidFill>
                   <a:srgbClr val="000000"/>
                 </a:solidFill>
@@ -10369,13 +10246,13 @@
   <p:clrMapOvr>
     <a:masterClrMapping/>
   </p:clrMapOvr>
-  <mc:AlternateContent xmlns:mc="http://schemas.openxmlformats.org/markup-compatibility/2006">
-    <mc:Choice xmlns:p15="http://schemas.microsoft.com/office/powerpoint/2012/main" Requires="p15">
+  <mc:AlternateContent xmlns:mc="http://schemas.openxmlformats.org/markup-compatibility/2006" xmlns:p15="http://schemas.microsoft.com/office/powerpoint/2012/main">
+    <mc:Choice Requires="p15">
       <p:transition xmlns:p14="http://schemas.microsoft.com/office/powerpoint/2010/main" spd="slow" p14:dur="1250">
         <p15:prstTrans prst="peelOff"/>
       </p:transition>
     </mc:Choice>
-    <mc:Fallback>
+    <mc:Fallback xmlns="">
       <p:transition spd="slow">
         <p:fade/>
       </p:transition>
@@ -10721,13 +10598,13 @@
   <p:clrMapOvr>
     <a:masterClrMapping/>
   </p:clrMapOvr>
-  <mc:AlternateContent xmlns:mc="http://schemas.openxmlformats.org/markup-compatibility/2006">
-    <mc:Choice xmlns:p15="http://schemas.microsoft.com/office/powerpoint/2012/main" Requires="p15">
+  <mc:AlternateContent xmlns:mc="http://schemas.openxmlformats.org/markup-compatibility/2006" xmlns:p15="http://schemas.microsoft.com/office/powerpoint/2012/main">
+    <mc:Choice Requires="p15">
       <p:transition xmlns:p14="http://schemas.microsoft.com/office/powerpoint/2010/main" spd="slow" p14:dur="1250">
         <p15:prstTrans prst="peelOff"/>
       </p:transition>
     </mc:Choice>
-    <mc:Fallback>
+    <mc:Fallback xmlns="">
       <p:transition spd="slow">
         <p:fade/>
       </p:transition>
@@ -10830,7 +10707,7 @@
           <a:ln/>
           <a:extLst>
             <a:ext uri="{91240B29-F687-4f45-9708-019B960494DF}">
-              <a14:hiddenLine xmlns="" xmlns:a14="http://schemas.microsoft.com/office/drawing/2010/main" w="9525">
+              <a14:hiddenLine xmlns:a14="http://schemas.microsoft.com/office/drawing/2010/main" xmlns="" w="9525">
                 <a:solidFill>
                   <a:srgbClr val="000000"/>
                 </a:solidFill>
@@ -11069,13 +10946,13 @@
   <p:clrMapOvr>
     <a:masterClrMapping/>
   </p:clrMapOvr>
-  <mc:AlternateContent xmlns:mc="http://schemas.openxmlformats.org/markup-compatibility/2006">
-    <mc:Choice xmlns:p15="http://schemas.microsoft.com/office/powerpoint/2012/main" Requires="p15">
+  <mc:AlternateContent xmlns:mc="http://schemas.openxmlformats.org/markup-compatibility/2006" xmlns:p15="http://schemas.microsoft.com/office/powerpoint/2012/main">
+    <mc:Choice Requires="p15">
       <p:transition xmlns:p14="http://schemas.microsoft.com/office/powerpoint/2010/main" spd="slow" p14:dur="1250">
         <p15:prstTrans prst="peelOff"/>
       </p:transition>
     </mc:Choice>
-    <mc:Fallback>
+    <mc:Fallback xmlns="">
       <p:transition spd="slow">
         <p:fade/>
       </p:transition>
@@ -11178,7 +11055,7 @@
           <a:ln/>
           <a:extLst>
             <a:ext uri="{91240B29-F687-4f45-9708-019B960494DF}">
-              <a14:hiddenLine xmlns="" xmlns:a14="http://schemas.microsoft.com/office/drawing/2010/main" w="9525">
+              <a14:hiddenLine xmlns:a14="http://schemas.microsoft.com/office/drawing/2010/main" xmlns="" w="9525">
                 <a:solidFill>
                   <a:srgbClr val="000000"/>
                 </a:solidFill>
@@ -11555,13 +11432,13 @@
   <p:clrMapOvr>
     <a:masterClrMapping/>
   </p:clrMapOvr>
-  <mc:AlternateContent xmlns:mc="http://schemas.openxmlformats.org/markup-compatibility/2006">
-    <mc:Choice xmlns:p15="http://schemas.microsoft.com/office/powerpoint/2012/main" Requires="p15">
+  <mc:AlternateContent xmlns:mc="http://schemas.openxmlformats.org/markup-compatibility/2006" xmlns:p15="http://schemas.microsoft.com/office/powerpoint/2012/main">
+    <mc:Choice Requires="p15">
       <p:transition xmlns:p14="http://schemas.microsoft.com/office/powerpoint/2010/main" spd="slow" p14:dur="1250">
         <p15:prstTrans prst="peelOff"/>
       </p:transition>
     </mc:Choice>
-    <mc:Fallback>
+    <mc:Fallback xmlns="">
       <p:transition spd="slow">
         <p:fade/>
       </p:transition>
@@ -11664,7 +11541,7 @@
           <a:ln/>
           <a:extLst>
             <a:ext uri="{91240B29-F687-4f45-9708-019B960494DF}">
-              <a14:hiddenLine xmlns="" xmlns:a14="http://schemas.microsoft.com/office/drawing/2010/main" w="9525">
+              <a14:hiddenLine xmlns:a14="http://schemas.microsoft.com/office/drawing/2010/main" xmlns="" w="9525">
                 <a:solidFill>
                   <a:srgbClr val="000000"/>
                 </a:solidFill>
@@ -11785,13 +11662,13 @@
   <p:clrMapOvr>
     <a:masterClrMapping/>
   </p:clrMapOvr>
-  <mc:AlternateContent xmlns:mc="http://schemas.openxmlformats.org/markup-compatibility/2006">
-    <mc:Choice xmlns:p15="http://schemas.microsoft.com/office/powerpoint/2012/main" Requires="p15">
+  <mc:AlternateContent xmlns:mc="http://schemas.openxmlformats.org/markup-compatibility/2006" xmlns:p15="http://schemas.microsoft.com/office/powerpoint/2012/main">
+    <mc:Choice Requires="p15">
       <p:transition xmlns:p14="http://schemas.microsoft.com/office/powerpoint/2010/main" spd="slow" p14:dur="1250">
         <p15:prstTrans prst="peelOff"/>
       </p:transition>
     </mc:Choice>
-    <mc:Fallback>
+    <mc:Fallback xmlns="">
       <p:transition spd="slow">
         <p:fade/>
       </p:transition>
@@ -11889,13 +11766,13 @@
   <p:clrMapOvr>
     <a:masterClrMapping/>
   </p:clrMapOvr>
-  <mc:AlternateContent xmlns:mc="http://schemas.openxmlformats.org/markup-compatibility/2006">
-    <mc:Choice xmlns:p15="http://schemas.microsoft.com/office/powerpoint/2012/main" Requires="p15">
+  <mc:AlternateContent xmlns:mc="http://schemas.openxmlformats.org/markup-compatibility/2006" xmlns:p15="http://schemas.microsoft.com/office/powerpoint/2012/main">
+    <mc:Choice Requires="p15">
       <p:transition xmlns:p14="http://schemas.microsoft.com/office/powerpoint/2010/main" spd="slow" p14:dur="1250">
         <p15:prstTrans prst="peelOff"/>
       </p:transition>
     </mc:Choice>
-    <mc:Fallback>
+    <mc:Fallback xmlns="">
       <p:transition spd="slow">
         <p:fade/>
       </p:transition>
@@ -12111,7 +11988,7 @@
           <a:ln/>
           <a:extLst>
             <a:ext uri="{91240B29-F687-4f45-9708-019B960494DF}">
-              <a14:hiddenLine xmlns="" xmlns:a14="http://schemas.microsoft.com/office/drawing/2010/main" w="9525">
+              <a14:hiddenLine xmlns:a14="http://schemas.microsoft.com/office/drawing/2010/main" xmlns="" w="9525">
                 <a:solidFill>
                   <a:srgbClr val="000000"/>
                 </a:solidFill>
@@ -12365,13 +12242,13 @@
   <p:clrMapOvr>
     <a:masterClrMapping/>
   </p:clrMapOvr>
-  <mc:AlternateContent xmlns:mc="http://schemas.openxmlformats.org/markup-compatibility/2006">
-    <mc:Choice xmlns:p15="http://schemas.microsoft.com/office/powerpoint/2012/main" Requires="p15">
+  <mc:AlternateContent xmlns:mc="http://schemas.openxmlformats.org/markup-compatibility/2006" xmlns:p15="http://schemas.microsoft.com/office/powerpoint/2012/main">
+    <mc:Choice Requires="p15">
       <p:transition xmlns:p14="http://schemas.microsoft.com/office/powerpoint/2010/main" spd="slow" p14:dur="1250">
         <p15:prstTrans prst="peelOff"/>
       </p:transition>
     </mc:Choice>
-    <mc:Fallback>
+    <mc:Fallback xmlns="">
       <p:transition spd="slow">
         <p:fade/>
       </p:transition>
@@ -12697,13 +12574,13 @@
   <p:clrMapOvr>
     <a:masterClrMapping/>
   </p:clrMapOvr>
-  <mc:AlternateContent xmlns:mc="http://schemas.openxmlformats.org/markup-compatibility/2006">
-    <mc:Choice xmlns:p15="http://schemas.microsoft.com/office/powerpoint/2012/main" Requires="p15">
+  <mc:AlternateContent xmlns:mc="http://schemas.openxmlformats.org/markup-compatibility/2006" xmlns:p15="http://schemas.microsoft.com/office/powerpoint/2012/main">
+    <mc:Choice Requires="p15">
       <p:transition xmlns:p14="http://schemas.microsoft.com/office/powerpoint/2010/main" spd="slow" p14:dur="1250">
         <p15:prstTrans prst="peelOff"/>
       </p:transition>
     </mc:Choice>
-    <mc:Fallback>
+    <mc:Fallback xmlns="">
       <p:transition spd="slow">
         <p:fade/>
       </p:transition>
@@ -12977,13 +12854,13 @@
     <p:sldLayoutId id="2147483658" r:id="rId13"/>
     <p:sldLayoutId id="2147483659" r:id="rId14"/>
   </p:sldLayoutIdLst>
-  <mc:AlternateContent xmlns:mc="http://schemas.openxmlformats.org/markup-compatibility/2006">
-    <mc:Choice xmlns:p15="http://schemas.microsoft.com/office/powerpoint/2012/main" Requires="p15">
+  <mc:AlternateContent xmlns:mc="http://schemas.openxmlformats.org/markup-compatibility/2006" xmlns:p15="http://schemas.microsoft.com/office/powerpoint/2012/main">
+    <mc:Choice Requires="p15">
       <p:transition xmlns:p14="http://schemas.microsoft.com/office/powerpoint/2010/main" spd="slow" p14:dur="1250">
         <p15:prstTrans prst="peelOff"/>
       </p:transition>
     </mc:Choice>
-    <mc:Fallback>
+    <mc:Fallback xmlns="">
       <p:transition spd="slow">
         <p:fade/>
       </p:transition>
@@ -13359,7 +13236,7 @@
     <p:bg>
       <p:bgPr>
         <a:solidFill>
-          <a:schemeClr val="bg1"/>
+          <a:schemeClr val="bg2"/>
         </a:solidFill>
         <a:effectLst/>
       </p:bgPr>
@@ -13378,12 +13255,12 @@
           <a:chExt cx="0" cy="0"/>
         </a:xfrm>
       </p:grpSpPr>
-      <p:sp>
+      <p:sp useBgFill="1">
         <p:nvSpPr>
-          <p:cNvPr id="10" name="Rectangle 9">
+          <p:cNvPr id="12" name="Rectangle 11">
             <a:extLst>
               <a:ext uri="{FF2B5EF4-FFF2-40B4-BE49-F238E27FC236}">
-                <a16:creationId xmlns:a16="http://schemas.microsoft.com/office/drawing/2014/main" id="{B7743172-17A8-4FA4-8434-B813E03B7665}"/>
+                <a16:creationId xmlns:a16="http://schemas.microsoft.com/office/drawing/2014/main" id="{F0FA1B97-98F1-4B4E-816D-27FA0E062734}"/>
               </a:ext>
               <a:ext uri="{C183D7F6-B498-43B3-948B-1728B52AA6E4}">
                 <adec:decorative xmlns:adec="http://schemas.microsoft.com/office/drawing/2017/decorative" val="1"/>
@@ -13404,14 +13281,11 @@
         <p:spPr>
           <a:xfrm>
             <a:off x="0" y="0"/>
-            <a:ext cx="12192000" cy="6858000"/>
+            <a:ext cx="12188952" cy="6858000"/>
           </a:xfrm>
           <a:prstGeom prst="rect">
             <a:avLst/>
           </a:prstGeom>
-          <a:solidFill>
-            <a:schemeClr val="bg1"/>
-          </a:solidFill>
           <a:ln>
             <a:noFill/>
           </a:ln>
@@ -13441,286 +13315,36 @@
           </a:p>
         </p:txBody>
       </p:sp>
-      <p:sp>
-        <p:nvSpPr>
-          <p:cNvPr id="12" name="Freeform 23">
+      <p:pic>
+        <p:nvPicPr>
+          <p:cNvPr id="5" name="Picture 4">
             <a:extLst>
               <a:ext uri="{FF2B5EF4-FFF2-40B4-BE49-F238E27FC236}">
-                <a16:creationId xmlns:a16="http://schemas.microsoft.com/office/drawing/2014/main" id="{4CE1233C-FD2F-489E-BFDE-086F5FED6491}"/>
-              </a:ext>
-              <a:ext uri="{C183D7F6-B498-43B3-948B-1728B52AA6E4}">
-                <adec:decorative xmlns:adec="http://schemas.microsoft.com/office/drawing/2017/decorative" val="1"/>
+                <a16:creationId xmlns:a16="http://schemas.microsoft.com/office/drawing/2014/main" id="{89885766-9CF8-4977-9A1A-9B59136CC878}"/>
               </a:ext>
             </a:extLst>
           </p:cNvPr>
-          <p:cNvSpPr>
-            <a:spLocks noGrp="1" noRot="1" noChangeAspect="1" noMove="1" noResize="1" noEditPoints="1" noAdjustHandles="1" noChangeArrowheads="1" noChangeShapeType="1" noTextEdit="1"/>
-          </p:cNvSpPr>
-          <p:nvPr>
-            <p:extLst>
-              <p:ext uri="{386F3935-93C4-4BCD-93E2-E3B085C9AB24}">
-                <p16:designElem xmlns:p16="http://schemas.microsoft.com/office/powerpoint/2015/main" val="1"/>
-              </p:ext>
-            </p:extLst>
-          </p:nvPr>
-        </p:nvSpPr>
-        <p:spPr bwMode="white">
-          <a:xfrm>
-            <a:off x="0" y="0"/>
-            <a:ext cx="4637005" cy="6858000"/>
-          </a:xfrm>
-          <a:custGeom>
-            <a:avLst/>
-            <a:gdLst>
-              <a:gd name="connsiteX0" fmla="*/ 0 w 4637005"/>
-              <a:gd name="connsiteY0" fmla="*/ 0 h 6858000"/>
-              <a:gd name="connsiteX1" fmla="*/ 4637005 w 4637005"/>
-              <a:gd name="connsiteY1" fmla="*/ 0 h 6858000"/>
-              <a:gd name="connsiteX2" fmla="*/ 4637005 w 4637005"/>
-              <a:gd name="connsiteY2" fmla="*/ 1900238 h 6858000"/>
-              <a:gd name="connsiteX3" fmla="*/ 4266589 w 4637005"/>
-              <a:gd name="connsiteY3" fmla="*/ 2178050 h 6858000"/>
-              <a:gd name="connsiteX4" fmla="*/ 4262355 w 4637005"/>
-              <a:gd name="connsiteY4" fmla="*/ 2184400 h 6858000"/>
-              <a:gd name="connsiteX5" fmla="*/ 4256005 w 4637005"/>
-              <a:gd name="connsiteY5" fmla="*/ 2193925 h 6858000"/>
-              <a:gd name="connsiteX6" fmla="*/ 4249655 w 4637005"/>
-              <a:gd name="connsiteY6" fmla="*/ 2201863 h 6858000"/>
-              <a:gd name="connsiteX7" fmla="*/ 4249655 w 4637005"/>
-              <a:gd name="connsiteY7" fmla="*/ 2211388 h 6858000"/>
-              <a:gd name="connsiteX8" fmla="*/ 4249655 w 4637005"/>
-              <a:gd name="connsiteY8" fmla="*/ 2220913 h 6858000"/>
-              <a:gd name="connsiteX9" fmla="*/ 4256005 w 4637005"/>
-              <a:gd name="connsiteY9" fmla="*/ 2228850 h 6858000"/>
-              <a:gd name="connsiteX10" fmla="*/ 4262355 w 4637005"/>
-              <a:gd name="connsiteY10" fmla="*/ 2238375 h 6858000"/>
-              <a:gd name="connsiteX11" fmla="*/ 4266589 w 4637005"/>
-              <a:gd name="connsiteY11" fmla="*/ 2244725 h 6858000"/>
-              <a:gd name="connsiteX12" fmla="*/ 4637005 w 4637005"/>
-              <a:gd name="connsiteY12" fmla="*/ 2522538 h 6858000"/>
-              <a:gd name="connsiteX13" fmla="*/ 4637005 w 4637005"/>
-              <a:gd name="connsiteY13" fmla="*/ 6858000 h 6858000"/>
-              <a:gd name="connsiteX14" fmla="*/ 0 w 4637005"/>
-              <a:gd name="connsiteY14" fmla="*/ 6858000 h 6858000"/>
-            </a:gdLst>
-            <a:ahLst/>
-            <a:cxnLst>
-              <a:cxn ang="0">
-                <a:pos x="connsiteX0" y="connsiteY0"/>
-              </a:cxn>
-              <a:cxn ang="0">
-                <a:pos x="connsiteX1" y="connsiteY1"/>
-              </a:cxn>
-              <a:cxn ang="0">
-                <a:pos x="connsiteX2" y="connsiteY2"/>
-              </a:cxn>
-              <a:cxn ang="0">
-                <a:pos x="connsiteX3" y="connsiteY3"/>
-              </a:cxn>
-              <a:cxn ang="0">
-                <a:pos x="connsiteX4" y="connsiteY4"/>
-              </a:cxn>
-              <a:cxn ang="0">
-                <a:pos x="connsiteX5" y="connsiteY5"/>
-              </a:cxn>
-              <a:cxn ang="0">
-                <a:pos x="connsiteX6" y="connsiteY6"/>
-              </a:cxn>
-              <a:cxn ang="0">
-                <a:pos x="connsiteX7" y="connsiteY7"/>
-              </a:cxn>
-              <a:cxn ang="0">
-                <a:pos x="connsiteX8" y="connsiteY8"/>
-              </a:cxn>
-              <a:cxn ang="0">
-                <a:pos x="connsiteX9" y="connsiteY9"/>
-              </a:cxn>
-              <a:cxn ang="0">
-                <a:pos x="connsiteX10" y="connsiteY10"/>
-              </a:cxn>
-              <a:cxn ang="0">
-                <a:pos x="connsiteX11" y="connsiteY11"/>
-              </a:cxn>
-              <a:cxn ang="0">
-                <a:pos x="connsiteX12" y="connsiteY12"/>
-              </a:cxn>
-              <a:cxn ang="0">
-                <a:pos x="connsiteX13" y="connsiteY13"/>
-              </a:cxn>
-              <a:cxn ang="0">
-                <a:pos x="connsiteX14" y="connsiteY14"/>
-              </a:cxn>
-            </a:cxnLst>
-            <a:rect l="l" t="t" r="r" b="b"/>
-            <a:pathLst>
-              <a:path w="4637005" h="6858000">
-                <a:moveTo>
-                  <a:pt x="0" y="0"/>
-                </a:moveTo>
-                <a:lnTo>
-                  <a:pt x="4637005" y="0"/>
-                </a:lnTo>
-                <a:lnTo>
-                  <a:pt x="4637005" y="1900238"/>
-                </a:lnTo>
-                <a:lnTo>
-                  <a:pt x="4266589" y="2178050"/>
-                </a:lnTo>
-                <a:lnTo>
-                  <a:pt x="4262355" y="2184400"/>
-                </a:lnTo>
-                <a:lnTo>
-                  <a:pt x="4256005" y="2193925"/>
-                </a:lnTo>
-                <a:lnTo>
-                  <a:pt x="4249655" y="2201863"/>
-                </a:lnTo>
-                <a:lnTo>
-                  <a:pt x="4249655" y="2211388"/>
-                </a:lnTo>
-                <a:lnTo>
-                  <a:pt x="4249655" y="2220913"/>
-                </a:lnTo>
-                <a:lnTo>
-                  <a:pt x="4256005" y="2228850"/>
-                </a:lnTo>
-                <a:lnTo>
-                  <a:pt x="4262355" y="2238375"/>
-                </a:lnTo>
-                <a:lnTo>
-                  <a:pt x="4266589" y="2244725"/>
-                </a:lnTo>
-                <a:lnTo>
-                  <a:pt x="4637005" y="2522538"/>
-                </a:lnTo>
-                <a:lnTo>
-                  <a:pt x="4637005" y="6858000"/>
-                </a:lnTo>
-                <a:lnTo>
-                  <a:pt x="0" y="6858000"/>
-                </a:lnTo>
-                <a:close/>
-              </a:path>
-            </a:pathLst>
-          </a:custGeom>
-          <a:blipFill>
-            <a:blip r:embed="rId3">
-              <a:duotone>
-                <a:schemeClr val="accent1">
-                  <a:tint val="98000"/>
-                  <a:lumMod val="102000"/>
-                </a:schemeClr>
-                <a:schemeClr val="accent1">
-                  <a:shade val="98000"/>
-                  <a:lumMod val="98000"/>
-                </a:schemeClr>
-              </a:duotone>
-            </a:blip>
-            <a:tile tx="0" ty="0" sx="100000" sy="100000" flip="none" algn="tl"/>
-          </a:blipFill>
-          <a:ln>
-            <a:headEnd/>
-            <a:tailEnd/>
-          </a:ln>
-        </p:spPr>
-        <p:style>
-          <a:lnRef idx="1">
-            <a:schemeClr val="accent1"/>
-          </a:lnRef>
-          <a:fillRef idx="3">
-            <a:schemeClr val="accent1"/>
-          </a:fillRef>
-          <a:effectRef idx="2">
-            <a:schemeClr val="accent1"/>
-          </a:effectRef>
-          <a:fontRef idx="minor">
-            <a:schemeClr val="lt1"/>
-          </a:fontRef>
-        </p:style>
-        <p:txBody>
-          <a:bodyPr wrap="square" rtlCol="0" anchor="ctr">
-            <a:noAutofit/>
-          </a:bodyPr>
-          <a:lstStyle/>
-          <a:p>
-            <a:pPr algn="ctr"/>
-            <a:endParaRPr lang="en-US"/>
-          </a:p>
-        </p:txBody>
-      </p:sp>
-      <p:sp>
-        <p:nvSpPr>
-          <p:cNvPr id="2" name="Title 1">
-            <a:extLst>
-              <a:ext uri="{FF2B5EF4-FFF2-40B4-BE49-F238E27FC236}">
-                <a16:creationId xmlns:a16="http://schemas.microsoft.com/office/drawing/2014/main" id="{4DD8BD7F-E25D-4BA7-8C7D-7EC9A1E077F5}"/>
-              </a:ext>
-            </a:extLst>
-          </p:cNvPr>
-          <p:cNvSpPr>
-            <a:spLocks noGrp="1"/>
-          </p:cNvSpPr>
-          <p:nvPr>
-            <p:ph type="ctrTitle"/>
-          </p:nvPr>
-        </p:nvSpPr>
+          <p:cNvPicPr>
+            <a:picLocks noChangeAspect="1"/>
+          </p:cNvPicPr>
+          <p:nvPr/>
+        </p:nvPicPr>
+        <p:blipFill>
+          <a:blip r:embed="rId3"/>
+          <a:stretch>
+            <a:fillRect/>
+          </a:stretch>
+        </p:blipFill>
         <p:spPr>
           <a:xfrm>
-            <a:off x="215154" y="3151991"/>
-            <a:ext cx="3829722" cy="2889370"/>
+            <a:off x="2174450" y="484633"/>
+            <a:ext cx="2975379" cy="2875460"/>
           </a:xfrm>
+          <a:prstGeom prst="rect">
+            <a:avLst/>
+          </a:prstGeom>
         </p:spPr>
-        <p:txBody>
-          <a:bodyPr anchor="t">
-            <a:normAutofit/>
-          </a:bodyPr>
-          <a:lstStyle/>
-          <a:p>
-            <a:pPr algn="ctr"/>
-            <a:r>
-              <a:rPr lang="en-TT" dirty="0"/>
-              <a:t>Git : Version Control</a:t>
-            </a:r>
-            <a:endParaRPr lang="en-US" dirty="0"/>
-          </a:p>
-        </p:txBody>
-      </p:sp>
-      <p:sp>
-        <p:nvSpPr>
-          <p:cNvPr id="3" name="Subtitle 2">
-            <a:extLst>
-              <a:ext uri="{FF2B5EF4-FFF2-40B4-BE49-F238E27FC236}">
-                <a16:creationId xmlns:a16="http://schemas.microsoft.com/office/drawing/2014/main" id="{1FB2C4BD-A1B6-42AB-9A5D-F010B5D9B86D}"/>
-              </a:ext>
-            </a:extLst>
-          </p:cNvPr>
-          <p:cNvSpPr>
-            <a:spLocks noGrp="1"/>
-          </p:cNvSpPr>
-          <p:nvPr>
-            <p:ph type="subTitle" idx="1"/>
-          </p:nvPr>
-        </p:nvSpPr>
-        <p:spPr>
-          <a:xfrm>
-            <a:off x="215154" y="409398"/>
-            <a:ext cx="3829722" cy="2505923"/>
-          </a:xfrm>
-        </p:spPr>
-        <p:txBody>
-          <a:bodyPr anchor="b">
-            <a:normAutofit/>
-          </a:bodyPr>
-          <a:lstStyle/>
-          <a:p>
-            <a:pPr algn="ctr"/>
-            <a:r>
-              <a:rPr lang="en-US" sz="2800" dirty="0"/>
-              <a:t>UWICS EVENT – Git Introduction</a:t>
-            </a:r>
-          </a:p>
-        </p:txBody>
-      </p:sp>
+      </p:pic>
       <p:pic>
         <p:nvPicPr>
           <p:cNvPr id="7" name="Graphic 6" descr="Cloud Computing">
@@ -13752,52 +13376,223 @@
         </p:blipFill>
         <p:spPr>
           <a:xfrm>
-            <a:off x="5715554" y="643465"/>
-            <a:ext cx="5397897" cy="5397897"/>
-          </a:xfrm>
-          <a:prstGeom prst="roundRect">
-            <a:avLst>
-              <a:gd name="adj" fmla="val 3876"/>
-            </a:avLst>
-          </a:prstGeom>
-          <a:ln>
-            <a:solidFill>
-              <a:schemeClr val="accent1"/>
-            </a:solidFill>
-          </a:ln>
-          <a:effectLst/>
-        </p:spPr>
-      </p:pic>
-      <p:pic>
-        <p:nvPicPr>
-          <p:cNvPr id="5" name="Picture 4">
-            <a:extLst>
-              <a:ext uri="{FF2B5EF4-FFF2-40B4-BE49-F238E27FC236}">
-                <a16:creationId xmlns:a16="http://schemas.microsoft.com/office/drawing/2014/main" id="{89885766-9CF8-4977-9A1A-9B59136CC878}"/>
-              </a:ext>
-            </a:extLst>
-          </p:cNvPr>
-          <p:cNvPicPr>
-            <a:picLocks noChangeAspect="1"/>
-          </p:cNvPicPr>
-          <p:nvPr/>
-        </p:nvPicPr>
-        <p:blipFill>
-          <a:blip r:embed="rId6"/>
-          <a:stretch>
-            <a:fillRect/>
-          </a:stretch>
-        </p:blipFill>
-        <p:spPr>
-          <a:xfrm>
-            <a:off x="1041527" y="409398"/>
-            <a:ext cx="2176976" cy="1548494"/>
+            <a:off x="7707114" y="484633"/>
+            <a:ext cx="2875460" cy="2875460"/>
           </a:xfrm>
           <a:prstGeom prst="rect">
             <a:avLst/>
           </a:prstGeom>
         </p:spPr>
       </p:pic>
+      <p:sp>
+        <p:nvSpPr>
+          <p:cNvPr id="14" name="Freeform: Shape 13">
+            <a:extLst>
+              <a:ext uri="{FF2B5EF4-FFF2-40B4-BE49-F238E27FC236}">
+                <a16:creationId xmlns:a16="http://schemas.microsoft.com/office/drawing/2014/main" id="{71B2BF06-97B5-459D-A2C0-49B160F57B70}"/>
+              </a:ext>
+              <a:ext uri="{C183D7F6-B498-43B3-948B-1728B52AA6E4}">
+                <adec:decorative xmlns:adec="http://schemas.microsoft.com/office/drawing/2017/decorative" val="1"/>
+              </a:ext>
+            </a:extLst>
+          </p:cNvPr>
+          <p:cNvSpPr>
+            <a:spLocks noGrp="1" noRot="1" noChangeAspect="1" noMove="1" noResize="1" noEditPoints="1" noAdjustHandles="1" noChangeArrowheads="1" noChangeShapeType="1" noTextEdit="1"/>
+          </p:cNvSpPr>
+          <p:nvPr>
+            <p:extLst>
+              <p:ext uri="{386F3935-93C4-4BCD-93E2-E3B085C9AB24}">
+                <p16:designElem xmlns:p16="http://schemas.microsoft.com/office/powerpoint/2015/main" val="1"/>
+              </p:ext>
+            </p:extLst>
+          </p:nvPr>
+        </p:nvSpPr>
+        <p:spPr>
+          <a:xfrm>
+            <a:off x="0" y="3647203"/>
+            <a:ext cx="11707367" cy="2572622"/>
+          </a:xfrm>
+          <a:custGeom>
+            <a:avLst/>
+            <a:gdLst>
+              <a:gd name="connsiteX0" fmla="*/ 0 w 11707367"/>
+              <a:gd name="connsiteY0" fmla="*/ 0 h 2572622"/>
+              <a:gd name="connsiteX1" fmla="*/ 1888420 w 11707367"/>
+              <a:gd name="connsiteY1" fmla="*/ 0 h 2572622"/>
+              <a:gd name="connsiteX2" fmla="*/ 2198560 w 11707367"/>
+              <a:gd name="connsiteY2" fmla="*/ 310139 h 2572622"/>
+              <a:gd name="connsiteX3" fmla="*/ 2425431 w 11707367"/>
+              <a:gd name="connsiteY3" fmla="*/ 310139 h 2572622"/>
+              <a:gd name="connsiteX4" fmla="*/ 2735570 w 11707367"/>
+              <a:gd name="connsiteY4" fmla="*/ 0 h 2572622"/>
+              <a:gd name="connsiteX5" fmla="*/ 11707367 w 11707367"/>
+              <a:gd name="connsiteY5" fmla="*/ 0 h 2572622"/>
+              <a:gd name="connsiteX6" fmla="*/ 11707367 w 11707367"/>
+              <a:gd name="connsiteY6" fmla="*/ 2572622 h 2572622"/>
+              <a:gd name="connsiteX7" fmla="*/ 0 w 11707367"/>
+              <a:gd name="connsiteY7" fmla="*/ 2572622 h 2572622"/>
+            </a:gdLst>
+            <a:ahLst/>
+            <a:cxnLst>
+              <a:cxn ang="0">
+                <a:pos x="connsiteX0" y="connsiteY0"/>
+              </a:cxn>
+              <a:cxn ang="0">
+                <a:pos x="connsiteX1" y="connsiteY1"/>
+              </a:cxn>
+              <a:cxn ang="0">
+                <a:pos x="connsiteX2" y="connsiteY2"/>
+              </a:cxn>
+              <a:cxn ang="0">
+                <a:pos x="connsiteX3" y="connsiteY3"/>
+              </a:cxn>
+              <a:cxn ang="0">
+                <a:pos x="connsiteX4" y="connsiteY4"/>
+              </a:cxn>
+              <a:cxn ang="0">
+                <a:pos x="connsiteX5" y="connsiteY5"/>
+              </a:cxn>
+              <a:cxn ang="0">
+                <a:pos x="connsiteX6" y="connsiteY6"/>
+              </a:cxn>
+              <a:cxn ang="0">
+                <a:pos x="connsiteX7" y="connsiteY7"/>
+              </a:cxn>
+            </a:cxnLst>
+            <a:rect l="l" t="t" r="r" b="b"/>
+            <a:pathLst>
+              <a:path w="11707367" h="2572622">
+                <a:moveTo>
+                  <a:pt x="0" y="0"/>
+                </a:moveTo>
+                <a:lnTo>
+                  <a:pt x="1888420" y="0"/>
+                </a:lnTo>
+                <a:lnTo>
+                  <a:pt x="2198560" y="310139"/>
+                </a:lnTo>
+                <a:cubicBezTo>
+                  <a:pt x="2261209" y="372788"/>
+                  <a:pt x="2362782" y="372788"/>
+                  <a:pt x="2425431" y="310139"/>
+                </a:cubicBezTo>
+                <a:lnTo>
+                  <a:pt x="2735570" y="0"/>
+                </a:lnTo>
+                <a:lnTo>
+                  <a:pt x="11707367" y="0"/>
+                </a:lnTo>
+                <a:lnTo>
+                  <a:pt x="11707367" y="2572622"/>
+                </a:lnTo>
+                <a:lnTo>
+                  <a:pt x="0" y="2572622"/>
+                </a:lnTo>
+                <a:close/>
+              </a:path>
+            </a:pathLst>
+          </a:custGeom>
+          <a:solidFill>
+            <a:srgbClr val="595959">
+              <a:alpha val="89804"/>
+            </a:srgbClr>
+          </a:solidFill>
+          <a:ln>
+            <a:noFill/>
+          </a:ln>
+        </p:spPr>
+        <p:style>
+          <a:lnRef idx="2">
+            <a:schemeClr val="accent1">
+              <a:shade val="50000"/>
+            </a:schemeClr>
+          </a:lnRef>
+          <a:fillRef idx="1">
+            <a:schemeClr val="accent1"/>
+          </a:fillRef>
+          <a:effectRef idx="0">
+            <a:schemeClr val="accent1"/>
+          </a:effectRef>
+          <a:fontRef idx="minor">
+            <a:schemeClr val="lt1"/>
+          </a:fontRef>
+        </p:style>
+      </p:sp>
+      <p:sp>
+        <p:nvSpPr>
+          <p:cNvPr id="2" name="Title 1">
+            <a:extLst>
+              <a:ext uri="{FF2B5EF4-FFF2-40B4-BE49-F238E27FC236}">
+                <a16:creationId xmlns:a16="http://schemas.microsoft.com/office/drawing/2014/main" id="{4DD8BD7F-E25D-4BA7-8C7D-7EC9A1E077F5}"/>
+              </a:ext>
+            </a:extLst>
+          </p:cNvPr>
+          <p:cNvSpPr>
+            <a:spLocks noGrp="1"/>
+          </p:cNvSpPr>
+          <p:nvPr>
+            <p:ph type="ctrTitle"/>
+          </p:nvPr>
+        </p:nvSpPr>
+        <p:spPr>
+          <a:xfrm>
+            <a:off x="810001" y="4084320"/>
+            <a:ext cx="10572000" cy="1275776"/>
+          </a:xfrm>
+        </p:spPr>
+        <p:txBody>
+          <a:bodyPr>
+            <a:normAutofit/>
+          </a:bodyPr>
+          <a:lstStyle/>
+          <a:p>
+            <a:r>
+              <a:rPr lang="en-TT" dirty="0"/>
+              <a:t>Git : Version Control</a:t>
+            </a:r>
+            <a:endParaRPr lang="en-US"/>
+          </a:p>
+        </p:txBody>
+      </p:sp>
+      <p:sp>
+        <p:nvSpPr>
+          <p:cNvPr id="3" name="Subtitle 2">
+            <a:extLst>
+              <a:ext uri="{FF2B5EF4-FFF2-40B4-BE49-F238E27FC236}">
+                <a16:creationId xmlns:a16="http://schemas.microsoft.com/office/drawing/2014/main" id="{1FB2C4BD-A1B6-42AB-9A5D-F010B5D9B86D}"/>
+              </a:ext>
+            </a:extLst>
+          </p:cNvPr>
+          <p:cNvSpPr>
+            <a:spLocks noGrp="1"/>
+          </p:cNvSpPr>
+          <p:nvPr>
+            <p:ph type="subTitle" idx="1"/>
+          </p:nvPr>
+        </p:nvSpPr>
+        <p:spPr>
+          <a:xfrm>
+            <a:off x="810001" y="5520303"/>
+            <a:ext cx="10572000" cy="434974"/>
+          </a:xfrm>
+        </p:spPr>
+        <p:txBody>
+          <a:bodyPr>
+            <a:normAutofit/>
+          </a:bodyPr>
+          <a:lstStyle/>
+          <a:p>
+            <a:r>
+              <a:rPr lang="en-US">
+                <a:solidFill>
+                  <a:srgbClr val="FFFFFF"/>
+                </a:solidFill>
+              </a:rPr>
+              <a:t>UWICS EVENT – Git Introduction</a:t>
+            </a:r>
+          </a:p>
+        </p:txBody>
+      </p:sp>
     </p:spTree>
     <p:extLst>
       <p:ext uri="{BB962C8B-B14F-4D97-AF65-F5344CB8AC3E}">
@@ -13806,20 +13601,156 @@
     </p:extLst>
   </p:cSld>
   <p:clrMapOvr>
-    <a:overrideClrMapping bg1="lt1" tx1="dk1" bg2="lt2" tx2="dk2" accent1="accent1" accent2="accent2" accent3="accent3" accent4="accent4" accent5="accent5" accent6="accent6" hlink="hlink" folHlink="folHlink"/>
+    <a:masterClrMapping/>
   </p:clrMapOvr>
-  <mc:AlternateContent xmlns:mc="http://schemas.openxmlformats.org/markup-compatibility/2006">
-    <mc:Choice xmlns:p15="http://schemas.microsoft.com/office/powerpoint/2012/main" Requires="p15">
+  <mc:AlternateContent xmlns:mc="http://schemas.openxmlformats.org/markup-compatibility/2006" xmlns:p15="http://schemas.microsoft.com/office/powerpoint/2012/main">
+    <mc:Choice Requires="p15">
       <p:transition xmlns:p14="http://schemas.microsoft.com/office/powerpoint/2010/main" spd="slow" p14:dur="1250">
         <p15:prstTrans prst="peelOff"/>
       </p:transition>
     </mc:Choice>
-    <mc:Fallback>
+    <mc:Fallback xmlns="">
       <p:transition spd="slow">
         <p:fade/>
       </p:transition>
     </mc:Fallback>
   </mc:AlternateContent>
+  <p:timing>
+    <p:tnLst>
+      <p:par>
+        <p:cTn id="1" dur="indefinite" restart="never" nodeType="tmRoot">
+          <p:childTnLst>
+            <p:seq concurrent="1" nextAc="seek">
+              <p:cTn id="2" dur="indefinite" nodeType="mainSeq">
+                <p:childTnLst>
+                  <p:par>
+                    <p:cTn id="3" fill="hold">
+                      <p:stCondLst>
+                        <p:cond delay="indefinite"/>
+                      </p:stCondLst>
+                      <p:childTnLst>
+                        <p:par>
+                          <p:cTn id="4" fill="hold">
+                            <p:stCondLst>
+                              <p:cond delay="0"/>
+                            </p:stCondLst>
+                            <p:childTnLst>
+                              <p:par>
+                                <p:cTn id="5" presetID="10" presetClass="entr" presetSubtype="0" fill="hold" nodeType="clickEffect">
+                                  <p:stCondLst>
+                                    <p:cond delay="0"/>
+                                  </p:stCondLst>
+                                  <p:childTnLst>
+                                    <p:set>
+                                      <p:cBhvr>
+                                        <p:cTn id="6" dur="1" fill="hold">
+                                          <p:stCondLst>
+                                            <p:cond delay="0"/>
+                                          </p:stCondLst>
+                                        </p:cTn>
+                                        <p:tgtEl>
+                                          <p:spTgt spid="7"/>
+                                        </p:tgtEl>
+                                        <p:attrNameLst>
+                                          <p:attrName>style.visibility</p:attrName>
+                                        </p:attrNameLst>
+                                      </p:cBhvr>
+                                      <p:to>
+                                        <p:strVal val="visible"/>
+                                      </p:to>
+                                    </p:set>
+                                    <p:animEffect transition="in" filter="fade">
+                                      <p:cBhvr>
+                                        <p:cTn id="7" dur="500"/>
+                                        <p:tgtEl>
+                                          <p:spTgt spid="7"/>
+                                        </p:tgtEl>
+                                      </p:cBhvr>
+                                    </p:animEffect>
+                                  </p:childTnLst>
+                                </p:cTn>
+                              </p:par>
+                            </p:childTnLst>
+                          </p:cTn>
+                        </p:par>
+                      </p:childTnLst>
+                    </p:cTn>
+                  </p:par>
+                  <p:par>
+                    <p:cTn id="8" fill="hold">
+                      <p:stCondLst>
+                        <p:cond delay="indefinite"/>
+                      </p:stCondLst>
+                      <p:childTnLst>
+                        <p:par>
+                          <p:cTn id="9" fill="hold">
+                            <p:stCondLst>
+                              <p:cond delay="0"/>
+                            </p:stCondLst>
+                            <p:childTnLst>
+                              <p:par>
+                                <p:cTn id="10" presetID="10" presetClass="entr" presetSubtype="0" fill="hold" nodeType="clickEffect">
+                                  <p:stCondLst>
+                                    <p:cond delay="0"/>
+                                  </p:stCondLst>
+                                  <p:childTnLst>
+                                    <p:set>
+                                      <p:cBhvr>
+                                        <p:cTn id="11" dur="1" fill="hold">
+                                          <p:stCondLst>
+                                            <p:cond delay="0"/>
+                                          </p:stCondLst>
+                                        </p:cTn>
+                                        <p:tgtEl>
+                                          <p:spTgt spid="5"/>
+                                        </p:tgtEl>
+                                        <p:attrNameLst>
+                                          <p:attrName>style.visibility</p:attrName>
+                                        </p:attrNameLst>
+                                      </p:cBhvr>
+                                      <p:to>
+                                        <p:strVal val="visible"/>
+                                      </p:to>
+                                    </p:set>
+                                    <p:animEffect transition="in" filter="fade">
+                                      <p:cBhvr>
+                                        <p:cTn id="12" dur="500"/>
+                                        <p:tgtEl>
+                                          <p:spTgt spid="5"/>
+                                        </p:tgtEl>
+                                      </p:cBhvr>
+                                    </p:animEffect>
+                                  </p:childTnLst>
+                                </p:cTn>
+                              </p:par>
+                            </p:childTnLst>
+                          </p:cTn>
+                        </p:par>
+                      </p:childTnLst>
+                    </p:cTn>
+                  </p:par>
+                </p:childTnLst>
+              </p:cTn>
+              <p:prevCondLst>
+                <p:cond evt="onPrev" delay="0">
+                  <p:tgtEl>
+                    <p:sldTgt/>
+                  </p:tgtEl>
+                </p:cond>
+              </p:prevCondLst>
+              <p:nextCondLst>
+                <p:cond evt="onNext" delay="0">
+                  <p:tgtEl>
+                    <p:sldTgt/>
+                  </p:tgtEl>
+                </p:cond>
+              </p:nextCondLst>
+            </p:seq>
+          </p:childTnLst>
+        </p:cTn>
+      </p:par>
+    </p:tnLst>
+  </p:timing>
 </p:sld>
 </file>
 
@@ -13864,12 +13795,7 @@
             <p:ph type="title"/>
           </p:nvPr>
         </p:nvSpPr>
-        <p:spPr>
-          <a:xfrm>
-            <a:off x="810000" y="447188"/>
-            <a:ext cx="10571998" cy="970450"/>
-          </a:xfrm>
-        </p:spPr>
+        <p:spPr/>
         <p:txBody>
           <a:bodyPr>
             <a:normAutofit/>
@@ -13885,44 +13811,6 @@
           </a:p>
         </p:txBody>
       </p:sp>
-      <p:pic>
-        <p:nvPicPr>
-          <p:cNvPr id="5" name="Picture 4" descr="A screenshot of a cell phone&#10;&#10;Description generated with very high confidence">
-            <a:extLst>
-              <a:ext uri="{FF2B5EF4-FFF2-40B4-BE49-F238E27FC236}">
-                <a16:creationId xmlns:a16="http://schemas.microsoft.com/office/drawing/2014/main" id="{505D93A1-9B65-40B6-BEB1-9690017C70DF}"/>
-              </a:ext>
-            </a:extLst>
-          </p:cNvPr>
-          <p:cNvPicPr>
-            <a:picLocks noChangeAspect="1"/>
-          </p:cNvPicPr>
-          <p:nvPr/>
-        </p:nvPicPr>
-        <p:blipFill>
-          <a:blip r:embed="rId3"/>
-          <a:stretch>
-            <a:fillRect/>
-          </a:stretch>
-        </p:blipFill>
-        <p:spPr>
-          <a:xfrm>
-            <a:off x="4810120" y="3079103"/>
-            <a:ext cx="6944988" cy="2413382"/>
-          </a:xfrm>
-          <a:prstGeom prst="roundRect">
-            <a:avLst>
-              <a:gd name="adj" fmla="val 3876"/>
-            </a:avLst>
-          </a:prstGeom>
-          <a:ln>
-            <a:solidFill>
-              <a:schemeClr val="accent1"/>
-            </a:solidFill>
-          </a:ln>
-          <a:effectLst/>
-        </p:spPr>
-      </p:pic>
       <p:graphicFrame>
         <p:nvGraphicFramePr>
           <p:cNvPr id="7" name="Content Placeholder 2">
@@ -13950,10 +13838,48 @@
         </p:xfrm>
         <a:graphic>
           <a:graphicData uri="http://schemas.openxmlformats.org/drawingml/2006/diagram">
-            <dgm:relIds xmlns:dgm="http://schemas.openxmlformats.org/drawingml/2006/diagram" xmlns:r="http://schemas.openxmlformats.org/officeDocument/2006/relationships" r:dm="rId4" r:lo="rId5" r:qs="rId6" r:cs="rId7"/>
+            <dgm:relIds xmlns:dgm="http://schemas.openxmlformats.org/drawingml/2006/diagram" xmlns:r="http://schemas.openxmlformats.org/officeDocument/2006/relationships" r:dm="rId3" r:lo="rId4" r:qs="rId5" r:cs="rId6"/>
           </a:graphicData>
         </a:graphic>
       </p:graphicFrame>
+      <p:pic>
+        <p:nvPicPr>
+          <p:cNvPr id="5" name="Picture 4" descr="A screenshot of a cell phone&#10;&#10;Description generated with very high confidence">
+            <a:extLst>
+              <a:ext uri="{FF2B5EF4-FFF2-40B4-BE49-F238E27FC236}">
+                <a16:creationId xmlns:a16="http://schemas.microsoft.com/office/drawing/2014/main" id="{505D93A1-9B65-40B6-BEB1-9690017C70DF}"/>
+              </a:ext>
+            </a:extLst>
+          </p:cNvPr>
+          <p:cNvPicPr>
+            <a:picLocks noChangeAspect="1"/>
+          </p:cNvPicPr>
+          <p:nvPr/>
+        </p:nvPicPr>
+        <p:blipFill>
+          <a:blip r:embed="rId8"/>
+          <a:stretch>
+            <a:fillRect/>
+          </a:stretch>
+        </p:blipFill>
+        <p:spPr>
+          <a:xfrm>
+            <a:off x="4810120" y="3079103"/>
+            <a:ext cx="6944988" cy="2413382"/>
+          </a:xfrm>
+          <a:prstGeom prst="roundRect">
+            <a:avLst>
+              <a:gd name="adj" fmla="val 3876"/>
+            </a:avLst>
+          </a:prstGeom>
+          <a:ln>
+            <a:solidFill>
+              <a:schemeClr val="accent1"/>
+            </a:solidFill>
+          </a:ln>
+          <a:effectLst/>
+        </p:spPr>
+      </p:pic>
     </p:spTree>
     <p:extLst>
       <p:ext uri="{BB962C8B-B14F-4D97-AF65-F5344CB8AC3E}">
@@ -13964,13 +13890,13 @@
   <p:clrMapOvr>
     <a:masterClrMapping/>
   </p:clrMapOvr>
-  <mc:AlternateContent xmlns:mc="http://schemas.openxmlformats.org/markup-compatibility/2006">
-    <mc:Choice xmlns:p15="http://schemas.microsoft.com/office/powerpoint/2012/main" Requires="p15">
+  <mc:AlternateContent xmlns:mc="http://schemas.openxmlformats.org/markup-compatibility/2006" xmlns:p15="http://schemas.microsoft.com/office/powerpoint/2012/main">
+    <mc:Choice Requires="p15">
       <p:transition xmlns:p14="http://schemas.microsoft.com/office/powerpoint/2010/main" spd="slow" p14:dur="1250">
         <p15:prstTrans prst="peelOff"/>
       </p:transition>
     </mc:Choice>
-    <mc:Fallback>
+    <mc:Fallback xmlns="">
       <p:transition spd="slow">
         <p:fade/>
       </p:transition>
@@ -14125,13 +14051,13 @@
   <p:clrMapOvr>
     <a:masterClrMapping/>
   </p:clrMapOvr>
-  <mc:AlternateContent xmlns:mc="http://schemas.openxmlformats.org/markup-compatibility/2006">
-    <mc:Choice xmlns:p15="http://schemas.microsoft.com/office/powerpoint/2012/main" Requires="p15">
+  <mc:AlternateContent xmlns:mc="http://schemas.openxmlformats.org/markup-compatibility/2006" xmlns:p15="http://schemas.microsoft.com/office/powerpoint/2012/main">
+    <mc:Choice Requires="p15">
       <p:transition xmlns:p14="http://schemas.microsoft.com/office/powerpoint/2010/main" spd="slow" p14:dur="1250">
         <p15:prstTrans prst="peelOff"/>
       </p:transition>
     </mc:Choice>
-    <mc:Fallback>
+    <mc:Fallback xmlns="">
       <p:transition spd="slow">
         <p:fade/>
       </p:transition>
@@ -14165,315 +14091,6 @@
           <a:chExt cx="0" cy="0"/>
         </a:xfrm>
       </p:grpSpPr>
-      <p:sp>
-        <p:nvSpPr>
-          <p:cNvPr id="18" name="Freeform 6">
-            <a:extLst>
-              <a:ext uri="{FF2B5EF4-FFF2-40B4-BE49-F238E27FC236}">
-                <a16:creationId xmlns:a16="http://schemas.microsoft.com/office/drawing/2014/main" id="{133F8CB7-795C-4272-9073-64D8CF97F220}"/>
-              </a:ext>
-              <a:ext uri="{C183D7F6-B498-43B3-948B-1728B52AA6E4}">
-                <adec:decorative xmlns:adec="http://schemas.microsoft.com/office/drawing/2017/decorative" val="1"/>
-              </a:ext>
-            </a:extLst>
-          </p:cNvPr>
-          <p:cNvSpPr>
-            <a:spLocks noGrp="1" noRot="1" noChangeAspect="1" noMove="1" noResize="1" noEditPoints="1" noAdjustHandles="1" noChangeArrowheads="1" noChangeShapeType="1" noTextEdit="1"/>
-          </p:cNvSpPr>
-          <p:nvPr>
-            <p:extLst>
-              <p:ext uri="{386F3935-93C4-4BCD-93E2-E3B085C9AB24}">
-                <p16:designElem xmlns:p16="http://schemas.microsoft.com/office/powerpoint/2015/main" val="1"/>
-              </p:ext>
-            </p:extLst>
-          </p:nvPr>
-        </p:nvSpPr>
-        <p:spPr bwMode="auto">
-          <a:xfrm>
-            <a:off x="0" y="-3175"/>
-            <a:ext cx="12192000" cy="5203825"/>
-          </a:xfrm>
-          <a:custGeom>
-            <a:avLst/>
-            <a:gdLst/>
-            <a:ahLst/>
-            <a:cxnLst/>
-            <a:rect l="0" t="0" r="r" b="b"/>
-            <a:pathLst>
-              <a:path w="5760" h="3278">
-                <a:moveTo>
-                  <a:pt x="5760" y="0"/>
-                </a:moveTo>
-                <a:lnTo>
-                  <a:pt x="0" y="0"/>
-                </a:lnTo>
-                <a:lnTo>
-                  <a:pt x="0" y="3090"/>
-                </a:lnTo>
-                <a:lnTo>
-                  <a:pt x="943" y="3090"/>
-                </a:lnTo>
-                <a:lnTo>
-                  <a:pt x="1123" y="3270"/>
-                </a:lnTo>
-                <a:lnTo>
-                  <a:pt x="1123" y="3270"/>
-                </a:lnTo>
-                <a:lnTo>
-                  <a:pt x="1127" y="3272"/>
-                </a:lnTo>
-                <a:lnTo>
-                  <a:pt x="1133" y="3275"/>
-                </a:lnTo>
-                <a:lnTo>
-                  <a:pt x="1139" y="3278"/>
-                </a:lnTo>
-                <a:lnTo>
-                  <a:pt x="1144" y="3278"/>
-                </a:lnTo>
-                <a:lnTo>
-                  <a:pt x="1150" y="3278"/>
-                </a:lnTo>
-                <a:lnTo>
-                  <a:pt x="1155" y="3275"/>
-                </a:lnTo>
-                <a:lnTo>
-                  <a:pt x="1161" y="3272"/>
-                </a:lnTo>
-                <a:lnTo>
-                  <a:pt x="1165" y="3270"/>
-                </a:lnTo>
-                <a:lnTo>
-                  <a:pt x="1345" y="3090"/>
-                </a:lnTo>
-                <a:lnTo>
-                  <a:pt x="5760" y="3090"/>
-                </a:lnTo>
-                <a:lnTo>
-                  <a:pt x="5760" y="0"/>
-                </a:lnTo>
-                <a:close/>
-              </a:path>
-            </a:pathLst>
-          </a:custGeom>
-          <a:ln/>
-          <a:effectLst/>
-          <a:extLst>
-            <a:ext uri="{91240B29-F687-4f45-9708-019B960494DF}">
-              <a14:hiddenLine xmlns:a14="http://schemas.microsoft.com/office/drawing/2010/main" xmlns:p14="http://schemas.microsoft.com/office/powerpoint/2010/main" xmlns:a16="http://schemas.microsoft.com/office/drawing/2014/main" xmlns="" w="9525">
-                <a:solidFill>
-                  <a:srgbClr val="000000"/>
-                </a:solidFill>
-                <a:round/>
-                <a:headEnd/>
-                <a:tailEnd/>
-              </a14:hiddenLine>
-            </a:ext>
-          </a:extLst>
-        </p:spPr>
-        <p:style>
-          <a:lnRef idx="1">
-            <a:schemeClr val="accent1"/>
-          </a:lnRef>
-          <a:fillRef idx="3">
-            <a:schemeClr val="accent1"/>
-          </a:fillRef>
-          <a:effectRef idx="2">
-            <a:schemeClr val="accent1"/>
-          </a:effectRef>
-          <a:fontRef idx="minor">
-            <a:schemeClr val="lt1"/>
-          </a:fontRef>
-        </p:style>
-      </p:sp>
-      <p:sp>
-        <p:nvSpPr>
-          <p:cNvPr id="20" name="Rectangle 19">
-            <a:extLst>
-              <a:ext uri="{FF2B5EF4-FFF2-40B4-BE49-F238E27FC236}">
-                <a16:creationId xmlns:a16="http://schemas.microsoft.com/office/drawing/2014/main" id="{180DE8A2-73B1-4AFE-8FB9-BE4B66F39812}"/>
-              </a:ext>
-              <a:ext uri="{C183D7F6-B498-43B3-948B-1728B52AA6E4}">
-                <adec:decorative xmlns:adec="http://schemas.microsoft.com/office/drawing/2017/decorative" val="1"/>
-              </a:ext>
-            </a:extLst>
-          </p:cNvPr>
-          <p:cNvSpPr>
-            <a:spLocks noGrp="1" noRot="1" noChangeAspect="1" noMove="1" noResize="1" noEditPoints="1" noAdjustHandles="1" noChangeArrowheads="1" noChangeShapeType="1" noTextEdit="1"/>
-          </p:cNvSpPr>
-          <p:nvPr>
-            <p:extLst>
-              <p:ext uri="{386F3935-93C4-4BCD-93E2-E3B085C9AB24}">
-                <p16:designElem xmlns:p16="http://schemas.microsoft.com/office/powerpoint/2015/main" val="1"/>
-              </p:ext>
-            </p:extLst>
-          </p:nvPr>
-        </p:nvSpPr>
-        <p:spPr>
-          <a:xfrm>
-            <a:off x="0" y="0"/>
-            <a:ext cx="12192000" cy="6858000"/>
-          </a:xfrm>
-          <a:prstGeom prst="rect">
-            <a:avLst/>
-          </a:prstGeom>
-          <a:solidFill>
-            <a:schemeClr val="bg1"/>
-          </a:solidFill>
-          <a:ln>
-            <a:noFill/>
-          </a:ln>
-        </p:spPr>
-        <p:style>
-          <a:lnRef idx="2">
-            <a:schemeClr val="accent1">
-              <a:shade val="50000"/>
-            </a:schemeClr>
-          </a:lnRef>
-          <a:fillRef idx="1">
-            <a:schemeClr val="accent1"/>
-          </a:fillRef>
-          <a:effectRef idx="0">
-            <a:schemeClr val="accent1"/>
-          </a:effectRef>
-          <a:fontRef idx="minor">
-            <a:schemeClr val="lt1"/>
-          </a:fontRef>
-        </p:style>
-        <p:txBody>
-          <a:bodyPr rtlCol="0" anchor="ctr"/>
-          <a:lstStyle/>
-          <a:p>
-            <a:pPr algn="ctr"/>
-            <a:endParaRPr lang="en-US"/>
-          </a:p>
-        </p:txBody>
-      </p:sp>
-      <p:sp>
-        <p:nvSpPr>
-          <p:cNvPr id="22" name="Freeform 6">
-            <a:extLst>
-              <a:ext uri="{FF2B5EF4-FFF2-40B4-BE49-F238E27FC236}">
-                <a16:creationId xmlns:a16="http://schemas.microsoft.com/office/drawing/2014/main" id="{E5ADB140-E61F-4DA4-A342-F5EF70772D7A}"/>
-              </a:ext>
-              <a:ext uri="{C183D7F6-B498-43B3-948B-1728B52AA6E4}">
-                <adec:decorative xmlns:adec="http://schemas.microsoft.com/office/drawing/2017/decorative" val="1"/>
-              </a:ext>
-            </a:extLst>
-          </p:cNvPr>
-          <p:cNvSpPr>
-            <a:spLocks noGrp="1" noRot="1" noChangeAspect="1" noMove="1" noResize="1" noEditPoints="1" noAdjustHandles="1" noChangeArrowheads="1" noChangeShapeType="1" noTextEdit="1"/>
-          </p:cNvSpPr>
-          <p:nvPr>
-            <p:extLst>
-              <p:ext uri="{386F3935-93C4-4BCD-93E2-E3B085C9AB24}">
-                <p16:designElem xmlns:p16="http://schemas.microsoft.com/office/powerpoint/2015/main" val="1"/>
-              </p:ext>
-            </p:extLst>
-          </p:nvPr>
-        </p:nvSpPr>
-        <p:spPr bwMode="auto">
-          <a:xfrm>
-            <a:off x="0" y="0"/>
-            <a:ext cx="12192000" cy="2185988"/>
-          </a:xfrm>
-          <a:custGeom>
-            <a:avLst/>
-            <a:gdLst/>
-            <a:ahLst/>
-            <a:cxnLst/>
-            <a:rect l="0" t="0" r="r" b="b"/>
-            <a:pathLst>
-              <a:path w="5760" h="1377">
-                <a:moveTo>
-                  <a:pt x="5760" y="0"/>
-                </a:moveTo>
-                <a:lnTo>
-                  <a:pt x="0" y="0"/>
-                </a:lnTo>
-                <a:lnTo>
-                  <a:pt x="0" y="1189"/>
-                </a:lnTo>
-                <a:lnTo>
-                  <a:pt x="943" y="1189"/>
-                </a:lnTo>
-                <a:lnTo>
-                  <a:pt x="1123" y="1369"/>
-                </a:lnTo>
-                <a:lnTo>
-                  <a:pt x="1123" y="1369"/>
-                </a:lnTo>
-                <a:lnTo>
-                  <a:pt x="1127" y="1371"/>
-                </a:lnTo>
-                <a:lnTo>
-                  <a:pt x="1133" y="1374"/>
-                </a:lnTo>
-                <a:lnTo>
-                  <a:pt x="1139" y="1377"/>
-                </a:lnTo>
-                <a:lnTo>
-                  <a:pt x="1144" y="1377"/>
-                </a:lnTo>
-                <a:lnTo>
-                  <a:pt x="1150" y="1377"/>
-                </a:lnTo>
-                <a:lnTo>
-                  <a:pt x="1155" y="1374"/>
-                </a:lnTo>
-                <a:lnTo>
-                  <a:pt x="1161" y="1371"/>
-                </a:lnTo>
-                <a:lnTo>
-                  <a:pt x="1165" y="1369"/>
-                </a:lnTo>
-                <a:lnTo>
-                  <a:pt x="1345" y="1189"/>
-                </a:lnTo>
-                <a:lnTo>
-                  <a:pt x="5760" y="1189"/>
-                </a:lnTo>
-                <a:lnTo>
-                  <a:pt x="5760" y="0"/>
-                </a:lnTo>
-                <a:close/>
-              </a:path>
-            </a:pathLst>
-          </a:custGeom>
-          <a:solidFill>
-            <a:srgbClr val="212121"/>
-          </a:solidFill>
-          <a:ln>
-            <a:noFill/>
-          </a:ln>
-          <a:extLst>
-            <a:ext uri="{91240B29-F687-4f45-9708-019B960494DF}">
-              <a14:hiddenLine xmlns:a14="http://schemas.microsoft.com/office/drawing/2010/main" xmlns:p14="http://schemas.microsoft.com/office/powerpoint/2010/main" xmlns:a16="http://schemas.microsoft.com/office/drawing/2014/main" xmlns="" w="9525">
-                <a:solidFill>
-                  <a:srgbClr val="000000"/>
-                </a:solidFill>
-                <a:round/>
-                <a:headEnd/>
-                <a:tailEnd/>
-              </a14:hiddenLine>
-            </a:ext>
-          </a:extLst>
-        </p:spPr>
-        <p:style>
-          <a:lnRef idx="1">
-            <a:schemeClr val="accent1"/>
-          </a:lnRef>
-          <a:fillRef idx="3">
-            <a:schemeClr val="accent1"/>
-          </a:fillRef>
-          <a:effectRef idx="2">
-            <a:schemeClr val="accent1"/>
-          </a:effectRef>
-          <a:fontRef idx="minor">
-            <a:schemeClr val="lt1"/>
-          </a:fontRef>
-        </p:style>
-      </p:sp>
       <p:sp>
         <p:nvSpPr>
           <p:cNvPr id="2" name="Title 1">
@@ -14768,13 +14385,13 @@
   <p:clrMapOvr>
     <a:overrideClrMapping bg1="lt1" tx1="dk1" bg2="lt2" tx2="dk2" accent1="accent1" accent2="accent2" accent3="accent3" accent4="accent4" accent5="accent5" accent6="accent6" hlink="hlink" folHlink="folHlink"/>
   </p:clrMapOvr>
-  <mc:AlternateContent xmlns:mc="http://schemas.openxmlformats.org/markup-compatibility/2006">
-    <mc:Choice xmlns:p15="http://schemas.microsoft.com/office/powerpoint/2012/main" Requires="p15">
+  <mc:AlternateContent xmlns:mc="http://schemas.openxmlformats.org/markup-compatibility/2006" xmlns:p15="http://schemas.microsoft.com/office/powerpoint/2012/main">
+    <mc:Choice Requires="p15">
       <p:transition xmlns:p14="http://schemas.microsoft.com/office/powerpoint/2010/main" spd="slow" p14:dur="1250">
         <p15:prstTrans prst="peelOff"/>
       </p:transition>
     </mc:Choice>
-    <mc:Fallback>
+    <mc:Fallback xmlns="">
       <p:transition spd="slow">
         <p:fade/>
       </p:transition>
@@ -15030,13 +14647,13 @@
   <p:clrMapOvr>
     <a:masterClrMapping/>
   </p:clrMapOvr>
-  <mc:AlternateContent xmlns:mc="http://schemas.openxmlformats.org/markup-compatibility/2006">
-    <mc:Choice xmlns:p15="http://schemas.microsoft.com/office/powerpoint/2012/main" Requires="p15">
+  <mc:AlternateContent xmlns:mc="http://schemas.openxmlformats.org/markup-compatibility/2006" xmlns:p15="http://schemas.microsoft.com/office/powerpoint/2012/main">
+    <mc:Choice Requires="p15">
       <p:transition xmlns:p14="http://schemas.microsoft.com/office/powerpoint/2010/main" spd="slow" p14:dur="1250">
         <p15:prstTrans prst="peelOff"/>
       </p:transition>
     </mc:Choice>
-    <mc:Fallback>
+    <mc:Fallback xmlns="">
       <p:transition spd="slow">
         <p:fade/>
       </p:transition>
@@ -15165,10 +14782,10 @@
       </p:grpSpPr>
       <p:sp useBgFill="1">
         <p:nvSpPr>
-          <p:cNvPr id="14" name="Rectangle 9">
+          <p:cNvPr id="28" name="Rectangle 25">
             <a:extLst>
               <a:ext uri="{FF2B5EF4-FFF2-40B4-BE49-F238E27FC236}">
-                <a16:creationId xmlns:a16="http://schemas.microsoft.com/office/drawing/2014/main" id="{A3322B77-FA16-4D4E-BAA6-811C61DB3E85}"/>
+                <a16:creationId xmlns:a16="http://schemas.microsoft.com/office/drawing/2014/main" id="{5940F547-7206-4401-94FB-F8421915D8B8}"/>
               </a:ext>
               <a:ext uri="{C183D7F6-B498-43B3-948B-1728B52AA6E4}">
                 <adec:decorative xmlns:adec="http://schemas.microsoft.com/office/drawing/2017/decorative" val="1"/>
@@ -15225,191 +14842,6 @@
       </p:sp>
       <p:sp>
         <p:nvSpPr>
-          <p:cNvPr id="15" name="Freeform: Shape 11">
-            <a:extLst>
-              <a:ext uri="{FF2B5EF4-FFF2-40B4-BE49-F238E27FC236}">
-                <a16:creationId xmlns:a16="http://schemas.microsoft.com/office/drawing/2014/main" id="{CA6EF34F-3BAD-4CD8-B05E-03BA773AE864}"/>
-              </a:ext>
-              <a:ext uri="{C183D7F6-B498-43B3-948B-1728B52AA6E4}">
-                <adec:decorative xmlns:adec="http://schemas.microsoft.com/office/drawing/2017/decorative" val="1"/>
-              </a:ext>
-            </a:extLst>
-          </p:cNvPr>
-          <p:cNvSpPr>
-            <a:spLocks noGrp="1" noRot="1" noChangeAspect="1" noMove="1" noResize="1" noEditPoints="1" noAdjustHandles="1" noChangeArrowheads="1" noChangeShapeType="1" noTextEdit="1"/>
-          </p:cNvSpPr>
-          <p:nvPr>
-            <p:extLst>
-              <p:ext uri="{386F3935-93C4-4BCD-93E2-E3B085C9AB24}">
-                <p16:designElem xmlns:p16="http://schemas.microsoft.com/office/powerpoint/2015/main" val="1"/>
-              </p:ext>
-            </p:extLst>
-          </p:nvPr>
-        </p:nvSpPr>
-        <p:spPr bwMode="auto">
-          <a:xfrm rot="16200000">
-            <a:off x="-1050631" y="1050634"/>
-            <a:ext cx="6857997" cy="4756735"/>
-          </a:xfrm>
-          <a:custGeom>
-            <a:avLst/>
-            <a:gdLst>
-              <a:gd name="connsiteX0" fmla="*/ 6857997 w 6857997"/>
-              <a:gd name="connsiteY0" fmla="*/ 0 h 4756735"/>
-              <a:gd name="connsiteX1" fmla="*/ 6857997 w 6857997"/>
-              <a:gd name="connsiteY1" fmla="*/ 4458285 h 4756735"/>
-              <a:gd name="connsiteX2" fmla="*/ 4861980 w 6857997"/>
-              <a:gd name="connsiteY2" fmla="*/ 4458285 h 4756735"/>
-              <a:gd name="connsiteX3" fmla="*/ 4480980 w 6857997"/>
-              <a:gd name="connsiteY3" fmla="*/ 4744036 h 4756735"/>
-              <a:gd name="connsiteX4" fmla="*/ 4472514 w 6857997"/>
-              <a:gd name="connsiteY4" fmla="*/ 4747210 h 4756735"/>
-              <a:gd name="connsiteX5" fmla="*/ 4459814 w 6857997"/>
-              <a:gd name="connsiteY5" fmla="*/ 4751973 h 4756735"/>
-              <a:gd name="connsiteX6" fmla="*/ 4447114 w 6857997"/>
-              <a:gd name="connsiteY6" fmla="*/ 4756735 h 4756735"/>
-              <a:gd name="connsiteX7" fmla="*/ 4436530 w 6857997"/>
-              <a:gd name="connsiteY7" fmla="*/ 4756735 h 4756735"/>
-              <a:gd name="connsiteX8" fmla="*/ 4423830 w 6857997"/>
-              <a:gd name="connsiteY8" fmla="*/ 4756735 h 4756735"/>
-              <a:gd name="connsiteX9" fmla="*/ 4413247 w 6857997"/>
-              <a:gd name="connsiteY9" fmla="*/ 4751973 h 4756735"/>
-              <a:gd name="connsiteX10" fmla="*/ 4400547 w 6857997"/>
-              <a:gd name="connsiteY10" fmla="*/ 4747210 h 4756735"/>
-              <a:gd name="connsiteX11" fmla="*/ 4392080 w 6857997"/>
-              <a:gd name="connsiteY11" fmla="*/ 4744036 h 4756735"/>
-              <a:gd name="connsiteX12" fmla="*/ 4011080 w 6857997"/>
-              <a:gd name="connsiteY12" fmla="*/ 4458285 h 4756735"/>
-              <a:gd name="connsiteX13" fmla="*/ 0 w 6857997"/>
-              <a:gd name="connsiteY13" fmla="*/ 4458285 h 4756735"/>
-              <a:gd name="connsiteX14" fmla="*/ 1 w 6857997"/>
-              <a:gd name="connsiteY14" fmla="*/ 0 h 4756735"/>
-            </a:gdLst>
-            <a:ahLst/>
-            <a:cxnLst>
-              <a:cxn ang="0">
-                <a:pos x="connsiteX0" y="connsiteY0"/>
-              </a:cxn>
-              <a:cxn ang="0">
-                <a:pos x="connsiteX1" y="connsiteY1"/>
-              </a:cxn>
-              <a:cxn ang="0">
-                <a:pos x="connsiteX2" y="connsiteY2"/>
-              </a:cxn>
-              <a:cxn ang="0">
-                <a:pos x="connsiteX3" y="connsiteY3"/>
-              </a:cxn>
-              <a:cxn ang="0">
-                <a:pos x="connsiteX4" y="connsiteY4"/>
-              </a:cxn>
-              <a:cxn ang="0">
-                <a:pos x="connsiteX5" y="connsiteY5"/>
-              </a:cxn>
-              <a:cxn ang="0">
-                <a:pos x="connsiteX6" y="connsiteY6"/>
-              </a:cxn>
-              <a:cxn ang="0">
-                <a:pos x="connsiteX7" y="connsiteY7"/>
-              </a:cxn>
-              <a:cxn ang="0">
-                <a:pos x="connsiteX8" y="connsiteY8"/>
-              </a:cxn>
-              <a:cxn ang="0">
-                <a:pos x="connsiteX9" y="connsiteY9"/>
-              </a:cxn>
-              <a:cxn ang="0">
-                <a:pos x="connsiteX10" y="connsiteY10"/>
-              </a:cxn>
-              <a:cxn ang="0">
-                <a:pos x="connsiteX11" y="connsiteY11"/>
-              </a:cxn>
-              <a:cxn ang="0">
-                <a:pos x="connsiteX12" y="connsiteY12"/>
-              </a:cxn>
-              <a:cxn ang="0">
-                <a:pos x="connsiteX13" y="connsiteY13"/>
-              </a:cxn>
-              <a:cxn ang="0">
-                <a:pos x="connsiteX14" y="connsiteY14"/>
-              </a:cxn>
-            </a:cxnLst>
-            <a:rect l="l" t="t" r="r" b="b"/>
-            <a:pathLst>
-              <a:path w="6857997" h="4756735">
-                <a:moveTo>
-                  <a:pt x="6857997" y="0"/>
-                </a:moveTo>
-                <a:lnTo>
-                  <a:pt x="6857997" y="4458285"/>
-                </a:lnTo>
-                <a:lnTo>
-                  <a:pt x="4861980" y="4458285"/>
-                </a:lnTo>
-                <a:lnTo>
-                  <a:pt x="4480980" y="4744036"/>
-                </a:lnTo>
-                <a:lnTo>
-                  <a:pt x="4472514" y="4747210"/>
-                </a:lnTo>
-                <a:lnTo>
-                  <a:pt x="4459814" y="4751973"/>
-                </a:lnTo>
-                <a:lnTo>
-                  <a:pt x="4447114" y="4756735"/>
-                </a:lnTo>
-                <a:lnTo>
-                  <a:pt x="4436530" y="4756735"/>
-                </a:lnTo>
-                <a:lnTo>
-                  <a:pt x="4423830" y="4756735"/>
-                </a:lnTo>
-                <a:lnTo>
-                  <a:pt x="4413247" y="4751973"/>
-                </a:lnTo>
-                <a:lnTo>
-                  <a:pt x="4400547" y="4747210"/>
-                </a:lnTo>
-                <a:lnTo>
-                  <a:pt x="4392080" y="4744036"/>
-                </a:lnTo>
-                <a:lnTo>
-                  <a:pt x="4011080" y="4458285"/>
-                </a:lnTo>
-                <a:lnTo>
-                  <a:pt x="0" y="4458285"/>
-                </a:lnTo>
-                <a:lnTo>
-                  <a:pt x="1" y="0"/>
-                </a:lnTo>
-                <a:close/>
-              </a:path>
-            </a:pathLst>
-          </a:custGeom>
-          <a:solidFill>
-            <a:schemeClr val="accent1"/>
-          </a:solidFill>
-          <a:ln>
-            <a:headEnd/>
-            <a:tailEnd/>
-          </a:ln>
-        </p:spPr>
-        <p:style>
-          <a:lnRef idx="1">
-            <a:schemeClr val="accent1"/>
-          </a:lnRef>
-          <a:fillRef idx="3">
-            <a:schemeClr val="accent1"/>
-          </a:fillRef>
-          <a:effectRef idx="2">
-            <a:schemeClr val="accent1"/>
-          </a:effectRef>
-          <a:fontRef idx="minor">
-            <a:schemeClr val="lt1"/>
-          </a:fontRef>
-        </p:style>
-      </p:sp>
-      <p:sp>
-        <p:nvSpPr>
           <p:cNvPr id="2" name="Title 1">
             <a:extLst>
               <a:ext uri="{FF2B5EF4-FFF2-40B4-BE49-F238E27FC236}">
@@ -15426,21 +14858,21 @@
         </p:nvSpPr>
         <p:spPr>
           <a:xfrm>
-            <a:off x="641754" y="1918252"/>
-            <a:ext cx="3365439" cy="3997635"/>
+            <a:off x="810000" y="447188"/>
+            <a:ext cx="10571998" cy="970450"/>
           </a:xfrm>
         </p:spPr>
         <p:txBody>
-          <a:bodyPr anchor="t">
+          <a:bodyPr>
             <a:normAutofit/>
           </a:bodyPr>
           <a:lstStyle/>
           <a:p>
             <a:r>
-              <a:rPr lang="en-TT" sz="4400"/>
+              <a:rPr lang="en-TT"/>
               <a:t>Time to branch out.</a:t>
             </a:r>
-            <a:endParaRPr lang="en-US" sz="4400" dirty="0"/>
+            <a:endParaRPr lang="en-US"/>
           </a:p>
         </p:txBody>
       </p:sp>
@@ -15460,14 +14892,14 @@
             <p:ph idx="1"/>
             <p:extLst>
               <p:ext uri="{D42A27DB-BD31-4B8C-83A1-F6EECF244321}">
-                <p14:modId xmlns:p14="http://schemas.microsoft.com/office/powerpoint/2010/main" val="2386629752"/>
+                <p14:modId xmlns:p14="http://schemas.microsoft.com/office/powerpoint/2010/main" val="463238027"/>
               </p:ext>
             </p:extLst>
           </p:nvPr>
         </p:nvGraphicFramePr>
         <p:xfrm>
-          <a:off x="5556250" y="1262063"/>
-          <a:ext cx="5816600" cy="4327525"/>
+          <a:off x="818712" y="2222287"/>
+          <a:ext cx="10554574" cy="3636511"/>
         </p:xfrm>
         <a:graphic>
           <a:graphicData uri="http://schemas.openxmlformats.org/drawingml/2006/diagram">
@@ -15485,13 +14917,13 @@
   <p:clrMapOvr>
     <a:masterClrMapping/>
   </p:clrMapOvr>
-  <mc:AlternateContent xmlns:mc="http://schemas.openxmlformats.org/markup-compatibility/2006">
-    <mc:Choice xmlns:p15="http://schemas.microsoft.com/office/powerpoint/2012/main" Requires="p15">
+  <mc:AlternateContent xmlns:mc="http://schemas.openxmlformats.org/markup-compatibility/2006" xmlns:p15="http://schemas.microsoft.com/office/powerpoint/2012/main">
+    <mc:Choice Requires="p15">
       <p:transition xmlns:p14="http://schemas.microsoft.com/office/powerpoint/2010/main" spd="slow" p14:dur="1250">
         <p15:prstTrans prst="peelOff"/>
       </p:transition>
     </mc:Choice>
-    <mc:Fallback>
+    <mc:Fallback xmlns="">
       <p:transition spd="slow">
         <p:fade/>
       </p:transition>
@@ -15525,198 +14957,6 @@
           <a:chExt cx="0" cy="0"/>
         </a:xfrm>
       </p:grpSpPr>
-      <p:sp>
-        <p:nvSpPr>
-          <p:cNvPr id="135" name="Freeform 6">
-            <a:extLst>
-              <a:ext uri="{FF2B5EF4-FFF2-40B4-BE49-F238E27FC236}">
-                <a16:creationId xmlns:a16="http://schemas.microsoft.com/office/drawing/2014/main" id="{E7597382-59B5-427B-9E49-55383F0A5561}"/>
-              </a:ext>
-              <a:ext uri="{C183D7F6-B498-43B3-948B-1728B52AA6E4}">
-                <adec:decorative xmlns:adec="http://schemas.microsoft.com/office/drawing/2017/decorative" val="1"/>
-              </a:ext>
-            </a:extLst>
-          </p:cNvPr>
-          <p:cNvSpPr>
-            <a:spLocks noGrp="1" noRot="1" noChangeAspect="1" noMove="1" noResize="1" noEditPoints="1" noAdjustHandles="1" noChangeArrowheads="1" noChangeShapeType="1" noTextEdit="1"/>
-          </p:cNvSpPr>
-          <p:nvPr>
-            <p:extLst>
-              <p:ext uri="{386F3935-93C4-4BCD-93E2-E3B085C9AB24}">
-                <p16:designElem xmlns:p16="http://schemas.microsoft.com/office/powerpoint/2015/main" val="1"/>
-              </p:ext>
-            </p:extLst>
-          </p:nvPr>
-        </p:nvSpPr>
-        <p:spPr bwMode="auto">
-          <a:xfrm>
-            <a:off x="0" y="-3175"/>
-            <a:ext cx="12192000" cy="6229804"/>
-          </a:xfrm>
-          <a:custGeom>
-            <a:avLst/>
-            <a:gdLst/>
-            <a:ahLst/>
-            <a:cxnLst/>
-            <a:rect l="0" t="0" r="r" b="b"/>
-            <a:pathLst>
-              <a:path w="5760" h="3278">
-                <a:moveTo>
-                  <a:pt x="5760" y="0"/>
-                </a:moveTo>
-                <a:lnTo>
-                  <a:pt x="0" y="0"/>
-                </a:lnTo>
-                <a:lnTo>
-                  <a:pt x="0" y="3090"/>
-                </a:lnTo>
-                <a:lnTo>
-                  <a:pt x="943" y="3090"/>
-                </a:lnTo>
-                <a:lnTo>
-                  <a:pt x="1123" y="3270"/>
-                </a:lnTo>
-                <a:lnTo>
-                  <a:pt x="1123" y="3270"/>
-                </a:lnTo>
-                <a:lnTo>
-                  <a:pt x="1127" y="3272"/>
-                </a:lnTo>
-                <a:lnTo>
-                  <a:pt x="1133" y="3275"/>
-                </a:lnTo>
-                <a:lnTo>
-                  <a:pt x="1139" y="3278"/>
-                </a:lnTo>
-                <a:lnTo>
-                  <a:pt x="1144" y="3278"/>
-                </a:lnTo>
-                <a:lnTo>
-                  <a:pt x="1150" y="3278"/>
-                </a:lnTo>
-                <a:lnTo>
-                  <a:pt x="1155" y="3275"/>
-                </a:lnTo>
-                <a:lnTo>
-                  <a:pt x="1161" y="3272"/>
-                </a:lnTo>
-                <a:lnTo>
-                  <a:pt x="1165" y="3270"/>
-                </a:lnTo>
-                <a:lnTo>
-                  <a:pt x="1345" y="3090"/>
-                </a:lnTo>
-                <a:lnTo>
-                  <a:pt x="5760" y="3090"/>
-                </a:lnTo>
-                <a:lnTo>
-                  <a:pt x="5760" y="0"/>
-                </a:lnTo>
-                <a:close/>
-              </a:path>
-            </a:pathLst>
-          </a:custGeom>
-          <a:ln>
-            <a:noFill/>
-          </a:ln>
-          <a:extLst>
-            <a:ext uri="{91240B29-F687-4f45-9708-019B960494DF}">
-              <a14:hiddenLine xmlns:a14="http://schemas.microsoft.com/office/drawing/2010/main" xmlns:p14="http://schemas.microsoft.com/office/powerpoint/2010/main" xmlns:a16="http://schemas.microsoft.com/office/drawing/2014/main" xmlns="" w="9525">
-                <a:solidFill>
-                  <a:srgbClr val="000000"/>
-                </a:solidFill>
-                <a:round/>
-                <a:headEnd/>
-                <a:tailEnd/>
-              </a14:hiddenLine>
-            </a:ext>
-          </a:extLst>
-        </p:spPr>
-        <p:style>
-          <a:lnRef idx="1">
-            <a:schemeClr val="accent1"/>
-          </a:lnRef>
-          <a:fillRef idx="3">
-            <a:schemeClr val="accent1"/>
-          </a:fillRef>
-          <a:effectRef idx="2">
-            <a:schemeClr val="accent1"/>
-          </a:effectRef>
-          <a:fontRef idx="minor">
-            <a:schemeClr val="lt1"/>
-          </a:fontRef>
-        </p:style>
-      </p:sp>
-      <p:sp>
-        <p:nvSpPr>
-          <p:cNvPr id="137" name="Rounded Rectangle 16">
-            <a:extLst>
-              <a:ext uri="{FF2B5EF4-FFF2-40B4-BE49-F238E27FC236}">
-                <a16:creationId xmlns:a16="http://schemas.microsoft.com/office/drawing/2014/main" id="{26471DC7-FA6E-40EF-A167-93BB0BCE16AD}"/>
-              </a:ext>
-              <a:ext uri="{C183D7F6-B498-43B3-948B-1728B52AA6E4}">
-                <adec:decorative xmlns:adec="http://schemas.microsoft.com/office/drawing/2017/decorative" val="1"/>
-              </a:ext>
-            </a:extLst>
-          </p:cNvPr>
-          <p:cNvSpPr>
-            <a:spLocks noGrp="1" noRot="1" noChangeAspect="1" noMove="1" noResize="1" noEditPoints="1" noAdjustHandles="1" noChangeArrowheads="1" noChangeShapeType="1" noTextEdit="1"/>
-          </p:cNvSpPr>
-          <p:nvPr>
-            <p:extLst>
-              <p:ext uri="{386F3935-93C4-4BCD-93E2-E3B085C9AB24}">
-                <p16:designElem xmlns:p16="http://schemas.microsoft.com/office/powerpoint/2015/main" val="1"/>
-              </p:ext>
-            </p:extLst>
-          </p:nvPr>
-        </p:nvSpPr>
-        <p:spPr>
-          <a:xfrm>
-            <a:off x="643468" y="643466"/>
-            <a:ext cx="10905066" cy="4592561"/>
-          </a:xfrm>
-          <a:prstGeom prst="roundRect">
-            <a:avLst>
-              <a:gd name="adj" fmla="val 3513"/>
-            </a:avLst>
-          </a:prstGeom>
-          <a:solidFill>
-            <a:schemeClr val="tx1"/>
-          </a:solidFill>
-          <a:ln>
-            <a:solidFill>
-              <a:schemeClr val="accent1">
-                <a:lumMod val="75000"/>
-              </a:schemeClr>
-            </a:solidFill>
-          </a:ln>
-          <a:effectLst/>
-        </p:spPr>
-        <p:style>
-          <a:lnRef idx="2">
-            <a:schemeClr val="accent1">
-              <a:shade val="50000"/>
-            </a:schemeClr>
-          </a:lnRef>
-          <a:fillRef idx="1">
-            <a:schemeClr val="accent1"/>
-          </a:fillRef>
-          <a:effectRef idx="0">
-            <a:schemeClr val="accent1"/>
-          </a:effectRef>
-          <a:fontRef idx="minor">
-            <a:schemeClr val="lt1"/>
-          </a:fontRef>
-        </p:style>
-        <p:txBody>
-          <a:bodyPr rtlCol="0" anchor="ctr"/>
-          <a:lstStyle/>
-          <a:p>
-            <a:pPr algn="ctr"/>
-            <a:endParaRPr lang="en-US"/>
-          </a:p>
-        </p:txBody>
-      </p:sp>
       <p:pic>
         <p:nvPicPr>
           <p:cNvPr id="4098" name="Picture 2" descr="Image result for git commit git push git out">
@@ -15774,13 +15014,13 @@
   <p:clrMapOvr>
     <a:masterClrMapping/>
   </p:clrMapOvr>
-  <mc:AlternateContent xmlns:mc="http://schemas.openxmlformats.org/markup-compatibility/2006">
-    <mc:Choice xmlns:p15="http://schemas.microsoft.com/office/powerpoint/2012/main" Requires="p15">
+  <mc:AlternateContent xmlns:mc="http://schemas.openxmlformats.org/markup-compatibility/2006" xmlns:p15="http://schemas.microsoft.com/office/powerpoint/2012/main">
+    <mc:Choice Requires="p15">
       <p:transition xmlns:p14="http://schemas.microsoft.com/office/powerpoint/2010/main" spd="slow" p14:dur="1250">
         <p15:prstTrans prst="peelOff"/>
       </p:transition>
     </mc:Choice>
-    <mc:Fallback>
+    <mc:Fallback xmlns="">
       <p:transition spd="slow">
         <p:fade/>
       </p:transition>
@@ -15790,6 +15030,190 @@
 </file>
 
 <file path=ppt/slides/slide16.xml><?xml version="1.0" encoding="utf-8"?>
+<p:sld xmlns:a="http://schemas.openxmlformats.org/drawingml/2006/main" xmlns:r="http://schemas.openxmlformats.org/officeDocument/2006/relationships" xmlns:p="http://schemas.openxmlformats.org/presentationml/2006/main">
+  <p:cSld>
+    <p:spTree>
+      <p:nvGrpSpPr>
+        <p:cNvPr id="1" name=""/>
+        <p:cNvGrpSpPr/>
+        <p:nvPr/>
+      </p:nvGrpSpPr>
+      <p:grpSpPr>
+        <a:xfrm>
+          <a:off x="0" y="0"/>
+          <a:ext cx="0" cy="0"/>
+          <a:chOff x="0" y="0"/>
+          <a:chExt cx="0" cy="0"/>
+        </a:xfrm>
+      </p:grpSpPr>
+      <p:sp>
+        <p:nvSpPr>
+          <p:cNvPr id="2" name="Title 1">
+            <a:extLst>
+              <a:ext uri="{FF2B5EF4-FFF2-40B4-BE49-F238E27FC236}">
+                <a16:creationId xmlns:a16="http://schemas.microsoft.com/office/drawing/2014/main" id="{278C937E-B709-4AE7-9EEC-FB01B65B0A6A}"/>
+              </a:ext>
+            </a:extLst>
+          </p:cNvPr>
+          <p:cNvSpPr>
+            <a:spLocks noGrp="1"/>
+          </p:cNvSpPr>
+          <p:nvPr>
+            <p:ph type="title"/>
+          </p:nvPr>
+        </p:nvSpPr>
+        <p:spPr/>
+        <p:txBody>
+          <a:bodyPr/>
+          <a:lstStyle/>
+          <a:p>
+            <a:r>
+              <a:rPr lang="en-TT" dirty="0"/>
+              <a:t>FORKS</a:t>
+            </a:r>
+          </a:p>
+        </p:txBody>
+      </p:sp>
+      <p:sp>
+        <p:nvSpPr>
+          <p:cNvPr id="4" name="Title 1">
+            <a:extLst>
+              <a:ext uri="{FF2B5EF4-FFF2-40B4-BE49-F238E27FC236}">
+                <a16:creationId xmlns:a16="http://schemas.microsoft.com/office/drawing/2014/main" id="{C0FE83D3-E99A-4CF9-AE50-6B7511B0BDC9}"/>
+              </a:ext>
+            </a:extLst>
+          </p:cNvPr>
+          <p:cNvSpPr txBox="1">
+            <a:spLocks/>
+          </p:cNvSpPr>
+          <p:nvPr/>
+        </p:nvSpPr>
+        <p:spPr>
+          <a:xfrm>
+            <a:off x="6156000" y="2435958"/>
+            <a:ext cx="4382521" cy="2145568"/>
+          </a:xfrm>
+          <a:prstGeom prst="rect">
+            <a:avLst/>
+          </a:prstGeom>
+          <a:effectLst>
+            <a:outerShdw blurRad="50800" dir="14400000">
+              <a:srgbClr val="000000">
+                <a:alpha val="60000"/>
+              </a:srgbClr>
+            </a:outerShdw>
+          </a:effectLst>
+        </p:spPr>
+        <p:txBody>
+          <a:bodyPr vert="horz" lIns="91440" tIns="45720" rIns="91440" bIns="45720" rtlCol="0" anchor="b">
+            <a:noAutofit/>
+          </a:bodyPr>
+          <a:lstStyle>
+            <a:lvl1pPr algn="l" defTabSz="457200" rtl="0" eaLnBrk="1" latinLnBrk="0" hangingPunct="1">
+              <a:spcBef>
+                <a:spcPct val="0"/>
+              </a:spcBef>
+              <a:buNone/>
+              <a:defRPr sz="3200" b="1" kern="1200">
+                <a:solidFill>
+                  <a:srgbClr val="FEFEFE"/>
+                </a:solidFill>
+                <a:latin typeface="+mj-lt"/>
+                <a:ea typeface="+mj-ea"/>
+                <a:cs typeface="+mj-cs"/>
+              </a:defRPr>
+            </a:lvl1pPr>
+            <a:lvl2pPr eaLnBrk="1" hangingPunct="1">
+              <a:defRPr>
+                <a:solidFill>
+                  <a:schemeClr val="tx2"/>
+                </a:solidFill>
+              </a:defRPr>
+            </a:lvl2pPr>
+            <a:lvl3pPr eaLnBrk="1" hangingPunct="1">
+              <a:defRPr>
+                <a:solidFill>
+                  <a:schemeClr val="tx2"/>
+                </a:solidFill>
+              </a:defRPr>
+            </a:lvl3pPr>
+            <a:lvl4pPr eaLnBrk="1" hangingPunct="1">
+              <a:defRPr>
+                <a:solidFill>
+                  <a:schemeClr val="tx2"/>
+                </a:solidFill>
+              </a:defRPr>
+            </a:lvl4pPr>
+            <a:lvl5pPr eaLnBrk="1" hangingPunct="1">
+              <a:defRPr>
+                <a:solidFill>
+                  <a:schemeClr val="tx2"/>
+                </a:solidFill>
+              </a:defRPr>
+            </a:lvl5pPr>
+            <a:lvl6pPr eaLnBrk="1" hangingPunct="1">
+              <a:defRPr>
+                <a:solidFill>
+                  <a:schemeClr val="tx2"/>
+                </a:solidFill>
+              </a:defRPr>
+            </a:lvl6pPr>
+            <a:lvl7pPr eaLnBrk="1" hangingPunct="1">
+              <a:defRPr>
+                <a:solidFill>
+                  <a:schemeClr val="tx2"/>
+                </a:solidFill>
+              </a:defRPr>
+            </a:lvl7pPr>
+            <a:lvl8pPr eaLnBrk="1" hangingPunct="1">
+              <a:defRPr>
+                <a:solidFill>
+                  <a:schemeClr val="tx2"/>
+                </a:solidFill>
+              </a:defRPr>
+            </a:lvl8pPr>
+            <a:lvl9pPr eaLnBrk="1" hangingPunct="1">
+              <a:defRPr>
+                <a:solidFill>
+                  <a:schemeClr val="tx2"/>
+                </a:solidFill>
+              </a:defRPr>
+            </a:lvl9pPr>
+          </a:lstStyle>
+          <a:p>
+            <a:r>
+              <a:rPr lang="en-TT" dirty="0"/>
+              <a:t>PULL REQUESTS</a:t>
+            </a:r>
+          </a:p>
+        </p:txBody>
+      </p:sp>
+    </p:spTree>
+    <p:extLst>
+      <p:ext uri="{BB962C8B-B14F-4D97-AF65-F5344CB8AC3E}">
+        <p14:creationId xmlns:p14="http://schemas.microsoft.com/office/powerpoint/2010/main" val="1125481797"/>
+      </p:ext>
+    </p:extLst>
+  </p:cSld>
+  <p:clrMapOvr>
+    <a:masterClrMapping/>
+  </p:clrMapOvr>
+  <mc:AlternateContent xmlns:mc="http://schemas.openxmlformats.org/markup-compatibility/2006" xmlns:p15="http://schemas.microsoft.com/office/powerpoint/2012/main">
+    <mc:Choice Requires="p15">
+      <p:transition xmlns:p14="http://schemas.microsoft.com/office/powerpoint/2010/main" spd="slow" p14:dur="1250">
+        <p15:prstTrans prst="peelOff"/>
+      </p:transition>
+    </mc:Choice>
+    <mc:Fallback xmlns="">
+      <p:transition spd="slow">
+        <p:fade/>
+      </p:transition>
+    </mc:Fallback>
+  </mc:AlternateContent>
+</p:sld>
+</file>
+
+<file path=ppt/slides/slide17.xml><?xml version="1.0" encoding="utf-8"?>
 <p:sld xmlns:a="http://schemas.openxmlformats.org/drawingml/2006/main" xmlns:r="http://schemas.openxmlformats.org/officeDocument/2006/relationships" xmlns:p="http://schemas.openxmlformats.org/presentationml/2006/main">
   <p:cSld>
     <p:bg>
@@ -15819,7 +15243,7 @@
           <p:cNvPr id="9" name="Rectangle 8">
             <a:extLst>
               <a:ext uri="{FF2B5EF4-FFF2-40B4-BE49-F238E27FC236}">
-                <a16:creationId xmlns:a16="http://schemas.microsoft.com/office/drawing/2014/main" id="{D0D45553-91A4-480A-9577-0E0FC0D919B9}"/>
+                <a16:creationId xmlns:a16="http://schemas.microsoft.com/office/drawing/2014/main" id="{056824CE-083D-4ED5-94A5-655345BBE75E}"/>
               </a:ext>
               <a:ext uri="{C183D7F6-B498-43B3-948B-1728B52AA6E4}">
                 <adec:decorative xmlns:adec="http://schemas.microsoft.com/office/drawing/2017/decorative" val="1"/>
@@ -15839,8 +15263,8 @@
         </p:nvSpPr>
         <p:spPr>
           <a:xfrm>
-            <a:off x="4573" y="0"/>
-            <a:ext cx="12187427" cy="6858000"/>
+            <a:off x="0" y="0"/>
+            <a:ext cx="12192000" cy="6858000"/>
           </a:xfrm>
           <a:prstGeom prst="rect">
             <a:avLst/>
@@ -15876,10 +15300,10 @@
       </p:sp>
       <p:sp>
         <p:nvSpPr>
-          <p:cNvPr id="11" name="Freeform 23">
+          <p:cNvPr id="11" name="Freeform 6">
             <a:extLst>
               <a:ext uri="{FF2B5EF4-FFF2-40B4-BE49-F238E27FC236}">
-                <a16:creationId xmlns:a16="http://schemas.microsoft.com/office/drawing/2014/main" id="{D240F8A8-FEA1-42C2-B259-27A9351279BD}"/>
+                <a16:creationId xmlns:a16="http://schemas.microsoft.com/office/drawing/2014/main" id="{0785D83B-2124-40CD-9E29-811BC2B7CE64}"/>
               </a:ext>
               <a:ext uri="{C183D7F6-B498-43B3-948B-1728B52AA6E4}">
                 <adec:decorative xmlns:adec="http://schemas.microsoft.com/office/drawing/2017/decorative" val="1"/>
@@ -15897,164 +15321,92 @@
             </p:extLst>
           </p:nvPr>
         </p:nvSpPr>
-        <p:spPr bwMode="white">
+        <p:spPr bwMode="auto">
           <a:xfrm>
             <a:off x="0" y="0"/>
-            <a:ext cx="4637005" cy="6858000"/>
+            <a:ext cx="12192000" cy="2185988"/>
           </a:xfrm>
           <a:custGeom>
             <a:avLst/>
-            <a:gdLst>
-              <a:gd name="connsiteX0" fmla="*/ 0 w 4637005"/>
-              <a:gd name="connsiteY0" fmla="*/ 0 h 6858000"/>
-              <a:gd name="connsiteX1" fmla="*/ 4637005 w 4637005"/>
-              <a:gd name="connsiteY1" fmla="*/ 0 h 6858000"/>
-              <a:gd name="connsiteX2" fmla="*/ 4637005 w 4637005"/>
-              <a:gd name="connsiteY2" fmla="*/ 1900238 h 6858000"/>
-              <a:gd name="connsiteX3" fmla="*/ 4266589 w 4637005"/>
-              <a:gd name="connsiteY3" fmla="*/ 2178050 h 6858000"/>
-              <a:gd name="connsiteX4" fmla="*/ 4262355 w 4637005"/>
-              <a:gd name="connsiteY4" fmla="*/ 2184400 h 6858000"/>
-              <a:gd name="connsiteX5" fmla="*/ 4256005 w 4637005"/>
-              <a:gd name="connsiteY5" fmla="*/ 2193925 h 6858000"/>
-              <a:gd name="connsiteX6" fmla="*/ 4249655 w 4637005"/>
-              <a:gd name="connsiteY6" fmla="*/ 2201863 h 6858000"/>
-              <a:gd name="connsiteX7" fmla="*/ 4249655 w 4637005"/>
-              <a:gd name="connsiteY7" fmla="*/ 2211388 h 6858000"/>
-              <a:gd name="connsiteX8" fmla="*/ 4249655 w 4637005"/>
-              <a:gd name="connsiteY8" fmla="*/ 2220913 h 6858000"/>
-              <a:gd name="connsiteX9" fmla="*/ 4256005 w 4637005"/>
-              <a:gd name="connsiteY9" fmla="*/ 2228850 h 6858000"/>
-              <a:gd name="connsiteX10" fmla="*/ 4262355 w 4637005"/>
-              <a:gd name="connsiteY10" fmla="*/ 2238375 h 6858000"/>
-              <a:gd name="connsiteX11" fmla="*/ 4266589 w 4637005"/>
-              <a:gd name="connsiteY11" fmla="*/ 2244725 h 6858000"/>
-              <a:gd name="connsiteX12" fmla="*/ 4637005 w 4637005"/>
-              <a:gd name="connsiteY12" fmla="*/ 2522538 h 6858000"/>
-              <a:gd name="connsiteX13" fmla="*/ 4637005 w 4637005"/>
-              <a:gd name="connsiteY13" fmla="*/ 6858000 h 6858000"/>
-              <a:gd name="connsiteX14" fmla="*/ 0 w 4637005"/>
-              <a:gd name="connsiteY14" fmla="*/ 6858000 h 6858000"/>
-            </a:gdLst>
+            <a:gdLst/>
             <a:ahLst/>
-            <a:cxnLst>
-              <a:cxn ang="0">
-                <a:pos x="connsiteX0" y="connsiteY0"/>
-              </a:cxn>
-              <a:cxn ang="0">
-                <a:pos x="connsiteX1" y="connsiteY1"/>
-              </a:cxn>
-              <a:cxn ang="0">
-                <a:pos x="connsiteX2" y="connsiteY2"/>
-              </a:cxn>
-              <a:cxn ang="0">
-                <a:pos x="connsiteX3" y="connsiteY3"/>
-              </a:cxn>
-              <a:cxn ang="0">
-                <a:pos x="connsiteX4" y="connsiteY4"/>
-              </a:cxn>
-              <a:cxn ang="0">
-                <a:pos x="connsiteX5" y="connsiteY5"/>
-              </a:cxn>
-              <a:cxn ang="0">
-                <a:pos x="connsiteX6" y="connsiteY6"/>
-              </a:cxn>
-              <a:cxn ang="0">
-                <a:pos x="connsiteX7" y="connsiteY7"/>
-              </a:cxn>
-              <a:cxn ang="0">
-                <a:pos x="connsiteX8" y="connsiteY8"/>
-              </a:cxn>
-              <a:cxn ang="0">
-                <a:pos x="connsiteX9" y="connsiteY9"/>
-              </a:cxn>
-              <a:cxn ang="0">
-                <a:pos x="connsiteX10" y="connsiteY10"/>
-              </a:cxn>
-              <a:cxn ang="0">
-                <a:pos x="connsiteX11" y="connsiteY11"/>
-              </a:cxn>
-              <a:cxn ang="0">
-                <a:pos x="connsiteX12" y="connsiteY12"/>
-              </a:cxn>
-              <a:cxn ang="0">
-                <a:pos x="connsiteX13" y="connsiteY13"/>
-              </a:cxn>
-              <a:cxn ang="0">
-                <a:pos x="connsiteX14" y="connsiteY14"/>
-              </a:cxn>
-            </a:cxnLst>
-            <a:rect l="l" t="t" r="r" b="b"/>
+            <a:cxnLst/>
+            <a:rect l="0" t="0" r="r" b="b"/>
             <a:pathLst>
-              <a:path w="4637005" h="6858000">
+              <a:path w="5760" h="1377">
                 <a:moveTo>
+                  <a:pt x="5760" y="0"/>
+                </a:moveTo>
+                <a:lnTo>
                   <a:pt x="0" y="0"/>
-                </a:moveTo>
-                <a:lnTo>
-                  <a:pt x="4637005" y="0"/>
-                </a:lnTo>
-                <a:lnTo>
-                  <a:pt x="4637005" y="1900238"/>
-                </a:lnTo>
-                <a:lnTo>
-                  <a:pt x="4266589" y="2178050"/>
-                </a:lnTo>
-                <a:lnTo>
-                  <a:pt x="4262355" y="2184400"/>
-                </a:lnTo>
-                <a:lnTo>
-                  <a:pt x="4256005" y="2193925"/>
-                </a:lnTo>
-                <a:lnTo>
-                  <a:pt x="4249655" y="2201863"/>
-                </a:lnTo>
-                <a:lnTo>
-                  <a:pt x="4249655" y="2211388"/>
-                </a:lnTo>
-                <a:lnTo>
-                  <a:pt x="4249655" y="2220913"/>
-                </a:lnTo>
-                <a:lnTo>
-                  <a:pt x="4256005" y="2228850"/>
-                </a:lnTo>
-                <a:lnTo>
-                  <a:pt x="4262355" y="2238375"/>
-                </a:lnTo>
-                <a:lnTo>
-                  <a:pt x="4266589" y="2244725"/>
-                </a:lnTo>
-                <a:lnTo>
-                  <a:pt x="4637005" y="2522538"/>
-                </a:lnTo>
-                <a:lnTo>
-                  <a:pt x="4637005" y="6858000"/>
-                </a:lnTo>
-                <a:lnTo>
-                  <a:pt x="0" y="6858000"/>
+                </a:lnTo>
+                <a:lnTo>
+                  <a:pt x="0" y="1189"/>
+                </a:lnTo>
+                <a:lnTo>
+                  <a:pt x="943" y="1189"/>
+                </a:lnTo>
+                <a:lnTo>
+                  <a:pt x="1123" y="1369"/>
+                </a:lnTo>
+                <a:lnTo>
+                  <a:pt x="1123" y="1369"/>
+                </a:lnTo>
+                <a:lnTo>
+                  <a:pt x="1127" y="1371"/>
+                </a:lnTo>
+                <a:lnTo>
+                  <a:pt x="1133" y="1374"/>
+                </a:lnTo>
+                <a:lnTo>
+                  <a:pt x="1139" y="1377"/>
+                </a:lnTo>
+                <a:lnTo>
+                  <a:pt x="1144" y="1377"/>
+                </a:lnTo>
+                <a:lnTo>
+                  <a:pt x="1150" y="1377"/>
+                </a:lnTo>
+                <a:lnTo>
+                  <a:pt x="1155" y="1374"/>
+                </a:lnTo>
+                <a:lnTo>
+                  <a:pt x="1161" y="1371"/>
+                </a:lnTo>
+                <a:lnTo>
+                  <a:pt x="1165" y="1369"/>
+                </a:lnTo>
+                <a:lnTo>
+                  <a:pt x="1345" y="1189"/>
+                </a:lnTo>
+                <a:lnTo>
+                  <a:pt x="5760" y="1189"/>
+                </a:lnTo>
+                <a:lnTo>
+                  <a:pt x="5760" y="0"/>
                 </a:lnTo>
                 <a:close/>
               </a:path>
             </a:pathLst>
           </a:custGeom>
-          <a:blipFill>
-            <a:blip r:embed="rId3">
-              <a:duotone>
-                <a:schemeClr val="accent1">
-                  <a:tint val="98000"/>
-                  <a:lumMod val="102000"/>
-                </a:schemeClr>
-                <a:schemeClr val="accent1">
-                  <a:shade val="98000"/>
-                  <a:lumMod val="98000"/>
-                </a:schemeClr>
-              </a:duotone>
-            </a:blip>
-            <a:tile tx="0" ty="0" sx="100000" sy="100000" flip="none" algn="tl"/>
-          </a:blipFill>
+          <a:solidFill>
+            <a:schemeClr val="tx1"/>
+          </a:solidFill>
           <a:ln>
-            <a:headEnd/>
-            <a:tailEnd/>
+            <a:noFill/>
           </a:ln>
+          <a:extLst>
+            <a:ext uri="{91240B29-F687-4f45-9708-019B960494DF}">
+              <a14:hiddenLine xmlns:a14="http://schemas.microsoft.com/office/drawing/2010/main" xmlns:dgm="http://schemas.openxmlformats.org/drawingml/2006/diagram" xmlns:p14="http://schemas.microsoft.com/office/powerpoint/2010/main" xmlns:a16="http://schemas.microsoft.com/office/drawing/2014/main" xmlns="" w="9525">
+                <a:solidFill>
+                  <a:srgbClr val="000000"/>
+                </a:solidFill>
+                <a:round/>
+                <a:headEnd/>
+                <a:tailEnd/>
+              </a14:hiddenLine>
+            </a:ext>
+          </a:extLst>
         </p:spPr>
         <p:style>
           <a:lnRef idx="1">
@@ -16070,16 +15422,6 @@
             <a:schemeClr val="lt1"/>
           </a:fontRef>
         </p:style>
-        <p:txBody>
-          <a:bodyPr wrap="square" rtlCol="0" anchor="ctr">
-            <a:noAutofit/>
-          </a:bodyPr>
-          <a:lstStyle/>
-          <a:p>
-            <a:pPr algn="ctr"/>
-            <a:endParaRPr lang="en-US"/>
-          </a:p>
-        </p:txBody>
       </p:sp>
       <p:sp>
         <p:nvSpPr>
@@ -16099,12 +15441,12 @@
         </p:nvSpPr>
         <p:spPr>
           <a:xfrm>
-            <a:off x="556591" y="1741714"/>
-            <a:ext cx="3518452" cy="4117749"/>
+            <a:off x="810000" y="447188"/>
+            <a:ext cx="10571998" cy="970450"/>
           </a:xfrm>
         </p:spPr>
         <p:txBody>
-          <a:bodyPr anchor="t">
+          <a:bodyPr>
             <a:normAutofit/>
           </a:bodyPr>
           <a:lstStyle/>
@@ -16132,14 +15474,14 @@
             <p:ph idx="1"/>
             <p:extLst>
               <p:ext uri="{D42A27DB-BD31-4B8C-83A1-F6EECF244321}">
-                <p14:modId xmlns:p14="http://schemas.microsoft.com/office/powerpoint/2010/main" val="3862331342"/>
+                <p14:modId xmlns:p14="http://schemas.microsoft.com/office/powerpoint/2010/main" val="1367375137"/>
               </p:ext>
             </p:extLst>
           </p:nvPr>
         </p:nvGraphicFramePr>
         <p:xfrm>
-          <a:off x="5466523" y="1498327"/>
-          <a:ext cx="5906328" cy="4035632"/>
+          <a:off x="1868827" y="2494722"/>
+          <a:ext cx="8454347" cy="3364747"/>
         </p:xfrm>
         <a:graphic>
           <a:graphicData uri="http://schemas.openxmlformats.org/drawingml/2006/table">
@@ -16148,14 +15490,14 @@
                 <a:tableStyleId>{5C22544A-7EE6-4342-B048-85BDC9FD1C3A}</a:tableStyleId>
               </a:tblPr>
               <a:tblGrid>
-                <a:gridCol w="2910005">
+                <a:gridCol w="4173933">
                   <a:extLst>
                     <a:ext uri="{9D8B030D-6E8A-4147-A177-3AD203B41FA5}">
                       <a16:colId xmlns:a16="http://schemas.microsoft.com/office/drawing/2014/main" val="2205629854"/>
                     </a:ext>
                   </a:extLst>
                 </a:gridCol>
-                <a:gridCol w="2996323">
+                <a:gridCol w="4280414">
                   <a:extLst>
                     <a:ext uri="{9D8B030D-6E8A-4147-A177-3AD203B41FA5}">
                       <a16:colId xmlns:a16="http://schemas.microsoft.com/office/drawing/2014/main" val="3106205059"/>
@@ -16163,7 +15505,7 @@
                   </a:extLst>
                 </a:gridCol>
               </a:tblGrid>
-              <a:tr h="450680">
+              <a:tr h="413029">
                 <a:tc>
                   <a:txBody>
                     <a:bodyPr/>
@@ -16171,12 +15513,12 @@
                     <a:p>
                       <a:pPr algn="ctr"/>
                       <a:r>
-                        <a:rPr lang="en-TT" sz="2000"/>
+                        <a:rPr lang="en-TT" sz="1900"/>
                         <a:t>Commands</a:t>
                       </a:r>
                     </a:p>
                   </a:txBody>
-                  <a:tcPr marL="102427" marR="102427" marT="51214" marB="51214"/>
+                  <a:tcPr marL="95324" marR="95324" marT="47663" marB="47663"/>
                 </a:tc>
                 <a:tc>
                   <a:txBody>
@@ -16185,12 +15527,12 @@
                     <a:p>
                       <a:pPr algn="ctr"/>
                       <a:r>
-                        <a:rPr lang="en-TT" sz="2000"/>
+                        <a:rPr lang="en-TT" sz="1900"/>
                         <a:t>Descriptions</a:t>
                       </a:r>
                     </a:p>
                   </a:txBody>
-                  <a:tcPr marL="102427" marR="102427" marT="51214" marB="51214"/>
+                  <a:tcPr marL="95324" marR="95324" marT="47663" marB="47663"/>
                 </a:tc>
                 <a:extLst>
                   <a:ext uri="{0D108BD9-81ED-4DB2-BD59-A6C34878D82A}">
@@ -16198,7 +15540,7 @@
                   </a:ext>
                 </a:extLst>
               </a:tr>
-              <a:tr h="512136">
+              <a:tr h="413029">
                 <a:tc>
                   <a:txBody>
                     <a:bodyPr/>
@@ -16206,12 +15548,12 @@
                     <a:p>
                       <a:pPr algn="ctr"/>
                       <a:r>
-                        <a:rPr lang="en-TT" sz="2000" dirty="0"/>
+                        <a:rPr lang="en-TT" sz="1900"/>
                         <a:t>git clone</a:t>
                       </a:r>
                     </a:p>
                   </a:txBody>
-                  <a:tcPr marL="102427" marR="102427" marT="51214" marB="51214"/>
+                  <a:tcPr marL="95324" marR="95324" marT="47663" marB="47663"/>
                 </a:tc>
                 <a:tc>
                   <a:txBody>
@@ -16219,10 +15561,10 @@
                     <a:lstStyle/>
                     <a:p>
                       <a:pPr algn="ctr"/>
-                      <a:endParaRPr lang="en-TT" sz="2000" dirty="0"/>
+                      <a:endParaRPr lang="en-TT" sz="1900"/>
                     </a:p>
                   </a:txBody>
-                  <a:tcPr marL="102427" marR="102427" marT="51214" marB="51214"/>
+                  <a:tcPr marL="95324" marR="95324" marT="47663" marB="47663"/>
                 </a:tc>
                 <a:extLst>
                   <a:ext uri="{0D108BD9-81ED-4DB2-BD59-A6C34878D82A}">
@@ -16230,7 +15572,7 @@
                   </a:ext>
                 </a:extLst>
               </a:tr>
-              <a:tr h="512136">
+              <a:tr h="413029">
                 <a:tc>
                   <a:txBody>
                     <a:bodyPr/>
@@ -16238,12 +15580,12 @@
                     <a:p>
                       <a:pPr algn="ctr"/>
                       <a:r>
-                        <a:rPr lang="en-TT" sz="2000" dirty="0"/>
+                        <a:rPr lang="en-TT" sz="1900"/>
                         <a:t>git add</a:t>
                       </a:r>
                     </a:p>
                   </a:txBody>
-                  <a:tcPr marL="102427" marR="102427" marT="51214" marB="51214"/>
+                  <a:tcPr marL="95324" marR="95324" marT="47663" marB="47663"/>
                 </a:tc>
                 <a:tc>
                   <a:txBody>
@@ -16251,10 +15593,10 @@
                     <a:lstStyle/>
                     <a:p>
                       <a:pPr algn="ctr"/>
-                      <a:endParaRPr lang="en-TT" sz="2000" dirty="0"/>
+                      <a:endParaRPr lang="en-TT" sz="1900"/>
                     </a:p>
                   </a:txBody>
-                  <a:tcPr marL="102427" marR="102427" marT="51214" marB="51214"/>
+                  <a:tcPr marL="95324" marR="95324" marT="47663" marB="47663"/>
                 </a:tc>
                 <a:extLst>
                   <a:ext uri="{0D108BD9-81ED-4DB2-BD59-A6C34878D82A}">
@@ -16262,7 +15604,7 @@
                   </a:ext>
                 </a:extLst>
               </a:tr>
-              <a:tr h="512136">
+              <a:tr h="413029">
                 <a:tc>
                   <a:txBody>
                     <a:bodyPr/>
@@ -16270,12 +15612,12 @@
                     <a:p>
                       <a:pPr algn="ctr"/>
                       <a:r>
-                        <a:rPr lang="en-TT" sz="2000" dirty="0"/>
+                        <a:rPr lang="en-TT" sz="1900"/>
                         <a:t>git commit</a:t>
                       </a:r>
                     </a:p>
                   </a:txBody>
-                  <a:tcPr marL="102427" marR="102427" marT="51214" marB="51214"/>
+                  <a:tcPr marL="95324" marR="95324" marT="47663" marB="47663"/>
                 </a:tc>
                 <a:tc>
                   <a:txBody>
@@ -16283,10 +15625,10 @@
                     <a:lstStyle/>
                     <a:p>
                       <a:pPr algn="ctr"/>
-                      <a:endParaRPr lang="en-TT" sz="2000" dirty="0"/>
+                      <a:endParaRPr lang="en-TT" sz="1900"/>
                     </a:p>
                   </a:txBody>
-                  <a:tcPr marL="102427" marR="102427" marT="51214" marB="51214"/>
+                  <a:tcPr marL="95324" marR="95324" marT="47663" marB="47663"/>
                 </a:tc>
                 <a:extLst>
                   <a:ext uri="{0D108BD9-81ED-4DB2-BD59-A6C34878D82A}">
@@ -16294,7 +15636,7 @@
                   </a:ext>
                 </a:extLst>
               </a:tr>
-              <a:tr h="512136">
+              <a:tr h="413029">
                 <a:tc>
                   <a:txBody>
                     <a:bodyPr/>
@@ -16302,12 +15644,12 @@
                     <a:p>
                       <a:pPr algn="ctr"/>
                       <a:r>
-                        <a:rPr lang="en-TT" sz="2000" dirty="0"/>
+                        <a:rPr lang="en-TT" sz="1900"/>
                         <a:t>git push</a:t>
                       </a:r>
                     </a:p>
                   </a:txBody>
-                  <a:tcPr marL="102427" marR="102427" marT="51214" marB="51214"/>
+                  <a:tcPr marL="95324" marR="95324" marT="47663" marB="47663"/>
                 </a:tc>
                 <a:tc>
                   <a:txBody>
@@ -16315,10 +15657,10 @@
                     <a:lstStyle/>
                     <a:p>
                       <a:pPr algn="ctr"/>
-                      <a:endParaRPr lang="en-TT" sz="2000" dirty="0"/>
+                      <a:endParaRPr lang="en-TT" sz="1900"/>
                     </a:p>
                   </a:txBody>
-                  <a:tcPr marL="102427" marR="102427" marT="51214" marB="51214"/>
+                  <a:tcPr marL="95324" marR="95324" marT="47663" marB="47663"/>
                 </a:tc>
                 <a:extLst>
                   <a:ext uri="{0D108BD9-81ED-4DB2-BD59-A6C34878D82A}">
@@ -16326,7 +15668,7 @@
                   </a:ext>
                 </a:extLst>
               </a:tr>
-              <a:tr h="512136">
+              <a:tr h="413029">
                 <a:tc>
                   <a:txBody>
                     <a:bodyPr/>
@@ -16334,12 +15676,12 @@
                     <a:p>
                       <a:pPr algn="ctr"/>
                       <a:r>
-                        <a:rPr lang="en-TT" sz="2000" dirty="0"/>
+                        <a:rPr lang="en-TT" sz="1900"/>
                         <a:t>git status</a:t>
                       </a:r>
                     </a:p>
                   </a:txBody>
-                  <a:tcPr marL="102427" marR="102427" marT="51214" marB="51214"/>
+                  <a:tcPr marL="95324" marR="95324" marT="47663" marB="47663"/>
                 </a:tc>
                 <a:tc>
                   <a:txBody>
@@ -16347,10 +15689,10 @@
                     <a:lstStyle/>
                     <a:p>
                       <a:pPr algn="ctr"/>
-                      <a:endParaRPr lang="en-TT" sz="2000" dirty="0"/>
+                      <a:endParaRPr lang="en-TT" sz="1900"/>
                     </a:p>
                   </a:txBody>
-                  <a:tcPr marL="102427" marR="102427" marT="51214" marB="51214"/>
+                  <a:tcPr marL="95324" marR="95324" marT="47663" marB="47663"/>
                 </a:tc>
                 <a:extLst>
                   <a:ext uri="{0D108BD9-81ED-4DB2-BD59-A6C34878D82A}">
@@ -16358,7 +15700,7 @@
                   </a:ext>
                 </a:extLst>
               </a:tr>
-              <a:tr h="512136">
+              <a:tr h="413029">
                 <a:tc>
                   <a:txBody>
                     <a:bodyPr/>
@@ -16366,12 +15708,12 @@
                     <a:p>
                       <a:pPr algn="ctr"/>
                       <a:r>
-                        <a:rPr lang="en-TT" sz="2000"/>
+                        <a:rPr lang="en-TT" sz="1900"/>
                         <a:t>git log</a:t>
                       </a:r>
                     </a:p>
                   </a:txBody>
-                  <a:tcPr marL="102427" marR="102427" marT="51214" marB="51214"/>
+                  <a:tcPr marL="95324" marR="95324" marT="47663" marB="47663"/>
                 </a:tc>
                 <a:tc>
                   <a:txBody>
@@ -16379,10 +15721,10 @@
                     <a:lstStyle/>
                     <a:p>
                       <a:pPr algn="ctr"/>
-                      <a:endParaRPr lang="en-TT" sz="2000" dirty="0"/>
+                      <a:endParaRPr lang="en-TT" sz="1900"/>
                     </a:p>
                   </a:txBody>
-                  <a:tcPr marL="102427" marR="102427" marT="51214" marB="51214"/>
+                  <a:tcPr marL="95324" marR="95324" marT="47663" marB="47663"/>
                 </a:tc>
                 <a:extLst>
                   <a:ext uri="{0D108BD9-81ED-4DB2-BD59-A6C34878D82A}">
@@ -16390,17 +15732,17 @@
                   </a:ext>
                 </a:extLst>
               </a:tr>
-              <a:tr h="512136">
+              <a:tr h="473544">
                 <a:tc>
                   <a:txBody>
                     <a:bodyPr/>
                     <a:lstStyle/>
                     <a:p>
                       <a:pPr algn="ctr"/>
-                      <a:endParaRPr lang="en-TT" sz="2000"/>
+                      <a:endParaRPr lang="en-TT" sz="1900"/>
                     </a:p>
                   </a:txBody>
-                  <a:tcPr marL="102427" marR="102427" marT="51214" marB="51214"/>
+                  <a:tcPr marL="95324" marR="95324" marT="47663" marB="47663"/>
                 </a:tc>
                 <a:tc>
                   <a:txBody>
@@ -16408,10 +15750,10 @@
                     <a:lstStyle/>
                     <a:p>
                       <a:pPr algn="ctr"/>
-                      <a:endParaRPr lang="en-TT" sz="2000" dirty="0"/>
+                      <a:endParaRPr lang="en-TT" sz="1900"/>
                     </a:p>
                   </a:txBody>
-                  <a:tcPr marL="102427" marR="102427" marT="51214" marB="51214"/>
+                  <a:tcPr marL="95324" marR="95324" marT="47663" marB="47663"/>
                 </a:tc>
                 <a:extLst>
                   <a:ext uri="{0D108BD9-81ED-4DB2-BD59-A6C34878D82A}">
@@ -16433,13 +15775,149 @@
   <p:clrMapOvr>
     <a:overrideClrMapping bg1="lt1" tx1="dk1" bg2="lt2" tx2="dk2" accent1="accent1" accent2="accent2" accent3="accent3" accent4="accent4" accent5="accent5" accent6="accent6" hlink="hlink" folHlink="folHlink"/>
   </p:clrMapOvr>
-  <mc:AlternateContent xmlns:mc="http://schemas.openxmlformats.org/markup-compatibility/2006">
-    <mc:Choice xmlns:p15="http://schemas.microsoft.com/office/powerpoint/2012/main" Requires="p15">
+  <mc:AlternateContent xmlns:mc="http://schemas.openxmlformats.org/markup-compatibility/2006" xmlns:p15="http://schemas.microsoft.com/office/powerpoint/2012/main">
+    <mc:Choice Requires="p15">
       <p:transition xmlns:p14="http://schemas.microsoft.com/office/powerpoint/2010/main" spd="slow" p14:dur="1250">
         <p15:prstTrans prst="peelOff"/>
       </p:transition>
     </mc:Choice>
-    <mc:Fallback>
+    <mc:Fallback xmlns="">
+      <p:transition spd="slow">
+        <p:fade/>
+      </p:transition>
+    </mc:Fallback>
+  </mc:AlternateContent>
+</p:sld>
+</file>
+
+<file path=ppt/slides/slide18.xml><?xml version="1.0" encoding="utf-8"?>
+<p:sld xmlns:a="http://schemas.openxmlformats.org/drawingml/2006/main" xmlns:r="http://schemas.openxmlformats.org/officeDocument/2006/relationships" xmlns:p="http://schemas.openxmlformats.org/presentationml/2006/main">
+  <p:cSld>
+    <p:spTree>
+      <p:nvGrpSpPr>
+        <p:cNvPr id="1" name=""/>
+        <p:cNvGrpSpPr/>
+        <p:nvPr/>
+      </p:nvGrpSpPr>
+      <p:grpSpPr>
+        <a:xfrm>
+          <a:off x="0" y="0"/>
+          <a:ext cx="0" cy="0"/>
+          <a:chOff x="0" y="0"/>
+          <a:chExt cx="0" cy="0"/>
+        </a:xfrm>
+      </p:grpSpPr>
+      <p:sp>
+        <p:nvSpPr>
+          <p:cNvPr id="2" name="Title 1">
+            <a:extLst>
+              <a:ext uri="{FF2B5EF4-FFF2-40B4-BE49-F238E27FC236}">
+                <a16:creationId xmlns:a16="http://schemas.microsoft.com/office/drawing/2014/main" id="{487F4066-71D6-4D77-B755-D4588226DA18}"/>
+              </a:ext>
+            </a:extLst>
+          </p:cNvPr>
+          <p:cNvSpPr>
+            <a:spLocks noGrp="1"/>
+          </p:cNvSpPr>
+          <p:nvPr>
+            <p:ph type="title"/>
+          </p:nvPr>
+        </p:nvSpPr>
+        <p:spPr/>
+        <p:txBody>
+          <a:bodyPr/>
+          <a:lstStyle/>
+          <a:p>
+            <a:pPr algn="ctr"/>
+            <a:r>
+              <a:rPr lang="en-TT" dirty="0"/>
+              <a:t>GitHub Pages</a:t>
+            </a:r>
+          </a:p>
+        </p:txBody>
+      </p:sp>
+      <p:sp>
+        <p:nvSpPr>
+          <p:cNvPr id="3" name="Content Placeholder 2">
+            <a:extLst>
+              <a:ext uri="{FF2B5EF4-FFF2-40B4-BE49-F238E27FC236}">
+                <a16:creationId xmlns:a16="http://schemas.microsoft.com/office/drawing/2014/main" id="{6B8675D3-D089-4F5B-BF35-68DB74005B5E}"/>
+              </a:ext>
+            </a:extLst>
+          </p:cNvPr>
+          <p:cNvSpPr>
+            <a:spLocks noGrp="1"/>
+          </p:cNvSpPr>
+          <p:nvPr>
+            <p:ph idx="1"/>
+          </p:nvPr>
+        </p:nvSpPr>
+        <p:spPr/>
+        <p:txBody>
+          <a:bodyPr/>
+          <a:lstStyle/>
+          <a:p>
+            <a:r>
+              <a:rPr lang="en-TT" b="1" dirty="0"/>
+              <a:t>GitHub Pages</a:t>
+            </a:r>
+            <a:r>
+              <a:rPr lang="en-TT" dirty="0"/>
+              <a:t>: GitHub Pages is a simple way to publish a static site to the web. </a:t>
+            </a:r>
+          </a:p>
+          <a:p>
+            <a:r>
+              <a:rPr lang="en-TT" dirty="0"/>
+              <a:t>Create a new GitHub repository.</a:t>
+            </a:r>
+          </a:p>
+          <a:p>
+            <a:r>
+              <a:rPr lang="en-TT" dirty="0"/>
+              <a:t>Clone the repository and make changes locally, making sure to include an index.html file</a:t>
+            </a:r>
+          </a:p>
+          <a:p>
+            <a:r>
+              <a:rPr lang="en-TT" dirty="0"/>
+              <a:t>Push those changes to GitHub</a:t>
+            </a:r>
+          </a:p>
+          <a:p>
+            <a:r>
+              <a:rPr lang="en-TT" dirty="0"/>
+              <a:t>Navigate to the Settings page of your repository, scroll down to GitHub Pages, and choose the master branch in the dropdown menu</a:t>
+            </a:r>
+          </a:p>
+          <a:p>
+            <a:r>
+              <a:rPr lang="en-TT" dirty="0"/>
+              <a:t>Scroll back down to the GitHub Pages part of the settings page, and after a few minutes, you should see a notification that “Your site is published at: …” including a URL where you can find your site</a:t>
+            </a:r>
+          </a:p>
+          <a:p>
+            <a:endParaRPr lang="en-TT" dirty="0"/>
+          </a:p>
+        </p:txBody>
+      </p:sp>
+    </p:spTree>
+    <p:extLst>
+      <p:ext uri="{BB962C8B-B14F-4D97-AF65-F5344CB8AC3E}">
+        <p14:creationId xmlns:p14="http://schemas.microsoft.com/office/powerpoint/2010/main" val="508145454"/>
+      </p:ext>
+    </p:extLst>
+  </p:cSld>
+  <p:clrMapOvr>
+    <a:masterClrMapping/>
+  </p:clrMapOvr>
+  <mc:AlternateContent xmlns:mc="http://schemas.openxmlformats.org/markup-compatibility/2006" xmlns:p15="http://schemas.microsoft.com/office/powerpoint/2012/main">
+    <mc:Choice Requires="p15">
+      <p:transition xmlns:p14="http://schemas.microsoft.com/office/powerpoint/2010/main" spd="slow" p14:dur="1250">
+        <p15:prstTrans prst="peelOff"/>
+      </p:transition>
+    </mc:Choice>
+    <mc:Fallback xmlns="">
       <p:transition spd="slow">
         <p:fade/>
       </p:transition>
@@ -16489,12 +15967,7 @@
             <p:ph type="title"/>
           </p:nvPr>
         </p:nvSpPr>
-        <p:spPr>
-          <a:xfrm>
-            <a:off x="810000" y="447188"/>
-            <a:ext cx="10571998" cy="970450"/>
-          </a:xfrm>
-        </p:spPr>
+        <p:spPr/>
         <p:txBody>
           <a:bodyPr>
             <a:normAutofit/>
@@ -16604,13 +16077,13 @@
   <p:clrMapOvr>
     <a:masterClrMapping/>
   </p:clrMapOvr>
-  <mc:AlternateContent xmlns:mc="http://schemas.openxmlformats.org/markup-compatibility/2006">
-    <mc:Choice xmlns:p15="http://schemas.microsoft.com/office/powerpoint/2012/main" Requires="p15">
+  <mc:AlternateContent xmlns:mc="http://schemas.openxmlformats.org/markup-compatibility/2006" xmlns:p15="http://schemas.microsoft.com/office/powerpoint/2012/main">
+    <mc:Choice Requires="p15">
       <p:transition xmlns:p14="http://schemas.microsoft.com/office/powerpoint/2010/main" spd="slow" p14:dur="1250">
         <p15:prstTrans prst="peelOff"/>
       </p:transition>
     </mc:Choice>
-    <mc:Fallback>
+    <mc:Fallback xmlns="">
       <p:transition spd="slow">
         <p:fade/>
       </p:transition>
@@ -16646,549 +16119,6 @@
       </p:grpSpPr>
       <p:sp>
         <p:nvSpPr>
-          <p:cNvPr id="21" name="Freeform 6">
-            <a:extLst>
-              <a:ext uri="{FF2B5EF4-FFF2-40B4-BE49-F238E27FC236}">
-                <a16:creationId xmlns:a16="http://schemas.microsoft.com/office/drawing/2014/main" id="{11114F18-D12D-43C6-895F-5BA92C290CC1}"/>
-              </a:ext>
-              <a:ext uri="{C183D7F6-B498-43B3-948B-1728B52AA6E4}">
-                <adec:decorative xmlns:adec="http://schemas.microsoft.com/office/drawing/2017/decorative" val="1"/>
-              </a:ext>
-            </a:extLst>
-          </p:cNvPr>
-          <p:cNvSpPr>
-            <a:spLocks noGrp="1" noRot="1" noChangeAspect="1" noMove="1" noResize="1" noEditPoints="1" noAdjustHandles="1" noChangeArrowheads="1" noChangeShapeType="1" noTextEdit="1"/>
-          </p:cNvSpPr>
-          <p:nvPr>
-            <p:extLst>
-              <p:ext uri="{386F3935-93C4-4BCD-93E2-E3B085C9AB24}">
-                <p16:designElem xmlns:p16="http://schemas.microsoft.com/office/powerpoint/2015/main" val="1"/>
-              </p:ext>
-            </p:extLst>
-          </p:nvPr>
-        </p:nvSpPr>
-        <p:spPr bwMode="auto">
-          <a:xfrm>
-            <a:off x="0" y="-3175"/>
-            <a:ext cx="12192000" cy="5203825"/>
-          </a:xfrm>
-          <a:custGeom>
-            <a:avLst/>
-            <a:gdLst/>
-            <a:ahLst/>
-            <a:cxnLst/>
-            <a:rect l="0" t="0" r="r" b="b"/>
-            <a:pathLst>
-              <a:path w="5760" h="3278">
-                <a:moveTo>
-                  <a:pt x="5760" y="0"/>
-                </a:moveTo>
-                <a:lnTo>
-                  <a:pt x="0" y="0"/>
-                </a:lnTo>
-                <a:lnTo>
-                  <a:pt x="0" y="3090"/>
-                </a:lnTo>
-                <a:lnTo>
-                  <a:pt x="943" y="3090"/>
-                </a:lnTo>
-                <a:lnTo>
-                  <a:pt x="1123" y="3270"/>
-                </a:lnTo>
-                <a:lnTo>
-                  <a:pt x="1123" y="3270"/>
-                </a:lnTo>
-                <a:lnTo>
-                  <a:pt x="1127" y="3272"/>
-                </a:lnTo>
-                <a:lnTo>
-                  <a:pt x="1133" y="3275"/>
-                </a:lnTo>
-                <a:lnTo>
-                  <a:pt x="1139" y="3278"/>
-                </a:lnTo>
-                <a:lnTo>
-                  <a:pt x="1144" y="3278"/>
-                </a:lnTo>
-                <a:lnTo>
-                  <a:pt x="1150" y="3278"/>
-                </a:lnTo>
-                <a:lnTo>
-                  <a:pt x="1155" y="3275"/>
-                </a:lnTo>
-                <a:lnTo>
-                  <a:pt x="1161" y="3272"/>
-                </a:lnTo>
-                <a:lnTo>
-                  <a:pt x="1165" y="3270"/>
-                </a:lnTo>
-                <a:lnTo>
-                  <a:pt x="1345" y="3090"/>
-                </a:lnTo>
-                <a:lnTo>
-                  <a:pt x="5760" y="3090"/>
-                </a:lnTo>
-                <a:lnTo>
-                  <a:pt x="5760" y="0"/>
-                </a:lnTo>
-                <a:close/>
-              </a:path>
-            </a:pathLst>
-          </a:custGeom>
-          <a:ln/>
-          <a:effectLst/>
-          <a:extLst>
-            <a:ext uri="{91240B29-F687-4f45-9708-019B960494DF}">
-              <a14:hiddenLine xmlns:p14="http://schemas.microsoft.com/office/powerpoint/2010/main" xmlns:a14="http://schemas.microsoft.com/office/drawing/2010/main" xmlns:a16="http://schemas.microsoft.com/office/drawing/2014/main" xmlns="" w="9525">
-                <a:solidFill>
-                  <a:srgbClr val="000000"/>
-                </a:solidFill>
-                <a:round/>
-                <a:headEnd/>
-                <a:tailEnd/>
-              </a14:hiddenLine>
-            </a:ext>
-          </a:extLst>
-        </p:spPr>
-        <p:style>
-          <a:lnRef idx="1">
-            <a:schemeClr val="accent1"/>
-          </a:lnRef>
-          <a:fillRef idx="3">
-            <a:schemeClr val="accent1"/>
-          </a:fillRef>
-          <a:effectRef idx="2">
-            <a:schemeClr val="accent1"/>
-          </a:effectRef>
-          <a:fontRef idx="minor">
-            <a:schemeClr val="lt1"/>
-          </a:fontRef>
-        </p:style>
-      </p:sp>
-      <p:sp>
-        <p:nvSpPr>
-          <p:cNvPr id="23" name="Rectangle 22">
-            <a:extLst>
-              <a:ext uri="{FF2B5EF4-FFF2-40B4-BE49-F238E27FC236}">
-                <a16:creationId xmlns:a16="http://schemas.microsoft.com/office/drawing/2014/main" id="{39F1F689-BD84-4BD2-A649-49737071392C}"/>
-              </a:ext>
-              <a:ext uri="{C183D7F6-B498-43B3-948B-1728B52AA6E4}">
-                <adec:decorative xmlns:adec="http://schemas.microsoft.com/office/drawing/2017/decorative" val="1"/>
-              </a:ext>
-            </a:extLst>
-          </p:cNvPr>
-          <p:cNvSpPr>
-            <a:spLocks noGrp="1" noRot="1" noChangeAspect="1" noMove="1" noResize="1" noEditPoints="1" noAdjustHandles="1" noChangeArrowheads="1" noChangeShapeType="1" noTextEdit="1"/>
-          </p:cNvSpPr>
-          <p:nvPr>
-            <p:extLst>
-              <p:ext uri="{386F3935-93C4-4BCD-93E2-E3B085C9AB24}">
-                <p16:designElem xmlns:p16="http://schemas.microsoft.com/office/powerpoint/2015/main" val="1"/>
-              </p:ext>
-            </p:extLst>
-          </p:nvPr>
-        </p:nvSpPr>
-        <p:spPr>
-          <a:xfrm>
-            <a:off x="0" y="0"/>
-            <a:ext cx="12188180" cy="6869151"/>
-          </a:xfrm>
-          <a:prstGeom prst="rect">
-            <a:avLst/>
-          </a:prstGeom>
-          <a:solidFill>
-            <a:schemeClr val="tx1"/>
-          </a:solidFill>
-          <a:ln>
-            <a:noFill/>
-          </a:ln>
-        </p:spPr>
-        <p:style>
-          <a:lnRef idx="2">
-            <a:schemeClr val="accent1">
-              <a:shade val="50000"/>
-            </a:schemeClr>
-          </a:lnRef>
-          <a:fillRef idx="1">
-            <a:schemeClr val="accent1"/>
-          </a:fillRef>
-          <a:effectRef idx="0">
-            <a:schemeClr val="accent1"/>
-          </a:effectRef>
-          <a:fontRef idx="minor">
-            <a:schemeClr val="lt1"/>
-          </a:fontRef>
-        </p:style>
-        <p:txBody>
-          <a:bodyPr rtlCol="0" anchor="ctr"/>
-          <a:lstStyle/>
-          <a:p>
-            <a:pPr algn="ctr"/>
-            <a:endParaRPr lang="en-US"/>
-          </a:p>
-        </p:txBody>
-      </p:sp>
-      <p:grpSp>
-        <p:nvGrpSpPr>
-          <p:cNvPr id="25" name="Group 24">
-            <a:extLst>
-              <a:ext uri="{FF2B5EF4-FFF2-40B4-BE49-F238E27FC236}">
-                <a16:creationId xmlns:a16="http://schemas.microsoft.com/office/drawing/2014/main" id="{DE2DD4A6-DC96-421E-9E1C-7CD0D26814F8}"/>
-              </a:ext>
-              <a:ext uri="{C183D7F6-B498-43B3-948B-1728B52AA6E4}">
-                <adec:decorative xmlns:adec="http://schemas.microsoft.com/office/drawing/2017/decorative" val="1"/>
-              </a:ext>
-            </a:extLst>
-          </p:cNvPr>
-          <p:cNvGrpSpPr>
-            <a:grpSpLocks noGrp="1" noUngrp="1" noRot="1" noChangeAspect="1" noMove="1" noResize="1"/>
-          </p:cNvGrpSpPr>
-          <p:nvPr>
-            <p:extLst>
-              <p:ext uri="{386F3935-93C4-4BCD-93E2-E3B085C9AB24}">
-                <p16:designElem xmlns:p16="http://schemas.microsoft.com/office/powerpoint/2015/main" val="1"/>
-              </p:ext>
-            </p:extLst>
-          </p:nvPr>
-        </p:nvGrpSpPr>
-        <p:grpSpPr bwMode="white">
-          <a:xfrm>
-            <a:off x="0" y="4525094"/>
-            <a:ext cx="12203151" cy="2344057"/>
-            <a:chOff x="0" y="4525094"/>
-            <a:chExt cx="12203151" cy="2344057"/>
-          </a:xfrm>
-        </p:grpSpPr>
-        <p:sp>
-          <p:nvSpPr>
-            <p:cNvPr id="26" name="Freeform 9">
-              <a:extLst>
-                <a:ext uri="{FF2B5EF4-FFF2-40B4-BE49-F238E27FC236}">
-                  <a16:creationId xmlns:a16="http://schemas.microsoft.com/office/drawing/2014/main" id="{5E6BB74D-E85C-4CCB-90CE-024600640500}"/>
-                </a:ext>
-                <a:ext uri="{C183D7F6-B498-43B3-948B-1728B52AA6E4}">
-                  <adec:decorative xmlns:adec="http://schemas.microsoft.com/office/drawing/2017/decorative" val="1"/>
-                </a:ext>
-              </a:extLst>
-            </p:cNvPr>
-            <p:cNvSpPr/>
-            <p:nvPr>
-              <p:extLst>
-                <p:ext uri="{386F3935-93C4-4BCD-93E2-E3B085C9AB24}">
-                  <p16:designElem xmlns:p16="http://schemas.microsoft.com/office/powerpoint/2015/main" val="1"/>
-                </p:ext>
-              </p:extLst>
-            </p:nvPr>
-          </p:nvSpPr>
-          <p:spPr bwMode="white">
-            <a:xfrm>
-              <a:off x="0" y="4525094"/>
-              <a:ext cx="12192000" cy="2332906"/>
-            </a:xfrm>
-            <a:custGeom>
-              <a:avLst/>
-              <a:gdLst>
-                <a:gd name="connsiteX0" fmla="*/ 0 w 12192000"/>
-                <a:gd name="connsiteY0" fmla="*/ 0 h 2332906"/>
-                <a:gd name="connsiteX1" fmla="*/ 1996017 w 12192000"/>
-                <a:gd name="connsiteY1" fmla="*/ 0 h 2332906"/>
-                <a:gd name="connsiteX2" fmla="*/ 2377017 w 12192000"/>
-                <a:gd name="connsiteY2" fmla="*/ 263783 h 2332906"/>
-                <a:gd name="connsiteX3" fmla="*/ 2385484 w 12192000"/>
-                <a:gd name="connsiteY3" fmla="*/ 266713 h 2332906"/>
-                <a:gd name="connsiteX4" fmla="*/ 2398184 w 12192000"/>
-                <a:gd name="connsiteY4" fmla="*/ 271110 h 2332906"/>
-                <a:gd name="connsiteX5" fmla="*/ 2410883 w 12192000"/>
-                <a:gd name="connsiteY5" fmla="*/ 275506 h 2332906"/>
-                <a:gd name="connsiteX6" fmla="*/ 2421467 w 12192000"/>
-                <a:gd name="connsiteY6" fmla="*/ 275506 h 2332906"/>
-                <a:gd name="connsiteX7" fmla="*/ 2434167 w 12192000"/>
-                <a:gd name="connsiteY7" fmla="*/ 275506 h 2332906"/>
-                <a:gd name="connsiteX8" fmla="*/ 2444750 w 12192000"/>
-                <a:gd name="connsiteY8" fmla="*/ 271110 h 2332906"/>
-                <a:gd name="connsiteX9" fmla="*/ 2457450 w 12192000"/>
-                <a:gd name="connsiteY9" fmla="*/ 266713 h 2332906"/>
-                <a:gd name="connsiteX10" fmla="*/ 2465917 w 12192000"/>
-                <a:gd name="connsiteY10" fmla="*/ 263783 h 2332906"/>
-                <a:gd name="connsiteX11" fmla="*/ 2846917 w 12192000"/>
-                <a:gd name="connsiteY11" fmla="*/ 0 h 2332906"/>
-                <a:gd name="connsiteX12" fmla="*/ 12192000 w 12192000"/>
-                <a:gd name="connsiteY12" fmla="*/ 0 h 2332906"/>
-                <a:gd name="connsiteX13" fmla="*/ 12192000 w 12192000"/>
-                <a:gd name="connsiteY13" fmla="*/ 2332906 h 2332906"/>
-                <a:gd name="connsiteX14" fmla="*/ 0 w 12192000"/>
-                <a:gd name="connsiteY14" fmla="*/ 2332906 h 2332906"/>
-              </a:gdLst>
-              <a:ahLst/>
-              <a:cxnLst>
-                <a:cxn ang="0">
-                  <a:pos x="connsiteX0" y="connsiteY0"/>
-                </a:cxn>
-                <a:cxn ang="0">
-                  <a:pos x="connsiteX1" y="connsiteY1"/>
-                </a:cxn>
-                <a:cxn ang="0">
-                  <a:pos x="connsiteX2" y="connsiteY2"/>
-                </a:cxn>
-                <a:cxn ang="0">
-                  <a:pos x="connsiteX3" y="connsiteY3"/>
-                </a:cxn>
-                <a:cxn ang="0">
-                  <a:pos x="connsiteX4" y="connsiteY4"/>
-                </a:cxn>
-                <a:cxn ang="0">
-                  <a:pos x="connsiteX5" y="connsiteY5"/>
-                </a:cxn>
-                <a:cxn ang="0">
-                  <a:pos x="connsiteX6" y="connsiteY6"/>
-                </a:cxn>
-                <a:cxn ang="0">
-                  <a:pos x="connsiteX7" y="connsiteY7"/>
-                </a:cxn>
-                <a:cxn ang="0">
-                  <a:pos x="connsiteX8" y="connsiteY8"/>
-                </a:cxn>
-                <a:cxn ang="0">
-                  <a:pos x="connsiteX9" y="connsiteY9"/>
-                </a:cxn>
-                <a:cxn ang="0">
-                  <a:pos x="connsiteX10" y="connsiteY10"/>
-                </a:cxn>
-                <a:cxn ang="0">
-                  <a:pos x="connsiteX11" y="connsiteY11"/>
-                </a:cxn>
-                <a:cxn ang="0">
-                  <a:pos x="connsiteX12" y="connsiteY12"/>
-                </a:cxn>
-                <a:cxn ang="0">
-                  <a:pos x="connsiteX13" y="connsiteY13"/>
-                </a:cxn>
-                <a:cxn ang="0">
-                  <a:pos x="connsiteX14" y="connsiteY14"/>
-                </a:cxn>
-              </a:cxnLst>
-              <a:rect l="l" t="t" r="r" b="b"/>
-              <a:pathLst>
-                <a:path w="12192000" h="2332906">
-                  <a:moveTo>
-                    <a:pt x="0" y="0"/>
-                  </a:moveTo>
-                  <a:lnTo>
-                    <a:pt x="1996017" y="0"/>
-                  </a:lnTo>
-                  <a:lnTo>
-                    <a:pt x="2377017" y="263783"/>
-                  </a:lnTo>
-                  <a:lnTo>
-                    <a:pt x="2385484" y="266713"/>
-                  </a:lnTo>
-                  <a:lnTo>
-                    <a:pt x="2398184" y="271110"/>
-                  </a:lnTo>
-                  <a:lnTo>
-                    <a:pt x="2410883" y="275506"/>
-                  </a:lnTo>
-                  <a:lnTo>
-                    <a:pt x="2421467" y="275506"/>
-                  </a:lnTo>
-                  <a:lnTo>
-                    <a:pt x="2434167" y="275506"/>
-                  </a:lnTo>
-                  <a:lnTo>
-                    <a:pt x="2444750" y="271110"/>
-                  </a:lnTo>
-                  <a:lnTo>
-                    <a:pt x="2457450" y="266713"/>
-                  </a:lnTo>
-                  <a:lnTo>
-                    <a:pt x="2465917" y="263783"/>
-                  </a:lnTo>
-                  <a:lnTo>
-                    <a:pt x="2846917" y="0"/>
-                  </a:lnTo>
-                  <a:lnTo>
-                    <a:pt x="12192000" y="0"/>
-                  </a:lnTo>
-                  <a:lnTo>
-                    <a:pt x="12192000" y="2332906"/>
-                  </a:lnTo>
-                  <a:lnTo>
-                    <a:pt x="0" y="2332906"/>
-                  </a:lnTo>
-                  <a:close/>
-                </a:path>
-              </a:pathLst>
-            </a:custGeom>
-            <a:solidFill>
-              <a:schemeClr val="bg1">
-                <a:lumMod val="85000"/>
-                <a:lumOff val="15000"/>
-              </a:schemeClr>
-            </a:solidFill>
-            <a:ln>
-              <a:noFill/>
-            </a:ln>
-          </p:spPr>
-          <p:style>
-            <a:lnRef idx="2">
-              <a:schemeClr val="accent1">
-                <a:shade val="50000"/>
-              </a:schemeClr>
-            </a:lnRef>
-            <a:fillRef idx="1">
-              <a:schemeClr val="accent1"/>
-            </a:fillRef>
-            <a:effectRef idx="0">
-              <a:schemeClr val="accent1"/>
-            </a:effectRef>
-            <a:fontRef idx="minor">
-              <a:schemeClr val="lt1"/>
-            </a:fontRef>
-          </p:style>
-          <p:txBody>
-            <a:bodyPr rtlCol="0" anchor="ctr"/>
-            <a:lstStyle/>
-            <a:p>
-              <a:pPr algn="ctr"/>
-              <a:endParaRPr lang="en-US"/>
-            </a:p>
-          </p:txBody>
-        </p:sp>
-        <p:sp>
-          <p:nvSpPr>
-            <p:cNvPr id="27" name="Isosceles Triangle 26">
-              <a:extLst>
-                <a:ext uri="{FF2B5EF4-FFF2-40B4-BE49-F238E27FC236}">
-                  <a16:creationId xmlns:a16="http://schemas.microsoft.com/office/drawing/2014/main" id="{52808592-600C-4349-9F27-EC36C0BA4C3C}"/>
-                </a:ext>
-                <a:ext uri="{C183D7F6-B498-43B3-948B-1728B52AA6E4}">
-                  <adec:decorative xmlns:adec="http://schemas.microsoft.com/office/drawing/2017/decorative" val="1"/>
-                </a:ext>
-              </a:extLst>
-            </p:cNvPr>
-            <p:cNvSpPr/>
-            <p:nvPr>
-              <p:extLst>
-                <p:ext uri="{386F3935-93C4-4BCD-93E2-E3B085C9AB24}">
-                  <p16:designElem xmlns:p16="http://schemas.microsoft.com/office/powerpoint/2015/main" val="1"/>
-                </p:ext>
-              </p:extLst>
-            </p:nvPr>
-          </p:nvSpPr>
-          <p:spPr bwMode="white">
-            <a:xfrm flipH="1">
-              <a:off x="3820" y="4536245"/>
-              <a:ext cx="5660999" cy="2332906"/>
-            </a:xfrm>
-            <a:prstGeom prst="triangle">
-              <a:avLst>
-                <a:gd name="adj" fmla="val 100000"/>
-              </a:avLst>
-            </a:prstGeom>
-            <a:solidFill>
-              <a:schemeClr val="bg1">
-                <a:lumMod val="85000"/>
-                <a:lumOff val="15000"/>
-              </a:schemeClr>
-            </a:solidFill>
-            <a:ln>
-              <a:noFill/>
-            </a:ln>
-          </p:spPr>
-          <p:style>
-            <a:lnRef idx="2">
-              <a:schemeClr val="accent1">
-                <a:shade val="50000"/>
-              </a:schemeClr>
-            </a:lnRef>
-            <a:fillRef idx="1">
-              <a:schemeClr val="accent1"/>
-            </a:fillRef>
-            <a:effectRef idx="0">
-              <a:schemeClr val="accent1"/>
-            </a:effectRef>
-            <a:fontRef idx="minor">
-              <a:schemeClr val="lt1"/>
-            </a:fontRef>
-          </p:style>
-          <p:txBody>
-            <a:bodyPr rtlCol="0" anchor="ctr"/>
-            <a:lstStyle/>
-            <a:p>
-              <a:pPr algn="ctr"/>
-              <a:endParaRPr lang="en-US"/>
-            </a:p>
-          </p:txBody>
-        </p:sp>
-        <p:sp>
-          <p:nvSpPr>
-            <p:cNvPr id="28" name="Isosceles Triangle 27">
-              <a:extLst>
-                <a:ext uri="{FF2B5EF4-FFF2-40B4-BE49-F238E27FC236}">
-                  <a16:creationId xmlns:a16="http://schemas.microsoft.com/office/drawing/2014/main" id="{B5E00D3B-1E29-4E11-BCD3-8E3A56F4BE0F}"/>
-                </a:ext>
-                <a:ext uri="{C183D7F6-B498-43B3-948B-1728B52AA6E4}">
-                  <adec:decorative xmlns:adec="http://schemas.microsoft.com/office/drawing/2017/decorative" val="1"/>
-                </a:ext>
-              </a:extLst>
-            </p:cNvPr>
-            <p:cNvSpPr/>
-            <p:nvPr>
-              <p:extLst>
-                <p:ext uri="{386F3935-93C4-4BCD-93E2-E3B085C9AB24}">
-                  <p16:designElem xmlns:p16="http://schemas.microsoft.com/office/powerpoint/2015/main" val="1"/>
-                </p:ext>
-              </p:extLst>
-            </p:nvPr>
-          </p:nvSpPr>
-          <p:spPr bwMode="white">
-            <a:xfrm>
-              <a:off x="4813714" y="4536245"/>
-              <a:ext cx="7389437" cy="2332906"/>
-            </a:xfrm>
-            <a:prstGeom prst="triangle">
-              <a:avLst>
-                <a:gd name="adj" fmla="val 100000"/>
-              </a:avLst>
-            </a:prstGeom>
-            <a:solidFill>
-              <a:schemeClr val="bg1">
-                <a:lumMod val="85000"/>
-                <a:lumOff val="15000"/>
-              </a:schemeClr>
-            </a:solidFill>
-            <a:ln>
-              <a:noFill/>
-            </a:ln>
-          </p:spPr>
-          <p:style>
-            <a:lnRef idx="2">
-              <a:schemeClr val="accent1">
-                <a:shade val="50000"/>
-              </a:schemeClr>
-            </a:lnRef>
-            <a:fillRef idx="1">
-              <a:schemeClr val="accent1"/>
-            </a:fillRef>
-            <a:effectRef idx="0">
-              <a:schemeClr val="accent1"/>
-            </a:effectRef>
-            <a:fontRef idx="minor">
-              <a:schemeClr val="lt1"/>
-            </a:fontRef>
-          </p:style>
-          <p:txBody>
-            <a:bodyPr rtlCol="0" anchor="ctr"/>
-            <a:lstStyle/>
-            <a:p>
-              <a:pPr algn="ctr"/>
-              <a:endParaRPr lang="en-US"/>
-            </a:p>
-          </p:txBody>
-        </p:sp>
-      </p:grpSp>
-      <p:sp>
-        <p:nvSpPr>
           <p:cNvPr id="2" name="Title 1">
             <a:extLst>
               <a:ext uri="{FF2B5EF4-FFF2-40B4-BE49-F238E27FC236}">
@@ -17229,42 +16159,6 @@
       </p:sp>
       <p:pic>
         <p:nvPicPr>
-          <p:cNvPr id="5" name="Content Placeholder 4" descr="Shape, icon&#10;&#10;Description automatically generated">
-            <a:extLst>
-              <a:ext uri="{FF2B5EF4-FFF2-40B4-BE49-F238E27FC236}">
-                <a16:creationId xmlns:a16="http://schemas.microsoft.com/office/drawing/2014/main" id="{206EF069-D117-4BDA-862B-A93BF6D67920}"/>
-              </a:ext>
-            </a:extLst>
-          </p:cNvPr>
-          <p:cNvPicPr>
-            <a:picLocks noChangeAspect="1"/>
-          </p:cNvPicPr>
-          <p:nvPr/>
-        </p:nvPicPr>
-        <p:blipFill>
-          <a:blip r:embed="rId3"/>
-          <a:stretch>
-            <a:fillRect/>
-          </a:stretch>
-        </p:blipFill>
-        <p:spPr>
-          <a:xfrm>
-            <a:off x="260085" y="261772"/>
-            <a:ext cx="2664092" cy="3254582"/>
-          </a:xfrm>
-          <a:prstGeom prst="roundRect">
-            <a:avLst>
-              <a:gd name="adj" fmla="val 3876"/>
-            </a:avLst>
-          </a:prstGeom>
-          <a:ln>
-            <a:noFill/>
-          </a:ln>
-          <a:effectLst/>
-        </p:spPr>
-      </p:pic>
-      <p:pic>
-        <p:nvPicPr>
           <p:cNvPr id="10" name="Content Placeholder 4" descr="Shape, icon&#10;&#10;Description automatically generated">
             <a:extLst>
               <a:ext uri="{FF2B5EF4-FFF2-40B4-BE49-F238E27FC236}">
@@ -17288,6 +16182,42 @@
         <p:spPr>
           <a:xfrm>
             <a:off x="5016474" y="261772"/>
+            <a:ext cx="2664092" cy="3254582"/>
+          </a:xfrm>
+          <a:prstGeom prst="roundRect">
+            <a:avLst>
+              <a:gd name="adj" fmla="val 3876"/>
+            </a:avLst>
+          </a:prstGeom>
+          <a:ln>
+            <a:noFill/>
+          </a:ln>
+          <a:effectLst/>
+        </p:spPr>
+      </p:pic>
+      <p:pic>
+        <p:nvPicPr>
+          <p:cNvPr id="5" name="Content Placeholder 4" descr="Shape, icon&#10;&#10;Description automatically generated">
+            <a:extLst>
+              <a:ext uri="{FF2B5EF4-FFF2-40B4-BE49-F238E27FC236}">
+                <a16:creationId xmlns:a16="http://schemas.microsoft.com/office/drawing/2014/main" id="{206EF069-D117-4BDA-862B-A93BF6D67920}"/>
+              </a:ext>
+            </a:extLst>
+          </p:cNvPr>
+          <p:cNvPicPr>
+            <a:picLocks noChangeAspect="1"/>
+          </p:cNvPicPr>
+          <p:nvPr/>
+        </p:nvPicPr>
+        <p:blipFill>
+          <a:blip r:embed="rId3"/>
+          <a:stretch>
+            <a:fillRect/>
+          </a:stretch>
+        </p:blipFill>
+        <p:spPr>
+          <a:xfrm>
+            <a:off x="260085" y="261772"/>
             <a:ext cx="2664092" cy="3254582"/>
           </a:xfrm>
           <a:prstGeom prst="roundRect">
@@ -17857,13 +16787,13 @@
   <p:clrMapOvr>
     <a:masterClrMapping/>
   </p:clrMapOvr>
-  <mc:AlternateContent xmlns:mc="http://schemas.openxmlformats.org/markup-compatibility/2006">
-    <mc:Choice xmlns:p15="http://schemas.microsoft.com/office/powerpoint/2012/main" Requires="p15">
+  <mc:AlternateContent xmlns:mc="http://schemas.openxmlformats.org/markup-compatibility/2006" xmlns:p15="http://schemas.microsoft.com/office/powerpoint/2012/main">
+    <mc:Choice Requires="p15">
       <p:transition xmlns:p14="http://schemas.microsoft.com/office/powerpoint/2010/main" spd="slow" p14:dur="1250">
         <p15:prstTrans prst="peelOff"/>
       </p:transition>
     </mc:Choice>
-    <mc:Fallback>
+    <mc:Fallback xmlns="">
       <p:transition spd="slow">
         <p:fade/>
       </p:transition>
@@ -18289,629 +17219,7 @@
       </p:grpSpPr>
       <p:sp>
         <p:nvSpPr>
-          <p:cNvPr id="15" name="Rectangle 9">
-            <a:extLst>
-              <a:ext uri="{FF2B5EF4-FFF2-40B4-BE49-F238E27FC236}">
-                <a16:creationId xmlns:a16="http://schemas.microsoft.com/office/drawing/2014/main" id="{A5BA3AE5-0FB8-4948-A421-5CEE1A5E8A61}"/>
-              </a:ext>
-              <a:ext uri="{C183D7F6-B498-43B3-948B-1728B52AA6E4}">
-                <adec:decorative xmlns:adec="http://schemas.microsoft.com/office/drawing/2017/decorative" val="1"/>
-              </a:ext>
-            </a:extLst>
-          </p:cNvPr>
-          <p:cNvSpPr>
-            <a:spLocks noGrp="1" noRot="1" noChangeAspect="1" noMove="1" noResize="1" noEditPoints="1" noAdjustHandles="1" noChangeArrowheads="1" noChangeShapeType="1" noTextEdit="1"/>
-          </p:cNvSpPr>
-          <p:nvPr>
-            <p:extLst>
-              <p:ext uri="{386F3935-93C4-4BCD-93E2-E3B085C9AB24}">
-                <p16:designElem xmlns:p16="http://schemas.microsoft.com/office/powerpoint/2015/main" val="1"/>
-              </p:ext>
-            </p:extLst>
-          </p:nvPr>
-        </p:nvSpPr>
-        <p:spPr>
-          <a:xfrm>
-            <a:off x="0" y="0"/>
-            <a:ext cx="12188952" cy="6858000"/>
-          </a:xfrm>
-          <a:prstGeom prst="rect">
-            <a:avLst/>
-          </a:prstGeom>
-          <a:solidFill>
-            <a:schemeClr val="bg1"/>
-          </a:solidFill>
-          <a:ln>
-            <a:noFill/>
-          </a:ln>
-        </p:spPr>
-        <p:style>
-          <a:lnRef idx="2">
-            <a:schemeClr val="accent1">
-              <a:shade val="50000"/>
-            </a:schemeClr>
-          </a:lnRef>
-          <a:fillRef idx="1">
-            <a:schemeClr val="accent1"/>
-          </a:fillRef>
-          <a:effectRef idx="0">
-            <a:schemeClr val="accent1"/>
-          </a:effectRef>
-          <a:fontRef idx="minor">
-            <a:schemeClr val="lt1"/>
-          </a:fontRef>
-        </p:style>
-        <p:txBody>
-          <a:bodyPr rtlCol="0" anchor="ctr"/>
-          <a:lstStyle/>
-          <a:p>
-            <a:pPr algn="ctr"/>
-            <a:endParaRPr lang="en-US"/>
-          </a:p>
-        </p:txBody>
-      </p:sp>
-      <p:sp>
-        <p:nvSpPr>
-          <p:cNvPr id="16" name="Freeform 9">
-            <a:extLst>
-              <a:ext uri="{FF2B5EF4-FFF2-40B4-BE49-F238E27FC236}">
-                <a16:creationId xmlns:a16="http://schemas.microsoft.com/office/drawing/2014/main" id="{615FFFBF-F0D2-4BB8-BB9E-3ADC47E3B69A}"/>
-              </a:ext>
-              <a:ext uri="{C183D7F6-B498-43B3-948B-1728B52AA6E4}">
-                <adec:decorative xmlns:adec="http://schemas.microsoft.com/office/drawing/2017/decorative" val="1"/>
-              </a:ext>
-            </a:extLst>
-          </p:cNvPr>
-          <p:cNvSpPr>
-            <a:spLocks noGrp="1" noRot="1" noChangeAspect="1" noMove="1" noResize="1" noEditPoints="1" noAdjustHandles="1" noChangeArrowheads="1" noChangeShapeType="1" noTextEdit="1"/>
-          </p:cNvSpPr>
-          <p:nvPr>
-            <p:extLst>
-              <p:ext uri="{386F3935-93C4-4BCD-93E2-E3B085C9AB24}">
-                <p16:designElem xmlns:p16="http://schemas.microsoft.com/office/powerpoint/2015/main" val="1"/>
-              </p:ext>
-            </p:extLst>
-          </p:nvPr>
-        </p:nvSpPr>
-        <p:spPr bwMode="white">
-          <a:xfrm>
-            <a:off x="0" y="0"/>
-            <a:ext cx="6485467" cy="6858000"/>
-          </a:xfrm>
-          <a:custGeom>
-            <a:avLst/>
-            <a:gdLst>
-              <a:gd name="connsiteX0" fmla="*/ 0 w 6485467"/>
-              <a:gd name="connsiteY0" fmla="*/ 0 h 6858000"/>
-              <a:gd name="connsiteX1" fmla="*/ 6485467 w 6485467"/>
-              <a:gd name="connsiteY1" fmla="*/ 0 h 6858000"/>
-              <a:gd name="connsiteX2" fmla="*/ 6485467 w 6485467"/>
-              <a:gd name="connsiteY2" fmla="*/ 1900238 h 6858000"/>
-              <a:gd name="connsiteX3" fmla="*/ 6115051 w 6485467"/>
-              <a:gd name="connsiteY3" fmla="*/ 2178050 h 6858000"/>
-              <a:gd name="connsiteX4" fmla="*/ 6110817 w 6485467"/>
-              <a:gd name="connsiteY4" fmla="*/ 2184400 h 6858000"/>
-              <a:gd name="connsiteX5" fmla="*/ 6104467 w 6485467"/>
-              <a:gd name="connsiteY5" fmla="*/ 2193925 h 6858000"/>
-              <a:gd name="connsiteX6" fmla="*/ 6098117 w 6485467"/>
-              <a:gd name="connsiteY6" fmla="*/ 2201863 h 6858000"/>
-              <a:gd name="connsiteX7" fmla="*/ 6098117 w 6485467"/>
-              <a:gd name="connsiteY7" fmla="*/ 2211388 h 6858000"/>
-              <a:gd name="connsiteX8" fmla="*/ 6098117 w 6485467"/>
-              <a:gd name="connsiteY8" fmla="*/ 2220913 h 6858000"/>
-              <a:gd name="connsiteX9" fmla="*/ 6104467 w 6485467"/>
-              <a:gd name="connsiteY9" fmla="*/ 2228850 h 6858000"/>
-              <a:gd name="connsiteX10" fmla="*/ 6110817 w 6485467"/>
-              <a:gd name="connsiteY10" fmla="*/ 2238375 h 6858000"/>
-              <a:gd name="connsiteX11" fmla="*/ 6115051 w 6485467"/>
-              <a:gd name="connsiteY11" fmla="*/ 2244725 h 6858000"/>
-              <a:gd name="connsiteX12" fmla="*/ 6485467 w 6485467"/>
-              <a:gd name="connsiteY12" fmla="*/ 2522538 h 6858000"/>
-              <a:gd name="connsiteX13" fmla="*/ 6485467 w 6485467"/>
-              <a:gd name="connsiteY13" fmla="*/ 6858000 h 6858000"/>
-              <a:gd name="connsiteX14" fmla="*/ 0 w 6485467"/>
-              <a:gd name="connsiteY14" fmla="*/ 6858000 h 6858000"/>
-            </a:gdLst>
-            <a:ahLst/>
-            <a:cxnLst>
-              <a:cxn ang="0">
-                <a:pos x="connsiteX0" y="connsiteY0"/>
-              </a:cxn>
-              <a:cxn ang="0">
-                <a:pos x="connsiteX1" y="connsiteY1"/>
-              </a:cxn>
-              <a:cxn ang="0">
-                <a:pos x="connsiteX2" y="connsiteY2"/>
-              </a:cxn>
-              <a:cxn ang="0">
-                <a:pos x="connsiteX3" y="connsiteY3"/>
-              </a:cxn>
-              <a:cxn ang="0">
-                <a:pos x="connsiteX4" y="connsiteY4"/>
-              </a:cxn>
-              <a:cxn ang="0">
-                <a:pos x="connsiteX5" y="connsiteY5"/>
-              </a:cxn>
-              <a:cxn ang="0">
-                <a:pos x="connsiteX6" y="connsiteY6"/>
-              </a:cxn>
-              <a:cxn ang="0">
-                <a:pos x="connsiteX7" y="connsiteY7"/>
-              </a:cxn>
-              <a:cxn ang="0">
-                <a:pos x="connsiteX8" y="connsiteY8"/>
-              </a:cxn>
-              <a:cxn ang="0">
-                <a:pos x="connsiteX9" y="connsiteY9"/>
-              </a:cxn>
-              <a:cxn ang="0">
-                <a:pos x="connsiteX10" y="connsiteY10"/>
-              </a:cxn>
-              <a:cxn ang="0">
-                <a:pos x="connsiteX11" y="connsiteY11"/>
-              </a:cxn>
-              <a:cxn ang="0">
-                <a:pos x="connsiteX12" y="connsiteY12"/>
-              </a:cxn>
-              <a:cxn ang="0">
-                <a:pos x="connsiteX13" y="connsiteY13"/>
-              </a:cxn>
-              <a:cxn ang="0">
-                <a:pos x="connsiteX14" y="connsiteY14"/>
-              </a:cxn>
-            </a:cxnLst>
-            <a:rect l="l" t="t" r="r" b="b"/>
-            <a:pathLst>
-              <a:path w="6485467" h="6858000">
-                <a:moveTo>
-                  <a:pt x="0" y="0"/>
-                </a:moveTo>
-                <a:lnTo>
-                  <a:pt x="6485467" y="0"/>
-                </a:lnTo>
-                <a:lnTo>
-                  <a:pt x="6485467" y="1900238"/>
-                </a:lnTo>
-                <a:lnTo>
-                  <a:pt x="6115051" y="2178050"/>
-                </a:lnTo>
-                <a:lnTo>
-                  <a:pt x="6110817" y="2184400"/>
-                </a:lnTo>
-                <a:lnTo>
-                  <a:pt x="6104467" y="2193925"/>
-                </a:lnTo>
-                <a:lnTo>
-                  <a:pt x="6098117" y="2201863"/>
-                </a:lnTo>
-                <a:lnTo>
-                  <a:pt x="6098117" y="2211388"/>
-                </a:lnTo>
-                <a:lnTo>
-                  <a:pt x="6098117" y="2220913"/>
-                </a:lnTo>
-                <a:lnTo>
-                  <a:pt x="6104467" y="2228850"/>
-                </a:lnTo>
-                <a:lnTo>
-                  <a:pt x="6110817" y="2238375"/>
-                </a:lnTo>
-                <a:lnTo>
-                  <a:pt x="6115051" y="2244725"/>
-                </a:lnTo>
-                <a:lnTo>
-                  <a:pt x="6485467" y="2522538"/>
-                </a:lnTo>
-                <a:lnTo>
-                  <a:pt x="6485467" y="6858000"/>
-                </a:lnTo>
-                <a:lnTo>
-                  <a:pt x="0" y="6858000"/>
-                </a:lnTo>
-                <a:close/>
-              </a:path>
-            </a:pathLst>
-          </a:custGeom>
-          <a:solidFill>
-            <a:srgbClr val="262626"/>
-          </a:solidFill>
-          <a:ln>
-            <a:noFill/>
-          </a:ln>
-        </p:spPr>
-        <p:style>
-          <a:lnRef idx="2">
-            <a:schemeClr val="accent1">
-              <a:shade val="50000"/>
-            </a:schemeClr>
-          </a:lnRef>
-          <a:fillRef idx="1">
-            <a:schemeClr val="accent1"/>
-          </a:fillRef>
-          <a:effectRef idx="0">
-            <a:schemeClr val="accent1"/>
-          </a:effectRef>
-          <a:fontRef idx="minor">
-            <a:schemeClr val="lt1"/>
-          </a:fontRef>
-        </p:style>
-        <p:txBody>
-          <a:bodyPr rtlCol="0" anchor="ctr"/>
-          <a:lstStyle/>
-          <a:p>
-            <a:pPr algn="ctr"/>
-            <a:endParaRPr lang="en-US"/>
-          </a:p>
-        </p:txBody>
-      </p:sp>
-      <p:sp>
-        <p:nvSpPr>
-          <p:cNvPr id="2" name="Title 1">
-            <a:extLst>
-              <a:ext uri="{FF2B5EF4-FFF2-40B4-BE49-F238E27FC236}">
-                <a16:creationId xmlns:a16="http://schemas.microsoft.com/office/drawing/2014/main" id="{88156FCF-F63D-40D8-AF62-DA14BBFB8AD7}"/>
-              </a:ext>
-            </a:extLst>
-          </p:cNvPr>
-          <p:cNvSpPr>
-            <a:spLocks noGrp="1"/>
-          </p:cNvSpPr>
-          <p:nvPr>
-            <p:ph type="title"/>
-          </p:nvPr>
-        </p:nvSpPr>
-        <p:spPr>
-          <a:xfrm>
-            <a:off x="810000" y="447188"/>
-            <a:ext cx="5039035" cy="1559412"/>
-          </a:xfrm>
-        </p:spPr>
-        <p:txBody>
-          <a:bodyPr>
-            <a:normAutofit/>
-          </a:bodyPr>
-          <a:lstStyle/>
-          <a:p>
-            <a:pPr>
-              <a:lnSpc>
-                <a:spcPct val="90000"/>
-              </a:lnSpc>
-            </a:pPr>
-            <a:r>
-              <a:rPr lang="en-TT" sz="3400"/>
-              <a:t>Installing Git</a:t>
-            </a:r>
-            <a:br>
-              <a:rPr lang="en-TT" sz="3400"/>
-            </a:br>
-            <a:r>
-              <a:rPr lang="en-TT" sz="3400"/>
-              <a:t>Is git installed already?</a:t>
-            </a:r>
-          </a:p>
-        </p:txBody>
-      </p:sp>
-      <p:sp>
-        <p:nvSpPr>
-          <p:cNvPr id="3" name="Content Placeholder 2">
-            <a:extLst>
-              <a:ext uri="{FF2B5EF4-FFF2-40B4-BE49-F238E27FC236}">
-                <a16:creationId xmlns:a16="http://schemas.microsoft.com/office/drawing/2014/main" id="{C53C9DA8-22F9-428B-9D99-AF8EA1BF4716}"/>
-              </a:ext>
-            </a:extLst>
-          </p:cNvPr>
-          <p:cNvSpPr>
-            <a:spLocks noGrp="1"/>
-          </p:cNvSpPr>
-          <p:nvPr>
-            <p:ph idx="1"/>
-          </p:nvPr>
-        </p:nvSpPr>
-        <p:spPr>
-          <a:xfrm>
-            <a:off x="818712" y="2413000"/>
-            <a:ext cx="5016259" cy="3632200"/>
-          </a:xfrm>
-        </p:spPr>
-        <p:txBody>
-          <a:bodyPr>
-            <a:normAutofit/>
-          </a:bodyPr>
-          <a:lstStyle/>
-          <a:p>
-            <a:pPr>
-              <a:lnSpc>
-                <a:spcPct val="90000"/>
-              </a:lnSpc>
-            </a:pPr>
-            <a:endParaRPr lang="en-TT" sz="1700">
-              <a:solidFill>
-                <a:srgbClr val="FFFFFF"/>
-              </a:solidFill>
-            </a:endParaRPr>
-          </a:p>
-          <a:p>
-            <a:pPr>
-              <a:lnSpc>
-                <a:spcPct val="90000"/>
-              </a:lnSpc>
-            </a:pPr>
-            <a:r>
-              <a:rPr lang="en-TT" sz="1700">
-                <a:solidFill>
-                  <a:srgbClr val="FFFFFF"/>
-                </a:solidFill>
-              </a:rPr>
-              <a:t>Open command terminal: For windows – </a:t>
-            </a:r>
-            <a:br>
-              <a:rPr lang="en-TT" sz="1700">
-                <a:solidFill>
-                  <a:srgbClr val="FFFFFF"/>
-                </a:solidFill>
-              </a:rPr>
-            </a:br>
-            <a:r>
-              <a:rPr lang="en-TT" sz="1700">
-                <a:solidFill>
-                  <a:srgbClr val="FFFFFF"/>
-                </a:solidFill>
-              </a:rPr>
-              <a:t>Click the search icon and type in “cmd” (without quotation marks)</a:t>
-            </a:r>
-            <a:br>
-              <a:rPr lang="en-TT" sz="1700">
-                <a:solidFill>
-                  <a:srgbClr val="FFFFFF"/>
-                </a:solidFill>
-              </a:rPr>
-            </a:br>
-            <a:r>
-              <a:rPr lang="en-TT" sz="1700">
-                <a:solidFill>
-                  <a:srgbClr val="FFFFFF"/>
-                </a:solidFill>
-              </a:rPr>
-              <a:t>or</a:t>
-            </a:r>
-            <a:br>
-              <a:rPr lang="en-TT" sz="1700">
-                <a:solidFill>
-                  <a:srgbClr val="FFFFFF"/>
-                </a:solidFill>
-              </a:rPr>
-            </a:br>
-            <a:r>
-              <a:rPr lang="en-TT" sz="1700">
-                <a:solidFill>
-                  <a:srgbClr val="FFFFFF"/>
-                </a:solidFill>
-              </a:rPr>
-              <a:t>Windows key + R to open the Run command window</a:t>
-            </a:r>
-          </a:p>
-          <a:p>
-            <a:pPr>
-              <a:lnSpc>
-                <a:spcPct val="90000"/>
-              </a:lnSpc>
-            </a:pPr>
-            <a:r>
-              <a:rPr lang="en-TT" sz="1700">
-                <a:solidFill>
-                  <a:srgbClr val="FFFFFF"/>
-                </a:solidFill>
-              </a:rPr>
-              <a:t>For MacOS-</a:t>
-            </a:r>
-            <a:br>
-              <a:rPr lang="en-TT" sz="1700">
-                <a:solidFill>
-                  <a:srgbClr val="FFFFFF"/>
-                </a:solidFill>
-              </a:rPr>
-            </a:br>
-            <a:r>
-              <a:rPr lang="en-TT" sz="1700">
-                <a:solidFill>
-                  <a:srgbClr val="FFFFFF"/>
-                </a:solidFill>
-              </a:rPr>
-              <a:t>command + space and then type terminal</a:t>
-            </a:r>
-            <a:br>
-              <a:rPr lang="en-TT" sz="1700">
-                <a:solidFill>
-                  <a:srgbClr val="FFFFFF"/>
-                </a:solidFill>
-              </a:rPr>
-            </a:br>
-            <a:endParaRPr lang="en-TT" sz="1700">
-              <a:solidFill>
-                <a:srgbClr val="FFFFFF"/>
-              </a:solidFill>
-            </a:endParaRPr>
-          </a:p>
-          <a:p>
-            <a:pPr>
-              <a:lnSpc>
-                <a:spcPct val="90000"/>
-              </a:lnSpc>
-            </a:pPr>
-            <a:r>
-              <a:rPr lang="en-TT" sz="1700">
-                <a:solidFill>
-                  <a:srgbClr val="FFFFFF"/>
-                </a:solidFill>
-              </a:rPr>
-              <a:t>When the terminal opens type in (git --version)</a:t>
-            </a:r>
-          </a:p>
-          <a:p>
-            <a:pPr>
-              <a:lnSpc>
-                <a:spcPct val="90000"/>
-              </a:lnSpc>
-            </a:pPr>
-            <a:endParaRPr lang="en-TT" sz="1700">
-              <a:solidFill>
-                <a:srgbClr val="FFFFFF"/>
-              </a:solidFill>
-            </a:endParaRPr>
-          </a:p>
-        </p:txBody>
-      </p:sp>
-      <p:sp>
-        <p:nvSpPr>
-          <p:cNvPr id="14" name="Rounded Rectangle 17">
-            <a:extLst>
-              <a:ext uri="{FF2B5EF4-FFF2-40B4-BE49-F238E27FC236}">
-                <a16:creationId xmlns:a16="http://schemas.microsoft.com/office/drawing/2014/main" id="{FD056B7E-FBD7-4858-966D-9C4DEDA7EF3C}"/>
-              </a:ext>
-              <a:ext uri="{C183D7F6-B498-43B3-948B-1728B52AA6E4}">
-                <adec:decorative xmlns:adec="http://schemas.microsoft.com/office/drawing/2017/decorative" val="1"/>
-              </a:ext>
-            </a:extLst>
-          </p:cNvPr>
-          <p:cNvSpPr>
-            <a:spLocks noGrp="1" noRot="1" noChangeAspect="1" noMove="1" noResize="1" noEditPoints="1" noAdjustHandles="1" noChangeArrowheads="1" noChangeShapeType="1" noTextEdit="1"/>
-          </p:cNvSpPr>
-          <p:nvPr>
-            <p:extLst>
-              <p:ext uri="{386F3935-93C4-4BCD-93E2-E3B085C9AB24}">
-                <p16:designElem xmlns:p16="http://schemas.microsoft.com/office/powerpoint/2015/main" val="1"/>
-              </p:ext>
-            </p:extLst>
-          </p:nvPr>
-        </p:nvSpPr>
-        <p:spPr>
-          <a:xfrm>
-            <a:off x="7128932" y="958640"/>
-            <a:ext cx="4419604" cy="4945244"/>
-          </a:xfrm>
-          <a:prstGeom prst="roundRect">
-            <a:avLst>
-              <a:gd name="adj" fmla="val 3513"/>
-            </a:avLst>
-          </a:prstGeom>
-          <a:solidFill>
-            <a:schemeClr val="bg1"/>
-          </a:solidFill>
-          <a:ln>
-            <a:solidFill>
-              <a:schemeClr val="accent1"/>
-            </a:solidFill>
-          </a:ln>
-          <a:effectLst/>
-        </p:spPr>
-        <p:style>
-          <a:lnRef idx="2">
-            <a:schemeClr val="accent1">
-              <a:shade val="50000"/>
-            </a:schemeClr>
-          </a:lnRef>
-          <a:fillRef idx="1">
-            <a:schemeClr val="accent1"/>
-          </a:fillRef>
-          <a:effectRef idx="0">
-            <a:schemeClr val="accent1"/>
-          </a:effectRef>
-          <a:fontRef idx="minor">
-            <a:schemeClr val="lt1"/>
-          </a:fontRef>
-        </p:style>
-        <p:txBody>
-          <a:bodyPr rtlCol="0" anchor="ctr"/>
-          <a:lstStyle/>
-          <a:p>
-            <a:pPr algn="ctr"/>
-            <a:endParaRPr lang="en-US"/>
-          </a:p>
-        </p:txBody>
-      </p:sp>
-      <p:pic>
-        <p:nvPicPr>
-          <p:cNvPr id="5" name="Picture 4" descr="A picture containing logo&#10;&#10;Description automatically generated">
-            <a:extLst>
-              <a:ext uri="{FF2B5EF4-FFF2-40B4-BE49-F238E27FC236}">
-                <a16:creationId xmlns:a16="http://schemas.microsoft.com/office/drawing/2014/main" id="{D429E269-7CED-49A8-945B-9BD75F1214E1}"/>
-              </a:ext>
-            </a:extLst>
-          </p:cNvPr>
-          <p:cNvPicPr>
-            <a:picLocks noChangeAspect="1"/>
-          </p:cNvPicPr>
-          <p:nvPr/>
-        </p:nvPicPr>
-        <p:blipFill>
-          <a:blip r:embed="rId3"/>
-          <a:stretch>
-            <a:fillRect/>
-          </a:stretch>
-        </p:blipFill>
-        <p:spPr>
-          <a:xfrm>
-            <a:off x="7442790" y="1991984"/>
-            <a:ext cx="3832042" cy="2874031"/>
-          </a:xfrm>
-          <a:prstGeom prst="rect">
-            <a:avLst/>
-          </a:prstGeom>
-        </p:spPr>
-      </p:pic>
-    </p:spTree>
-    <p:extLst>
-      <p:ext uri="{BB962C8B-B14F-4D97-AF65-F5344CB8AC3E}">
-        <p14:creationId xmlns:p14="http://schemas.microsoft.com/office/powerpoint/2010/main" val="1761280443"/>
-      </p:ext>
-    </p:extLst>
-  </p:cSld>
-  <p:clrMapOvr>
-    <a:overrideClrMapping bg1="lt1" tx1="dk1" bg2="lt2" tx2="dk2" accent1="accent1" accent2="accent2" accent3="accent3" accent4="accent4" accent5="accent5" accent6="accent6" hlink="hlink" folHlink="folHlink"/>
-  </p:clrMapOvr>
-  <mc:AlternateContent xmlns:mc="http://schemas.openxmlformats.org/markup-compatibility/2006">
-    <mc:Choice xmlns:p15="http://schemas.microsoft.com/office/powerpoint/2012/main" Requires="p15">
-      <p:transition xmlns:p14="http://schemas.microsoft.com/office/powerpoint/2010/main" spd="slow" p14:dur="1250">
-        <p15:prstTrans prst="peelOff"/>
-      </p:transition>
-    </mc:Choice>
-    <mc:Fallback>
-      <p:transition spd="slow">
-        <p:fade/>
-      </p:transition>
-    </mc:Fallback>
-  </mc:AlternateContent>
-</p:sld>
-</file>
-
-<file path=ppt/slides/slide5.xml><?xml version="1.0" encoding="utf-8"?>
-<p:sld xmlns:a="http://schemas.openxmlformats.org/drawingml/2006/main" xmlns:r="http://schemas.openxmlformats.org/officeDocument/2006/relationships" xmlns:p="http://schemas.openxmlformats.org/presentationml/2006/main">
-  <p:cSld>
-    <p:bg>
-      <p:bgPr>
-        <a:solidFill>
-          <a:schemeClr val="bg1"/>
-        </a:solidFill>
-        <a:effectLst/>
-      </p:bgPr>
-    </p:bg>
-    <p:spTree>
-      <p:nvGrpSpPr>
-        <p:cNvPr id="1" name=""/>
-        <p:cNvGrpSpPr/>
-        <p:nvPr/>
-      </p:nvGrpSpPr>
-      <p:grpSpPr>
-        <a:xfrm>
-          <a:off x="0" y="0"/>
-          <a:ext cx="0" cy="0"/>
-          <a:chOff x="0" y="0"/>
-          <a:chExt cx="0" cy="0"/>
-        </a:xfrm>
-      </p:grpSpPr>
-      <p:sp>
-        <p:nvSpPr>
-          <p:cNvPr id="22" name="Rectangle 15">
+          <p:cNvPr id="10" name="Rectangle 9">
             <a:extLst>
               <a:ext uri="{FF2B5EF4-FFF2-40B4-BE49-F238E27FC236}">
                 <a16:creationId xmlns:a16="http://schemas.microsoft.com/office/drawing/2014/main" id="{A416E3E5-5186-46A4-AFBD-337387D3163D}"/>
@@ -18974,7 +17282,7 @@
       </p:sp>
       <p:sp>
         <p:nvSpPr>
-          <p:cNvPr id="23" name="Freeform 23">
+          <p:cNvPr id="12" name="Freeform 23">
             <a:extLst>
               <a:ext uri="{FF2B5EF4-FFF2-40B4-BE49-F238E27FC236}">
                 <a16:creationId xmlns:a16="http://schemas.microsoft.com/office/drawing/2014/main" id="{7B8FAACC-353E-4F84-BA62-A5514185D9A9}"/>
@@ -19173,7 +17481,7 @@
           <p:cNvPr id="2" name="Title 1">
             <a:extLst>
               <a:ext uri="{FF2B5EF4-FFF2-40B4-BE49-F238E27FC236}">
-                <a16:creationId xmlns:a16="http://schemas.microsoft.com/office/drawing/2014/main" id="{5F274CB0-41DD-464F-886F-D0BA5BB2F066}"/>
+                <a16:creationId xmlns:a16="http://schemas.microsoft.com/office/drawing/2014/main" id="{88156FCF-F63D-40D8-AF62-DA14BBFB8AD7}"/>
               </a:ext>
             </a:extLst>
           </p:cNvPr>
@@ -19186,8 +17494,8 @@
         </p:nvSpPr>
         <p:spPr>
           <a:xfrm>
-            <a:off x="8164749" y="457200"/>
-            <a:ext cx="3575737" cy="1672813"/>
+            <a:off x="8164749" y="457201"/>
+            <a:ext cx="3575737" cy="1332688"/>
           </a:xfrm>
         </p:spPr>
         <p:txBody>
@@ -19202,7 +17510,7 @@
               </a:lnSpc>
             </a:pPr>
             <a:r>
-              <a:rPr lang="en-TT" dirty="0">
+              <a:rPr lang="en-TT" sz="3000">
                 <a:solidFill>
                   <a:srgbClr val="FFFFFF"/>
                 </a:solidFill>
@@ -19210,26 +17518,29 @@
               <a:t>Installing Git</a:t>
             </a:r>
             <a:br>
-              <a:rPr lang="en-TT" sz="3000" dirty="0">
+              <a:rPr lang="en-TT" sz="3000">
                 <a:solidFill>
                   <a:srgbClr val="FFFFFF"/>
                 </a:solidFill>
               </a:rPr>
             </a:br>
-            <a:endParaRPr lang="en-TT" sz="3000" dirty="0">
-              <a:solidFill>
-                <a:srgbClr val="FFFFFF"/>
-              </a:solidFill>
-            </a:endParaRPr>
+            <a:r>
+              <a:rPr lang="en-TT" sz="3000">
+                <a:solidFill>
+                  <a:srgbClr val="FFFFFF"/>
+                </a:solidFill>
+              </a:rPr>
+              <a:t>Is git installed already?</a:t>
+            </a:r>
           </a:p>
         </p:txBody>
       </p:sp>
       <p:pic>
         <p:nvPicPr>
-          <p:cNvPr id="4" name="Picture 3" descr="A picture containing logo&#10;&#10;Description automatically generated">
+          <p:cNvPr id="5" name="Picture 4" descr="A picture containing logo&#10;&#10;Description automatically generated">
             <a:extLst>
               <a:ext uri="{FF2B5EF4-FFF2-40B4-BE49-F238E27FC236}">
-                <a16:creationId xmlns:a16="http://schemas.microsoft.com/office/drawing/2014/main" id="{55A2510F-0643-412B-BDCF-4C16ECB91B28}"/>
+                <a16:creationId xmlns:a16="http://schemas.microsoft.com/office/drawing/2014/main" id="{D429E269-7CED-49A8-945B-9BD75F1214E1}"/>
               </a:ext>
             </a:extLst>
           </p:cNvPr>
@@ -19267,7 +17578,7 @@
           <p:cNvPr id="3" name="Content Placeholder 2">
             <a:extLst>
               <a:ext uri="{FF2B5EF4-FFF2-40B4-BE49-F238E27FC236}">
-                <a16:creationId xmlns:a16="http://schemas.microsoft.com/office/drawing/2014/main" id="{E8F69A9E-8D98-4ABA-B2BD-67411C1A155A}"/>
+                <a16:creationId xmlns:a16="http://schemas.microsoft.com/office/drawing/2014/main" id="{C53C9DA8-22F9-428B-9D99-AF8EA1BF4716}"/>
               </a:ext>
             </a:extLst>
           </p:cNvPr>
@@ -19280,8 +17591,8 @@
         </p:nvSpPr>
         <p:spPr>
           <a:xfrm>
-            <a:off x="7917628" y="2024743"/>
-            <a:ext cx="4269799" cy="3343323"/>
+            <a:off x="8164749" y="2024743"/>
+            <a:ext cx="3575737" cy="4016619"/>
           </a:xfrm>
         </p:spPr>
         <p:txBody>
@@ -19290,45 +17601,141 @@
           </a:bodyPr>
           <a:lstStyle/>
           <a:p>
-            <a:r>
-              <a:rPr lang="en-TT" sz="1600" dirty="0">
+            <a:pPr>
+              <a:lnSpc>
+                <a:spcPct val="90000"/>
+              </a:lnSpc>
+            </a:pPr>
+            <a:endParaRPr lang="en-TT" sz="1600">
+              <a:solidFill>
+                <a:srgbClr val="FFFFFF"/>
+              </a:solidFill>
+            </a:endParaRPr>
+          </a:p>
+          <a:p>
+            <a:pPr>
+              <a:lnSpc>
+                <a:spcPct val="90000"/>
+              </a:lnSpc>
+            </a:pPr>
+            <a:r>
+              <a:rPr lang="en-TT" sz="1600">
                 <a:solidFill>
                   <a:srgbClr val="FFFFFF"/>
                 </a:solidFill>
               </a:rPr>
-              <a:t>To install git you can download it from the website -&gt; </a:t>
-            </a:r>
-            <a:r>
-              <a:rPr lang="en-TT" sz="1600" dirty="0">
+              <a:t>Open command terminal: For windows – </a:t>
+            </a:r>
+            <a:br>
+              <a:rPr lang="en-TT" sz="1600">
                 <a:solidFill>
                   <a:srgbClr val="FFFFFF"/>
                 </a:solidFill>
-                <a:hlinkClick r:id="rId4"/>
               </a:rPr>
-              <a:t>https://git-scm.com/</a:t>
-            </a:r>
-            <a:endParaRPr lang="en-TT" sz="1600" dirty="0">
+            </a:br>
+            <a:r>
+              <a:rPr lang="en-TT" sz="1600">
+                <a:solidFill>
+                  <a:srgbClr val="FFFFFF"/>
+                </a:solidFill>
+              </a:rPr>
+              <a:t>Click the search icon and type in “cmd” (without quotation marks)</a:t>
+            </a:r>
+            <a:br>
+              <a:rPr lang="en-TT" sz="1600">
+                <a:solidFill>
+                  <a:srgbClr val="FFFFFF"/>
+                </a:solidFill>
+              </a:rPr>
+            </a:br>
+            <a:r>
+              <a:rPr lang="en-TT" sz="1600">
+                <a:solidFill>
+                  <a:srgbClr val="FFFFFF"/>
+                </a:solidFill>
+              </a:rPr>
+              <a:t>or</a:t>
+            </a:r>
+            <a:br>
+              <a:rPr lang="en-TT" sz="1600">
+                <a:solidFill>
+                  <a:srgbClr val="FFFFFF"/>
+                </a:solidFill>
+              </a:rPr>
+            </a:br>
+            <a:r>
+              <a:rPr lang="en-TT" sz="1600">
+                <a:solidFill>
+                  <a:srgbClr val="FFFFFF"/>
+                </a:solidFill>
+              </a:rPr>
+              <a:t>Windows key + R to open the Run command window</a:t>
+            </a:r>
+          </a:p>
+          <a:p>
+            <a:pPr>
+              <a:lnSpc>
+                <a:spcPct val="90000"/>
+              </a:lnSpc>
+            </a:pPr>
+            <a:r>
+              <a:rPr lang="en-TT" sz="1600">
+                <a:solidFill>
+                  <a:srgbClr val="FFFFFF"/>
+                </a:solidFill>
+              </a:rPr>
+              <a:t>For MacOS-</a:t>
+            </a:r>
+            <a:br>
+              <a:rPr lang="en-TT" sz="1600">
+                <a:solidFill>
+                  <a:srgbClr val="FFFFFF"/>
+                </a:solidFill>
+              </a:rPr>
+            </a:br>
+            <a:r>
+              <a:rPr lang="en-TT" sz="1600">
+                <a:solidFill>
+                  <a:srgbClr val="FFFFFF"/>
+                </a:solidFill>
+              </a:rPr>
+              <a:t>command + space and then type terminal</a:t>
+            </a:r>
+            <a:br>
+              <a:rPr lang="en-TT" sz="1600">
+                <a:solidFill>
+                  <a:srgbClr val="FFFFFF"/>
+                </a:solidFill>
+              </a:rPr>
+            </a:br>
+            <a:endParaRPr lang="en-TT" sz="1600">
               <a:solidFill>
                 <a:srgbClr val="FFFFFF"/>
               </a:solidFill>
             </a:endParaRPr>
           </a:p>
           <a:p>
-            <a:endParaRPr lang="en-TT" sz="1600" dirty="0">
-              <a:solidFill>
-                <a:srgbClr val="FFFFFF"/>
-              </a:solidFill>
-            </a:endParaRPr>
-          </a:p>
-          <a:p>
-            <a:endParaRPr lang="en-TT" sz="1600" dirty="0">
-              <a:solidFill>
-                <a:srgbClr val="FFFFFF"/>
-              </a:solidFill>
-            </a:endParaRPr>
-          </a:p>
-          <a:p>
-            <a:endParaRPr lang="en-TT" sz="1600" dirty="0">
+            <a:pPr>
+              <a:lnSpc>
+                <a:spcPct val="90000"/>
+              </a:lnSpc>
+            </a:pPr>
+            <a:r>
+              <a:rPr lang="en-TT" sz="1600">
+                <a:solidFill>
+                  <a:srgbClr val="FFFFFF"/>
+                </a:solidFill>
+              </a:rPr>
+              <a:t>When the terminal opens type in (git --version)</a:t>
+            </a:r>
+          </a:p>
+          <a:p>
+            <a:pPr>
+              <a:lnSpc>
+                <a:spcPct val="90000"/>
+              </a:lnSpc>
+            </a:pPr>
+            <a:endParaRPr lang="en-TT" sz="1600">
               <a:solidFill>
                 <a:srgbClr val="FFFFFF"/>
               </a:solidFill>
@@ -19339,20 +17746,20 @@
     </p:spTree>
     <p:extLst>
       <p:ext uri="{BB962C8B-B14F-4D97-AF65-F5344CB8AC3E}">
-        <p14:creationId xmlns:p14="http://schemas.microsoft.com/office/powerpoint/2010/main" val="1058512360"/>
+        <p14:creationId xmlns:p14="http://schemas.microsoft.com/office/powerpoint/2010/main" val="1761280443"/>
       </p:ext>
     </p:extLst>
   </p:cSld>
   <p:clrMapOvr>
     <a:overrideClrMapping bg1="lt1" tx1="dk1" bg2="lt2" tx2="dk2" accent1="accent1" accent2="accent2" accent3="accent3" accent4="accent4" accent5="accent5" accent6="accent6" hlink="hlink" folHlink="folHlink"/>
   </p:clrMapOvr>
-  <mc:AlternateContent xmlns:mc="http://schemas.openxmlformats.org/markup-compatibility/2006">
-    <mc:Choice xmlns:p15="http://schemas.microsoft.com/office/powerpoint/2012/main" Requires="p15">
+  <mc:AlternateContent xmlns:mc="http://schemas.openxmlformats.org/markup-compatibility/2006" xmlns:p15="http://schemas.microsoft.com/office/powerpoint/2012/main">
+    <mc:Choice Requires="p15">
       <p:transition xmlns:p14="http://schemas.microsoft.com/office/powerpoint/2010/main" spd="slow" p14:dur="1250">
         <p15:prstTrans prst="peelOff"/>
       </p:transition>
     </mc:Choice>
-    <mc:Fallback>
+    <mc:Fallback xmlns="">
       <p:transition spd="slow">
         <p:fade/>
       </p:transition>
@@ -19361,497 +17768,13 @@
 </p:sld>
 </file>
 
-<file path=ppt/slides/slide6.xml><?xml version="1.0" encoding="utf-8"?>
+<file path=ppt/slides/slide5.xml><?xml version="1.0" encoding="utf-8"?>
 <p:sld xmlns:a="http://schemas.openxmlformats.org/drawingml/2006/main" xmlns:r="http://schemas.openxmlformats.org/officeDocument/2006/relationships" xmlns:p="http://schemas.openxmlformats.org/presentationml/2006/main">
   <p:cSld>
     <p:bg>
       <p:bgPr>
         <a:solidFill>
-          <a:schemeClr val="bg2"/>
-        </a:solidFill>
-        <a:effectLst/>
-      </p:bgPr>
-    </p:bg>
-    <p:spTree>
-      <p:nvGrpSpPr>
-        <p:cNvPr id="1" name=""/>
-        <p:cNvGrpSpPr/>
-        <p:nvPr/>
-      </p:nvGrpSpPr>
-      <p:grpSpPr>
-        <a:xfrm>
-          <a:off x="0" y="0"/>
-          <a:ext cx="0" cy="0"/>
-          <a:chOff x="0" y="0"/>
-          <a:chExt cx="0" cy="0"/>
-        </a:xfrm>
-      </p:grpSpPr>
-      <p:sp useBgFill="1">
-        <p:nvSpPr>
-          <p:cNvPr id="19" name="Rectangle 14">
-            <a:extLst>
-              <a:ext uri="{FF2B5EF4-FFF2-40B4-BE49-F238E27FC236}">
-                <a16:creationId xmlns:a16="http://schemas.microsoft.com/office/drawing/2014/main" id="{089A69AF-D57B-49B4-886C-D4A5DC194421}"/>
-              </a:ext>
-              <a:ext uri="{C183D7F6-B498-43B3-948B-1728B52AA6E4}">
-                <adec:decorative xmlns:adec="http://schemas.microsoft.com/office/drawing/2017/decorative" val="1"/>
-              </a:ext>
-            </a:extLst>
-          </p:cNvPr>
-          <p:cNvSpPr>
-            <a:spLocks noGrp="1" noRot="1" noChangeAspect="1" noMove="1" noResize="1" noEditPoints="1" noAdjustHandles="1" noChangeArrowheads="1" noChangeShapeType="1" noTextEdit="1"/>
-          </p:cNvSpPr>
-          <p:nvPr>
-            <p:extLst>
-              <p:ext uri="{386F3935-93C4-4BCD-93E2-E3B085C9AB24}">
-                <p16:designElem xmlns:p16="http://schemas.microsoft.com/office/powerpoint/2015/main" val="1"/>
-              </p:ext>
-            </p:extLst>
-          </p:nvPr>
-        </p:nvSpPr>
-        <p:spPr>
-          <a:xfrm>
-            <a:off x="0" y="0"/>
-            <a:ext cx="12192000" cy="6858000"/>
-          </a:xfrm>
-          <a:prstGeom prst="rect">
-            <a:avLst/>
-          </a:prstGeom>
-          <a:ln>
-            <a:noFill/>
-          </a:ln>
-        </p:spPr>
-        <p:style>
-          <a:lnRef idx="2">
-            <a:schemeClr val="accent1">
-              <a:shade val="50000"/>
-            </a:schemeClr>
-          </a:lnRef>
-          <a:fillRef idx="1">
-            <a:schemeClr val="accent1"/>
-          </a:fillRef>
-          <a:effectRef idx="0">
-            <a:schemeClr val="accent1"/>
-          </a:effectRef>
-          <a:fontRef idx="minor">
-            <a:schemeClr val="lt1"/>
-          </a:fontRef>
-        </p:style>
-        <p:txBody>
-          <a:bodyPr rtlCol="0" anchor="ctr"/>
-          <a:lstStyle/>
-          <a:p>
-            <a:pPr algn="ctr"/>
-            <a:endParaRPr lang="en-US"/>
-          </a:p>
-        </p:txBody>
-      </p:sp>
-      <p:sp>
-        <p:nvSpPr>
-          <p:cNvPr id="20" name="Freeform: Shape 16">
-            <a:extLst>
-              <a:ext uri="{FF2B5EF4-FFF2-40B4-BE49-F238E27FC236}">
-                <a16:creationId xmlns:a16="http://schemas.microsoft.com/office/drawing/2014/main" id="{CABDC08D-6093-4397-92D4-54D00E2BB1C2}"/>
-              </a:ext>
-              <a:ext uri="{C183D7F6-B498-43B3-948B-1728B52AA6E4}">
-                <adec:decorative xmlns:adec="http://schemas.microsoft.com/office/drawing/2017/decorative" val="1"/>
-              </a:ext>
-            </a:extLst>
-          </p:cNvPr>
-          <p:cNvSpPr>
-            <a:spLocks noGrp="1" noRot="1" noChangeAspect="1" noMove="1" noResize="1" noEditPoints="1" noAdjustHandles="1" noChangeArrowheads="1" noChangeShapeType="1" noTextEdit="1"/>
-          </p:cNvSpPr>
-          <p:nvPr>
-            <p:extLst>
-              <p:ext uri="{386F3935-93C4-4BCD-93E2-E3B085C9AB24}">
-                <p16:designElem xmlns:p16="http://schemas.microsoft.com/office/powerpoint/2015/main" val="1"/>
-              </p:ext>
-            </p:extLst>
-          </p:nvPr>
-        </p:nvSpPr>
-        <p:spPr bwMode="auto">
-          <a:xfrm rot="16200000">
-            <a:off x="-650724" y="650724"/>
-            <a:ext cx="6858000" cy="5556552"/>
-          </a:xfrm>
-          <a:custGeom>
-            <a:avLst/>
-            <a:gdLst>
-              <a:gd name="connsiteX0" fmla="*/ 6858000 w 6858000"/>
-              <a:gd name="connsiteY0" fmla="*/ 3445704 h 5556552"/>
-              <a:gd name="connsiteX1" fmla="*/ 3829242 w 6858000"/>
-              <a:gd name="connsiteY1" fmla="*/ 5433322 h 5556552"/>
-              <a:gd name="connsiteX2" fmla="*/ 3827369 w 6858000"/>
-              <a:gd name="connsiteY2" fmla="*/ 5434867 h 5556552"/>
-              <a:gd name="connsiteX3" fmla="*/ 3824583 w 6858000"/>
-              <a:gd name="connsiteY3" fmla="*/ 5436378 h 5556552"/>
-              <a:gd name="connsiteX4" fmla="*/ 3798693 w 6858000"/>
-              <a:gd name="connsiteY4" fmla="*/ 5453370 h 5556552"/>
-              <a:gd name="connsiteX5" fmla="*/ 3785011 w 6858000"/>
-              <a:gd name="connsiteY5" fmla="*/ 5457858 h 5556552"/>
-              <a:gd name="connsiteX6" fmla="*/ 3706339 w 6858000"/>
-              <a:gd name="connsiteY6" fmla="*/ 5500559 h 5556552"/>
-              <a:gd name="connsiteX7" fmla="*/ 3428998 w 6858000"/>
-              <a:gd name="connsiteY7" fmla="*/ 5556552 h 5556552"/>
-              <a:gd name="connsiteX8" fmla="*/ 3151658 w 6858000"/>
-              <a:gd name="connsiteY8" fmla="*/ 5500559 h 5556552"/>
-              <a:gd name="connsiteX9" fmla="*/ 3072996 w 6858000"/>
-              <a:gd name="connsiteY9" fmla="*/ 5457863 h 5556552"/>
-              <a:gd name="connsiteX10" fmla="*/ 3059298 w 6858000"/>
-              <a:gd name="connsiteY10" fmla="*/ 5453370 h 5556552"/>
-              <a:gd name="connsiteX11" fmla="*/ 3033383 w 6858000"/>
-              <a:gd name="connsiteY11" fmla="*/ 5436362 h 5556552"/>
-              <a:gd name="connsiteX12" fmla="*/ 3030627 w 6858000"/>
-              <a:gd name="connsiteY12" fmla="*/ 5434867 h 5556552"/>
-              <a:gd name="connsiteX13" fmla="*/ 3028775 w 6858000"/>
-              <a:gd name="connsiteY13" fmla="*/ 5433338 h 5556552"/>
-              <a:gd name="connsiteX14" fmla="*/ 0 w 6858000"/>
-              <a:gd name="connsiteY14" fmla="*/ 3445704 h 5556552"/>
-              <a:gd name="connsiteX15" fmla="*/ 6858000 w 6858000"/>
-              <a:gd name="connsiteY15" fmla="*/ 0 h 5556552"/>
-              <a:gd name="connsiteX16" fmla="*/ 6858000 w 6858000"/>
-              <a:gd name="connsiteY16" fmla="*/ 349336 h 5556552"/>
-              <a:gd name="connsiteX17" fmla="*/ 6858000 w 6858000"/>
-              <a:gd name="connsiteY17" fmla="*/ 3445703 h 5556552"/>
-              <a:gd name="connsiteX18" fmla="*/ 0 w 6858000"/>
-              <a:gd name="connsiteY18" fmla="*/ 3445703 h 5556552"/>
-              <a:gd name="connsiteX19" fmla="*/ 0 w 6858000"/>
-              <a:gd name="connsiteY19" fmla="*/ 0 h 5556552"/>
-            </a:gdLst>
-            <a:ahLst/>
-            <a:cxnLst>
-              <a:cxn ang="0">
-                <a:pos x="connsiteX0" y="connsiteY0"/>
-              </a:cxn>
-              <a:cxn ang="0">
-                <a:pos x="connsiteX1" y="connsiteY1"/>
-              </a:cxn>
-              <a:cxn ang="0">
-                <a:pos x="connsiteX2" y="connsiteY2"/>
-              </a:cxn>
-              <a:cxn ang="0">
-                <a:pos x="connsiteX3" y="connsiteY3"/>
-              </a:cxn>
-              <a:cxn ang="0">
-                <a:pos x="connsiteX4" y="connsiteY4"/>
-              </a:cxn>
-              <a:cxn ang="0">
-                <a:pos x="connsiteX5" y="connsiteY5"/>
-              </a:cxn>
-              <a:cxn ang="0">
-                <a:pos x="connsiteX6" y="connsiteY6"/>
-              </a:cxn>
-              <a:cxn ang="0">
-                <a:pos x="connsiteX7" y="connsiteY7"/>
-              </a:cxn>
-              <a:cxn ang="0">
-                <a:pos x="connsiteX8" y="connsiteY8"/>
-              </a:cxn>
-              <a:cxn ang="0">
-                <a:pos x="connsiteX9" y="connsiteY9"/>
-              </a:cxn>
-              <a:cxn ang="0">
-                <a:pos x="connsiteX10" y="connsiteY10"/>
-              </a:cxn>
-              <a:cxn ang="0">
-                <a:pos x="connsiteX11" y="connsiteY11"/>
-              </a:cxn>
-              <a:cxn ang="0">
-                <a:pos x="connsiteX12" y="connsiteY12"/>
-              </a:cxn>
-              <a:cxn ang="0">
-                <a:pos x="connsiteX13" y="connsiteY13"/>
-              </a:cxn>
-              <a:cxn ang="0">
-                <a:pos x="connsiteX14" y="connsiteY14"/>
-              </a:cxn>
-              <a:cxn ang="0">
-                <a:pos x="connsiteX15" y="connsiteY15"/>
-              </a:cxn>
-              <a:cxn ang="0">
-                <a:pos x="connsiteX16" y="connsiteY16"/>
-              </a:cxn>
-              <a:cxn ang="0">
-                <a:pos x="connsiteX17" y="connsiteY17"/>
-              </a:cxn>
-              <a:cxn ang="0">
-                <a:pos x="connsiteX18" y="connsiteY18"/>
-              </a:cxn>
-              <a:cxn ang="0">
-                <a:pos x="connsiteX19" y="connsiteY19"/>
-              </a:cxn>
-            </a:cxnLst>
-            <a:rect l="l" t="t" r="r" b="b"/>
-            <a:pathLst>
-              <a:path w="6858000" h="5556552">
-                <a:moveTo>
-                  <a:pt x="6858000" y="3445704"/>
-                </a:moveTo>
-                <a:lnTo>
-                  <a:pt x="3829242" y="5433322"/>
-                </a:lnTo>
-                <a:lnTo>
-                  <a:pt x="3827369" y="5434867"/>
-                </a:lnTo>
-                <a:lnTo>
-                  <a:pt x="3824583" y="5436378"/>
-                </a:lnTo>
-                <a:lnTo>
-                  <a:pt x="3798693" y="5453370"/>
-                </a:lnTo>
-                <a:lnTo>
-                  <a:pt x="3785011" y="5457858"/>
-                </a:lnTo>
-                <a:lnTo>
-                  <a:pt x="3706339" y="5500559"/>
-                </a:lnTo>
-                <a:cubicBezTo>
-                  <a:pt x="3621096" y="5536614"/>
-                  <a:pt x="3527375" y="5556552"/>
-                  <a:pt x="3428998" y="5556552"/>
-                </a:cubicBezTo>
-                <a:cubicBezTo>
-                  <a:pt x="3330621" y="5556552"/>
-                  <a:pt x="3236901" y="5536614"/>
-                  <a:pt x="3151658" y="5500559"/>
-                </a:cubicBezTo>
-                <a:lnTo>
-                  <a:pt x="3072996" y="5457863"/>
-                </a:lnTo>
-                <a:lnTo>
-                  <a:pt x="3059298" y="5453370"/>
-                </a:lnTo>
-                <a:lnTo>
-                  <a:pt x="3033383" y="5436362"/>
-                </a:lnTo>
-                <a:lnTo>
-                  <a:pt x="3030627" y="5434867"/>
-                </a:lnTo>
-                <a:lnTo>
-                  <a:pt x="3028775" y="5433338"/>
-                </a:lnTo>
-                <a:lnTo>
-                  <a:pt x="0" y="3445704"/>
-                </a:lnTo>
-                <a:close/>
-                <a:moveTo>
-                  <a:pt x="6858000" y="0"/>
-                </a:moveTo>
-                <a:lnTo>
-                  <a:pt x="6858000" y="349336"/>
-                </a:lnTo>
-                <a:lnTo>
-                  <a:pt x="6858000" y="3445703"/>
-                </a:lnTo>
-                <a:lnTo>
-                  <a:pt x="0" y="3445703"/>
-                </a:lnTo>
-                <a:lnTo>
-                  <a:pt x="0" y="0"/>
-                </a:lnTo>
-                <a:close/>
-              </a:path>
-            </a:pathLst>
-          </a:custGeom>
-          <a:ln>
-            <a:noFill/>
-          </a:ln>
-          <a:effectLst/>
-          <a:extLst>
-            <a:ext uri="{91240B29-F687-4f45-9708-019B960494DF}">
-              <a14:hiddenLine xmlns:a16="http://schemas.microsoft.com/office/drawing/2014/main" xmlns:p14="http://schemas.microsoft.com/office/powerpoint/2010/main" xmlns:a14="http://schemas.microsoft.com/office/drawing/2010/main" xmlns="" w="9525">
-                <a:solidFill>
-                  <a:srgbClr val="000000"/>
-                </a:solidFill>
-                <a:round/>
-                <a:headEnd/>
-                <a:tailEnd/>
-              </a14:hiddenLine>
-            </a:ext>
-          </a:extLst>
-        </p:spPr>
-        <p:style>
-          <a:lnRef idx="1">
-            <a:schemeClr val="accent1"/>
-          </a:lnRef>
-          <a:fillRef idx="3">
-            <a:schemeClr val="accent1"/>
-          </a:fillRef>
-          <a:effectRef idx="2">
-            <a:schemeClr val="accent1"/>
-          </a:effectRef>
-          <a:fontRef idx="minor">
-            <a:schemeClr val="lt1"/>
-          </a:fontRef>
-        </p:style>
-      </p:sp>
-      <p:sp>
-        <p:nvSpPr>
-          <p:cNvPr id="2" name="Title 1">
-            <a:extLst>
-              <a:ext uri="{FF2B5EF4-FFF2-40B4-BE49-F238E27FC236}">
-                <a16:creationId xmlns:a16="http://schemas.microsoft.com/office/drawing/2014/main" id="{06C66B94-2447-4A68-AB30-36CC61554696}"/>
-              </a:ext>
-            </a:extLst>
-          </p:cNvPr>
-          <p:cNvSpPr>
-            <a:spLocks noGrp="1"/>
-          </p:cNvSpPr>
-          <p:nvPr>
-            <p:ph type="title"/>
-          </p:nvPr>
-        </p:nvSpPr>
-        <p:spPr>
-          <a:xfrm>
-            <a:off x="451515" y="1734857"/>
-            <a:ext cx="3765483" cy="3388287"/>
-          </a:xfrm>
-        </p:spPr>
-        <p:txBody>
-          <a:bodyPr anchor="ctr">
-            <a:normAutofit/>
-          </a:bodyPr>
-          <a:lstStyle/>
-          <a:p>
-            <a:r>
-              <a:rPr lang="en-TT" dirty="0"/>
-              <a:t>Configuring Git to open text editor</a:t>
-            </a:r>
-          </a:p>
-        </p:txBody>
-      </p:sp>
-      <p:sp>
-        <p:nvSpPr>
-          <p:cNvPr id="3" name="Content Placeholder 2">
-            <a:extLst>
-              <a:ext uri="{FF2B5EF4-FFF2-40B4-BE49-F238E27FC236}">
-                <a16:creationId xmlns:a16="http://schemas.microsoft.com/office/drawing/2014/main" id="{24EF0B42-30B7-45CD-A03B-171029C7CCA2}"/>
-              </a:ext>
-            </a:extLst>
-          </p:cNvPr>
-          <p:cNvSpPr>
-            <a:spLocks noGrp="1"/>
-          </p:cNvSpPr>
-          <p:nvPr>
-            <p:ph idx="1"/>
-          </p:nvPr>
-        </p:nvSpPr>
-        <p:spPr>
-          <a:xfrm>
-            <a:off x="6008068" y="978993"/>
-            <a:ext cx="5365218" cy="4900014"/>
-          </a:xfrm>
-          <a:effectLst/>
-        </p:spPr>
-        <p:txBody>
-          <a:bodyPr>
-            <a:normAutofit/>
-          </a:bodyPr>
-          <a:lstStyle/>
-          <a:p>
-            <a:r>
-              <a:rPr lang="en-TT" dirty="0"/>
-              <a:t>git config –global </a:t>
-            </a:r>
-            <a:r>
-              <a:rPr lang="en-TT" dirty="0" err="1"/>
-              <a:t>core.editor</a:t>
-            </a:r>
-            <a:r>
-              <a:rPr lang="en-TT" dirty="0"/>
-              <a:t> “code –wait”</a:t>
-            </a:r>
-          </a:p>
-          <a:p>
-            <a:r>
-              <a:rPr lang="en-TT" dirty="0"/>
-              <a:t>Link to download Visual Studio Code text editor </a:t>
-            </a:r>
-            <a:br>
-              <a:rPr lang="en-TT" dirty="0"/>
-            </a:br>
-            <a:r>
-              <a:rPr lang="en-TT" dirty="0"/>
-              <a:t>https://code.visualstudio.com</a:t>
-            </a:r>
-          </a:p>
-          <a:p>
-            <a:endParaRPr lang="en-TT" dirty="0"/>
-          </a:p>
-        </p:txBody>
-      </p:sp>
-      <p:pic>
-        <p:nvPicPr>
-          <p:cNvPr id="5" name="Picture 4" descr="Logo&#10;&#10;Description automatically generated">
-            <a:extLst>
-              <a:ext uri="{FF2B5EF4-FFF2-40B4-BE49-F238E27FC236}">
-                <a16:creationId xmlns:a16="http://schemas.microsoft.com/office/drawing/2014/main" id="{C3209409-C002-43AB-8D3D-5F8EF904A634}"/>
-              </a:ext>
-            </a:extLst>
-          </p:cNvPr>
-          <p:cNvPicPr>
-            <a:picLocks noChangeAspect="1"/>
-          </p:cNvPicPr>
-          <p:nvPr/>
-        </p:nvPicPr>
-        <p:blipFill>
-          <a:blip r:embed="rId3"/>
-          <a:stretch>
-            <a:fillRect/>
-          </a:stretch>
-        </p:blipFill>
-        <p:spPr>
-          <a:xfrm>
-            <a:off x="7307413" y="277532"/>
-            <a:ext cx="3133725" cy="1457325"/>
-          </a:xfrm>
-          <a:prstGeom prst="rect">
-            <a:avLst/>
-          </a:prstGeom>
-          <a:ln>
-            <a:noFill/>
-          </a:ln>
-          <a:effectLst>
-            <a:outerShdw blurRad="292100" dist="139700" dir="2700000" algn="tl" rotWithShape="0">
-              <a:srgbClr val="333333">
-                <a:alpha val="65000"/>
-              </a:srgbClr>
-            </a:outerShdw>
-          </a:effectLst>
-        </p:spPr>
-      </p:pic>
-    </p:spTree>
-    <p:extLst>
-      <p:ext uri="{BB962C8B-B14F-4D97-AF65-F5344CB8AC3E}">
-        <p14:creationId xmlns:p14="http://schemas.microsoft.com/office/powerpoint/2010/main" val="730433051"/>
-      </p:ext>
-    </p:extLst>
-  </p:cSld>
-  <p:clrMapOvr>
-    <a:masterClrMapping/>
-  </p:clrMapOvr>
-  <mc:AlternateContent xmlns:mc="http://schemas.openxmlformats.org/markup-compatibility/2006">
-    <mc:Choice xmlns:p15="http://schemas.microsoft.com/office/powerpoint/2012/main" Requires="p15">
-      <p:transition xmlns:p14="http://schemas.microsoft.com/office/powerpoint/2010/main" spd="slow" p14:dur="1250">
-        <p15:prstTrans prst="peelOff"/>
-      </p:transition>
-    </mc:Choice>
-    <mc:Fallback>
-      <p:transition spd="slow">
-        <p:fade/>
-      </p:transition>
-    </mc:Fallback>
-  </mc:AlternateContent>
-</p:sld>
-</file>
-
-<file path=ppt/slides/slide7.xml><?xml version="1.0" encoding="utf-8"?>
-<p:sld xmlns:a="http://schemas.openxmlformats.org/drawingml/2006/main" xmlns:r="http://schemas.openxmlformats.org/officeDocument/2006/relationships" xmlns:p="http://schemas.openxmlformats.org/presentationml/2006/main">
-  <p:cSld>
-    <p:bg>
-      <p:bgPr>
-        <a:solidFill>
-          <a:schemeClr val="bg2"/>
+          <a:schemeClr val="bg1"/>
         </a:solidFill>
         <a:effectLst/>
       </p:bgPr>
@@ -19872,131 +17795,10 @@
       </p:grpSpPr>
       <p:sp>
         <p:nvSpPr>
-          <p:cNvPr id="21" name="Freeform 6">
+          <p:cNvPr id="9" name="Rectangle 8">
             <a:extLst>
               <a:ext uri="{FF2B5EF4-FFF2-40B4-BE49-F238E27FC236}">
-                <a16:creationId xmlns:a16="http://schemas.microsoft.com/office/drawing/2014/main" id="{11114F18-D12D-43C6-895F-5BA92C290CC1}"/>
-              </a:ext>
-              <a:ext uri="{C183D7F6-B498-43B3-948B-1728B52AA6E4}">
-                <adec:decorative xmlns:adec="http://schemas.microsoft.com/office/drawing/2017/decorative" val="1"/>
-              </a:ext>
-            </a:extLst>
-          </p:cNvPr>
-          <p:cNvSpPr>
-            <a:spLocks noGrp="1" noRot="1" noChangeAspect="1" noMove="1" noResize="1" noEditPoints="1" noAdjustHandles="1" noChangeArrowheads="1" noChangeShapeType="1" noTextEdit="1"/>
-          </p:cNvSpPr>
-          <p:nvPr>
-            <p:extLst>
-              <p:ext uri="{386F3935-93C4-4BCD-93E2-E3B085C9AB24}">
-                <p16:designElem xmlns:p16="http://schemas.microsoft.com/office/powerpoint/2015/main" val="1"/>
-              </p:ext>
-            </p:extLst>
-          </p:nvPr>
-        </p:nvSpPr>
-        <p:spPr bwMode="auto">
-          <a:xfrm>
-            <a:off x="0" y="-3175"/>
-            <a:ext cx="12192000" cy="5203825"/>
-          </a:xfrm>
-          <a:custGeom>
-            <a:avLst/>
-            <a:gdLst/>
-            <a:ahLst/>
-            <a:cxnLst/>
-            <a:rect l="0" t="0" r="r" b="b"/>
-            <a:pathLst>
-              <a:path w="5760" h="3278">
-                <a:moveTo>
-                  <a:pt x="5760" y="0"/>
-                </a:moveTo>
-                <a:lnTo>
-                  <a:pt x="0" y="0"/>
-                </a:lnTo>
-                <a:lnTo>
-                  <a:pt x="0" y="3090"/>
-                </a:lnTo>
-                <a:lnTo>
-                  <a:pt x="943" y="3090"/>
-                </a:lnTo>
-                <a:lnTo>
-                  <a:pt x="1123" y="3270"/>
-                </a:lnTo>
-                <a:lnTo>
-                  <a:pt x="1123" y="3270"/>
-                </a:lnTo>
-                <a:lnTo>
-                  <a:pt x="1127" y="3272"/>
-                </a:lnTo>
-                <a:lnTo>
-                  <a:pt x="1133" y="3275"/>
-                </a:lnTo>
-                <a:lnTo>
-                  <a:pt x="1139" y="3278"/>
-                </a:lnTo>
-                <a:lnTo>
-                  <a:pt x="1144" y="3278"/>
-                </a:lnTo>
-                <a:lnTo>
-                  <a:pt x="1150" y="3278"/>
-                </a:lnTo>
-                <a:lnTo>
-                  <a:pt x="1155" y="3275"/>
-                </a:lnTo>
-                <a:lnTo>
-                  <a:pt x="1161" y="3272"/>
-                </a:lnTo>
-                <a:lnTo>
-                  <a:pt x="1165" y="3270"/>
-                </a:lnTo>
-                <a:lnTo>
-                  <a:pt x="1345" y="3090"/>
-                </a:lnTo>
-                <a:lnTo>
-                  <a:pt x="5760" y="3090"/>
-                </a:lnTo>
-                <a:lnTo>
-                  <a:pt x="5760" y="0"/>
-                </a:lnTo>
-                <a:close/>
-              </a:path>
-            </a:pathLst>
-          </a:custGeom>
-          <a:ln/>
-          <a:effectLst/>
-          <a:extLst>
-            <a:ext uri="{91240B29-F687-4f45-9708-019B960494DF}">
-              <a14:hiddenLine xmlns="" xmlns:a16="http://schemas.microsoft.com/office/drawing/2014/main" xmlns:p14="http://schemas.microsoft.com/office/powerpoint/2010/main" xmlns:a14="http://schemas.microsoft.com/office/drawing/2010/main" w="9525">
-                <a:solidFill>
-                  <a:srgbClr val="000000"/>
-                </a:solidFill>
-                <a:round/>
-                <a:headEnd/>
-                <a:tailEnd/>
-              </a14:hiddenLine>
-            </a:ext>
-          </a:extLst>
-        </p:spPr>
-        <p:style>
-          <a:lnRef idx="1">
-            <a:schemeClr val="accent1"/>
-          </a:lnRef>
-          <a:fillRef idx="3">
-            <a:schemeClr val="accent1"/>
-          </a:fillRef>
-          <a:effectRef idx="2">
-            <a:schemeClr val="accent1"/>
-          </a:effectRef>
-          <a:fontRef idx="minor">
-            <a:schemeClr val="lt1"/>
-          </a:fontRef>
-        </p:style>
-      </p:sp>
-      <p:sp>
-        <p:nvSpPr>
-          <p:cNvPr id="23" name="Rounded Rectangle 16">
-            <a:extLst>
-              <a:ext uri="{FF2B5EF4-FFF2-40B4-BE49-F238E27FC236}">
-                <a16:creationId xmlns:a16="http://schemas.microsoft.com/office/drawing/2014/main" id="{27C8FC7F-7C7F-491C-9FCA-6BCC885DA7BF}"/>
+                <a16:creationId xmlns:a16="http://schemas.microsoft.com/office/drawing/2014/main" id="{A416E3E5-5186-46A4-AFBD-337387D3163D}"/>
               </a:ext>
               <a:ext uri="{C183D7F6-B498-43B3-948B-1728B52AA6E4}">
                 <adec:decorative xmlns:adec="http://schemas.microsoft.com/office/drawing/2017/decorative" val="1"/>
@@ -20016,1287 +17818,14 @@
         </p:nvSpPr>
         <p:spPr>
           <a:xfrm>
-            <a:off x="624306" y="643464"/>
-            <a:ext cx="10927614" cy="3599352"/>
-          </a:xfrm>
-          <a:prstGeom prst="roundRect">
-            <a:avLst>
-              <a:gd name="adj" fmla="val 3513"/>
-            </a:avLst>
-          </a:prstGeom>
-          <a:solidFill>
-            <a:schemeClr val="tx1"/>
-          </a:solidFill>
-          <a:ln>
-            <a:solidFill>
-              <a:schemeClr val="accent1">
-                <a:lumMod val="75000"/>
-              </a:schemeClr>
-            </a:solidFill>
-          </a:ln>
-          <a:effectLst/>
-        </p:spPr>
-        <p:style>
-          <a:lnRef idx="2">
-            <a:schemeClr val="accent1">
-              <a:shade val="50000"/>
-            </a:schemeClr>
-          </a:lnRef>
-          <a:fillRef idx="1">
-            <a:schemeClr val="accent1"/>
-          </a:fillRef>
-          <a:effectRef idx="0">
-            <a:schemeClr val="accent1"/>
-          </a:effectRef>
-          <a:fontRef idx="minor">
-            <a:schemeClr val="lt1"/>
-          </a:fontRef>
-        </p:style>
-        <p:txBody>
-          <a:bodyPr rtlCol="0" anchor="ctr"/>
-          <a:lstStyle/>
-          <a:p>
-            <a:pPr algn="ctr"/>
-            <a:endParaRPr lang="en-US"/>
-          </a:p>
-        </p:txBody>
-      </p:sp>
-      <p:grpSp>
-        <p:nvGrpSpPr>
-          <p:cNvPr id="25" name="Group 24">
-            <a:extLst>
-              <a:ext uri="{FF2B5EF4-FFF2-40B4-BE49-F238E27FC236}">
-                <a16:creationId xmlns:a16="http://schemas.microsoft.com/office/drawing/2014/main" id="{69B70B65-7AC7-4119-A404-399617955BC9}"/>
-              </a:ext>
-              <a:ext uri="{C183D7F6-B498-43B3-948B-1728B52AA6E4}">
-                <adec:decorative xmlns:adec="http://schemas.microsoft.com/office/drawing/2017/decorative" val="1"/>
-              </a:ext>
-            </a:extLst>
-          </p:cNvPr>
-          <p:cNvGrpSpPr>
-            <a:grpSpLocks noGrp="1" noUngrp="1" noRot="1" noChangeAspect="1" noMove="1" noResize="1"/>
-          </p:cNvGrpSpPr>
-          <p:nvPr>
-            <p:extLst>
-              <p:ext uri="{386F3935-93C4-4BCD-93E2-E3B085C9AB24}">
-                <p16:designElem xmlns:p16="http://schemas.microsoft.com/office/powerpoint/2015/main" val="1"/>
-              </p:ext>
-            </p:extLst>
-          </p:nvPr>
-        </p:nvGrpSpPr>
-        <p:grpSpPr bwMode="white">
-          <a:xfrm>
-            <a:off x="0" y="4525094"/>
-            <a:ext cx="12203151" cy="2344057"/>
-            <a:chOff x="0" y="4525094"/>
-            <a:chExt cx="12203151" cy="2344057"/>
-          </a:xfrm>
-        </p:grpSpPr>
-        <p:sp>
-          <p:nvSpPr>
-            <p:cNvPr id="26" name="Freeform 9">
-              <a:extLst>
-                <a:ext uri="{FF2B5EF4-FFF2-40B4-BE49-F238E27FC236}">
-                  <a16:creationId xmlns:a16="http://schemas.microsoft.com/office/drawing/2014/main" id="{9E640CB9-C074-4CF1-8C84-2FF0618920BF}"/>
-                </a:ext>
-                <a:ext uri="{C183D7F6-B498-43B3-948B-1728B52AA6E4}">
-                  <adec:decorative xmlns:adec="http://schemas.microsoft.com/office/drawing/2017/decorative" val="1"/>
-                </a:ext>
-              </a:extLst>
-            </p:cNvPr>
-            <p:cNvSpPr/>
-            <p:nvPr>
-              <p:extLst>
-                <p:ext uri="{386F3935-93C4-4BCD-93E2-E3B085C9AB24}">
-                  <p16:designElem xmlns:p16="http://schemas.microsoft.com/office/powerpoint/2015/main" val="1"/>
-                </p:ext>
-              </p:extLst>
-            </p:nvPr>
-          </p:nvSpPr>
-          <p:spPr bwMode="white">
-            <a:xfrm>
-              <a:off x="0" y="4525094"/>
-              <a:ext cx="12192000" cy="2332906"/>
-            </a:xfrm>
-            <a:custGeom>
-              <a:avLst/>
-              <a:gdLst>
-                <a:gd name="connsiteX0" fmla="*/ 0 w 12192000"/>
-                <a:gd name="connsiteY0" fmla="*/ 0 h 2332906"/>
-                <a:gd name="connsiteX1" fmla="*/ 1996017 w 12192000"/>
-                <a:gd name="connsiteY1" fmla="*/ 0 h 2332906"/>
-                <a:gd name="connsiteX2" fmla="*/ 2377017 w 12192000"/>
-                <a:gd name="connsiteY2" fmla="*/ 263783 h 2332906"/>
-                <a:gd name="connsiteX3" fmla="*/ 2385484 w 12192000"/>
-                <a:gd name="connsiteY3" fmla="*/ 266713 h 2332906"/>
-                <a:gd name="connsiteX4" fmla="*/ 2398184 w 12192000"/>
-                <a:gd name="connsiteY4" fmla="*/ 271110 h 2332906"/>
-                <a:gd name="connsiteX5" fmla="*/ 2410883 w 12192000"/>
-                <a:gd name="connsiteY5" fmla="*/ 275506 h 2332906"/>
-                <a:gd name="connsiteX6" fmla="*/ 2421467 w 12192000"/>
-                <a:gd name="connsiteY6" fmla="*/ 275506 h 2332906"/>
-                <a:gd name="connsiteX7" fmla="*/ 2434167 w 12192000"/>
-                <a:gd name="connsiteY7" fmla="*/ 275506 h 2332906"/>
-                <a:gd name="connsiteX8" fmla="*/ 2444750 w 12192000"/>
-                <a:gd name="connsiteY8" fmla="*/ 271110 h 2332906"/>
-                <a:gd name="connsiteX9" fmla="*/ 2457450 w 12192000"/>
-                <a:gd name="connsiteY9" fmla="*/ 266713 h 2332906"/>
-                <a:gd name="connsiteX10" fmla="*/ 2465917 w 12192000"/>
-                <a:gd name="connsiteY10" fmla="*/ 263783 h 2332906"/>
-                <a:gd name="connsiteX11" fmla="*/ 2846917 w 12192000"/>
-                <a:gd name="connsiteY11" fmla="*/ 0 h 2332906"/>
-                <a:gd name="connsiteX12" fmla="*/ 12192000 w 12192000"/>
-                <a:gd name="connsiteY12" fmla="*/ 0 h 2332906"/>
-                <a:gd name="connsiteX13" fmla="*/ 12192000 w 12192000"/>
-                <a:gd name="connsiteY13" fmla="*/ 2332906 h 2332906"/>
-                <a:gd name="connsiteX14" fmla="*/ 0 w 12192000"/>
-                <a:gd name="connsiteY14" fmla="*/ 2332906 h 2332906"/>
-              </a:gdLst>
-              <a:ahLst/>
-              <a:cxnLst>
-                <a:cxn ang="0">
-                  <a:pos x="connsiteX0" y="connsiteY0"/>
-                </a:cxn>
-                <a:cxn ang="0">
-                  <a:pos x="connsiteX1" y="connsiteY1"/>
-                </a:cxn>
-                <a:cxn ang="0">
-                  <a:pos x="connsiteX2" y="connsiteY2"/>
-                </a:cxn>
-                <a:cxn ang="0">
-                  <a:pos x="connsiteX3" y="connsiteY3"/>
-                </a:cxn>
-                <a:cxn ang="0">
-                  <a:pos x="connsiteX4" y="connsiteY4"/>
-                </a:cxn>
-                <a:cxn ang="0">
-                  <a:pos x="connsiteX5" y="connsiteY5"/>
-                </a:cxn>
-                <a:cxn ang="0">
-                  <a:pos x="connsiteX6" y="connsiteY6"/>
-                </a:cxn>
-                <a:cxn ang="0">
-                  <a:pos x="connsiteX7" y="connsiteY7"/>
-                </a:cxn>
-                <a:cxn ang="0">
-                  <a:pos x="connsiteX8" y="connsiteY8"/>
-                </a:cxn>
-                <a:cxn ang="0">
-                  <a:pos x="connsiteX9" y="connsiteY9"/>
-                </a:cxn>
-                <a:cxn ang="0">
-                  <a:pos x="connsiteX10" y="connsiteY10"/>
-                </a:cxn>
-                <a:cxn ang="0">
-                  <a:pos x="connsiteX11" y="connsiteY11"/>
-                </a:cxn>
-                <a:cxn ang="0">
-                  <a:pos x="connsiteX12" y="connsiteY12"/>
-                </a:cxn>
-                <a:cxn ang="0">
-                  <a:pos x="connsiteX13" y="connsiteY13"/>
-                </a:cxn>
-                <a:cxn ang="0">
-                  <a:pos x="connsiteX14" y="connsiteY14"/>
-                </a:cxn>
-              </a:cxnLst>
-              <a:rect l="l" t="t" r="r" b="b"/>
-              <a:pathLst>
-                <a:path w="12192000" h="2332906">
-                  <a:moveTo>
-                    <a:pt x="0" y="0"/>
-                  </a:moveTo>
-                  <a:lnTo>
-                    <a:pt x="1996017" y="0"/>
-                  </a:lnTo>
-                  <a:lnTo>
-                    <a:pt x="2377017" y="263783"/>
-                  </a:lnTo>
-                  <a:lnTo>
-                    <a:pt x="2385484" y="266713"/>
-                  </a:lnTo>
-                  <a:lnTo>
-                    <a:pt x="2398184" y="271110"/>
-                  </a:lnTo>
-                  <a:lnTo>
-                    <a:pt x="2410883" y="275506"/>
-                  </a:lnTo>
-                  <a:lnTo>
-                    <a:pt x="2421467" y="275506"/>
-                  </a:lnTo>
-                  <a:lnTo>
-                    <a:pt x="2434167" y="275506"/>
-                  </a:lnTo>
-                  <a:lnTo>
-                    <a:pt x="2444750" y="271110"/>
-                  </a:lnTo>
-                  <a:lnTo>
-                    <a:pt x="2457450" y="266713"/>
-                  </a:lnTo>
-                  <a:lnTo>
-                    <a:pt x="2465917" y="263783"/>
-                  </a:lnTo>
-                  <a:lnTo>
-                    <a:pt x="2846917" y="0"/>
-                  </a:lnTo>
-                  <a:lnTo>
-                    <a:pt x="12192000" y="0"/>
-                  </a:lnTo>
-                  <a:lnTo>
-                    <a:pt x="12192000" y="2332906"/>
-                  </a:lnTo>
-                  <a:lnTo>
-                    <a:pt x="0" y="2332906"/>
-                  </a:lnTo>
-                  <a:close/>
-                </a:path>
-              </a:pathLst>
-            </a:custGeom>
-            <a:solidFill>
-              <a:schemeClr val="bg1">
-                <a:lumMod val="85000"/>
-                <a:lumOff val="15000"/>
-              </a:schemeClr>
-            </a:solidFill>
-            <a:ln>
-              <a:solidFill>
-                <a:schemeClr val="accent1"/>
-              </a:solidFill>
-            </a:ln>
-          </p:spPr>
-          <p:style>
-            <a:lnRef idx="2">
-              <a:schemeClr val="accent1">
-                <a:shade val="50000"/>
-              </a:schemeClr>
-            </a:lnRef>
-            <a:fillRef idx="1">
-              <a:schemeClr val="accent1"/>
-            </a:fillRef>
-            <a:effectRef idx="0">
-              <a:schemeClr val="accent1"/>
-            </a:effectRef>
-            <a:fontRef idx="minor">
-              <a:schemeClr val="lt1"/>
-            </a:fontRef>
-          </p:style>
-          <p:txBody>
-            <a:bodyPr rtlCol="0" anchor="ctr"/>
-            <a:lstStyle/>
-            <a:p>
-              <a:pPr algn="ctr"/>
-              <a:endParaRPr lang="en-US"/>
-            </a:p>
-          </p:txBody>
-        </p:sp>
-        <p:sp>
-          <p:nvSpPr>
-            <p:cNvPr id="27" name="Isosceles Triangle 26">
-              <a:extLst>
-                <a:ext uri="{FF2B5EF4-FFF2-40B4-BE49-F238E27FC236}">
-                  <a16:creationId xmlns:a16="http://schemas.microsoft.com/office/drawing/2014/main" id="{F830C1C5-9405-4A50-936E-51636AF68AE8}"/>
-                </a:ext>
-                <a:ext uri="{C183D7F6-B498-43B3-948B-1728B52AA6E4}">
-                  <adec:decorative xmlns:adec="http://schemas.microsoft.com/office/drawing/2017/decorative" val="1"/>
-                </a:ext>
-              </a:extLst>
-            </p:cNvPr>
-            <p:cNvSpPr/>
-            <p:nvPr>
-              <p:extLst>
-                <p:ext uri="{386F3935-93C4-4BCD-93E2-E3B085C9AB24}">
-                  <p16:designElem xmlns:p16="http://schemas.microsoft.com/office/powerpoint/2015/main" val="1"/>
-                </p:ext>
-              </p:extLst>
-            </p:nvPr>
-          </p:nvSpPr>
-          <p:spPr bwMode="white">
-            <a:xfrm flipH="1">
-              <a:off x="3820" y="4536245"/>
-              <a:ext cx="5660999" cy="2332906"/>
-            </a:xfrm>
-            <a:prstGeom prst="triangle">
-              <a:avLst>
-                <a:gd name="adj" fmla="val 100000"/>
-              </a:avLst>
-            </a:prstGeom>
-            <a:solidFill>
-              <a:schemeClr val="bg1">
-                <a:lumMod val="85000"/>
-                <a:lumOff val="15000"/>
-              </a:schemeClr>
-            </a:solidFill>
-            <a:ln>
-              <a:noFill/>
-            </a:ln>
-          </p:spPr>
-          <p:style>
-            <a:lnRef idx="2">
-              <a:schemeClr val="accent1">
-                <a:shade val="50000"/>
-              </a:schemeClr>
-            </a:lnRef>
-            <a:fillRef idx="1">
-              <a:schemeClr val="accent1"/>
-            </a:fillRef>
-            <a:effectRef idx="0">
-              <a:schemeClr val="accent1"/>
-            </a:effectRef>
-            <a:fontRef idx="minor">
-              <a:schemeClr val="lt1"/>
-            </a:fontRef>
-          </p:style>
-          <p:txBody>
-            <a:bodyPr rtlCol="0" anchor="ctr"/>
-            <a:lstStyle/>
-            <a:p>
-              <a:pPr algn="ctr"/>
-              <a:endParaRPr lang="en-US"/>
-            </a:p>
-          </p:txBody>
-        </p:sp>
-        <p:sp>
-          <p:nvSpPr>
-            <p:cNvPr id="28" name="Isosceles Triangle 27">
-              <a:extLst>
-                <a:ext uri="{FF2B5EF4-FFF2-40B4-BE49-F238E27FC236}">
-                  <a16:creationId xmlns:a16="http://schemas.microsoft.com/office/drawing/2014/main" id="{20769181-A18E-4E2F-AD82-752B9A03DB80}"/>
-                </a:ext>
-                <a:ext uri="{C183D7F6-B498-43B3-948B-1728B52AA6E4}">
-                  <adec:decorative xmlns:adec="http://schemas.microsoft.com/office/drawing/2017/decorative" val="1"/>
-                </a:ext>
-              </a:extLst>
-            </p:cNvPr>
-            <p:cNvSpPr/>
-            <p:nvPr>
-              <p:extLst>
-                <p:ext uri="{386F3935-93C4-4BCD-93E2-E3B085C9AB24}">
-                  <p16:designElem xmlns:p16="http://schemas.microsoft.com/office/powerpoint/2015/main" val="1"/>
-                </p:ext>
-              </p:extLst>
-            </p:nvPr>
-          </p:nvSpPr>
-          <p:spPr bwMode="white">
-            <a:xfrm>
-              <a:off x="4813714" y="4536245"/>
-              <a:ext cx="7389437" cy="2332906"/>
-            </a:xfrm>
-            <a:prstGeom prst="triangle">
-              <a:avLst>
-                <a:gd name="adj" fmla="val 100000"/>
-              </a:avLst>
-            </a:prstGeom>
-            <a:solidFill>
-              <a:schemeClr val="bg1">
-                <a:lumMod val="85000"/>
-                <a:lumOff val="15000"/>
-              </a:schemeClr>
-            </a:solidFill>
-            <a:ln>
-              <a:noFill/>
-            </a:ln>
-          </p:spPr>
-          <p:style>
-            <a:lnRef idx="2">
-              <a:schemeClr val="accent1">
-                <a:shade val="50000"/>
-              </a:schemeClr>
-            </a:lnRef>
-            <a:fillRef idx="1">
-              <a:schemeClr val="accent1"/>
-            </a:fillRef>
-            <a:effectRef idx="0">
-              <a:schemeClr val="accent1"/>
-            </a:effectRef>
-            <a:fontRef idx="minor">
-              <a:schemeClr val="lt1"/>
-            </a:fontRef>
-          </p:style>
-          <p:txBody>
-            <a:bodyPr rtlCol="0" anchor="ctr"/>
-            <a:lstStyle/>
-            <a:p>
-              <a:pPr algn="ctr"/>
-              <a:endParaRPr lang="en-US"/>
-            </a:p>
-          </p:txBody>
-        </p:sp>
-      </p:grpSp>
-      <p:sp>
-        <p:nvSpPr>
-          <p:cNvPr id="2" name="Title 1">
-            <a:extLst>
-              <a:ext uri="{FF2B5EF4-FFF2-40B4-BE49-F238E27FC236}">
-                <a16:creationId xmlns:a16="http://schemas.microsoft.com/office/drawing/2014/main" id="{4680A115-72AD-4AE3-A453-540448F33283}"/>
-              </a:ext>
-            </a:extLst>
-          </p:cNvPr>
-          <p:cNvSpPr>
-            <a:spLocks noGrp="1"/>
-          </p:cNvSpPr>
-          <p:nvPr>
-            <p:ph type="title"/>
-          </p:nvPr>
-        </p:nvSpPr>
-        <p:spPr>
-          <a:xfrm>
-            <a:off x="802113" y="4889455"/>
-            <a:ext cx="10572000" cy="1595507"/>
-          </a:xfrm>
-        </p:spPr>
-        <p:txBody>
-          <a:bodyPr vert="horz" lIns="91440" tIns="45720" rIns="91440" bIns="45720" rtlCol="0" anchor="b">
-            <a:normAutofit fontScale="90000"/>
-          </a:bodyPr>
-          <a:lstStyle/>
-          <a:p>
-            <a:pPr algn="ctr"/>
-            <a:r>
-              <a:rPr lang="en-US" sz="3200" dirty="0"/>
-              <a:t>IT’S OPEN SOURCE!</a:t>
-            </a:r>
-            <a:br>
-              <a:rPr lang="en-US" sz="1800" dirty="0"/>
-            </a:br>
-            <a:r>
-              <a:rPr lang="en-US" sz="1800" dirty="0"/>
-              <a:t>Think of it like a hub world from a game. </a:t>
-            </a:r>
-            <a:br>
-              <a:rPr lang="en-US" sz="1800" dirty="0"/>
-            </a:br>
-            <a:r>
-              <a:rPr lang="en-US" sz="1800" dirty="0"/>
-              <a:t>An area on the internet where developers can continually return to access their own repositories and other developers' repositories.</a:t>
-            </a:r>
-            <a:br>
-              <a:rPr lang="en-US" sz="1800" dirty="0"/>
-            </a:br>
-            <a:r>
-              <a:rPr lang="en-US" sz="1800" dirty="0"/>
-              <a:t>Also create their own repositories for other developers to contribute to.</a:t>
-            </a:r>
-            <a:br>
-              <a:rPr lang="en-US" sz="1800" dirty="0"/>
-            </a:br>
-            <a:endParaRPr lang="en-US" sz="1800" dirty="0"/>
-          </a:p>
-        </p:txBody>
-      </p:sp>
-      <p:pic>
-        <p:nvPicPr>
-          <p:cNvPr id="4" name="Content Placeholder 3" descr="Icon&#10;&#10;Description automatically generated">
-            <a:extLst>
-              <a:ext uri="{FF2B5EF4-FFF2-40B4-BE49-F238E27FC236}">
-                <a16:creationId xmlns:a16="http://schemas.microsoft.com/office/drawing/2014/main" id="{49011F99-1A4E-4741-AF2E-8061C1405B35}"/>
-              </a:ext>
-            </a:extLst>
-          </p:cNvPr>
-          <p:cNvPicPr>
-            <a:picLocks noGrp="1" noChangeAspect="1"/>
-          </p:cNvPicPr>
-          <p:nvPr>
-            <p:ph idx="1"/>
-          </p:nvPr>
-        </p:nvPicPr>
-        <p:blipFill>
-          <a:blip r:embed="rId3"/>
-          <a:stretch>
-            <a:fillRect/>
-          </a:stretch>
-        </p:blipFill>
-        <p:spPr>
-          <a:xfrm>
-            <a:off x="4541785" y="896812"/>
-            <a:ext cx="3092656" cy="3092656"/>
-          </a:xfrm>
-          <a:prstGeom prst="rect">
-            <a:avLst/>
-          </a:prstGeom>
-        </p:spPr>
-      </p:pic>
-    </p:spTree>
-    <p:extLst>
-      <p:ext uri="{BB962C8B-B14F-4D97-AF65-F5344CB8AC3E}">
-        <p14:creationId xmlns:p14="http://schemas.microsoft.com/office/powerpoint/2010/main" val="3557857983"/>
-      </p:ext>
-    </p:extLst>
-  </p:cSld>
-  <p:clrMapOvr>
-    <a:masterClrMapping/>
-  </p:clrMapOvr>
-  <mc:AlternateContent xmlns:mc="http://schemas.openxmlformats.org/markup-compatibility/2006">
-    <mc:Choice xmlns:p15="http://schemas.microsoft.com/office/powerpoint/2012/main" Requires="p15">
-      <p:transition xmlns:p14="http://schemas.microsoft.com/office/powerpoint/2010/main" spd="slow" p14:dur="1250">
-        <p15:prstTrans prst="peelOff"/>
-      </p:transition>
-    </mc:Choice>
-    <mc:Fallback>
-      <p:transition spd="slow">
-        <p:fade/>
-      </p:transition>
-    </mc:Fallback>
-  </mc:AlternateContent>
-</p:sld>
-</file>
-
-<file path=ppt/slides/slide8.xml><?xml version="1.0" encoding="utf-8"?>
-<p:sld xmlns:a="http://schemas.openxmlformats.org/drawingml/2006/main" xmlns:r="http://schemas.openxmlformats.org/officeDocument/2006/relationships" xmlns:p="http://schemas.openxmlformats.org/presentationml/2006/main">
-  <p:cSld>
-    <p:bg>
-      <p:bgPr>
-        <a:solidFill>
-          <a:schemeClr val="bg2"/>
-        </a:solidFill>
-        <a:effectLst/>
-      </p:bgPr>
-    </p:bg>
-    <p:spTree>
-      <p:nvGrpSpPr>
-        <p:cNvPr id="1" name=""/>
-        <p:cNvGrpSpPr/>
-        <p:nvPr/>
-      </p:nvGrpSpPr>
-      <p:grpSpPr>
-        <a:xfrm>
-          <a:off x="0" y="0"/>
-          <a:ext cx="0" cy="0"/>
-          <a:chOff x="0" y="0"/>
-          <a:chExt cx="0" cy="0"/>
-        </a:xfrm>
-      </p:grpSpPr>
-      <p:sp>
-        <p:nvSpPr>
-          <p:cNvPr id="11" name="Freeform 6">
-            <a:extLst>
-              <a:ext uri="{FF2B5EF4-FFF2-40B4-BE49-F238E27FC236}">
-                <a16:creationId xmlns:a16="http://schemas.microsoft.com/office/drawing/2014/main" id="{11114F18-D12D-43C6-895F-5BA92C290CC1}"/>
-              </a:ext>
-              <a:ext uri="{C183D7F6-B498-43B3-948B-1728B52AA6E4}">
-                <adec:decorative xmlns:adec="http://schemas.microsoft.com/office/drawing/2017/decorative" val="1"/>
-              </a:ext>
-            </a:extLst>
-          </p:cNvPr>
-          <p:cNvSpPr>
-            <a:spLocks noGrp="1" noRot="1" noChangeAspect="1" noMove="1" noResize="1" noEditPoints="1" noAdjustHandles="1" noChangeArrowheads="1" noChangeShapeType="1" noTextEdit="1"/>
-          </p:cNvSpPr>
-          <p:nvPr>
-            <p:extLst>
-              <p:ext uri="{386F3935-93C4-4BCD-93E2-E3B085C9AB24}">
-                <p16:designElem xmlns:p16="http://schemas.microsoft.com/office/powerpoint/2015/main" val="1"/>
-              </p:ext>
-            </p:extLst>
-          </p:nvPr>
-        </p:nvSpPr>
-        <p:spPr bwMode="auto">
-          <a:xfrm>
-            <a:off x="0" y="-3175"/>
-            <a:ext cx="12192000" cy="5203825"/>
-          </a:xfrm>
-          <a:custGeom>
-            <a:avLst/>
-            <a:gdLst/>
-            <a:ahLst/>
-            <a:cxnLst/>
-            <a:rect l="0" t="0" r="r" b="b"/>
-            <a:pathLst>
-              <a:path w="5760" h="3278">
-                <a:moveTo>
-                  <a:pt x="5760" y="0"/>
-                </a:moveTo>
-                <a:lnTo>
-                  <a:pt x="0" y="0"/>
-                </a:lnTo>
-                <a:lnTo>
-                  <a:pt x="0" y="3090"/>
-                </a:lnTo>
-                <a:lnTo>
-                  <a:pt x="943" y="3090"/>
-                </a:lnTo>
-                <a:lnTo>
-                  <a:pt x="1123" y="3270"/>
-                </a:lnTo>
-                <a:lnTo>
-                  <a:pt x="1123" y="3270"/>
-                </a:lnTo>
-                <a:lnTo>
-                  <a:pt x="1127" y="3272"/>
-                </a:lnTo>
-                <a:lnTo>
-                  <a:pt x="1133" y="3275"/>
-                </a:lnTo>
-                <a:lnTo>
-                  <a:pt x="1139" y="3278"/>
-                </a:lnTo>
-                <a:lnTo>
-                  <a:pt x="1144" y="3278"/>
-                </a:lnTo>
-                <a:lnTo>
-                  <a:pt x="1150" y="3278"/>
-                </a:lnTo>
-                <a:lnTo>
-                  <a:pt x="1155" y="3275"/>
-                </a:lnTo>
-                <a:lnTo>
-                  <a:pt x="1161" y="3272"/>
-                </a:lnTo>
-                <a:lnTo>
-                  <a:pt x="1165" y="3270"/>
-                </a:lnTo>
-                <a:lnTo>
-                  <a:pt x="1345" y="3090"/>
-                </a:lnTo>
-                <a:lnTo>
-                  <a:pt x="5760" y="3090"/>
-                </a:lnTo>
-                <a:lnTo>
-                  <a:pt x="5760" y="0"/>
-                </a:lnTo>
-                <a:close/>
-              </a:path>
-            </a:pathLst>
-          </a:custGeom>
-          <a:ln/>
-          <a:effectLst/>
-          <a:extLst>
-            <a:ext uri="{91240B29-F687-4f45-9708-019B960494DF}">
-              <a14:hiddenLine xmlns="" xmlns:a16="http://schemas.microsoft.com/office/drawing/2014/main" xmlns:p14="http://schemas.microsoft.com/office/powerpoint/2010/main" xmlns:a14="http://schemas.microsoft.com/office/drawing/2010/main" w="9525">
-                <a:solidFill>
-                  <a:srgbClr val="000000"/>
-                </a:solidFill>
-                <a:round/>
-                <a:headEnd/>
-                <a:tailEnd/>
-              </a14:hiddenLine>
-            </a:ext>
-          </a:extLst>
-        </p:spPr>
-        <p:style>
-          <a:lnRef idx="1">
-            <a:schemeClr val="accent1"/>
-          </a:lnRef>
-          <a:fillRef idx="3">
-            <a:schemeClr val="accent1"/>
-          </a:fillRef>
-          <a:effectRef idx="2">
-            <a:schemeClr val="accent1"/>
-          </a:effectRef>
-          <a:fontRef idx="minor">
-            <a:schemeClr val="lt1"/>
-          </a:fontRef>
-        </p:style>
-      </p:sp>
-      <p:sp>
-        <p:nvSpPr>
-          <p:cNvPr id="13" name="Rounded Rectangle 16">
-            <a:extLst>
-              <a:ext uri="{FF2B5EF4-FFF2-40B4-BE49-F238E27FC236}">
-                <a16:creationId xmlns:a16="http://schemas.microsoft.com/office/drawing/2014/main" id="{27C8FC7F-7C7F-491C-9FCA-6BCC885DA7BF}"/>
-              </a:ext>
-              <a:ext uri="{C183D7F6-B498-43B3-948B-1728B52AA6E4}">
-                <adec:decorative xmlns:adec="http://schemas.microsoft.com/office/drawing/2017/decorative" val="1"/>
-              </a:ext>
-            </a:extLst>
-          </p:cNvPr>
-          <p:cNvSpPr>
-            <a:spLocks noGrp="1" noRot="1" noChangeAspect="1" noMove="1" noResize="1" noEditPoints="1" noAdjustHandles="1" noChangeArrowheads="1" noChangeShapeType="1" noTextEdit="1"/>
-          </p:cNvSpPr>
-          <p:nvPr>
-            <p:extLst>
-              <p:ext uri="{386F3935-93C4-4BCD-93E2-E3B085C9AB24}">
-                <p16:designElem xmlns:p16="http://schemas.microsoft.com/office/powerpoint/2015/main" val="1"/>
-              </p:ext>
-            </p:extLst>
-          </p:nvPr>
-        </p:nvSpPr>
-        <p:spPr>
-          <a:xfrm>
-            <a:off x="624306" y="643464"/>
-            <a:ext cx="10927614" cy="3599352"/>
-          </a:xfrm>
-          <a:prstGeom prst="roundRect">
-            <a:avLst>
-              <a:gd name="adj" fmla="val 3513"/>
-            </a:avLst>
-          </a:prstGeom>
-          <a:solidFill>
-            <a:schemeClr val="tx1"/>
-          </a:solidFill>
-          <a:ln>
-            <a:solidFill>
-              <a:schemeClr val="accent1">
-                <a:lumMod val="75000"/>
-              </a:schemeClr>
-            </a:solidFill>
-          </a:ln>
-          <a:effectLst/>
-        </p:spPr>
-        <p:style>
-          <a:lnRef idx="2">
-            <a:schemeClr val="accent1">
-              <a:shade val="50000"/>
-            </a:schemeClr>
-          </a:lnRef>
-          <a:fillRef idx="1">
-            <a:schemeClr val="accent1"/>
-          </a:fillRef>
-          <a:effectRef idx="0">
-            <a:schemeClr val="accent1"/>
-          </a:effectRef>
-          <a:fontRef idx="minor">
-            <a:schemeClr val="lt1"/>
-          </a:fontRef>
-        </p:style>
-        <p:txBody>
-          <a:bodyPr rtlCol="0" anchor="ctr"/>
-          <a:lstStyle/>
-          <a:p>
-            <a:pPr algn="ctr"/>
-            <a:endParaRPr lang="en-US"/>
-          </a:p>
-        </p:txBody>
-      </p:sp>
-      <p:grpSp>
-        <p:nvGrpSpPr>
-          <p:cNvPr id="15" name="Group 14">
-            <a:extLst>
-              <a:ext uri="{FF2B5EF4-FFF2-40B4-BE49-F238E27FC236}">
-                <a16:creationId xmlns:a16="http://schemas.microsoft.com/office/drawing/2014/main" id="{69B70B65-7AC7-4119-A404-399617955BC9}"/>
-              </a:ext>
-              <a:ext uri="{C183D7F6-B498-43B3-948B-1728B52AA6E4}">
-                <adec:decorative xmlns:adec="http://schemas.microsoft.com/office/drawing/2017/decorative" val="1"/>
-              </a:ext>
-            </a:extLst>
-          </p:cNvPr>
-          <p:cNvGrpSpPr>
-            <a:grpSpLocks noGrp="1" noUngrp="1" noRot="1" noChangeAspect="1" noMove="1" noResize="1"/>
-          </p:cNvGrpSpPr>
-          <p:nvPr>
-            <p:extLst>
-              <p:ext uri="{386F3935-93C4-4BCD-93E2-E3B085C9AB24}">
-                <p16:designElem xmlns:p16="http://schemas.microsoft.com/office/powerpoint/2015/main" val="1"/>
-              </p:ext>
-            </p:extLst>
-          </p:nvPr>
-        </p:nvGrpSpPr>
-        <p:grpSpPr bwMode="white">
-          <a:xfrm>
-            <a:off x="0" y="4525094"/>
-            <a:ext cx="12203151" cy="2344057"/>
-            <a:chOff x="0" y="4525094"/>
-            <a:chExt cx="12203151" cy="2344057"/>
-          </a:xfrm>
-        </p:grpSpPr>
-        <p:sp>
-          <p:nvSpPr>
-            <p:cNvPr id="16" name="Freeform 9">
-              <a:extLst>
-                <a:ext uri="{FF2B5EF4-FFF2-40B4-BE49-F238E27FC236}">
-                  <a16:creationId xmlns:a16="http://schemas.microsoft.com/office/drawing/2014/main" id="{9E640CB9-C074-4CF1-8C84-2FF0618920BF}"/>
-                </a:ext>
-                <a:ext uri="{C183D7F6-B498-43B3-948B-1728B52AA6E4}">
-                  <adec:decorative xmlns:adec="http://schemas.microsoft.com/office/drawing/2017/decorative" val="1"/>
-                </a:ext>
-              </a:extLst>
-            </p:cNvPr>
-            <p:cNvSpPr/>
-            <p:nvPr>
-              <p:extLst>
-                <p:ext uri="{386F3935-93C4-4BCD-93E2-E3B085C9AB24}">
-                  <p16:designElem xmlns:p16="http://schemas.microsoft.com/office/powerpoint/2015/main" val="1"/>
-                </p:ext>
-              </p:extLst>
-            </p:nvPr>
-          </p:nvSpPr>
-          <p:spPr bwMode="white">
-            <a:xfrm>
-              <a:off x="0" y="4525094"/>
-              <a:ext cx="12192000" cy="2332906"/>
-            </a:xfrm>
-            <a:custGeom>
-              <a:avLst/>
-              <a:gdLst>
-                <a:gd name="connsiteX0" fmla="*/ 0 w 12192000"/>
-                <a:gd name="connsiteY0" fmla="*/ 0 h 2332906"/>
-                <a:gd name="connsiteX1" fmla="*/ 1996017 w 12192000"/>
-                <a:gd name="connsiteY1" fmla="*/ 0 h 2332906"/>
-                <a:gd name="connsiteX2" fmla="*/ 2377017 w 12192000"/>
-                <a:gd name="connsiteY2" fmla="*/ 263783 h 2332906"/>
-                <a:gd name="connsiteX3" fmla="*/ 2385484 w 12192000"/>
-                <a:gd name="connsiteY3" fmla="*/ 266713 h 2332906"/>
-                <a:gd name="connsiteX4" fmla="*/ 2398184 w 12192000"/>
-                <a:gd name="connsiteY4" fmla="*/ 271110 h 2332906"/>
-                <a:gd name="connsiteX5" fmla="*/ 2410883 w 12192000"/>
-                <a:gd name="connsiteY5" fmla="*/ 275506 h 2332906"/>
-                <a:gd name="connsiteX6" fmla="*/ 2421467 w 12192000"/>
-                <a:gd name="connsiteY6" fmla="*/ 275506 h 2332906"/>
-                <a:gd name="connsiteX7" fmla="*/ 2434167 w 12192000"/>
-                <a:gd name="connsiteY7" fmla="*/ 275506 h 2332906"/>
-                <a:gd name="connsiteX8" fmla="*/ 2444750 w 12192000"/>
-                <a:gd name="connsiteY8" fmla="*/ 271110 h 2332906"/>
-                <a:gd name="connsiteX9" fmla="*/ 2457450 w 12192000"/>
-                <a:gd name="connsiteY9" fmla="*/ 266713 h 2332906"/>
-                <a:gd name="connsiteX10" fmla="*/ 2465917 w 12192000"/>
-                <a:gd name="connsiteY10" fmla="*/ 263783 h 2332906"/>
-                <a:gd name="connsiteX11" fmla="*/ 2846917 w 12192000"/>
-                <a:gd name="connsiteY11" fmla="*/ 0 h 2332906"/>
-                <a:gd name="connsiteX12" fmla="*/ 12192000 w 12192000"/>
-                <a:gd name="connsiteY12" fmla="*/ 0 h 2332906"/>
-                <a:gd name="connsiteX13" fmla="*/ 12192000 w 12192000"/>
-                <a:gd name="connsiteY13" fmla="*/ 2332906 h 2332906"/>
-                <a:gd name="connsiteX14" fmla="*/ 0 w 12192000"/>
-                <a:gd name="connsiteY14" fmla="*/ 2332906 h 2332906"/>
-              </a:gdLst>
-              <a:ahLst/>
-              <a:cxnLst>
-                <a:cxn ang="0">
-                  <a:pos x="connsiteX0" y="connsiteY0"/>
-                </a:cxn>
-                <a:cxn ang="0">
-                  <a:pos x="connsiteX1" y="connsiteY1"/>
-                </a:cxn>
-                <a:cxn ang="0">
-                  <a:pos x="connsiteX2" y="connsiteY2"/>
-                </a:cxn>
-                <a:cxn ang="0">
-                  <a:pos x="connsiteX3" y="connsiteY3"/>
-                </a:cxn>
-                <a:cxn ang="0">
-                  <a:pos x="connsiteX4" y="connsiteY4"/>
-                </a:cxn>
-                <a:cxn ang="0">
-                  <a:pos x="connsiteX5" y="connsiteY5"/>
-                </a:cxn>
-                <a:cxn ang="0">
-                  <a:pos x="connsiteX6" y="connsiteY6"/>
-                </a:cxn>
-                <a:cxn ang="0">
-                  <a:pos x="connsiteX7" y="connsiteY7"/>
-                </a:cxn>
-                <a:cxn ang="0">
-                  <a:pos x="connsiteX8" y="connsiteY8"/>
-                </a:cxn>
-                <a:cxn ang="0">
-                  <a:pos x="connsiteX9" y="connsiteY9"/>
-                </a:cxn>
-                <a:cxn ang="0">
-                  <a:pos x="connsiteX10" y="connsiteY10"/>
-                </a:cxn>
-                <a:cxn ang="0">
-                  <a:pos x="connsiteX11" y="connsiteY11"/>
-                </a:cxn>
-                <a:cxn ang="0">
-                  <a:pos x="connsiteX12" y="connsiteY12"/>
-                </a:cxn>
-                <a:cxn ang="0">
-                  <a:pos x="connsiteX13" y="connsiteY13"/>
-                </a:cxn>
-                <a:cxn ang="0">
-                  <a:pos x="connsiteX14" y="connsiteY14"/>
-                </a:cxn>
-              </a:cxnLst>
-              <a:rect l="l" t="t" r="r" b="b"/>
-              <a:pathLst>
-                <a:path w="12192000" h="2332906">
-                  <a:moveTo>
-                    <a:pt x="0" y="0"/>
-                  </a:moveTo>
-                  <a:lnTo>
-                    <a:pt x="1996017" y="0"/>
-                  </a:lnTo>
-                  <a:lnTo>
-                    <a:pt x="2377017" y="263783"/>
-                  </a:lnTo>
-                  <a:lnTo>
-                    <a:pt x="2385484" y="266713"/>
-                  </a:lnTo>
-                  <a:lnTo>
-                    <a:pt x="2398184" y="271110"/>
-                  </a:lnTo>
-                  <a:lnTo>
-                    <a:pt x="2410883" y="275506"/>
-                  </a:lnTo>
-                  <a:lnTo>
-                    <a:pt x="2421467" y="275506"/>
-                  </a:lnTo>
-                  <a:lnTo>
-                    <a:pt x="2434167" y="275506"/>
-                  </a:lnTo>
-                  <a:lnTo>
-                    <a:pt x="2444750" y="271110"/>
-                  </a:lnTo>
-                  <a:lnTo>
-                    <a:pt x="2457450" y="266713"/>
-                  </a:lnTo>
-                  <a:lnTo>
-                    <a:pt x="2465917" y="263783"/>
-                  </a:lnTo>
-                  <a:lnTo>
-                    <a:pt x="2846917" y="0"/>
-                  </a:lnTo>
-                  <a:lnTo>
-                    <a:pt x="12192000" y="0"/>
-                  </a:lnTo>
-                  <a:lnTo>
-                    <a:pt x="12192000" y="2332906"/>
-                  </a:lnTo>
-                  <a:lnTo>
-                    <a:pt x="0" y="2332906"/>
-                  </a:lnTo>
-                  <a:close/>
-                </a:path>
-              </a:pathLst>
-            </a:custGeom>
-            <a:solidFill>
-              <a:schemeClr val="bg1">
-                <a:lumMod val="85000"/>
-                <a:lumOff val="15000"/>
-              </a:schemeClr>
-            </a:solidFill>
-            <a:ln>
-              <a:solidFill>
-                <a:schemeClr val="accent1"/>
-              </a:solidFill>
-            </a:ln>
-          </p:spPr>
-          <p:style>
-            <a:lnRef idx="2">
-              <a:schemeClr val="accent1">
-                <a:shade val="50000"/>
-              </a:schemeClr>
-            </a:lnRef>
-            <a:fillRef idx="1">
-              <a:schemeClr val="accent1"/>
-            </a:fillRef>
-            <a:effectRef idx="0">
-              <a:schemeClr val="accent1"/>
-            </a:effectRef>
-            <a:fontRef idx="minor">
-              <a:schemeClr val="lt1"/>
-            </a:fontRef>
-          </p:style>
-          <p:txBody>
-            <a:bodyPr rtlCol="0" anchor="ctr"/>
-            <a:lstStyle/>
-            <a:p>
-              <a:pPr algn="ctr"/>
-              <a:endParaRPr lang="en-US"/>
-            </a:p>
-          </p:txBody>
-        </p:sp>
-        <p:sp>
-          <p:nvSpPr>
-            <p:cNvPr id="17" name="Isosceles Triangle 16">
-              <a:extLst>
-                <a:ext uri="{FF2B5EF4-FFF2-40B4-BE49-F238E27FC236}">
-                  <a16:creationId xmlns:a16="http://schemas.microsoft.com/office/drawing/2014/main" id="{F830C1C5-9405-4A50-936E-51636AF68AE8}"/>
-                </a:ext>
-                <a:ext uri="{C183D7F6-B498-43B3-948B-1728B52AA6E4}">
-                  <adec:decorative xmlns:adec="http://schemas.microsoft.com/office/drawing/2017/decorative" val="1"/>
-                </a:ext>
-              </a:extLst>
-            </p:cNvPr>
-            <p:cNvSpPr/>
-            <p:nvPr>
-              <p:extLst>
-                <p:ext uri="{386F3935-93C4-4BCD-93E2-E3B085C9AB24}">
-                  <p16:designElem xmlns:p16="http://schemas.microsoft.com/office/powerpoint/2015/main" val="1"/>
-                </p:ext>
-              </p:extLst>
-            </p:nvPr>
-          </p:nvSpPr>
-          <p:spPr bwMode="white">
-            <a:xfrm flipH="1">
-              <a:off x="3820" y="4536245"/>
-              <a:ext cx="5660999" cy="2332906"/>
-            </a:xfrm>
-            <a:prstGeom prst="triangle">
-              <a:avLst>
-                <a:gd name="adj" fmla="val 100000"/>
-              </a:avLst>
-            </a:prstGeom>
-            <a:solidFill>
-              <a:schemeClr val="bg1">
-                <a:lumMod val="85000"/>
-                <a:lumOff val="15000"/>
-              </a:schemeClr>
-            </a:solidFill>
-            <a:ln>
-              <a:noFill/>
-            </a:ln>
-          </p:spPr>
-          <p:style>
-            <a:lnRef idx="2">
-              <a:schemeClr val="accent1">
-                <a:shade val="50000"/>
-              </a:schemeClr>
-            </a:lnRef>
-            <a:fillRef idx="1">
-              <a:schemeClr val="accent1"/>
-            </a:fillRef>
-            <a:effectRef idx="0">
-              <a:schemeClr val="accent1"/>
-            </a:effectRef>
-            <a:fontRef idx="minor">
-              <a:schemeClr val="lt1"/>
-            </a:fontRef>
-          </p:style>
-          <p:txBody>
-            <a:bodyPr rtlCol="0" anchor="ctr"/>
-            <a:lstStyle/>
-            <a:p>
-              <a:pPr algn="ctr"/>
-              <a:endParaRPr lang="en-US"/>
-            </a:p>
-          </p:txBody>
-        </p:sp>
-        <p:sp>
-          <p:nvSpPr>
-            <p:cNvPr id="18" name="Isosceles Triangle 17">
-              <a:extLst>
-                <a:ext uri="{FF2B5EF4-FFF2-40B4-BE49-F238E27FC236}">
-                  <a16:creationId xmlns:a16="http://schemas.microsoft.com/office/drawing/2014/main" id="{20769181-A18E-4E2F-AD82-752B9A03DB80}"/>
-                </a:ext>
-                <a:ext uri="{C183D7F6-B498-43B3-948B-1728B52AA6E4}">
-                  <adec:decorative xmlns:adec="http://schemas.microsoft.com/office/drawing/2017/decorative" val="1"/>
-                </a:ext>
-              </a:extLst>
-            </p:cNvPr>
-            <p:cNvSpPr/>
-            <p:nvPr>
-              <p:extLst>
-                <p:ext uri="{386F3935-93C4-4BCD-93E2-E3B085C9AB24}">
-                  <p16:designElem xmlns:p16="http://schemas.microsoft.com/office/powerpoint/2015/main" val="1"/>
-                </p:ext>
-              </p:extLst>
-            </p:nvPr>
-          </p:nvSpPr>
-          <p:spPr bwMode="white">
-            <a:xfrm>
-              <a:off x="4813714" y="4536245"/>
-              <a:ext cx="7389437" cy="2332906"/>
-            </a:xfrm>
-            <a:prstGeom prst="triangle">
-              <a:avLst>
-                <a:gd name="adj" fmla="val 100000"/>
-              </a:avLst>
-            </a:prstGeom>
-            <a:solidFill>
-              <a:schemeClr val="bg1">
-                <a:lumMod val="85000"/>
-                <a:lumOff val="15000"/>
-              </a:schemeClr>
-            </a:solidFill>
-            <a:ln>
-              <a:noFill/>
-            </a:ln>
-          </p:spPr>
-          <p:style>
-            <a:lnRef idx="2">
-              <a:schemeClr val="accent1">
-                <a:shade val="50000"/>
-              </a:schemeClr>
-            </a:lnRef>
-            <a:fillRef idx="1">
-              <a:schemeClr val="accent1"/>
-            </a:fillRef>
-            <a:effectRef idx="0">
-              <a:schemeClr val="accent1"/>
-            </a:effectRef>
-            <a:fontRef idx="minor">
-              <a:schemeClr val="lt1"/>
-            </a:fontRef>
-          </p:style>
-          <p:txBody>
-            <a:bodyPr rtlCol="0" anchor="ctr"/>
-            <a:lstStyle/>
-            <a:p>
-              <a:pPr algn="ctr"/>
-              <a:endParaRPr lang="en-US"/>
-            </a:p>
-          </p:txBody>
-        </p:sp>
-      </p:grpSp>
-      <p:sp>
-        <p:nvSpPr>
-          <p:cNvPr id="2" name="Title 1">
-            <a:extLst>
-              <a:ext uri="{FF2B5EF4-FFF2-40B4-BE49-F238E27FC236}">
-                <a16:creationId xmlns:a16="http://schemas.microsoft.com/office/drawing/2014/main" id="{4680A115-72AD-4AE3-A453-540448F33283}"/>
-              </a:ext>
-            </a:extLst>
-          </p:cNvPr>
-          <p:cNvSpPr>
-            <a:spLocks noGrp="1"/>
-          </p:cNvSpPr>
-          <p:nvPr>
-            <p:ph type="title"/>
-          </p:nvPr>
-        </p:nvSpPr>
-        <p:spPr>
-          <a:xfrm>
-            <a:off x="810001" y="4817533"/>
-            <a:ext cx="10572000" cy="779529"/>
-          </a:xfrm>
-        </p:spPr>
-        <p:txBody>
-          <a:bodyPr vert="horz" lIns="91440" tIns="45720" rIns="91440" bIns="45720" rtlCol="0" anchor="b">
-            <a:normAutofit/>
-          </a:bodyPr>
-          <a:lstStyle/>
-          <a:p>
-            <a:r>
-              <a:rPr lang="en-US"/>
-              <a:t>Creating a GitHub repository</a:t>
-            </a:r>
-          </a:p>
-        </p:txBody>
-      </p:sp>
-      <p:pic>
-        <p:nvPicPr>
-          <p:cNvPr id="5" name="Content Placeholder 4" descr="Graphical user interface, text, application, email&#10;&#10;Description automatically generated">
-            <a:extLst>
-              <a:ext uri="{FF2B5EF4-FFF2-40B4-BE49-F238E27FC236}">
-                <a16:creationId xmlns:a16="http://schemas.microsoft.com/office/drawing/2014/main" id="{F2C32599-4147-4821-984E-E511BEA4BF20}"/>
-              </a:ext>
-            </a:extLst>
-          </p:cNvPr>
-          <p:cNvPicPr>
-            <a:picLocks noChangeAspect="1"/>
-          </p:cNvPicPr>
-          <p:nvPr/>
-        </p:nvPicPr>
-        <p:blipFill>
-          <a:blip r:embed="rId3"/>
-          <a:stretch>
-            <a:fillRect/>
-          </a:stretch>
-        </p:blipFill>
-        <p:spPr>
-          <a:xfrm>
-            <a:off x="6190937" y="1187718"/>
-            <a:ext cx="5124174" cy="2510844"/>
-          </a:xfrm>
-          <a:prstGeom prst="rect">
-            <a:avLst/>
-          </a:prstGeom>
-        </p:spPr>
-      </p:pic>
-      <p:pic>
-        <p:nvPicPr>
-          <p:cNvPr id="6" name="Content Placeholder 4" descr="Graphical user interface, text, application&#10;&#10;Description automatically generated">
-            <a:extLst>
-              <a:ext uri="{FF2B5EF4-FFF2-40B4-BE49-F238E27FC236}">
-                <a16:creationId xmlns:a16="http://schemas.microsoft.com/office/drawing/2014/main" id="{83505CD7-3D9A-498B-9FDD-1F1BAD5BE7BE}"/>
-              </a:ext>
-            </a:extLst>
-          </p:cNvPr>
-          <p:cNvPicPr>
-            <a:picLocks noGrp="1" noChangeAspect="1"/>
-          </p:cNvPicPr>
-          <p:nvPr>
-            <p:ph idx="1"/>
-          </p:nvPr>
-        </p:nvPicPr>
-        <p:blipFill>
-          <a:blip r:embed="rId4"/>
-          <a:stretch>
-            <a:fillRect/>
-          </a:stretch>
-        </p:blipFill>
-        <p:spPr>
-          <a:xfrm>
-            <a:off x="871706" y="1881833"/>
-            <a:ext cx="5129359" cy="769404"/>
-          </a:xfrm>
-          <a:prstGeom prst="rect">
-            <a:avLst/>
-          </a:prstGeom>
-        </p:spPr>
-      </p:pic>
-    </p:spTree>
-    <p:extLst>
-      <p:ext uri="{BB962C8B-B14F-4D97-AF65-F5344CB8AC3E}">
-        <p14:creationId xmlns:p14="http://schemas.microsoft.com/office/powerpoint/2010/main" val="2068236389"/>
-      </p:ext>
-    </p:extLst>
-  </p:cSld>
-  <p:clrMapOvr>
-    <a:masterClrMapping/>
-  </p:clrMapOvr>
-  <mc:AlternateContent xmlns:mc="http://schemas.openxmlformats.org/markup-compatibility/2006">
-    <mc:Choice xmlns:p15="http://schemas.microsoft.com/office/powerpoint/2012/main" Requires="p15">
-      <p:transition xmlns:p14="http://schemas.microsoft.com/office/powerpoint/2010/main" spd="slow" p14:dur="1250">
-        <p15:prstTrans prst="peelOff"/>
-      </p:transition>
-    </mc:Choice>
-    <mc:Fallback>
-      <p:transition spd="slow">
-        <p:fade/>
-      </p:transition>
-    </mc:Fallback>
-  </mc:AlternateContent>
-</p:sld>
-</file>
-
-<file path=ppt/slides/slide9.xml><?xml version="1.0" encoding="utf-8"?>
-<p:sld xmlns:a="http://schemas.openxmlformats.org/drawingml/2006/main" xmlns:r="http://schemas.openxmlformats.org/officeDocument/2006/relationships" xmlns:p="http://schemas.openxmlformats.org/presentationml/2006/main">
-  <p:cSld>
-    <p:bg>
-      <p:bgPr>
-        <a:solidFill>
-          <a:schemeClr val="bg2"/>
-        </a:solidFill>
-        <a:effectLst/>
-      </p:bgPr>
-    </p:bg>
-    <p:spTree>
-      <p:nvGrpSpPr>
-        <p:cNvPr id="1" name=""/>
-        <p:cNvGrpSpPr/>
-        <p:nvPr/>
-      </p:nvGrpSpPr>
-      <p:grpSpPr>
-        <a:xfrm>
-          <a:off x="0" y="0"/>
-          <a:ext cx="0" cy="0"/>
-          <a:chOff x="0" y="0"/>
-          <a:chExt cx="0" cy="0"/>
-        </a:xfrm>
-      </p:grpSpPr>
-      <p:sp>
-        <p:nvSpPr>
-          <p:cNvPr id="18" name="Rectangle 17">
-            <a:extLst>
-              <a:ext uri="{FF2B5EF4-FFF2-40B4-BE49-F238E27FC236}">
-                <a16:creationId xmlns:a16="http://schemas.microsoft.com/office/drawing/2014/main" id="{24DFCA1B-EBDC-4E7D-A427-8ABCF48723C2}"/>
-              </a:ext>
-              <a:ext uri="{C183D7F6-B498-43B3-948B-1728B52AA6E4}">
-                <adec:decorative xmlns:adec="http://schemas.microsoft.com/office/drawing/2017/decorative" val="1"/>
-              </a:ext>
-            </a:extLst>
-          </p:cNvPr>
-          <p:cNvSpPr>
-            <a:spLocks noGrp="1" noRot="1" noChangeAspect="1" noMove="1" noResize="1" noEditPoints="1" noAdjustHandles="1" noChangeArrowheads="1" noChangeShapeType="1" noTextEdit="1"/>
-          </p:cNvSpPr>
-          <p:nvPr>
-            <p:extLst>
-              <p:ext uri="{386F3935-93C4-4BCD-93E2-E3B085C9AB24}">
-                <p16:designElem xmlns:p16="http://schemas.microsoft.com/office/powerpoint/2015/main" val="1"/>
-              </p:ext>
-            </p:extLst>
-          </p:nvPr>
-        </p:nvSpPr>
-        <p:spPr>
-          <a:xfrm>
-            <a:off x="0" y="0"/>
-            <a:ext cx="12188952" cy="6858000"/>
+            <a:off x="4573" y="0"/>
+            <a:ext cx="12187427" cy="6858000"/>
           </a:xfrm>
           <a:prstGeom prst="rect">
             <a:avLst/>
           </a:prstGeom>
           <a:solidFill>
-            <a:schemeClr val="tx1"/>
+            <a:schemeClr val="bg1"/>
           </a:solidFill>
           <a:ln>
             <a:noFill/>
@@ -21329,10 +17858,10 @@
       </p:sp>
       <p:sp>
         <p:nvSpPr>
-          <p:cNvPr id="20" name="Freeform 23">
+          <p:cNvPr id="11" name="Freeform 23">
             <a:extLst>
               <a:ext uri="{FF2B5EF4-FFF2-40B4-BE49-F238E27FC236}">
-                <a16:creationId xmlns:a16="http://schemas.microsoft.com/office/drawing/2014/main" id="{685C60B6-0810-4355-895B-4513096D38DD}"/>
+                <a16:creationId xmlns:a16="http://schemas.microsoft.com/office/drawing/2014/main" id="{7B8FAACC-353E-4F84-BA62-A5514185D9A9}"/>
               </a:ext>
               <a:ext uri="{C183D7F6-B498-43B3-948B-1728B52AA6E4}">
                 <adec:decorative xmlns:adec="http://schemas.microsoft.com/office/drawing/2017/decorative" val="1"/>
@@ -21351,8 +17880,8 @@
           </p:nvPr>
         </p:nvSpPr>
         <p:spPr bwMode="white">
-          <a:xfrm>
-            <a:off x="0" y="0"/>
+          <a:xfrm flipH="1">
+            <a:off x="7554995" y="0"/>
             <a:ext cx="4637005" cy="6858000"/>
           </a:xfrm>
           <a:custGeom>
@@ -21490,10 +18019,787 @@
             </a:pathLst>
           </a:custGeom>
           <a:solidFill>
-            <a:schemeClr val="bg1">
-              <a:lumMod val="85000"/>
-              <a:lumOff val="15000"/>
-            </a:schemeClr>
+            <a:srgbClr val="212121"/>
+          </a:solidFill>
+          <a:ln>
+            <a:noFill/>
+            <a:headEnd/>
+            <a:tailEnd/>
+          </a:ln>
+        </p:spPr>
+        <p:style>
+          <a:lnRef idx="1">
+            <a:schemeClr val="accent1"/>
+          </a:lnRef>
+          <a:fillRef idx="3">
+            <a:schemeClr val="accent1"/>
+          </a:fillRef>
+          <a:effectRef idx="2">
+            <a:schemeClr val="accent1"/>
+          </a:effectRef>
+          <a:fontRef idx="minor">
+            <a:schemeClr val="lt1"/>
+          </a:fontRef>
+        </p:style>
+        <p:txBody>
+          <a:bodyPr wrap="square" rtlCol="0" anchor="ctr">
+            <a:noAutofit/>
+          </a:bodyPr>
+          <a:lstStyle/>
+          <a:p>
+            <a:pPr algn="ctr"/>
+            <a:endParaRPr lang="en-US"/>
+          </a:p>
+        </p:txBody>
+      </p:sp>
+      <p:sp>
+        <p:nvSpPr>
+          <p:cNvPr id="2" name="Title 1">
+            <a:extLst>
+              <a:ext uri="{FF2B5EF4-FFF2-40B4-BE49-F238E27FC236}">
+                <a16:creationId xmlns:a16="http://schemas.microsoft.com/office/drawing/2014/main" id="{5F274CB0-41DD-464F-886F-D0BA5BB2F066}"/>
+              </a:ext>
+            </a:extLst>
+          </p:cNvPr>
+          <p:cNvSpPr>
+            <a:spLocks noGrp="1"/>
+          </p:cNvSpPr>
+          <p:nvPr>
+            <p:ph type="title"/>
+          </p:nvPr>
+        </p:nvSpPr>
+        <p:spPr>
+          <a:xfrm>
+            <a:off x="8164749" y="457201"/>
+            <a:ext cx="3575737" cy="1332688"/>
+          </a:xfrm>
+        </p:spPr>
+        <p:txBody>
+          <a:bodyPr anchor="b">
+            <a:normAutofit/>
+          </a:bodyPr>
+          <a:lstStyle/>
+          <a:p>
+            <a:pPr algn="ctr"/>
+            <a:r>
+              <a:rPr lang="en-TT" sz="3200">
+                <a:solidFill>
+                  <a:srgbClr val="FFFFFF"/>
+                </a:solidFill>
+              </a:rPr>
+              <a:t>Installing Git</a:t>
+            </a:r>
+            <a:br>
+              <a:rPr lang="en-TT" sz="3200">
+                <a:solidFill>
+                  <a:srgbClr val="FFFFFF"/>
+                </a:solidFill>
+              </a:rPr>
+            </a:br>
+            <a:endParaRPr lang="en-TT" sz="3200">
+              <a:solidFill>
+                <a:srgbClr val="FFFFFF"/>
+              </a:solidFill>
+            </a:endParaRPr>
+          </a:p>
+        </p:txBody>
+      </p:sp>
+      <p:pic>
+        <p:nvPicPr>
+          <p:cNvPr id="4" name="Picture 3" descr="A picture containing logo&#10;&#10;Description automatically generated">
+            <a:extLst>
+              <a:ext uri="{FF2B5EF4-FFF2-40B4-BE49-F238E27FC236}">
+                <a16:creationId xmlns:a16="http://schemas.microsoft.com/office/drawing/2014/main" id="{55A2510F-0643-412B-BDCF-4C16ECB91B28}"/>
+              </a:ext>
+            </a:extLst>
+          </p:cNvPr>
+          <p:cNvPicPr>
+            <a:picLocks noChangeAspect="1"/>
+          </p:cNvPicPr>
+          <p:nvPr/>
+        </p:nvPicPr>
+        <p:blipFill>
+          <a:blip r:embed="rId3"/>
+          <a:stretch>
+            <a:fillRect/>
+          </a:stretch>
+        </p:blipFill>
+        <p:spPr>
+          <a:xfrm>
+            <a:off x="463961" y="769460"/>
+            <a:ext cx="6612856" cy="4959642"/>
+          </a:xfrm>
+          <a:prstGeom prst="roundRect">
+            <a:avLst>
+              <a:gd name="adj" fmla="val 3876"/>
+            </a:avLst>
+          </a:prstGeom>
+          <a:ln>
+            <a:solidFill>
+              <a:schemeClr val="accent1"/>
+            </a:solidFill>
+          </a:ln>
+          <a:effectLst/>
+        </p:spPr>
+      </p:pic>
+      <p:sp>
+        <p:nvSpPr>
+          <p:cNvPr id="3" name="Content Placeholder 2">
+            <a:extLst>
+              <a:ext uri="{FF2B5EF4-FFF2-40B4-BE49-F238E27FC236}">
+                <a16:creationId xmlns:a16="http://schemas.microsoft.com/office/drawing/2014/main" id="{E8F69A9E-8D98-4ABA-B2BD-67411C1A155A}"/>
+              </a:ext>
+            </a:extLst>
+          </p:cNvPr>
+          <p:cNvSpPr>
+            <a:spLocks noGrp="1"/>
+          </p:cNvSpPr>
+          <p:nvPr>
+            <p:ph idx="1"/>
+          </p:nvPr>
+        </p:nvSpPr>
+        <p:spPr>
+          <a:xfrm>
+            <a:off x="8164749" y="2024743"/>
+            <a:ext cx="3575737" cy="4016619"/>
+          </a:xfrm>
+        </p:spPr>
+        <p:txBody>
+          <a:bodyPr>
+            <a:normAutofit/>
+          </a:bodyPr>
+          <a:lstStyle/>
+          <a:p>
+            <a:r>
+              <a:rPr lang="en-TT" sz="1600" dirty="0">
+                <a:solidFill>
+                  <a:srgbClr val="FFFFFF"/>
+                </a:solidFill>
+              </a:rPr>
+              <a:t>To install git you can download it from the website -&gt; </a:t>
+            </a:r>
+            <a:r>
+              <a:rPr lang="en-TT" sz="1600" dirty="0">
+                <a:solidFill>
+                  <a:srgbClr val="FFFFFF"/>
+                </a:solidFill>
+                <a:hlinkClick r:id="rId4"/>
+              </a:rPr>
+              <a:t>https://git-scm.com/</a:t>
+            </a:r>
+            <a:endParaRPr lang="en-TT" sz="1600" dirty="0">
+              <a:solidFill>
+                <a:srgbClr val="FFFFFF"/>
+              </a:solidFill>
+            </a:endParaRPr>
+          </a:p>
+          <a:p>
+            <a:endParaRPr lang="en-TT" sz="1600" dirty="0">
+              <a:solidFill>
+                <a:srgbClr val="FFFFFF"/>
+              </a:solidFill>
+            </a:endParaRPr>
+          </a:p>
+          <a:p>
+            <a:endParaRPr lang="en-TT" sz="1600" dirty="0">
+              <a:solidFill>
+                <a:srgbClr val="FFFFFF"/>
+              </a:solidFill>
+            </a:endParaRPr>
+          </a:p>
+          <a:p>
+            <a:endParaRPr lang="en-TT" sz="1600" dirty="0">
+              <a:solidFill>
+                <a:srgbClr val="FFFFFF"/>
+              </a:solidFill>
+            </a:endParaRPr>
+          </a:p>
+        </p:txBody>
+      </p:sp>
+    </p:spTree>
+    <p:extLst>
+      <p:ext uri="{BB962C8B-B14F-4D97-AF65-F5344CB8AC3E}">
+        <p14:creationId xmlns:p14="http://schemas.microsoft.com/office/powerpoint/2010/main" val="1058512360"/>
+      </p:ext>
+    </p:extLst>
+  </p:cSld>
+  <p:clrMapOvr>
+    <a:overrideClrMapping bg1="lt1" tx1="dk1" bg2="lt2" tx2="dk2" accent1="accent1" accent2="accent2" accent3="accent3" accent4="accent4" accent5="accent5" accent6="accent6" hlink="hlink" folHlink="folHlink"/>
+  </p:clrMapOvr>
+  <mc:AlternateContent xmlns:mc="http://schemas.openxmlformats.org/markup-compatibility/2006" xmlns:p15="http://schemas.microsoft.com/office/powerpoint/2012/main">
+    <mc:Choice Requires="p15">
+      <p:transition xmlns:p14="http://schemas.microsoft.com/office/powerpoint/2010/main" spd="slow" p14:dur="1250">
+        <p15:prstTrans prst="peelOff"/>
+      </p:transition>
+    </mc:Choice>
+    <mc:Fallback xmlns="">
+      <p:transition spd="slow">
+        <p:fade/>
+      </p:transition>
+    </mc:Fallback>
+  </mc:AlternateContent>
+</p:sld>
+</file>
+
+<file path=ppt/slides/slide6.xml><?xml version="1.0" encoding="utf-8"?>
+<p:sld xmlns:a="http://schemas.openxmlformats.org/drawingml/2006/main" xmlns:r="http://schemas.openxmlformats.org/officeDocument/2006/relationships" xmlns:p="http://schemas.openxmlformats.org/presentationml/2006/main" show="0">
+  <p:cSld>
+    <p:bg>
+      <p:bgPr>
+        <a:solidFill>
+          <a:schemeClr val="bg2"/>
+        </a:solidFill>
+        <a:effectLst/>
+      </p:bgPr>
+    </p:bg>
+    <p:spTree>
+      <p:nvGrpSpPr>
+        <p:cNvPr id="1" name=""/>
+        <p:cNvGrpSpPr/>
+        <p:nvPr/>
+      </p:nvGrpSpPr>
+      <p:grpSpPr>
+        <a:xfrm>
+          <a:off x="0" y="0"/>
+          <a:ext cx="0" cy="0"/>
+          <a:chOff x="0" y="0"/>
+          <a:chExt cx="0" cy="0"/>
+        </a:xfrm>
+      </p:grpSpPr>
+      <p:sp>
+        <p:nvSpPr>
+          <p:cNvPr id="2" name="Title 1">
+            <a:extLst>
+              <a:ext uri="{FF2B5EF4-FFF2-40B4-BE49-F238E27FC236}">
+                <a16:creationId xmlns:a16="http://schemas.microsoft.com/office/drawing/2014/main" id="{06C66B94-2447-4A68-AB30-36CC61554696}"/>
+              </a:ext>
+            </a:extLst>
+          </p:cNvPr>
+          <p:cNvSpPr>
+            <a:spLocks noGrp="1"/>
+          </p:cNvSpPr>
+          <p:nvPr>
+            <p:ph type="title"/>
+          </p:nvPr>
+        </p:nvSpPr>
+        <p:spPr>
+          <a:xfrm>
+            <a:off x="451515" y="1734857"/>
+            <a:ext cx="3765483" cy="3388287"/>
+          </a:xfrm>
+        </p:spPr>
+        <p:txBody>
+          <a:bodyPr anchor="ctr">
+            <a:normAutofit/>
+          </a:bodyPr>
+          <a:lstStyle/>
+          <a:p>
+            <a:r>
+              <a:rPr lang="en-TT" dirty="0"/>
+              <a:t>Configuring Git to open text editor</a:t>
+            </a:r>
+          </a:p>
+        </p:txBody>
+      </p:sp>
+      <p:sp>
+        <p:nvSpPr>
+          <p:cNvPr id="3" name="Content Placeholder 2">
+            <a:extLst>
+              <a:ext uri="{FF2B5EF4-FFF2-40B4-BE49-F238E27FC236}">
+                <a16:creationId xmlns:a16="http://schemas.microsoft.com/office/drawing/2014/main" id="{24EF0B42-30B7-45CD-A03B-171029C7CCA2}"/>
+              </a:ext>
+            </a:extLst>
+          </p:cNvPr>
+          <p:cNvSpPr>
+            <a:spLocks noGrp="1"/>
+          </p:cNvSpPr>
+          <p:nvPr>
+            <p:ph idx="1"/>
+          </p:nvPr>
+        </p:nvSpPr>
+        <p:spPr>
+          <a:xfrm>
+            <a:off x="6008068" y="978993"/>
+            <a:ext cx="5365218" cy="4900014"/>
+          </a:xfrm>
+          <a:effectLst/>
+        </p:spPr>
+        <p:txBody>
+          <a:bodyPr>
+            <a:normAutofit/>
+          </a:bodyPr>
+          <a:lstStyle/>
+          <a:p>
+            <a:r>
+              <a:rPr lang="en-TT" dirty="0"/>
+              <a:t>git config –global </a:t>
+            </a:r>
+            <a:r>
+              <a:rPr lang="en-TT" dirty="0" err="1"/>
+              <a:t>core.editor</a:t>
+            </a:r>
+            <a:r>
+              <a:rPr lang="en-TT" dirty="0"/>
+              <a:t> “code –wait”</a:t>
+            </a:r>
+          </a:p>
+          <a:p>
+            <a:r>
+              <a:rPr lang="en-TT" dirty="0"/>
+              <a:t>Link to download Visual Studio Code text editor </a:t>
+            </a:r>
+            <a:br>
+              <a:rPr lang="en-TT" dirty="0"/>
+            </a:br>
+            <a:r>
+              <a:rPr lang="en-TT" dirty="0"/>
+              <a:t>https://code.visualstudio.com</a:t>
+            </a:r>
+          </a:p>
+          <a:p>
+            <a:endParaRPr lang="en-TT" dirty="0"/>
+          </a:p>
+        </p:txBody>
+      </p:sp>
+      <p:pic>
+        <p:nvPicPr>
+          <p:cNvPr id="5" name="Picture 4" descr="Logo&#10;&#10;Description automatically generated">
+            <a:extLst>
+              <a:ext uri="{FF2B5EF4-FFF2-40B4-BE49-F238E27FC236}">
+                <a16:creationId xmlns:a16="http://schemas.microsoft.com/office/drawing/2014/main" id="{C3209409-C002-43AB-8D3D-5F8EF904A634}"/>
+              </a:ext>
+            </a:extLst>
+          </p:cNvPr>
+          <p:cNvPicPr>
+            <a:picLocks noChangeAspect="1"/>
+          </p:cNvPicPr>
+          <p:nvPr/>
+        </p:nvPicPr>
+        <p:blipFill>
+          <a:blip r:embed="rId3"/>
+          <a:stretch>
+            <a:fillRect/>
+          </a:stretch>
+        </p:blipFill>
+        <p:spPr>
+          <a:xfrm>
+            <a:off x="7307413" y="277532"/>
+            <a:ext cx="3133725" cy="1457325"/>
+          </a:xfrm>
+          <a:prstGeom prst="rect">
+            <a:avLst/>
+          </a:prstGeom>
+          <a:ln>
+            <a:noFill/>
+          </a:ln>
+          <a:effectLst>
+            <a:outerShdw blurRad="292100" dist="139700" dir="2700000" algn="tl" rotWithShape="0">
+              <a:srgbClr val="333333">
+                <a:alpha val="65000"/>
+              </a:srgbClr>
+            </a:outerShdw>
+          </a:effectLst>
+        </p:spPr>
+      </p:pic>
+    </p:spTree>
+    <p:extLst>
+      <p:ext uri="{BB962C8B-B14F-4D97-AF65-F5344CB8AC3E}">
+        <p14:creationId xmlns:p14="http://schemas.microsoft.com/office/powerpoint/2010/main" val="730433051"/>
+      </p:ext>
+    </p:extLst>
+  </p:cSld>
+  <p:clrMapOvr>
+    <a:masterClrMapping/>
+  </p:clrMapOvr>
+  <mc:AlternateContent xmlns:mc="http://schemas.openxmlformats.org/markup-compatibility/2006">
+    <mc:Choice xmlns:p15="http://schemas.microsoft.com/office/powerpoint/2012/main" Requires="p15">
+      <p:transition xmlns:p14="http://schemas.microsoft.com/office/powerpoint/2010/main" spd="slow" p14:dur="1250">
+        <p15:prstTrans prst="peelOff"/>
+      </p:transition>
+    </mc:Choice>
+    <mc:Fallback>
+      <p:transition spd="slow">
+        <p:fade/>
+      </p:transition>
+    </mc:Fallback>
+  </mc:AlternateContent>
+</p:sld>
+</file>
+
+<file path=ppt/slides/slide7.xml><?xml version="1.0" encoding="utf-8"?>
+<p:sld xmlns:a="http://schemas.openxmlformats.org/drawingml/2006/main" xmlns:r="http://schemas.openxmlformats.org/officeDocument/2006/relationships" xmlns:p="http://schemas.openxmlformats.org/presentationml/2006/main">
+  <p:cSld>
+    <p:bg>
+      <p:bgPr>
+        <a:solidFill>
+          <a:schemeClr val="bg1"/>
+        </a:solidFill>
+        <a:effectLst/>
+      </p:bgPr>
+    </p:bg>
+    <p:spTree>
+      <p:nvGrpSpPr>
+        <p:cNvPr id="1" name=""/>
+        <p:cNvGrpSpPr/>
+        <p:nvPr/>
+      </p:nvGrpSpPr>
+      <p:grpSpPr>
+        <a:xfrm>
+          <a:off x="0" y="0"/>
+          <a:ext cx="0" cy="0"/>
+          <a:chOff x="0" y="0"/>
+          <a:chExt cx="0" cy="0"/>
+        </a:xfrm>
+      </p:grpSpPr>
+      <p:sp>
+        <p:nvSpPr>
+          <p:cNvPr id="9" name="Freeform 6">
+            <a:extLst>
+              <a:ext uri="{FF2B5EF4-FFF2-40B4-BE49-F238E27FC236}">
+                <a16:creationId xmlns:a16="http://schemas.microsoft.com/office/drawing/2014/main" id="{133F8CB7-795C-4272-9073-64D8CF97F220}"/>
+              </a:ext>
+              <a:ext uri="{C183D7F6-B498-43B3-948B-1728B52AA6E4}">
+                <adec:decorative xmlns:adec="http://schemas.microsoft.com/office/drawing/2017/decorative" val="1"/>
+              </a:ext>
+            </a:extLst>
+          </p:cNvPr>
+          <p:cNvSpPr>
+            <a:spLocks noGrp="1" noRot="1" noChangeAspect="1" noMove="1" noResize="1" noEditPoints="1" noAdjustHandles="1" noChangeArrowheads="1" noChangeShapeType="1" noTextEdit="1"/>
+          </p:cNvSpPr>
+          <p:nvPr>
+            <p:extLst>
+              <p:ext uri="{386F3935-93C4-4BCD-93E2-E3B085C9AB24}">
+                <p16:designElem xmlns:p16="http://schemas.microsoft.com/office/powerpoint/2015/main" val="1"/>
+              </p:ext>
+            </p:extLst>
+          </p:nvPr>
+        </p:nvSpPr>
+        <p:spPr bwMode="auto">
+          <a:xfrm>
+            <a:off x="0" y="-3175"/>
+            <a:ext cx="12192000" cy="5203825"/>
+          </a:xfrm>
+          <a:custGeom>
+            <a:avLst/>
+            <a:gdLst/>
+            <a:ahLst/>
+            <a:cxnLst/>
+            <a:rect l="0" t="0" r="r" b="b"/>
+            <a:pathLst>
+              <a:path w="5760" h="3278">
+                <a:moveTo>
+                  <a:pt x="5760" y="0"/>
+                </a:moveTo>
+                <a:lnTo>
+                  <a:pt x="0" y="0"/>
+                </a:lnTo>
+                <a:lnTo>
+                  <a:pt x="0" y="3090"/>
+                </a:lnTo>
+                <a:lnTo>
+                  <a:pt x="943" y="3090"/>
+                </a:lnTo>
+                <a:lnTo>
+                  <a:pt x="1123" y="3270"/>
+                </a:lnTo>
+                <a:lnTo>
+                  <a:pt x="1123" y="3270"/>
+                </a:lnTo>
+                <a:lnTo>
+                  <a:pt x="1127" y="3272"/>
+                </a:lnTo>
+                <a:lnTo>
+                  <a:pt x="1133" y="3275"/>
+                </a:lnTo>
+                <a:lnTo>
+                  <a:pt x="1139" y="3278"/>
+                </a:lnTo>
+                <a:lnTo>
+                  <a:pt x="1144" y="3278"/>
+                </a:lnTo>
+                <a:lnTo>
+                  <a:pt x="1150" y="3278"/>
+                </a:lnTo>
+                <a:lnTo>
+                  <a:pt x="1155" y="3275"/>
+                </a:lnTo>
+                <a:lnTo>
+                  <a:pt x="1161" y="3272"/>
+                </a:lnTo>
+                <a:lnTo>
+                  <a:pt x="1165" y="3270"/>
+                </a:lnTo>
+                <a:lnTo>
+                  <a:pt x="1345" y="3090"/>
+                </a:lnTo>
+                <a:lnTo>
+                  <a:pt x="5760" y="3090"/>
+                </a:lnTo>
+                <a:lnTo>
+                  <a:pt x="5760" y="0"/>
+                </a:lnTo>
+                <a:close/>
+              </a:path>
+            </a:pathLst>
+          </a:custGeom>
+          <a:ln/>
+          <a:effectLst/>
+          <a:extLst>
+            <a:ext uri="{91240B29-F687-4f45-9708-019B960494DF}">
+              <a14:hiddenLine xmlns:a14="http://schemas.microsoft.com/office/drawing/2010/main" xmlns:p14="http://schemas.microsoft.com/office/powerpoint/2010/main" xmlns:a16="http://schemas.microsoft.com/office/drawing/2014/main" xmlns="" w="9525">
+                <a:solidFill>
+                  <a:srgbClr val="000000"/>
+                </a:solidFill>
+                <a:round/>
+                <a:headEnd/>
+                <a:tailEnd/>
+              </a14:hiddenLine>
+            </a:ext>
+          </a:extLst>
+        </p:spPr>
+        <p:style>
+          <a:lnRef idx="1">
+            <a:schemeClr val="accent1"/>
+          </a:lnRef>
+          <a:fillRef idx="3">
+            <a:schemeClr val="accent1"/>
+          </a:fillRef>
+          <a:effectRef idx="2">
+            <a:schemeClr val="accent1"/>
+          </a:effectRef>
+          <a:fontRef idx="minor">
+            <a:schemeClr val="lt1"/>
+          </a:fontRef>
+        </p:style>
+      </p:sp>
+      <p:sp>
+        <p:nvSpPr>
+          <p:cNvPr id="11" name="Freeform: Shape 10">
+            <a:extLst>
+              <a:ext uri="{FF2B5EF4-FFF2-40B4-BE49-F238E27FC236}">
+                <a16:creationId xmlns:a16="http://schemas.microsoft.com/office/drawing/2014/main" id="{9610F818-219E-491F-887F-B078103BA2B4}"/>
+              </a:ext>
+              <a:ext uri="{C183D7F6-B498-43B3-948B-1728B52AA6E4}">
+                <adec:decorative xmlns:adec="http://schemas.microsoft.com/office/drawing/2017/decorative" val="1"/>
+              </a:ext>
+            </a:extLst>
+          </p:cNvPr>
+          <p:cNvSpPr>
+            <a:spLocks noGrp="1" noRot="1" noChangeAspect="1" noMove="1" noResize="1" noEditPoints="1" noAdjustHandles="1" noChangeArrowheads="1" noChangeShapeType="1" noTextEdit="1"/>
+          </p:cNvSpPr>
+          <p:nvPr>
+            <p:extLst>
+              <p:ext uri="{386F3935-93C4-4BCD-93E2-E3B085C9AB24}">
+                <p16:designElem xmlns:p16="http://schemas.microsoft.com/office/powerpoint/2015/main" val="1"/>
+              </p:ext>
+            </p:extLst>
+          </p:nvPr>
+        </p:nvSpPr>
+        <p:spPr>
+          <a:xfrm>
+            <a:off x="-2" y="3739895"/>
+            <a:ext cx="12192000" cy="3118104"/>
+          </a:xfrm>
+          <a:custGeom>
+            <a:avLst/>
+            <a:gdLst>
+              <a:gd name="connsiteX0" fmla="*/ 0 w 12192000"/>
+              <a:gd name="connsiteY0" fmla="*/ 0 h 3118104"/>
+              <a:gd name="connsiteX1" fmla="*/ 3676329 w 12192000"/>
+              <a:gd name="connsiteY1" fmla="*/ 0 h 3118104"/>
+              <a:gd name="connsiteX2" fmla="*/ 5595257 w 12192000"/>
+              <a:gd name="connsiteY2" fmla="*/ 0 h 3118104"/>
+              <a:gd name="connsiteX3" fmla="*/ 5672349 w 12192000"/>
+              <a:gd name="connsiteY3" fmla="*/ 0 h 3118104"/>
+              <a:gd name="connsiteX4" fmla="*/ 6053347 w 12192000"/>
+              <a:gd name="connsiteY4" fmla="*/ 263783 h 3118104"/>
+              <a:gd name="connsiteX5" fmla="*/ 6061813 w 12192000"/>
+              <a:gd name="connsiteY5" fmla="*/ 266713 h 3118104"/>
+              <a:gd name="connsiteX6" fmla="*/ 6074513 w 12192000"/>
+              <a:gd name="connsiteY6" fmla="*/ 271110 h 3118104"/>
+              <a:gd name="connsiteX7" fmla="*/ 6087212 w 12192000"/>
+              <a:gd name="connsiteY7" fmla="*/ 275506 h 3118104"/>
+              <a:gd name="connsiteX8" fmla="*/ 6097797 w 12192000"/>
+              <a:gd name="connsiteY8" fmla="*/ 275506 h 3118104"/>
+              <a:gd name="connsiteX9" fmla="*/ 6110496 w 12192000"/>
+              <a:gd name="connsiteY9" fmla="*/ 275506 h 3118104"/>
+              <a:gd name="connsiteX10" fmla="*/ 6121079 w 12192000"/>
+              <a:gd name="connsiteY10" fmla="*/ 271110 h 3118104"/>
+              <a:gd name="connsiteX11" fmla="*/ 6133779 w 12192000"/>
+              <a:gd name="connsiteY11" fmla="*/ 266713 h 3118104"/>
+              <a:gd name="connsiteX12" fmla="*/ 6142246 w 12192000"/>
+              <a:gd name="connsiteY12" fmla="*/ 263783 h 3118104"/>
+              <a:gd name="connsiteX13" fmla="*/ 6523247 w 12192000"/>
+              <a:gd name="connsiteY13" fmla="*/ 0 h 3118104"/>
+              <a:gd name="connsiteX14" fmla="*/ 6596743 w 12192000"/>
+              <a:gd name="connsiteY14" fmla="*/ 0 h 3118104"/>
+              <a:gd name="connsiteX15" fmla="*/ 12186115 w 12192000"/>
+              <a:gd name="connsiteY15" fmla="*/ 0 h 3118104"/>
+              <a:gd name="connsiteX16" fmla="*/ 12192000 w 12192000"/>
+              <a:gd name="connsiteY16" fmla="*/ 0 h 3118104"/>
+              <a:gd name="connsiteX17" fmla="*/ 12192000 w 12192000"/>
+              <a:gd name="connsiteY17" fmla="*/ 3118104 h 3118104"/>
+              <a:gd name="connsiteX18" fmla="*/ 7728858 w 12192000"/>
+              <a:gd name="connsiteY18" fmla="*/ 3118104 h 3118104"/>
+              <a:gd name="connsiteX19" fmla="*/ 6596743 w 12192000"/>
+              <a:gd name="connsiteY19" fmla="*/ 3118104 h 3118104"/>
+              <a:gd name="connsiteX20" fmla="*/ 5595257 w 12192000"/>
+              <a:gd name="connsiteY20" fmla="*/ 3118104 h 3118104"/>
+              <a:gd name="connsiteX21" fmla="*/ 2906487 w 12192000"/>
+              <a:gd name="connsiteY21" fmla="*/ 3118104 h 3118104"/>
+              <a:gd name="connsiteX22" fmla="*/ 0 w 12192000"/>
+              <a:gd name="connsiteY22" fmla="*/ 3118104 h 3118104"/>
+            </a:gdLst>
+            <a:ahLst/>
+            <a:cxnLst>
+              <a:cxn ang="0">
+                <a:pos x="connsiteX0" y="connsiteY0"/>
+              </a:cxn>
+              <a:cxn ang="0">
+                <a:pos x="connsiteX1" y="connsiteY1"/>
+              </a:cxn>
+              <a:cxn ang="0">
+                <a:pos x="connsiteX2" y="connsiteY2"/>
+              </a:cxn>
+              <a:cxn ang="0">
+                <a:pos x="connsiteX3" y="connsiteY3"/>
+              </a:cxn>
+              <a:cxn ang="0">
+                <a:pos x="connsiteX4" y="connsiteY4"/>
+              </a:cxn>
+              <a:cxn ang="0">
+                <a:pos x="connsiteX5" y="connsiteY5"/>
+              </a:cxn>
+              <a:cxn ang="0">
+                <a:pos x="connsiteX6" y="connsiteY6"/>
+              </a:cxn>
+              <a:cxn ang="0">
+                <a:pos x="connsiteX7" y="connsiteY7"/>
+              </a:cxn>
+              <a:cxn ang="0">
+                <a:pos x="connsiteX8" y="connsiteY8"/>
+              </a:cxn>
+              <a:cxn ang="0">
+                <a:pos x="connsiteX9" y="connsiteY9"/>
+              </a:cxn>
+              <a:cxn ang="0">
+                <a:pos x="connsiteX10" y="connsiteY10"/>
+              </a:cxn>
+              <a:cxn ang="0">
+                <a:pos x="connsiteX11" y="connsiteY11"/>
+              </a:cxn>
+              <a:cxn ang="0">
+                <a:pos x="connsiteX12" y="connsiteY12"/>
+              </a:cxn>
+              <a:cxn ang="0">
+                <a:pos x="connsiteX13" y="connsiteY13"/>
+              </a:cxn>
+              <a:cxn ang="0">
+                <a:pos x="connsiteX14" y="connsiteY14"/>
+              </a:cxn>
+              <a:cxn ang="0">
+                <a:pos x="connsiteX15" y="connsiteY15"/>
+              </a:cxn>
+              <a:cxn ang="0">
+                <a:pos x="connsiteX16" y="connsiteY16"/>
+              </a:cxn>
+              <a:cxn ang="0">
+                <a:pos x="connsiteX17" y="connsiteY17"/>
+              </a:cxn>
+              <a:cxn ang="0">
+                <a:pos x="connsiteX18" y="connsiteY18"/>
+              </a:cxn>
+              <a:cxn ang="0">
+                <a:pos x="connsiteX19" y="connsiteY19"/>
+              </a:cxn>
+              <a:cxn ang="0">
+                <a:pos x="connsiteX20" y="connsiteY20"/>
+              </a:cxn>
+              <a:cxn ang="0">
+                <a:pos x="connsiteX21" y="connsiteY21"/>
+              </a:cxn>
+              <a:cxn ang="0">
+                <a:pos x="connsiteX22" y="connsiteY22"/>
+              </a:cxn>
+            </a:cxnLst>
+            <a:rect l="l" t="t" r="r" b="b"/>
+            <a:pathLst>
+              <a:path w="12192000" h="3118104">
+                <a:moveTo>
+                  <a:pt x="0" y="0"/>
+                </a:moveTo>
+                <a:lnTo>
+                  <a:pt x="3676329" y="0"/>
+                </a:lnTo>
+                <a:lnTo>
+                  <a:pt x="5595257" y="0"/>
+                </a:lnTo>
+                <a:lnTo>
+                  <a:pt x="5672349" y="0"/>
+                </a:lnTo>
+                <a:lnTo>
+                  <a:pt x="6053347" y="263783"/>
+                </a:lnTo>
+                <a:lnTo>
+                  <a:pt x="6061813" y="266713"/>
+                </a:lnTo>
+                <a:lnTo>
+                  <a:pt x="6074513" y="271110"/>
+                </a:lnTo>
+                <a:lnTo>
+                  <a:pt x="6087212" y="275506"/>
+                </a:lnTo>
+                <a:lnTo>
+                  <a:pt x="6097797" y="275506"/>
+                </a:lnTo>
+                <a:lnTo>
+                  <a:pt x="6110496" y="275506"/>
+                </a:lnTo>
+                <a:lnTo>
+                  <a:pt x="6121079" y="271110"/>
+                </a:lnTo>
+                <a:lnTo>
+                  <a:pt x="6133779" y="266713"/>
+                </a:lnTo>
+                <a:lnTo>
+                  <a:pt x="6142246" y="263783"/>
+                </a:lnTo>
+                <a:lnTo>
+                  <a:pt x="6523247" y="0"/>
+                </a:lnTo>
+                <a:lnTo>
+                  <a:pt x="6596743" y="0"/>
+                </a:lnTo>
+                <a:lnTo>
+                  <a:pt x="12186115" y="0"/>
+                </a:lnTo>
+                <a:lnTo>
+                  <a:pt x="12192000" y="0"/>
+                </a:lnTo>
+                <a:lnTo>
+                  <a:pt x="12192000" y="3118104"/>
+                </a:lnTo>
+                <a:lnTo>
+                  <a:pt x="7728858" y="3118104"/>
+                </a:lnTo>
+                <a:lnTo>
+                  <a:pt x="6596743" y="3118104"/>
+                </a:lnTo>
+                <a:lnTo>
+                  <a:pt x="5595257" y="3118104"/>
+                </a:lnTo>
+                <a:lnTo>
+                  <a:pt x="2906487" y="3118104"/>
+                </a:lnTo>
+                <a:lnTo>
+                  <a:pt x="0" y="3118104"/>
+                </a:lnTo>
+                <a:close/>
+              </a:path>
+            </a:pathLst>
+          </a:custGeom>
+          <a:solidFill>
+            <a:srgbClr val="212121"/>
           </a:solidFill>
           <a:ln>
             <a:noFill/>
@@ -21516,16 +18822,654 @@
           </a:fontRef>
         </p:style>
         <p:txBody>
-          <a:bodyPr wrap="square" rtlCol="0" anchor="ctr">
-            <a:noAutofit/>
+          <a:bodyPr rtlCol="0" anchor="ctr"/>
+          <a:lstStyle/>
+          <a:p>
+            <a:pPr algn="ctr"/>
+            <a:endParaRPr lang="en-US"/>
+          </a:p>
+        </p:txBody>
+      </p:sp>
+      <p:sp>
+        <p:nvSpPr>
+          <p:cNvPr id="2" name="Title 1">
+            <a:extLst>
+              <a:ext uri="{FF2B5EF4-FFF2-40B4-BE49-F238E27FC236}">
+                <a16:creationId xmlns:a16="http://schemas.microsoft.com/office/drawing/2014/main" id="{4680A115-72AD-4AE3-A453-540448F33283}"/>
+              </a:ext>
+            </a:extLst>
+          </p:cNvPr>
+          <p:cNvSpPr>
+            <a:spLocks noGrp="1"/>
+          </p:cNvSpPr>
+          <p:nvPr>
+            <p:ph type="title"/>
+          </p:nvPr>
+        </p:nvSpPr>
+        <p:spPr>
+          <a:xfrm>
+            <a:off x="810001" y="4080386"/>
+            <a:ext cx="10572000" cy="1892804"/>
+          </a:xfrm>
+        </p:spPr>
+        <p:txBody>
+          <a:bodyPr vert="horz" lIns="91440" tIns="45720" rIns="91440" bIns="45720" rtlCol="0" anchor="b">
+            <a:normAutofit/>
           </a:bodyPr>
           <a:lstStyle/>
           <a:p>
+            <a:pPr algn="ctr">
+              <a:lnSpc>
+                <a:spcPct val="90000"/>
+              </a:lnSpc>
+            </a:pPr>
+            <a:r>
+              <a:rPr lang="en-US" sz="1600" dirty="0">
+                <a:solidFill>
+                  <a:srgbClr val="FFFFFF"/>
+                </a:solidFill>
+              </a:rPr>
+              <a:t>IT’S OPEN SOURCE!</a:t>
+            </a:r>
+            <a:br>
+              <a:rPr lang="en-US" sz="1600" dirty="0">
+                <a:solidFill>
+                  <a:srgbClr val="FFFFFF"/>
+                </a:solidFill>
+              </a:rPr>
+            </a:br>
+            <a:r>
+              <a:rPr lang="en-US" sz="1600" dirty="0">
+                <a:solidFill>
+                  <a:srgbClr val="FFFFFF"/>
+                </a:solidFill>
+              </a:rPr>
+              <a:t>Think of it like a hub world from a game. </a:t>
+            </a:r>
+            <a:br>
+              <a:rPr lang="en-US" sz="1600" dirty="0">
+                <a:solidFill>
+                  <a:srgbClr val="FFFFFF"/>
+                </a:solidFill>
+              </a:rPr>
+            </a:br>
+            <a:r>
+              <a:rPr lang="en-US" sz="1600" dirty="0">
+                <a:solidFill>
+                  <a:srgbClr val="FFFFFF"/>
+                </a:solidFill>
+              </a:rPr>
+              <a:t>An area on the internet where developers can continually return to access their own repositories and other developers' repositories.</a:t>
+            </a:r>
+            <a:br>
+              <a:rPr lang="en-US" sz="1600" dirty="0">
+                <a:solidFill>
+                  <a:srgbClr val="FFFFFF"/>
+                </a:solidFill>
+              </a:rPr>
+            </a:br>
+            <a:r>
+              <a:rPr lang="en-US" sz="1600" dirty="0">
+                <a:solidFill>
+                  <a:srgbClr val="FFFFFF"/>
+                </a:solidFill>
+              </a:rPr>
+              <a:t>Also create their own repositories to store their projects with the option to allow other developers contribute</a:t>
+            </a:r>
+            <a:r>
+              <a:rPr lang="en-US" sz="1400" dirty="0">
+                <a:solidFill>
+                  <a:srgbClr val="FFFFFF"/>
+                </a:solidFill>
+              </a:rPr>
+              <a:t>.</a:t>
+            </a:r>
+            <a:br>
+              <a:rPr lang="en-US" sz="1400" dirty="0">
+                <a:solidFill>
+                  <a:srgbClr val="FFFFFF"/>
+                </a:solidFill>
+              </a:rPr>
+            </a:br>
+            <a:endParaRPr lang="en-US" sz="1400" dirty="0">
+              <a:solidFill>
+                <a:srgbClr val="FFFFFF"/>
+              </a:solidFill>
+            </a:endParaRPr>
+          </a:p>
+        </p:txBody>
+      </p:sp>
+      <p:sp>
+        <p:nvSpPr>
+          <p:cNvPr id="13" name="Rounded Rectangle 16">
+            <a:extLst>
+              <a:ext uri="{FF2B5EF4-FFF2-40B4-BE49-F238E27FC236}">
+                <a16:creationId xmlns:a16="http://schemas.microsoft.com/office/drawing/2014/main" id="{5A086AAD-1108-41EB-A7C9-5E22CA942EB2}"/>
+              </a:ext>
+              <a:ext uri="{C183D7F6-B498-43B3-948B-1728B52AA6E4}">
+                <adec:decorative xmlns:adec="http://schemas.microsoft.com/office/drawing/2017/decorative" val="1"/>
+              </a:ext>
+            </a:extLst>
+          </p:cNvPr>
+          <p:cNvSpPr>
+            <a:spLocks noGrp="1" noRot="1" noChangeAspect="1" noMove="1" noResize="1" noEditPoints="1" noAdjustHandles="1" noChangeArrowheads="1" noChangeShapeType="1" noTextEdit="1"/>
+          </p:cNvSpPr>
+          <p:nvPr>
+            <p:extLst>
+              <p:ext uri="{386F3935-93C4-4BCD-93E2-E3B085C9AB24}">
+                <p16:designElem xmlns:p16="http://schemas.microsoft.com/office/powerpoint/2015/main" val="1"/>
+              </p:ext>
+            </p:extLst>
+          </p:nvPr>
+        </p:nvSpPr>
+        <p:spPr>
+          <a:xfrm>
+            <a:off x="2210472" y="643464"/>
+            <a:ext cx="7757804" cy="2817491"/>
+          </a:xfrm>
+          <a:prstGeom prst="roundRect">
+            <a:avLst>
+              <a:gd name="adj" fmla="val 3513"/>
+            </a:avLst>
+          </a:prstGeom>
+          <a:solidFill>
+            <a:schemeClr val="bg1"/>
+          </a:solidFill>
+          <a:ln>
+            <a:solidFill>
+              <a:schemeClr val="accent1">
+                <a:lumMod val="75000"/>
+              </a:schemeClr>
+            </a:solidFill>
+          </a:ln>
+          <a:effectLst/>
+        </p:spPr>
+        <p:style>
+          <a:lnRef idx="2">
+            <a:schemeClr val="accent1">
+              <a:shade val="50000"/>
+            </a:schemeClr>
+          </a:lnRef>
+          <a:fillRef idx="1">
+            <a:schemeClr val="accent1"/>
+          </a:fillRef>
+          <a:effectRef idx="0">
+            <a:schemeClr val="accent1"/>
+          </a:effectRef>
+          <a:fontRef idx="minor">
+            <a:schemeClr val="lt1"/>
+          </a:fontRef>
+        </p:style>
+        <p:txBody>
+          <a:bodyPr rtlCol="0" anchor="ctr"/>
+          <a:lstStyle/>
+          <a:p>
             <a:pPr algn="ctr"/>
             <a:endParaRPr lang="en-US"/>
           </a:p>
         </p:txBody>
       </p:sp>
+      <p:pic>
+        <p:nvPicPr>
+          <p:cNvPr id="4" name="Content Placeholder 3" descr="Icon&#10;&#10;Description automatically generated">
+            <a:extLst>
+              <a:ext uri="{FF2B5EF4-FFF2-40B4-BE49-F238E27FC236}">
+                <a16:creationId xmlns:a16="http://schemas.microsoft.com/office/drawing/2014/main" id="{49011F99-1A4E-4741-AF2E-8061C1405B35}"/>
+              </a:ext>
+            </a:extLst>
+          </p:cNvPr>
+          <p:cNvPicPr>
+            <a:picLocks noGrp="1" noChangeAspect="1"/>
+          </p:cNvPicPr>
+          <p:nvPr>
+            <p:ph idx="1"/>
+          </p:nvPr>
+        </p:nvPicPr>
+        <p:blipFill>
+          <a:blip r:embed="rId3"/>
+          <a:stretch>
+            <a:fillRect/>
+          </a:stretch>
+        </p:blipFill>
+        <p:spPr>
+          <a:xfrm>
+            <a:off x="4931377" y="884810"/>
+            <a:ext cx="2320054" cy="2320054"/>
+          </a:xfrm>
+          <a:prstGeom prst="rect">
+            <a:avLst/>
+          </a:prstGeom>
+        </p:spPr>
+      </p:pic>
+    </p:spTree>
+    <p:extLst>
+      <p:ext uri="{BB962C8B-B14F-4D97-AF65-F5344CB8AC3E}">
+        <p14:creationId xmlns:p14="http://schemas.microsoft.com/office/powerpoint/2010/main" val="3557857983"/>
+      </p:ext>
+    </p:extLst>
+  </p:cSld>
+  <p:clrMapOvr>
+    <a:overrideClrMapping bg1="lt1" tx1="dk1" bg2="lt2" tx2="dk2" accent1="accent1" accent2="accent2" accent3="accent3" accent4="accent4" accent5="accent5" accent6="accent6" hlink="hlink" folHlink="folHlink"/>
+  </p:clrMapOvr>
+  <mc:AlternateContent xmlns:mc="http://schemas.openxmlformats.org/markup-compatibility/2006" xmlns:p15="http://schemas.microsoft.com/office/powerpoint/2012/main">
+    <mc:Choice Requires="p15">
+      <p:transition xmlns:p14="http://schemas.microsoft.com/office/powerpoint/2010/main" spd="slow" p14:dur="1250">
+        <p15:prstTrans prst="peelOff"/>
+      </p:transition>
+    </mc:Choice>
+    <mc:Fallback xmlns="">
+      <p:transition spd="slow">
+        <p:fade/>
+      </p:transition>
+    </mc:Fallback>
+  </mc:AlternateContent>
+</p:sld>
+</file>
+
+<file path=ppt/slides/slide8.xml><?xml version="1.0" encoding="utf-8"?>
+<p:sld xmlns:a="http://schemas.openxmlformats.org/drawingml/2006/main" xmlns:r="http://schemas.openxmlformats.org/officeDocument/2006/relationships" xmlns:p="http://schemas.openxmlformats.org/presentationml/2006/main">
+  <p:cSld>
+    <p:bg>
+      <p:bgPr>
+        <a:solidFill>
+          <a:schemeClr val="bg2"/>
+        </a:solidFill>
+        <a:effectLst/>
+      </p:bgPr>
+    </p:bg>
+    <p:spTree>
+      <p:nvGrpSpPr>
+        <p:cNvPr id="1" name=""/>
+        <p:cNvGrpSpPr/>
+        <p:nvPr/>
+      </p:nvGrpSpPr>
+      <p:grpSpPr>
+        <a:xfrm>
+          <a:off x="0" y="0"/>
+          <a:ext cx="0" cy="0"/>
+          <a:chOff x="0" y="0"/>
+          <a:chExt cx="0" cy="0"/>
+        </a:xfrm>
+      </p:grpSpPr>
+      <p:sp useBgFill="1">
+        <p:nvSpPr>
+          <p:cNvPr id="13" name="Rectangle 12">
+            <a:extLst>
+              <a:ext uri="{FF2B5EF4-FFF2-40B4-BE49-F238E27FC236}">
+                <a16:creationId xmlns:a16="http://schemas.microsoft.com/office/drawing/2014/main" id="{A1DFCBE5-52C1-48A9-89CF-E7D68CCA1620}"/>
+              </a:ext>
+              <a:ext uri="{C183D7F6-B498-43B3-948B-1728B52AA6E4}">
+                <adec:decorative xmlns:adec="http://schemas.microsoft.com/office/drawing/2017/decorative" val="1"/>
+              </a:ext>
+            </a:extLst>
+          </p:cNvPr>
+          <p:cNvSpPr>
+            <a:spLocks noGrp="1" noRot="1" noChangeAspect="1" noMove="1" noResize="1" noEditPoints="1" noAdjustHandles="1" noChangeArrowheads="1" noChangeShapeType="1" noTextEdit="1"/>
+          </p:cNvSpPr>
+          <p:nvPr>
+            <p:extLst>
+              <p:ext uri="{386F3935-93C4-4BCD-93E2-E3B085C9AB24}">
+                <p16:designElem xmlns:p16="http://schemas.microsoft.com/office/powerpoint/2015/main" val="1"/>
+              </p:ext>
+            </p:extLst>
+          </p:nvPr>
+        </p:nvSpPr>
+        <p:spPr>
+          <a:xfrm>
+            <a:off x="0" y="0"/>
+            <a:ext cx="12188952" cy="6858000"/>
+          </a:xfrm>
+          <a:prstGeom prst="rect">
+            <a:avLst/>
+          </a:prstGeom>
+          <a:ln>
+            <a:noFill/>
+          </a:ln>
+        </p:spPr>
+        <p:style>
+          <a:lnRef idx="2">
+            <a:schemeClr val="accent1">
+              <a:shade val="50000"/>
+            </a:schemeClr>
+          </a:lnRef>
+          <a:fillRef idx="1">
+            <a:schemeClr val="accent1"/>
+          </a:fillRef>
+          <a:effectRef idx="0">
+            <a:schemeClr val="accent1"/>
+          </a:effectRef>
+          <a:fontRef idx="minor">
+            <a:schemeClr val="lt1"/>
+          </a:fontRef>
+        </p:style>
+        <p:txBody>
+          <a:bodyPr rtlCol="0" anchor="ctr"/>
+          <a:lstStyle/>
+          <a:p>
+            <a:pPr algn="ctr"/>
+            <a:endParaRPr lang="en-US"/>
+          </a:p>
+        </p:txBody>
+      </p:sp>
+      <p:sp>
+        <p:nvSpPr>
+          <p:cNvPr id="15" name="Freeform: Shape 14">
+            <a:extLst>
+              <a:ext uri="{FF2B5EF4-FFF2-40B4-BE49-F238E27FC236}">
+                <a16:creationId xmlns:a16="http://schemas.microsoft.com/office/drawing/2014/main" id="{06AB74CA-E76D-4922-91FE-A4AAF0487CE8}"/>
+              </a:ext>
+              <a:ext uri="{C183D7F6-B498-43B3-948B-1728B52AA6E4}">
+                <adec:decorative xmlns:adec="http://schemas.microsoft.com/office/drawing/2017/decorative" val="1"/>
+              </a:ext>
+            </a:extLst>
+          </p:cNvPr>
+          <p:cNvSpPr>
+            <a:spLocks noGrp="1" noRot="1" noChangeAspect="1" noMove="1" noResize="1" noEditPoints="1" noAdjustHandles="1" noChangeArrowheads="1" noChangeShapeType="1" noTextEdit="1"/>
+          </p:cNvSpPr>
+          <p:nvPr>
+            <p:extLst>
+              <p:ext uri="{386F3935-93C4-4BCD-93E2-E3B085C9AB24}">
+                <p16:designElem xmlns:p16="http://schemas.microsoft.com/office/powerpoint/2015/main" val="1"/>
+              </p:ext>
+            </p:extLst>
+          </p:nvPr>
+        </p:nvSpPr>
+        <p:spPr>
+          <a:xfrm>
+            <a:off x="0" y="3647203"/>
+            <a:ext cx="11707367" cy="2572622"/>
+          </a:xfrm>
+          <a:custGeom>
+            <a:avLst/>
+            <a:gdLst>
+              <a:gd name="connsiteX0" fmla="*/ 0 w 11707367"/>
+              <a:gd name="connsiteY0" fmla="*/ 0 h 2572622"/>
+              <a:gd name="connsiteX1" fmla="*/ 1888420 w 11707367"/>
+              <a:gd name="connsiteY1" fmla="*/ 0 h 2572622"/>
+              <a:gd name="connsiteX2" fmla="*/ 2198560 w 11707367"/>
+              <a:gd name="connsiteY2" fmla="*/ 310139 h 2572622"/>
+              <a:gd name="connsiteX3" fmla="*/ 2425431 w 11707367"/>
+              <a:gd name="connsiteY3" fmla="*/ 310139 h 2572622"/>
+              <a:gd name="connsiteX4" fmla="*/ 2735570 w 11707367"/>
+              <a:gd name="connsiteY4" fmla="*/ 0 h 2572622"/>
+              <a:gd name="connsiteX5" fmla="*/ 11707367 w 11707367"/>
+              <a:gd name="connsiteY5" fmla="*/ 0 h 2572622"/>
+              <a:gd name="connsiteX6" fmla="*/ 11707367 w 11707367"/>
+              <a:gd name="connsiteY6" fmla="*/ 2572622 h 2572622"/>
+              <a:gd name="connsiteX7" fmla="*/ 0 w 11707367"/>
+              <a:gd name="connsiteY7" fmla="*/ 2572622 h 2572622"/>
+            </a:gdLst>
+            <a:ahLst/>
+            <a:cxnLst>
+              <a:cxn ang="0">
+                <a:pos x="connsiteX0" y="connsiteY0"/>
+              </a:cxn>
+              <a:cxn ang="0">
+                <a:pos x="connsiteX1" y="connsiteY1"/>
+              </a:cxn>
+              <a:cxn ang="0">
+                <a:pos x="connsiteX2" y="connsiteY2"/>
+              </a:cxn>
+              <a:cxn ang="0">
+                <a:pos x="connsiteX3" y="connsiteY3"/>
+              </a:cxn>
+              <a:cxn ang="0">
+                <a:pos x="connsiteX4" y="connsiteY4"/>
+              </a:cxn>
+              <a:cxn ang="0">
+                <a:pos x="connsiteX5" y="connsiteY5"/>
+              </a:cxn>
+              <a:cxn ang="0">
+                <a:pos x="connsiteX6" y="connsiteY6"/>
+              </a:cxn>
+              <a:cxn ang="0">
+                <a:pos x="connsiteX7" y="connsiteY7"/>
+              </a:cxn>
+            </a:cxnLst>
+            <a:rect l="l" t="t" r="r" b="b"/>
+            <a:pathLst>
+              <a:path w="11707367" h="2572622">
+                <a:moveTo>
+                  <a:pt x="0" y="0"/>
+                </a:moveTo>
+                <a:lnTo>
+                  <a:pt x="1888420" y="0"/>
+                </a:lnTo>
+                <a:lnTo>
+                  <a:pt x="2198560" y="310139"/>
+                </a:lnTo>
+                <a:cubicBezTo>
+                  <a:pt x="2261209" y="372788"/>
+                  <a:pt x="2362782" y="372788"/>
+                  <a:pt x="2425431" y="310139"/>
+                </a:cubicBezTo>
+                <a:lnTo>
+                  <a:pt x="2735570" y="0"/>
+                </a:lnTo>
+                <a:lnTo>
+                  <a:pt x="11707367" y="0"/>
+                </a:lnTo>
+                <a:lnTo>
+                  <a:pt x="11707367" y="2572622"/>
+                </a:lnTo>
+                <a:lnTo>
+                  <a:pt x="0" y="2572622"/>
+                </a:lnTo>
+                <a:close/>
+              </a:path>
+            </a:pathLst>
+          </a:custGeom>
+          <a:solidFill>
+            <a:srgbClr val="595959">
+              <a:alpha val="89804"/>
+            </a:srgbClr>
+          </a:solidFill>
+          <a:ln>
+            <a:noFill/>
+          </a:ln>
+        </p:spPr>
+        <p:style>
+          <a:lnRef idx="2">
+            <a:schemeClr val="accent1">
+              <a:shade val="50000"/>
+            </a:schemeClr>
+          </a:lnRef>
+          <a:fillRef idx="1">
+            <a:schemeClr val="accent1"/>
+          </a:fillRef>
+          <a:effectRef idx="0">
+            <a:schemeClr val="accent1"/>
+          </a:effectRef>
+          <a:fontRef idx="minor">
+            <a:schemeClr val="lt1"/>
+          </a:fontRef>
+        </p:style>
+      </p:sp>
+      <p:sp>
+        <p:nvSpPr>
+          <p:cNvPr id="2" name="Title 1">
+            <a:extLst>
+              <a:ext uri="{FF2B5EF4-FFF2-40B4-BE49-F238E27FC236}">
+                <a16:creationId xmlns:a16="http://schemas.microsoft.com/office/drawing/2014/main" id="{4680A115-72AD-4AE3-A453-540448F33283}"/>
+              </a:ext>
+            </a:extLst>
+          </p:cNvPr>
+          <p:cNvSpPr>
+            <a:spLocks noGrp="1"/>
+          </p:cNvSpPr>
+          <p:nvPr>
+            <p:ph type="title"/>
+          </p:nvPr>
+        </p:nvSpPr>
+        <p:spPr>
+          <a:xfrm>
+            <a:off x="1063691" y="4049486"/>
+            <a:ext cx="4825480" cy="1883228"/>
+          </a:xfrm>
+        </p:spPr>
+        <p:txBody>
+          <a:bodyPr vert="horz" lIns="91440" tIns="45720" rIns="91440" bIns="45720" rtlCol="0" anchor="ctr">
+            <a:normAutofit/>
+          </a:bodyPr>
+          <a:lstStyle/>
+          <a:p>
+            <a:r>
+              <a:rPr lang="en-US">
+                <a:solidFill>
+                  <a:srgbClr val="FFFFFF"/>
+                </a:solidFill>
+              </a:rPr>
+              <a:t>Creating a GitHub repository</a:t>
+            </a:r>
+          </a:p>
+        </p:txBody>
+      </p:sp>
+      <p:pic>
+        <p:nvPicPr>
+          <p:cNvPr id="6" name="Content Placeholder 4" descr="Graphical user interface, text, application&#10;&#10;Description automatically generated">
+            <a:extLst>
+              <a:ext uri="{FF2B5EF4-FFF2-40B4-BE49-F238E27FC236}">
+                <a16:creationId xmlns:a16="http://schemas.microsoft.com/office/drawing/2014/main" id="{83505CD7-3D9A-498B-9FDD-1F1BAD5BE7BE}"/>
+              </a:ext>
+            </a:extLst>
+          </p:cNvPr>
+          <p:cNvPicPr>
+            <a:picLocks noChangeAspect="1"/>
+          </p:cNvPicPr>
+          <p:nvPr/>
+        </p:nvPicPr>
+        <p:blipFill>
+          <a:blip r:embed="rId3"/>
+          <a:stretch>
+            <a:fillRect/>
+          </a:stretch>
+        </p:blipFill>
+        <p:spPr>
+          <a:xfrm>
+            <a:off x="1063691" y="1532595"/>
+            <a:ext cx="5196897" cy="779535"/>
+          </a:xfrm>
+          <a:prstGeom prst="rect">
+            <a:avLst/>
+          </a:prstGeom>
+        </p:spPr>
+      </p:pic>
+      <p:pic>
+        <p:nvPicPr>
+          <p:cNvPr id="5" name="Content Placeholder 4" descr="Graphical user interface, text, application, email&#10;&#10;Description automatically generated">
+            <a:extLst>
+              <a:ext uri="{FF2B5EF4-FFF2-40B4-BE49-F238E27FC236}">
+                <a16:creationId xmlns:a16="http://schemas.microsoft.com/office/drawing/2014/main" id="{F2C32599-4147-4821-984E-E511BEA4BF20}"/>
+              </a:ext>
+            </a:extLst>
+          </p:cNvPr>
+          <p:cNvPicPr>
+            <a:picLocks noChangeAspect="1"/>
+          </p:cNvPicPr>
+          <p:nvPr/>
+        </p:nvPicPr>
+        <p:blipFill>
+          <a:blip r:embed="rId4"/>
+          <a:stretch>
+            <a:fillRect/>
+          </a:stretch>
+        </p:blipFill>
+        <p:spPr>
+          <a:xfrm>
+            <a:off x="6582321" y="666727"/>
+            <a:ext cx="5125047" cy="2511272"/>
+          </a:xfrm>
+          <a:prstGeom prst="rect">
+            <a:avLst/>
+          </a:prstGeom>
+        </p:spPr>
+      </p:pic>
+      <p:sp>
+        <p:nvSpPr>
+          <p:cNvPr id="10" name="Content Placeholder 9">
+            <a:extLst>
+              <a:ext uri="{FF2B5EF4-FFF2-40B4-BE49-F238E27FC236}">
+                <a16:creationId xmlns:a16="http://schemas.microsoft.com/office/drawing/2014/main" id="{27085401-DBCF-48AA-B279-0002293F4F23}"/>
+              </a:ext>
+            </a:extLst>
+          </p:cNvPr>
+          <p:cNvSpPr>
+            <a:spLocks noGrp="1"/>
+          </p:cNvSpPr>
+          <p:nvPr>
+            <p:ph idx="1"/>
+          </p:nvPr>
+        </p:nvSpPr>
+        <p:spPr>
+          <a:xfrm>
+            <a:off x="6338316" y="4049485"/>
+            <a:ext cx="4846151" cy="1883229"/>
+          </a:xfrm>
+        </p:spPr>
+        <p:txBody>
+          <a:bodyPr>
+            <a:normAutofit/>
+          </a:bodyPr>
+          <a:lstStyle/>
+          <a:p>
+            <a:endParaRPr lang="en-US">
+              <a:solidFill>
+                <a:srgbClr val="FFFFFF"/>
+              </a:solidFill>
+            </a:endParaRPr>
+          </a:p>
+        </p:txBody>
+      </p:sp>
+    </p:spTree>
+    <p:extLst>
+      <p:ext uri="{BB962C8B-B14F-4D97-AF65-F5344CB8AC3E}">
+        <p14:creationId xmlns:p14="http://schemas.microsoft.com/office/powerpoint/2010/main" val="2068236389"/>
+      </p:ext>
+    </p:extLst>
+  </p:cSld>
+  <p:clrMapOvr>
+    <a:masterClrMapping/>
+  </p:clrMapOvr>
+  <mc:AlternateContent xmlns:mc="http://schemas.openxmlformats.org/markup-compatibility/2006" xmlns:p15="http://schemas.microsoft.com/office/powerpoint/2012/main">
+    <mc:Choice Requires="p15">
+      <p:transition xmlns:p14="http://schemas.microsoft.com/office/powerpoint/2010/main" spd="slow" p14:dur="1250">
+        <p15:prstTrans prst="peelOff"/>
+      </p:transition>
+    </mc:Choice>
+    <mc:Fallback xmlns="">
+      <p:transition spd="slow">
+        <p:fade/>
+      </p:transition>
+    </mc:Fallback>
+  </mc:AlternateContent>
+</p:sld>
+</file>
+
+<file path=ppt/slides/slide9.xml><?xml version="1.0" encoding="utf-8"?>
+<p:sld xmlns:a="http://schemas.openxmlformats.org/drawingml/2006/main" xmlns:r="http://schemas.openxmlformats.org/officeDocument/2006/relationships" xmlns:p="http://schemas.openxmlformats.org/presentationml/2006/main">
+  <p:cSld>
+    <p:bg>
+      <p:bgPr>
+        <a:solidFill>
+          <a:schemeClr val="bg2"/>
+        </a:solidFill>
+        <a:effectLst/>
+      </p:bgPr>
+    </p:bg>
+    <p:spTree>
+      <p:nvGrpSpPr>
+        <p:cNvPr id="1" name=""/>
+        <p:cNvGrpSpPr/>
+        <p:nvPr/>
+      </p:nvGrpSpPr>
+      <p:grpSpPr>
+        <a:xfrm>
+          <a:off x="0" y="0"/>
+          <a:ext cx="0" cy="0"/>
+          <a:chOff x="0" y="0"/>
+          <a:chExt cx="0" cy="0"/>
+        </a:xfrm>
+      </p:grpSpPr>
       <p:sp>
         <p:nvSpPr>
           <p:cNvPr id="2" name="Title 1">
@@ -21544,8 +19488,8 @@
         </p:nvSpPr>
         <p:spPr>
           <a:xfrm>
-            <a:off x="451515" y="447188"/>
-            <a:ext cx="3675318" cy="5468700"/>
+            <a:off x="451514" y="447188"/>
+            <a:ext cx="11564777" cy="1381612"/>
           </a:xfrm>
           <a:effectLst/>
         </p:spPr>
@@ -21556,7 +19500,7 @@
           <a:lstStyle/>
           <a:p>
             <a:r>
-              <a:rPr lang="en-US" sz="3200">
+              <a:rPr lang="en-US" sz="3200" dirty="0">
                 <a:solidFill>
                   <a:schemeClr val="tx1"/>
                 </a:solidFill>
@@ -21568,10 +19512,10 @@
       </p:sp>
       <p:pic>
         <p:nvPicPr>
-          <p:cNvPr id="6" name="Content Placeholder 4" descr="Shape, icon&#10;&#10;Description automatically generated">
+          <p:cNvPr id="13" name="Picture 12" descr="A picture containing shape&#10;&#10;Description automatically generated">
             <a:extLst>
               <a:ext uri="{FF2B5EF4-FFF2-40B4-BE49-F238E27FC236}">
-                <a16:creationId xmlns:a16="http://schemas.microsoft.com/office/drawing/2014/main" id="{8E1D1929-8690-4CBA-AF46-EFFA24E69190}"/>
+                <a16:creationId xmlns:a16="http://schemas.microsoft.com/office/drawing/2014/main" id="{37E6A3A3-E1F9-4FF3-8A7C-812B5745EDDA}"/>
               </a:ext>
             </a:extLst>
           </p:cNvPr>
@@ -21588,8 +19532,8 @@
         </p:blipFill>
         <p:spPr>
           <a:xfrm>
-            <a:off x="7742927" y="315800"/>
-            <a:ext cx="1244144" cy="1682496"/>
+            <a:off x="1771213" y="4668307"/>
+            <a:ext cx="1530562" cy="1530562"/>
           </a:xfrm>
           <a:prstGeom prst="roundRect">
             <a:avLst>
@@ -21604,10 +19548,10 @@
       </p:pic>
       <p:pic>
         <p:nvPicPr>
-          <p:cNvPr id="11" name="Picture 10" descr="A picture containing icon&#10;&#10;Description automatically generated">
+          <p:cNvPr id="19" name="Content Placeholder 4" descr="Shape, icon&#10;&#10;Description automatically generated">
             <a:extLst>
               <a:ext uri="{FF2B5EF4-FFF2-40B4-BE49-F238E27FC236}">
-                <a16:creationId xmlns:a16="http://schemas.microsoft.com/office/drawing/2014/main" id="{792E8010-25D6-4C2B-BAAC-9BB1A568433A}"/>
+                <a16:creationId xmlns:a16="http://schemas.microsoft.com/office/drawing/2014/main" id="{76EFFAFE-BBE3-4025-B96D-3692BA56C5CB}"/>
               </a:ext>
             </a:extLst>
           </p:cNvPr>
@@ -21624,8 +19568,8 @@
         </p:blipFill>
         <p:spPr>
           <a:xfrm>
-            <a:off x="8987071" y="1886224"/>
-            <a:ext cx="1527048" cy="1527048"/>
+            <a:off x="7646082" y="2334359"/>
+            <a:ext cx="1244144" cy="1682496"/>
           </a:xfrm>
           <a:prstGeom prst="roundRect">
             <a:avLst>
@@ -21640,10 +19584,10 @@
       </p:pic>
       <p:pic>
         <p:nvPicPr>
-          <p:cNvPr id="13" name="Picture 12" descr="A picture containing shape&#10;&#10;Description automatically generated">
+          <p:cNvPr id="21" name="Picture 20" descr="A picture containing icon&#10;&#10;Description automatically generated">
             <a:extLst>
               <a:ext uri="{FF2B5EF4-FFF2-40B4-BE49-F238E27FC236}">
-                <a16:creationId xmlns:a16="http://schemas.microsoft.com/office/drawing/2014/main" id="{37E6A3A3-E1F9-4FF3-8A7C-812B5745EDDA}"/>
+                <a16:creationId xmlns:a16="http://schemas.microsoft.com/office/drawing/2014/main" id="{4AE402C6-5B17-4CDB-B90E-2FE3011A9875}"/>
               </a:ext>
             </a:extLst>
           </p:cNvPr>
@@ -21660,8 +19604,8 @@
         </p:blipFill>
         <p:spPr>
           <a:xfrm>
-            <a:off x="4659404" y="5150607"/>
-            <a:ext cx="1530562" cy="1530562"/>
+            <a:off x="8890226" y="3904783"/>
+            <a:ext cx="1527048" cy="1527048"/>
           </a:xfrm>
           <a:prstGeom prst="roundRect">
             <a:avLst>
@@ -21676,10 +19620,10 @@
       </p:pic>
       <p:sp>
         <p:nvSpPr>
-          <p:cNvPr id="16" name="TextBox 15">
+          <p:cNvPr id="22" name="TextBox 21">
             <a:extLst>
               <a:ext uri="{FF2B5EF4-FFF2-40B4-BE49-F238E27FC236}">
-                <a16:creationId xmlns:a16="http://schemas.microsoft.com/office/drawing/2014/main" id="{9E0E81C6-B2BD-41A3-942D-01ED71EEA782}"/>
+                <a16:creationId xmlns:a16="http://schemas.microsoft.com/office/drawing/2014/main" id="{995DD314-3D35-447F-B209-61CD25F94CC1}"/>
               </a:ext>
             </a:extLst>
           </p:cNvPr>
@@ -21688,7 +19632,7 @@
         </p:nvSpPr>
         <p:spPr>
           <a:xfrm>
-            <a:off x="7742927" y="820416"/>
+            <a:off x="7646082" y="2838975"/>
             <a:ext cx="1340103" cy="1077218"/>
           </a:xfrm>
           <a:prstGeom prst="rect">
@@ -21715,11 +19659,6 @@
               </a:rPr>
               <a:t>a = 1</a:t>
             </a:r>
-            <a:endParaRPr lang="en-TT">
-              <a:solidFill>
-                <a:schemeClr val="bg1"/>
-              </a:solidFill>
-            </a:endParaRPr>
           </a:p>
           <a:p>
             <a:pPr>
@@ -21735,11 +19674,6 @@
               </a:rPr>
               <a:t>b = 2</a:t>
             </a:r>
-            <a:endParaRPr lang="en-TT">
-              <a:solidFill>
-                <a:schemeClr val="bg1"/>
-              </a:solidFill>
-            </a:endParaRPr>
           </a:p>
           <a:p>
             <a:pPr>
@@ -21755,36 +19689,6 @@
               </a:rPr>
               <a:t>c = “five”</a:t>
             </a:r>
-            <a:endParaRPr lang="en-TT">
-              <a:solidFill>
-                <a:schemeClr val="bg1"/>
-              </a:solidFill>
-            </a:endParaRPr>
-          </a:p>
-        </p:txBody>
-      </p:sp>
-      <p:sp>
-        <p:nvSpPr>
-          <p:cNvPr id="15" name="Content Placeholder 14">
-            <a:extLst>
-              <a:ext uri="{FF2B5EF4-FFF2-40B4-BE49-F238E27FC236}">
-                <a16:creationId xmlns:a16="http://schemas.microsoft.com/office/drawing/2014/main" id="{BC4218B0-FD5C-4104-ADBD-2C7CCFE4F6D2}"/>
-              </a:ext>
-            </a:extLst>
-          </p:cNvPr>
-          <p:cNvSpPr>
-            <a:spLocks noGrp="1"/>
-          </p:cNvSpPr>
-          <p:nvPr>
-            <p:ph idx="1"/>
-          </p:nvPr>
-        </p:nvSpPr>
-        <p:spPr/>
-        <p:txBody>
-          <a:bodyPr/>
-          <a:lstStyle/>
-          <a:p>
-            <a:endParaRPr lang="en-TT" dirty="0"/>
           </a:p>
         </p:txBody>
       </p:sp>
@@ -21798,13 +19702,13 @@
   <p:clrMapOvr>
     <a:masterClrMapping/>
   </p:clrMapOvr>
-  <mc:AlternateContent xmlns:mc="http://schemas.openxmlformats.org/markup-compatibility/2006">
-    <mc:Choice xmlns:p15="http://schemas.microsoft.com/office/powerpoint/2012/main" Requires="p15">
+  <mc:AlternateContent xmlns:mc="http://schemas.openxmlformats.org/markup-compatibility/2006" xmlns:p15="http://schemas.microsoft.com/office/powerpoint/2012/main">
+    <mc:Choice Requires="p15">
       <p:transition xmlns:p14="http://schemas.microsoft.com/office/powerpoint/2010/main" spd="slow" p14:dur="1250">
         <p15:prstTrans prst="peelOff"/>
       </p:transition>
     </mc:Choice>
-    <mc:Fallback>
+    <mc:Fallback xmlns="">
       <p:transition spd="slow">
         <p:fade/>
       </p:transition>
@@ -21836,17 +19740,18 @@
                                     <p:cond delay="0"/>
                                   </p:stCondLst>
                                   <p:childTnLst>
-                                    <p:animMotion origin="layout" path="M 0 0 L -0.15703 0.3956 " pathEditMode="relative" ptsTypes="AA">
+                                    <p:animMotion origin="layout" path="M 5E-6 -0.00139 L -0.36836 0.12269 " pathEditMode="relative" rAng="0" ptsTypes="AA">
                                       <p:cBhvr>
                                         <p:cTn id="6" dur="2000" fill="hold"/>
                                         <p:tgtEl>
-                                          <p:spTgt spid="6"/>
+                                          <p:spTgt spid="19"/>
                                         </p:tgtEl>
                                         <p:attrNameLst>
                                           <p:attrName>ppt_x</p:attrName>
                                           <p:attrName>ppt_y</p:attrName>
                                         </p:attrNameLst>
                                       </p:cBhvr>
+                                      <p:rCtr x="-18424" y="6204"/>
                                     </p:animMotion>
                                   </p:childTnLst>
                                 </p:cTn>
@@ -21857,17 +19762,18 @@
                                     <p:cond delay="0"/>
                                   </p:stCondLst>
                                   <p:childTnLst>
-                                    <p:animMotion origin="layout" path="M 0 0 L -0.15703 0.3956 " pathEditMode="relative" ptsTypes="AA">
+                                    <p:animMotion origin="layout" path="M -1.25E-6 -1.11111E-6 L -0.36966 0.09329 " pathEditMode="relative" rAng="0" ptsTypes="AA">
                                       <p:cBhvr>
                                         <p:cTn id="8" dur="2000" fill="hold"/>
                                         <p:tgtEl>
-                                          <p:spTgt spid="16"/>
+                                          <p:spTgt spid="22"/>
                                         </p:tgtEl>
                                         <p:attrNameLst>
                                           <p:attrName>ppt_x</p:attrName>
                                           <p:attrName>ppt_y</p:attrName>
                                         </p:attrNameLst>
                                       </p:cBhvr>
+                                      <p:rCtr x="-18490" y="4653"/>
                                     </p:animMotion>
                                   </p:childTnLst>
                                 </p:cTn>
@@ -21900,7 +19806,7 @@
       </p:par>
     </p:tnLst>
     <p:bldLst>
-      <p:bldP spid="16" grpId="0"/>
+      <p:bldP spid="22" grpId="0"/>
     </p:bldLst>
   </p:timing>
 </p:sld>

--- a/UWICS_Git.pptx
+++ b/UWICS_Git.pptx
@@ -5664,7 +5664,7 @@
           <a:p>
             <a:fld id="{9ED00400-27CD-4AE9-B5C0-862E2A9DFF9D}" type="datetimeFigureOut">
               <a:rPr lang="en-US" smtClean="0"/>
-              <a:t>10/28/2020</a:t>
+              <a:t>10/29/2020</a:t>
             </a:fld>
             <a:endParaRPr lang="en-US"/>
           </a:p>
@@ -6467,6 +6467,39 @@
               <a:rPr lang="en-TT" dirty="0"/>
               <a:t>Git branch create a branch of this workflow or tree that we have created. It takes what is currently in master and creates a side module, separate from the master branch. This branch can be edited as a version of master but not the same. This can then be merged with the master to update it with the changes using “git merge [branch]”.</a:t>
             </a:r>
+          </a:p>
+          <a:p>
+            <a:endParaRPr lang="en-TT" dirty="0"/>
+          </a:p>
+          <a:p>
+            <a:r>
+              <a:rPr lang="en-TT" dirty="0"/>
+              <a:t>git branch bugfix # Creates a new branch called bugfix </a:t>
+            </a:r>
+          </a:p>
+          <a:p>
+            <a:r>
+              <a:rPr lang="en-TT" dirty="0"/>
+              <a:t>git checkout bugfix # Switches to the bugfix branch </a:t>
+            </a:r>
+          </a:p>
+          <a:p>
+            <a:r>
+              <a:rPr lang="en-TT" dirty="0"/>
+              <a:t>git switch bugfix # Same as the above </a:t>
+            </a:r>
+          </a:p>
+          <a:p>
+            <a:r>
+              <a:rPr lang="en-TT" dirty="0"/>
+              <a:t>git switch -C bugfix # Creates and switches </a:t>
+            </a:r>
+          </a:p>
+          <a:p>
+            <a:r>
+              <a:rPr lang="en-TT" dirty="0"/>
+              <a:t>git branch -d bugfix # Deletes the bugfix branch </a:t>
+            </a:r>
             <a:endParaRPr lang="en-US" dirty="0"/>
           </a:p>
         </p:txBody>
@@ -8122,7 +8155,7 @@
             <a:fld id="{08B9EBBA-996F-894A-B54A-D6246ED52CEA}" type="datetimeFigureOut">
               <a:rPr lang="en-US" dirty="0"/>
               <a:pPr/>
-              <a:t>10/28/2020</a:t>
+              <a:t>10/29/2020</a:t>
             </a:fld>
             <a:endParaRPr lang="en-US" dirty="0"/>
           </a:p>
@@ -8449,7 +8482,7 @@
             <a:fld id="{18C79C5D-2A6F-F04D-97DA-BEF2467B64E4}" type="datetimeFigureOut">
               <a:rPr lang="en-US" dirty="0"/>
               <a:pPr/>
-              <a:t>10/28/2020</a:t>
+              <a:t>10/29/2020</a:t>
             </a:fld>
             <a:endParaRPr lang="en-US" dirty="0"/>
           </a:p>
@@ -8946,7 +8979,7 @@
             <a:fld id="{8DFA1846-DA80-1C48-A609-854EA85C59AD}" type="datetimeFigureOut">
               <a:rPr lang="en-US" dirty="0"/>
               <a:pPr/>
-              <a:t>10/28/2020</a:t>
+              <a:t>10/29/2020</a:t>
             </a:fld>
             <a:endParaRPr lang="en-US" dirty="0"/>
           </a:p>
@@ -9324,7 +9357,7 @@
             <a:fld id="{FBF54567-0DE4-3F47-BF90-CB84690072F9}" type="datetimeFigureOut">
               <a:rPr lang="en-US" dirty="0"/>
               <a:pPr/>
-              <a:t>10/28/2020</a:t>
+              <a:t>10/29/2020</a:t>
             </a:fld>
             <a:endParaRPr lang="en-US" dirty="0"/>
           </a:p>
@@ -9606,7 +9639,7 @@
             <a:fld id="{C6C52C72-DE31-F449-A4ED-4C594FD91407}" type="datetimeFigureOut">
               <a:rPr lang="en-US" dirty="0"/>
               <a:pPr/>
-              <a:t>10/28/2020</a:t>
+              <a:t>10/29/2020</a:t>
             </a:fld>
             <a:endParaRPr lang="en-US" dirty="0"/>
           </a:p>
@@ -9900,7 +9933,7 @@
             <a:fld id="{ED62726E-379B-B349-9EED-81ED093FA806}" type="datetimeFigureOut">
               <a:rPr lang="en-US" dirty="0"/>
               <a:pPr/>
-              <a:t>10/28/2020</a:t>
+              <a:t>10/29/2020</a:t>
             </a:fld>
             <a:endParaRPr lang="en-US" dirty="0"/>
           </a:p>
@@ -10192,7 +10225,7 @@
             <a:fld id="{9B3A1323-8D79-1946-B0D7-40001CF92E9D}" type="datetimeFigureOut">
               <a:rPr lang="en-US" dirty="0"/>
               <a:pPr/>
-              <a:t>10/28/2020</a:t>
+              <a:t>10/29/2020</a:t>
             </a:fld>
             <a:endParaRPr lang="en-US" dirty="0"/>
           </a:p>
@@ -10544,7 +10577,7 @@
             <a:fld id="{8DFA1846-DA80-1C48-A609-854EA85C59AD}" type="datetimeFigureOut">
               <a:rPr lang="en-US" dirty="0"/>
               <a:pPr/>
-              <a:t>10/28/2020</a:t>
+              <a:t>10/29/2020</a:t>
             </a:fld>
             <a:endParaRPr lang="en-US" dirty="0"/>
           </a:p>
@@ -10892,7 +10925,7 @@
             <a:fld id="{57302355-E14B-8545-A8F8-0FE83CC9D524}" type="datetimeFigureOut">
               <a:rPr lang="en-US" dirty="0"/>
               <a:pPr/>
-              <a:t>10/28/2020</a:t>
+              <a:t>10/29/2020</a:t>
             </a:fld>
             <a:endParaRPr lang="en-US" dirty="0"/>
           </a:p>
@@ -11378,7 +11411,7 @@
             <a:fld id="{02640F58-564D-2B4F-AE67-E407BA4FCF45}" type="datetimeFigureOut">
               <a:rPr lang="en-US" dirty="0"/>
               <a:pPr/>
-              <a:t>10/28/2020</a:t>
+              <a:t>10/29/2020</a:t>
             </a:fld>
             <a:endParaRPr lang="en-US" dirty="0"/>
           </a:p>
@@ -11608,7 +11641,7 @@
             <a:fld id="{F13A34C8-038E-2045-AF43-DF7DBB8E0E9E}" type="datetimeFigureOut">
               <a:rPr lang="en-US" dirty="0"/>
               <a:pPr/>
-              <a:t>10/28/2020</a:t>
+              <a:t>10/29/2020</a:t>
             </a:fld>
             <a:endParaRPr lang="en-US" dirty="0"/>
           </a:p>
@@ -11712,7 +11745,7 @@
             <a:fld id="{8818C68F-D26B-8F47-958C-23B49CF8A634}" type="datetimeFigureOut">
               <a:rPr lang="en-US" dirty="0"/>
               <a:pPr/>
-              <a:t>10/28/2020</a:t>
+              <a:t>10/29/2020</a:t>
             </a:fld>
             <a:endParaRPr lang="en-US" dirty="0"/>
           </a:p>
@@ -12188,7 +12221,7 @@
             <a:fld id="{D0DF5E60-9974-AC48-9591-99C2BB44B7CF}" type="datetimeFigureOut">
               <a:rPr lang="en-US" dirty="0"/>
               <a:pPr/>
-              <a:t>10/28/2020</a:t>
+              <a:t>10/29/2020</a:t>
             </a:fld>
             <a:endParaRPr lang="en-US" dirty="0"/>
           </a:p>
@@ -12510,7 +12543,7 @@
             <a:fld id="{18C79C5D-2A6F-F04D-97DA-BEF2467B64E4}" type="datetimeFigureOut">
               <a:rPr lang="en-US" dirty="0"/>
               <a:pPr/>
-              <a:t>10/28/2020</a:t>
+              <a:t>10/29/2020</a:t>
             </a:fld>
             <a:endParaRPr lang="en-US" dirty="0"/>
           </a:p>
@@ -12789,7 +12822,7 @@
             <a:fld id="{09B482E8-6E0E-1B4F-B1FD-C69DB9E858D9}" type="datetimeFigureOut">
               <a:rPr lang="en-US" dirty="0"/>
               <a:pPr/>
-              <a:t>10/28/2020</a:t>
+              <a:t>10/29/2020</a:t>
             </a:fld>
             <a:endParaRPr lang="en-US" dirty="0"/>
           </a:p>
@@ -13802,7 +13835,6 @@
           </a:bodyPr>
           <a:lstStyle/>
           <a:p>
-            <a:pPr algn="ctr"/>
             <a:r>
               <a:rPr lang="en-TT" dirty="0"/>
               <a:t>Adding changes</a:t>
@@ -13943,7 +13975,6 @@
           <a:bodyPr/>
           <a:lstStyle/>
           <a:p>
-            <a:pPr algn="ctr"/>
             <a:r>
               <a:rPr lang="en-TT" dirty="0"/>
               <a:t>Ready for commitment?</a:t>
@@ -15474,14 +15505,14 @@
             <p:ph idx="1"/>
             <p:extLst>
               <p:ext uri="{D42A27DB-BD31-4B8C-83A1-F6EECF244321}">
-                <p14:modId xmlns:p14="http://schemas.microsoft.com/office/powerpoint/2010/main" val="1367375137"/>
+                <p14:modId xmlns:p14="http://schemas.microsoft.com/office/powerpoint/2010/main" val="3702775970"/>
               </p:ext>
             </p:extLst>
           </p:nvPr>
         </p:nvGraphicFramePr>
         <p:xfrm>
-          <a:off x="1868827" y="2494722"/>
-          <a:ext cx="8454347" cy="3364747"/>
+          <a:off x="638082" y="2185988"/>
+          <a:ext cx="10915834" cy="4640784"/>
         </p:xfrm>
         <a:graphic>
           <a:graphicData uri="http://schemas.openxmlformats.org/drawingml/2006/table">
@@ -15490,14 +15521,14 @@
                 <a:tableStyleId>{5C22544A-7EE6-4342-B048-85BDC9FD1C3A}</a:tableStyleId>
               </a:tblPr>
               <a:tblGrid>
-                <a:gridCol w="4173933">
+                <a:gridCol w="5389176">
                   <a:extLst>
                     <a:ext uri="{9D8B030D-6E8A-4147-A177-3AD203B41FA5}">
                       <a16:colId xmlns:a16="http://schemas.microsoft.com/office/drawing/2014/main" val="2205629854"/>
                     </a:ext>
                   </a:extLst>
                 </a:gridCol>
-                <a:gridCol w="4280414">
+                <a:gridCol w="5526658">
                   <a:extLst>
                     <a:ext uri="{9D8B030D-6E8A-4147-A177-3AD203B41FA5}">
                       <a16:colId xmlns:a16="http://schemas.microsoft.com/office/drawing/2014/main" val="3106205059"/>
@@ -15505,7 +15536,7 @@
                   </a:extLst>
                 </a:gridCol>
               </a:tblGrid>
-              <a:tr h="413029">
+              <a:tr h="398754">
                 <a:tc>
                   <a:txBody>
                     <a:bodyPr/>
@@ -15527,7 +15558,7 @@
                     <a:p>
                       <a:pPr algn="ctr"/>
                       <a:r>
-                        <a:rPr lang="en-TT" sz="1900"/>
+                        <a:rPr lang="en-TT" sz="1900" dirty="0"/>
                         <a:t>Descriptions</a:t>
                       </a:r>
                     </a:p>
@@ -15540,7 +15571,7 @@
                   </a:ext>
                 </a:extLst>
               </a:tr>
-              <a:tr h="413029">
+              <a:tr h="398754">
                 <a:tc>
                   <a:txBody>
                     <a:bodyPr/>
@@ -15548,8 +15579,8 @@
                     <a:p>
                       <a:pPr algn="ctr"/>
                       <a:r>
-                        <a:rPr lang="en-TT" sz="1900"/>
-                        <a:t>git clone</a:t>
+                        <a:rPr lang="en-TT" sz="1900" dirty="0"/>
+                        <a:t>git clone &lt;repo link&gt;</a:t>
                       </a:r>
                     </a:p>
                   </a:txBody>
@@ -15561,7 +15592,10 @@
                     <a:lstStyle/>
                     <a:p>
                       <a:pPr algn="ctr"/>
-                      <a:endParaRPr lang="en-TT" sz="1900"/>
+                      <a:r>
+                        <a:rPr lang="en-TT" sz="1900" dirty="0"/>
+                        <a:t>Clones the repository to your machine</a:t>
+                      </a:r>
                     </a:p>
                   </a:txBody>
                   <a:tcPr marL="95324" marR="95324" marT="47663" marB="47663"/>
@@ -15572,7 +15606,7 @@
                   </a:ext>
                 </a:extLst>
               </a:tr>
-              <a:tr h="413029">
+              <a:tr h="398754">
                 <a:tc>
                   <a:txBody>
                     <a:bodyPr/>
@@ -15593,7 +15627,10 @@
                     <a:lstStyle/>
                     <a:p>
                       <a:pPr algn="ctr"/>
-                      <a:endParaRPr lang="en-TT" sz="1900"/>
+                      <a:r>
+                        <a:rPr lang="en-TT" sz="1900" dirty="0"/>
+                        <a:t>Stages the file so git can keep tack of it</a:t>
+                      </a:r>
                     </a:p>
                   </a:txBody>
                   <a:tcPr marL="95324" marR="95324" marT="47663" marB="47663"/>
@@ -15604,7 +15641,7 @@
                   </a:ext>
                 </a:extLst>
               </a:tr>
-              <a:tr h="413029">
+              <a:tr h="651137">
                 <a:tc>
                   <a:txBody>
                     <a:bodyPr/>
@@ -15612,8 +15649,8 @@
                     <a:p>
                       <a:pPr algn="ctr"/>
                       <a:r>
-                        <a:rPr lang="en-TT" sz="1900"/>
-                        <a:t>git commit</a:t>
+                        <a:rPr lang="en-TT" sz="1900" dirty="0"/>
+                        <a:t>git commit –m “message”</a:t>
                       </a:r>
                     </a:p>
                   </a:txBody>
@@ -15625,7 +15662,10 @@
                     <a:lstStyle/>
                     <a:p>
                       <a:pPr algn="ctr"/>
-                      <a:endParaRPr lang="en-TT" sz="1900"/>
+                      <a:r>
+                        <a:rPr lang="en-TT" sz="1900" dirty="0"/>
+                        <a:t>Saves the changes of the files in the staging area with a message.</a:t>
+                      </a:r>
                     </a:p>
                   </a:txBody>
                   <a:tcPr marL="95324" marR="95324" marT="47663" marB="47663"/>
@@ -15636,7 +15676,7 @@
                   </a:ext>
                 </a:extLst>
               </a:tr>
-              <a:tr h="413029">
+              <a:tr h="930689">
                 <a:tc>
                   <a:txBody>
                     <a:bodyPr/>
@@ -15657,7 +15697,18 @@
                     <a:lstStyle/>
                     <a:p>
                       <a:pPr algn="ctr"/>
-                      <a:endParaRPr lang="en-TT" sz="1900"/>
+                      <a:r>
+                        <a:rPr lang="en-TT" sz="1900" dirty="0"/>
+                        <a:t>Pushes the saved files, after you run the commit command, to the online repository on </a:t>
+                      </a:r>
+                      <a:r>
+                        <a:rPr lang="en-TT" sz="1900" dirty="0" err="1"/>
+                        <a:t>github</a:t>
+                      </a:r>
+                      <a:r>
+                        <a:rPr lang="en-TT" sz="1900" dirty="0"/>
+                        <a:t>.</a:t>
+                      </a:r>
                     </a:p>
                   </a:txBody>
                   <a:tcPr marL="95324" marR="95324" marT="47663" marB="47663"/>
@@ -15668,7 +15719,7 @@
                   </a:ext>
                 </a:extLst>
               </a:tr>
-              <a:tr h="413029">
+              <a:tr h="651137">
                 <a:tc>
                   <a:txBody>
                     <a:bodyPr/>
@@ -15689,7 +15740,10 @@
                     <a:lstStyle/>
                     <a:p>
                       <a:pPr algn="ctr"/>
-                      <a:endParaRPr lang="en-TT" sz="1900"/>
+                      <a:r>
+                        <a:rPr lang="en-TT" sz="1900" dirty="0"/>
+                        <a:t>Shows the status of the files in the staging area</a:t>
+                      </a:r>
                     </a:p>
                   </a:txBody>
                   <a:tcPr marL="95324" marR="95324" marT="47663" marB="47663"/>
@@ -15700,7 +15754,7 @@
                   </a:ext>
                 </a:extLst>
               </a:tr>
-              <a:tr h="413029">
+              <a:tr h="651137">
                 <a:tc>
                   <a:txBody>
                     <a:bodyPr/>
@@ -15708,7 +15762,7 @@
                     <a:p>
                       <a:pPr algn="ctr"/>
                       <a:r>
-                        <a:rPr lang="en-TT" sz="1900"/>
+                        <a:rPr lang="en-TT" sz="1900" dirty="0"/>
                         <a:t>git log</a:t>
                       </a:r>
                     </a:p>
@@ -15721,7 +15775,10 @@
                     <a:lstStyle/>
                     <a:p>
                       <a:pPr algn="ctr"/>
-                      <a:endParaRPr lang="en-TT" sz="1900"/>
+                      <a:r>
+                        <a:rPr lang="en-TT" sz="1900" dirty="0"/>
+                        <a:t>Shows a full history of the commits made in the repository.</a:t>
+                      </a:r>
                     </a:p>
                   </a:txBody>
                   <a:tcPr marL="95324" marR="95324" marT="47663" marB="47663"/>
@@ -15732,7 +15789,7 @@
                   </a:ext>
                 </a:extLst>
               </a:tr>
-              <a:tr h="473544">
+              <a:tr h="457178">
                 <a:tc>
                   <a:txBody>
                     <a:bodyPr/>
@@ -15750,7 +15807,7 @@
                     <a:lstStyle/>
                     <a:p>
                       <a:pPr algn="ctr"/>
-                      <a:endParaRPr lang="en-TT" sz="1900"/>
+                      <a:endParaRPr lang="en-TT" sz="1900" dirty="0"/>
                     </a:p>
                   </a:txBody>
                   <a:tcPr marL="95324" marR="95324" marT="47663" marB="47663"/>
@@ -15852,7 +15909,12 @@
             <p:ph idx="1"/>
           </p:nvPr>
         </p:nvSpPr>
-        <p:spPr/>
+        <p:spPr>
+          <a:xfrm>
+            <a:off x="818711" y="2222287"/>
+            <a:ext cx="10735001" cy="3636511"/>
+          </a:xfrm>
+        </p:spPr>
         <p:txBody>
           <a:bodyPr/>
           <a:lstStyle/>
@@ -15869,7 +15931,15 @@
           <a:p>
             <a:r>
               <a:rPr lang="en-TT" dirty="0"/>
-              <a:t>Create a new GitHub repository.</a:t>
+              <a:t>Create a new GitHub repository. Name the repository “&lt;</a:t>
+            </a:r>
+            <a:r>
+              <a:rPr lang="en-TT" dirty="0" err="1"/>
+              <a:t>GitHubUserName</a:t>
+            </a:r>
+            <a:r>
+              <a:rPr lang="en-TT" dirty="0"/>
+              <a:t>&gt;.github.io”</a:t>
             </a:r>
           </a:p>
           <a:p>
@@ -18411,13 +18481,13 @@
   <p:clrMapOvr>
     <a:masterClrMapping/>
   </p:clrMapOvr>
-  <mc:AlternateContent xmlns:mc="http://schemas.openxmlformats.org/markup-compatibility/2006">
-    <mc:Choice xmlns:p15="http://schemas.microsoft.com/office/powerpoint/2012/main" Requires="p15">
+  <mc:AlternateContent xmlns:mc="http://schemas.openxmlformats.org/markup-compatibility/2006" xmlns:p15="http://schemas.microsoft.com/office/powerpoint/2012/main">
+    <mc:Choice Requires="p15">
       <p:transition xmlns:p14="http://schemas.microsoft.com/office/powerpoint/2010/main" spd="slow" p14:dur="1250">
         <p15:prstTrans prst="peelOff"/>
       </p:transition>
     </mc:Choice>
-    <mc:Fallback>
+    <mc:Fallback xmlns="">
       <p:transition spd="slow">
         <p:fade/>
       </p:transition>
